--- a/basic_new/Module 04 - Python Functions.pptx
+++ b/basic_new/Module 04 - Python Functions.pptx
@@ -5,7 +5,7 @@
     <p:sldMasterId id="2147483717" r:id="rId1"/>
   </p:sldMasterIdLst>
   <p:notesMasterIdLst>
-    <p:notesMasterId r:id="rId31"/>
+    <p:notesMasterId r:id="rId34"/>
   </p:notesMasterIdLst>
   <p:sldIdLst>
     <p:sldId id="257" r:id="rId2"/>
@@ -32,11 +32,14 @@
     <p:sldId id="336" r:id="rId23"/>
     <p:sldId id="337" r:id="rId24"/>
     <p:sldId id="338" r:id="rId25"/>
-    <p:sldId id="339" r:id="rId26"/>
-    <p:sldId id="340" r:id="rId27"/>
-    <p:sldId id="294" r:id="rId28"/>
-    <p:sldId id="308" r:id="rId29"/>
-    <p:sldId id="316" r:id="rId30"/>
+    <p:sldId id="341" r:id="rId26"/>
+    <p:sldId id="342" r:id="rId27"/>
+    <p:sldId id="308" r:id="rId28"/>
+    <p:sldId id="343" r:id="rId29"/>
+    <p:sldId id="339" r:id="rId30"/>
+    <p:sldId id="340" r:id="rId31"/>
+    <p:sldId id="294" r:id="rId32"/>
+    <p:sldId id="316" r:id="rId33"/>
   </p:sldIdLst>
   <p:sldSz cx="12192000" cy="6858000"/>
   <p:notesSz cx="6858000" cy="9144000"/>
@@ -152,16 +155,433 @@
 <file path=ppt/revisionInfo.xml><?xml version="1.0" encoding="utf-8"?>
 <p1510:revInfo xmlns:a="http://schemas.openxmlformats.org/drawingml/2006/main" xmlns:r="http://schemas.openxmlformats.org/officeDocument/2006/relationships" xmlns:p1510="http://schemas.microsoft.com/office/powerpoint/2015/10/main">
   <p1510:revLst>
-    <p1510:client id="{18518D72-659F-BC1B-1C5D-4788DBEB738E}" v="21" dt="2022-01-19T08:30:43.553"/>
-    <p1510:client id="{1DC4A7C7-CE4F-3205-974E-8156ED17CB91}" v="2" dt="2022-01-16T14:59:56.065"/>
-    <p1510:client id="{D330ABF8-AE4D-B4F8-FC89-666F486D5107}" v="22" dt="2022-01-16T12:14:58.183"/>
-    <p1510:client id="{E0560987-A678-7011-C436-4C0A86D5401F}" v="99" dt="2023-06-15T16:19:03.619"/>
+    <p1510:client id="{A2A03E3F-62B1-4E58-A617-0C8BD9481F1D}" v="25" dt="2023-06-27T08:42:49.896"/>
   </p1510:revLst>
 </p1510:revInfo>
 </file>
 
 <file path=ppt/changesInfos/changesInfo1.xml><?xml version="1.0" encoding="utf-8"?>
 <pc:chgInfo xmlns:a="http://schemas.openxmlformats.org/drawingml/2006/main" xmlns:r="http://schemas.openxmlformats.org/officeDocument/2006/relationships" xmlns:ac="http://schemas.microsoft.com/office/drawing/2013/main/command" xmlns:pc="http://schemas.microsoft.com/office/powerpoint/2013/main/command">
+  <pc:docChgLst>
+    <pc:chgData name="Grace Alison Yurkov" userId="b81c3101a651c776" providerId="LiveId" clId="{A2A03E3F-62B1-4E58-A617-0C8BD9481F1D}"/>
+    <pc:docChg chg="undo custSel addSld modSld sldOrd">
+      <pc:chgData name="Grace Alison Yurkov" userId="b81c3101a651c776" providerId="LiveId" clId="{A2A03E3F-62B1-4E58-A617-0C8BD9481F1D}" dt="2023-06-27T08:44:01.416" v="133" actId="14100"/>
+      <pc:docMkLst>
+        <pc:docMk/>
+      </pc:docMkLst>
+      <pc:sldChg chg="modSp mod ord">
+        <pc:chgData name="Grace Alison Yurkov" userId="b81c3101a651c776" providerId="LiveId" clId="{A2A03E3F-62B1-4E58-A617-0C8BD9481F1D}" dt="2023-06-27T08:37:21.347" v="47" actId="20577"/>
+        <pc:sldMkLst>
+          <pc:docMk/>
+          <pc:sldMk cId="3816041889" sldId="308"/>
+        </pc:sldMkLst>
+        <pc:spChg chg="mod">
+          <ac:chgData name="Grace Alison Yurkov" userId="b81c3101a651c776" providerId="LiveId" clId="{A2A03E3F-62B1-4E58-A617-0C8BD9481F1D}" dt="2023-06-27T08:37:21.347" v="47" actId="20577"/>
+          <ac:spMkLst>
+            <pc:docMk/>
+            <pc:sldMk cId="3816041889" sldId="308"/>
+            <ac:spMk id="7" creationId="{00000000-0000-0000-0000-000000000000}"/>
+          </ac:spMkLst>
+        </pc:spChg>
+      </pc:sldChg>
+      <pc:sldChg chg="modSp add mod">
+        <pc:chgData name="Grace Alison Yurkov" userId="b81c3101a651c776" providerId="LiveId" clId="{A2A03E3F-62B1-4E58-A617-0C8BD9481F1D}" dt="2023-06-27T08:34:11.228" v="11" actId="27636"/>
+        <pc:sldMkLst>
+          <pc:docMk/>
+          <pc:sldMk cId="702368095" sldId="341"/>
+        </pc:sldMkLst>
+        <pc:spChg chg="mod">
+          <ac:chgData name="Grace Alison Yurkov" userId="b81c3101a651c776" providerId="LiveId" clId="{A2A03E3F-62B1-4E58-A617-0C8BD9481F1D}" dt="2023-06-27T08:33:06.368" v="9" actId="20577"/>
+          <ac:spMkLst>
+            <pc:docMk/>
+            <pc:sldMk cId="702368095" sldId="341"/>
+            <ac:spMk id="2" creationId="{00000000-0000-0000-0000-000000000000}"/>
+          </ac:spMkLst>
+        </pc:spChg>
+        <pc:spChg chg="mod">
+          <ac:chgData name="Grace Alison Yurkov" userId="b81c3101a651c776" providerId="LiveId" clId="{A2A03E3F-62B1-4E58-A617-0C8BD9481F1D}" dt="2023-06-27T08:34:11.228" v="11" actId="27636"/>
+          <ac:spMkLst>
+            <pc:docMk/>
+            <pc:sldMk cId="702368095" sldId="341"/>
+            <ac:spMk id="3" creationId="{00000000-0000-0000-0000-000000000000}"/>
+          </ac:spMkLst>
+        </pc:spChg>
+      </pc:sldChg>
+      <pc:sldChg chg="modSp add mod">
+        <pc:chgData name="Grace Alison Yurkov" userId="b81c3101a651c776" providerId="LiveId" clId="{A2A03E3F-62B1-4E58-A617-0C8BD9481F1D}" dt="2023-06-27T08:36:40.221" v="32" actId="113"/>
+        <pc:sldMkLst>
+          <pc:docMk/>
+          <pc:sldMk cId="3387540484" sldId="342"/>
+        </pc:sldMkLst>
+        <pc:spChg chg="mod">
+          <ac:chgData name="Grace Alison Yurkov" userId="b81c3101a651c776" providerId="LiveId" clId="{A2A03E3F-62B1-4E58-A617-0C8BD9481F1D}" dt="2023-06-27T08:34:21.784" v="23" actId="20577"/>
+          <ac:spMkLst>
+            <pc:docMk/>
+            <pc:sldMk cId="3387540484" sldId="342"/>
+            <ac:spMk id="2" creationId="{00000000-0000-0000-0000-000000000000}"/>
+          </ac:spMkLst>
+        </pc:spChg>
+        <pc:spChg chg="mod">
+          <ac:chgData name="Grace Alison Yurkov" userId="b81c3101a651c776" providerId="LiveId" clId="{A2A03E3F-62B1-4E58-A617-0C8BD9481F1D}" dt="2023-06-27T08:36:40.221" v="32" actId="113"/>
+          <ac:spMkLst>
+            <pc:docMk/>
+            <pc:sldMk cId="3387540484" sldId="342"/>
+            <ac:spMk id="3" creationId="{00000000-0000-0000-0000-000000000000}"/>
+          </ac:spMkLst>
+        </pc:spChg>
+      </pc:sldChg>
+      <pc:sldChg chg="addSp delSp modSp add mod ord">
+        <pc:chgData name="Grace Alison Yurkov" userId="b81c3101a651c776" providerId="LiveId" clId="{A2A03E3F-62B1-4E58-A617-0C8BD9481F1D}" dt="2023-06-27T08:44:01.416" v="133" actId="14100"/>
+        <pc:sldMkLst>
+          <pc:docMk/>
+          <pc:sldMk cId="155986256" sldId="343"/>
+        </pc:sldMkLst>
+        <pc:spChg chg="mod">
+          <ac:chgData name="Grace Alison Yurkov" userId="b81c3101a651c776" providerId="LiveId" clId="{A2A03E3F-62B1-4E58-A617-0C8BD9481F1D}" dt="2023-06-27T08:37:30.956" v="53" actId="20577"/>
+          <ac:spMkLst>
+            <pc:docMk/>
+            <pc:sldMk cId="155986256" sldId="343"/>
+            <ac:spMk id="2" creationId="{00000000-0000-0000-0000-000000000000}"/>
+          </ac:spMkLst>
+        </pc:spChg>
+        <pc:spChg chg="mod">
+          <ac:chgData name="Grace Alison Yurkov" userId="b81c3101a651c776" providerId="LiveId" clId="{A2A03E3F-62B1-4E58-A617-0C8BD9481F1D}" dt="2023-06-27T08:40:44.911" v="75"/>
+          <ac:spMkLst>
+            <pc:docMk/>
+            <pc:sldMk cId="155986256" sldId="343"/>
+            <ac:spMk id="3" creationId="{00000000-0000-0000-0000-000000000000}"/>
+          </ac:spMkLst>
+        </pc:spChg>
+        <pc:spChg chg="add mod">
+          <ac:chgData name="Grace Alison Yurkov" userId="b81c3101a651c776" providerId="LiveId" clId="{A2A03E3F-62B1-4E58-A617-0C8BD9481F1D}" dt="2023-06-27T08:41:23.047" v="83" actId="1076"/>
+          <ac:spMkLst>
+            <pc:docMk/>
+            <pc:sldMk cId="155986256" sldId="343"/>
+            <ac:spMk id="4" creationId="{A85D0F14-442C-49F7-ADFB-99D77B2DDF95}"/>
+          </ac:spMkLst>
+        </pc:spChg>
+        <pc:spChg chg="add mod">
+          <ac:chgData name="Grace Alison Yurkov" userId="b81c3101a651c776" providerId="LiveId" clId="{A2A03E3F-62B1-4E58-A617-0C8BD9481F1D}" dt="2023-06-27T08:41:20.070" v="82" actId="1076"/>
+          <ac:spMkLst>
+            <pc:docMk/>
+            <pc:sldMk cId="155986256" sldId="343"/>
+            <ac:spMk id="5" creationId="{82A847D9-4ED2-EE2B-0051-DBD80C0458EC}"/>
+          </ac:spMkLst>
+        </pc:spChg>
+        <pc:spChg chg="add mod">
+          <ac:chgData name="Grace Alison Yurkov" userId="b81c3101a651c776" providerId="LiveId" clId="{A2A03E3F-62B1-4E58-A617-0C8BD9481F1D}" dt="2023-06-27T08:41:26.397" v="84" actId="1076"/>
+          <ac:spMkLst>
+            <pc:docMk/>
+            <pc:sldMk cId="155986256" sldId="343"/>
+            <ac:spMk id="6" creationId="{6D563575-3803-076C-98B5-CD348B7CD569}"/>
+          </ac:spMkLst>
+        </pc:spChg>
+        <pc:spChg chg="add del mod">
+          <ac:chgData name="Grace Alison Yurkov" userId="b81c3101a651c776" providerId="LiveId" clId="{A2A03E3F-62B1-4E58-A617-0C8BD9481F1D}" dt="2023-06-27T08:41:57.464" v="99" actId="478"/>
+          <ac:spMkLst>
+            <pc:docMk/>
+            <pc:sldMk cId="155986256" sldId="343"/>
+            <ac:spMk id="7" creationId="{20B2C227-3DAE-5EB1-9410-D325A0B4BEAA}"/>
+          </ac:spMkLst>
+        </pc:spChg>
+        <pc:spChg chg="add mod">
+          <ac:chgData name="Grace Alison Yurkov" userId="b81c3101a651c776" providerId="LiveId" clId="{A2A03E3F-62B1-4E58-A617-0C8BD9481F1D}" dt="2023-06-27T08:44:01.416" v="133" actId="14100"/>
+          <ac:spMkLst>
+            <pc:docMk/>
+            <pc:sldMk cId="155986256" sldId="343"/>
+            <ac:spMk id="8" creationId="{9C77D842-28C8-1066-22D7-AA317B24DD43}"/>
+          </ac:spMkLst>
+        </pc:spChg>
+        <pc:spChg chg="add del">
+          <ac:chgData name="Grace Alison Yurkov" userId="b81c3101a651c776" providerId="LiveId" clId="{A2A03E3F-62B1-4E58-A617-0C8BD9481F1D}" dt="2023-06-27T08:42:25.597" v="122" actId="478"/>
+          <ac:spMkLst>
+            <pc:docMk/>
+            <pc:sldMk cId="155986256" sldId="343"/>
+            <ac:spMk id="10" creationId="{69A5BD03-AEBD-27CF-B16E-FB03BD5181B9}"/>
+          </ac:spMkLst>
+        </pc:spChg>
+        <pc:spChg chg="add mod">
+          <ac:chgData name="Grace Alison Yurkov" userId="b81c3101a651c776" providerId="LiveId" clId="{A2A03E3F-62B1-4E58-A617-0C8BD9481F1D}" dt="2023-06-27T08:42:38.825" v="127" actId="1076"/>
+          <ac:spMkLst>
+            <pc:docMk/>
+            <pc:sldMk cId="155986256" sldId="343"/>
+            <ac:spMk id="11" creationId="{BD666A9C-C093-DAAB-8433-E94D1807ECE5}"/>
+          </ac:spMkLst>
+        </pc:spChg>
+        <pc:spChg chg="add mod">
+          <ac:chgData name="Grace Alison Yurkov" userId="b81c3101a651c776" providerId="LiveId" clId="{A2A03E3F-62B1-4E58-A617-0C8BD9481F1D}" dt="2023-06-27T08:42:49.896" v="129"/>
+          <ac:spMkLst>
+            <pc:docMk/>
+            <pc:sldMk cId="155986256" sldId="343"/>
+            <ac:spMk id="12" creationId="{88412B13-816F-7D10-A841-CDCB5B0C51F2}"/>
+          </ac:spMkLst>
+        </pc:spChg>
+      </pc:sldChg>
+    </pc:docChg>
+  </pc:docChgLst>
+  <pc:docChgLst>
+    <pc:chgData name="Tomer Avishar" userId="S::tomerav@sela.co.il::6f99e47e-5b46-447c-a55a-283bba137982" providerId="AD" clId="Web-{1DC4A7C7-CE4F-3205-974E-8156ED17CB91}"/>
+    <pc:docChg chg="modSld">
+      <pc:chgData name="Tomer Avishar" userId="S::tomerav@sela.co.il::6f99e47e-5b46-447c-a55a-283bba137982" providerId="AD" clId="Web-{1DC4A7C7-CE4F-3205-974E-8156ED17CB91}" dt="2022-01-16T14:59:56.065" v="0"/>
+      <pc:docMkLst>
+        <pc:docMk/>
+      </pc:docMkLst>
+      <pc:sldChg chg="addSp">
+        <pc:chgData name="Tomer Avishar" userId="S::tomerav@sela.co.il::6f99e47e-5b46-447c-a55a-283bba137982" providerId="AD" clId="Web-{1DC4A7C7-CE4F-3205-974E-8156ED17CB91}" dt="2022-01-16T14:59:56.065" v="0"/>
+        <pc:sldMkLst>
+          <pc:docMk/>
+          <pc:sldMk cId="715340640" sldId="267"/>
+        </pc:sldMkLst>
+        <pc:spChg chg="add">
+          <ac:chgData name="Tomer Avishar" userId="S::tomerav@sela.co.il::6f99e47e-5b46-447c-a55a-283bba137982" providerId="AD" clId="Web-{1DC4A7C7-CE4F-3205-974E-8156ED17CB91}" dt="2022-01-16T14:59:56.065" v="0"/>
+          <ac:spMkLst>
+            <pc:docMk/>
+            <pc:sldMk cId="715340640" sldId="267"/>
+            <ac:spMk id="4" creationId="{BB2FB569-B4F9-42D8-84FB-8F12F35F05FF}"/>
+          </ac:spMkLst>
+        </pc:spChg>
+      </pc:sldChg>
+    </pc:docChg>
+  </pc:docChgLst>
+  <pc:docChgLst>
+    <pc:chgData name="Tomer Avishar" userId="S::tomerav@sela.co.il::6f99e47e-5b46-447c-a55a-283bba137982" providerId="AD" clId="Web-{D330ABF8-AE4D-B4F8-FC89-666F486D5107}"/>
+    <pc:docChg chg="delSld modSld">
+      <pc:chgData name="Tomer Avishar" userId="S::tomerav@sela.co.il::6f99e47e-5b46-447c-a55a-283bba137982" providerId="AD" clId="Web-{D330ABF8-AE4D-B4F8-FC89-666F486D5107}" dt="2022-01-16T12:14:55.699" v="13" actId="20577"/>
+      <pc:docMkLst>
+        <pc:docMk/>
+      </pc:docMkLst>
+      <pc:sldChg chg="modSp">
+        <pc:chgData name="Tomer Avishar" userId="S::tomerav@sela.co.il::6f99e47e-5b46-447c-a55a-283bba137982" providerId="AD" clId="Web-{D330ABF8-AE4D-B4F8-FC89-666F486D5107}" dt="2022-01-16T12:13:38.369" v="0" actId="14100"/>
+        <pc:sldMkLst>
+          <pc:docMk/>
+          <pc:sldMk cId="2492001281" sldId="280"/>
+        </pc:sldMkLst>
+        <pc:spChg chg="mod">
+          <ac:chgData name="Tomer Avishar" userId="S::tomerav@sela.co.il::6f99e47e-5b46-447c-a55a-283bba137982" providerId="AD" clId="Web-{D330ABF8-AE4D-B4F8-FC89-666F486D5107}" dt="2022-01-16T12:13:38.369" v="0" actId="14100"/>
+          <ac:spMkLst>
+            <pc:docMk/>
+            <pc:sldMk cId="2492001281" sldId="280"/>
+            <ac:spMk id="13" creationId="{F3BD2BD0-202C-40FC-8573-610EE63FC528}"/>
+          </ac:spMkLst>
+        </pc:spChg>
+      </pc:sldChg>
+      <pc:sldChg chg="delCm">
+        <pc:chgData name="Tomer Avishar" userId="S::tomerav@sela.co.il::6f99e47e-5b46-447c-a55a-283bba137982" providerId="AD" clId="Web-{D330ABF8-AE4D-B4F8-FC89-666F486D5107}" dt="2022-01-16T12:13:49.713" v="1"/>
+        <pc:sldMkLst>
+          <pc:docMk/>
+          <pc:sldMk cId="2767821557" sldId="294"/>
+        </pc:sldMkLst>
+      </pc:sldChg>
+      <pc:sldChg chg="del delCm">
+        <pc:chgData name="Tomer Avishar" userId="S::tomerav@sela.co.il::6f99e47e-5b46-447c-a55a-283bba137982" providerId="AD" clId="Web-{D330ABF8-AE4D-B4F8-FC89-666F486D5107}" dt="2022-01-16T12:14:14.089" v="3"/>
+        <pc:sldMkLst>
+          <pc:docMk/>
+          <pc:sldMk cId="2746262724" sldId="295"/>
+        </pc:sldMkLst>
+      </pc:sldChg>
+      <pc:sldChg chg="modSp">
+        <pc:chgData name="Tomer Avishar" userId="S::tomerav@sela.co.il::6f99e47e-5b46-447c-a55a-283bba137982" providerId="AD" clId="Web-{D330ABF8-AE4D-B4F8-FC89-666F486D5107}" dt="2022-01-16T12:14:55.699" v="13" actId="20577"/>
+        <pc:sldMkLst>
+          <pc:docMk/>
+          <pc:sldMk cId="1380134214" sldId="309"/>
+        </pc:sldMkLst>
+        <pc:spChg chg="mod">
+          <ac:chgData name="Tomer Avishar" userId="S::tomerav@sela.co.il::6f99e47e-5b46-447c-a55a-283bba137982" providerId="AD" clId="Web-{D330ABF8-AE4D-B4F8-FC89-666F486D5107}" dt="2022-01-16T12:14:55.699" v="13" actId="20577"/>
+          <ac:spMkLst>
+            <pc:docMk/>
+            <pc:sldMk cId="1380134214" sldId="309"/>
+            <ac:spMk id="6" creationId="{74F98662-678E-4B15-8F4B-F2B687111016}"/>
+          </ac:spMkLst>
+        </pc:spChg>
+      </pc:sldChg>
+    </pc:docChg>
+  </pc:docChgLst>
+  <pc:docChgLst>
+    <pc:chgData clId="Web-{1DC4A7C7-CE4F-3205-974E-8156ED17CB91}"/>
+    <pc:docChg chg="modSld">
+      <pc:chgData name="" userId="" providerId="" clId="Web-{1DC4A7C7-CE4F-3205-974E-8156ED17CB91}" dt="2022-01-16T14:59:31.361" v="0"/>
+      <pc:docMkLst>
+        <pc:docMk/>
+      </pc:docMkLst>
+      <pc:sldChg chg="addSp">
+        <pc:chgData name="" userId="" providerId="" clId="Web-{1DC4A7C7-CE4F-3205-974E-8156ED17CB91}" dt="2022-01-16T14:59:31.361" v="0"/>
+        <pc:sldMkLst>
+          <pc:docMk/>
+          <pc:sldMk cId="1629193451" sldId="257"/>
+        </pc:sldMkLst>
+        <pc:spChg chg="add">
+          <ac:chgData name="" userId="" providerId="" clId="Web-{1DC4A7C7-CE4F-3205-974E-8156ED17CB91}" dt="2022-01-16T14:59:31.361" v="0"/>
+          <ac:spMkLst>
+            <pc:docMk/>
+            <pc:sldMk cId="1629193451" sldId="257"/>
+            <ac:spMk id="3" creationId="{14FB7C35-71DA-4678-A4BC-B36886A75DA8}"/>
+          </ac:spMkLst>
+        </pc:spChg>
+      </pc:sldChg>
+    </pc:docChg>
+  </pc:docChgLst>
+  <pc:docChgLst>
+    <pc:chgData name="Tomer Avishar" userId="S::tomerav@sela.co.il::6f99e47e-5b46-447c-a55a-283bba137982" providerId="AD" clId="Web-{18518D72-659F-BC1B-1C5D-4788DBEB738E}"/>
+    <pc:docChg chg="modSld">
+      <pc:chgData name="Tomer Avishar" userId="S::tomerav@sela.co.il::6f99e47e-5b46-447c-a55a-283bba137982" providerId="AD" clId="Web-{18518D72-659F-BC1B-1C5D-4788DBEB738E}" dt="2022-01-19T08:46:13.847" v="1228"/>
+      <pc:docMkLst>
+        <pc:docMk/>
+      </pc:docMkLst>
+      <pc:sldChg chg="modNotes">
+        <pc:chgData name="Tomer Avishar" userId="S::tomerav@sela.co.il::6f99e47e-5b46-447c-a55a-283bba137982" providerId="AD" clId="Web-{18518D72-659F-BC1B-1C5D-4788DBEB738E}" dt="2022-01-19T07:42:32.329" v="152"/>
+        <pc:sldMkLst>
+          <pc:docMk/>
+          <pc:sldMk cId="89284741" sldId="264"/>
+        </pc:sldMkLst>
+      </pc:sldChg>
+      <pc:sldChg chg="modNotes">
+        <pc:chgData name="Tomer Avishar" userId="S::tomerav@sela.co.il::6f99e47e-5b46-447c-a55a-283bba137982" providerId="AD" clId="Web-{18518D72-659F-BC1B-1C5D-4788DBEB738E}" dt="2022-01-19T07:49:45.668" v="311"/>
+        <pc:sldMkLst>
+          <pc:docMk/>
+          <pc:sldMk cId="2304337233" sldId="266"/>
+        </pc:sldMkLst>
+      </pc:sldChg>
+      <pc:sldChg chg="modNotes">
+        <pc:chgData name="Tomer Avishar" userId="S::tomerav@sela.co.il::6f99e47e-5b46-447c-a55a-283bba137982" providerId="AD" clId="Web-{18518D72-659F-BC1B-1C5D-4788DBEB738E}" dt="2022-01-19T07:50:05.028" v="314"/>
+        <pc:sldMkLst>
+          <pc:docMk/>
+          <pc:sldMk cId="715340640" sldId="267"/>
+        </pc:sldMkLst>
+      </pc:sldChg>
+      <pc:sldChg chg="modSp modNotes">
+        <pc:chgData name="Tomer Avishar" userId="S::tomerav@sela.co.il::6f99e47e-5b46-447c-a55a-283bba137982" providerId="AD" clId="Web-{18518D72-659F-BC1B-1C5D-4788DBEB738E}" dt="2022-01-19T07:50:33.622" v="316" actId="14100"/>
+        <pc:sldMkLst>
+          <pc:docMk/>
+          <pc:sldMk cId="2689029024" sldId="270"/>
+        </pc:sldMkLst>
+        <pc:picChg chg="mod">
+          <ac:chgData name="Tomer Avishar" userId="S::tomerav@sela.co.il::6f99e47e-5b46-447c-a55a-283bba137982" providerId="AD" clId="Web-{18518D72-659F-BC1B-1C5D-4788DBEB738E}" dt="2022-01-19T07:50:33.622" v="316" actId="14100"/>
+          <ac:picMkLst>
+            <pc:docMk/>
+            <pc:sldMk cId="2689029024" sldId="270"/>
+            <ac:picMk id="5" creationId="{CB94E144-CDD6-4E31-BD08-A4728824C2AC}"/>
+          </ac:picMkLst>
+        </pc:picChg>
+      </pc:sldChg>
+      <pc:sldChg chg="modNotes">
+        <pc:chgData name="Tomer Avishar" userId="S::tomerav@sela.co.il::6f99e47e-5b46-447c-a55a-283bba137982" providerId="AD" clId="Web-{18518D72-659F-BC1B-1C5D-4788DBEB738E}" dt="2022-01-19T08:00:08.652" v="659"/>
+        <pc:sldMkLst>
+          <pc:docMk/>
+          <pc:sldMk cId="3214580080" sldId="271"/>
+        </pc:sldMkLst>
+      </pc:sldChg>
+      <pc:sldChg chg="modSp modNotes">
+        <pc:chgData name="Tomer Avishar" userId="S::tomerav@sela.co.il::6f99e47e-5b46-447c-a55a-283bba137982" providerId="AD" clId="Web-{18518D72-659F-BC1B-1C5D-4788DBEB738E}" dt="2022-01-19T08:35:01.101" v="983"/>
+        <pc:sldMkLst>
+          <pc:docMk/>
+          <pc:sldMk cId="836256761" sldId="273"/>
+        </pc:sldMkLst>
+        <pc:spChg chg="mod">
+          <ac:chgData name="Tomer Avishar" userId="S::tomerav@sela.co.il::6f99e47e-5b46-447c-a55a-283bba137982" providerId="AD" clId="Web-{18518D72-659F-BC1B-1C5D-4788DBEB738E}" dt="2022-01-19T08:29:33.221" v="665" actId="1076"/>
+          <ac:spMkLst>
+            <pc:docMk/>
+            <pc:sldMk cId="836256761" sldId="273"/>
+            <ac:spMk id="33" creationId="{D02A888E-5FC8-4540-8F3B-D8914D030D17}"/>
+          </ac:spMkLst>
+        </pc:spChg>
+        <pc:spChg chg="mod">
+          <ac:chgData name="Tomer Avishar" userId="S::tomerav@sela.co.il::6f99e47e-5b46-447c-a55a-283bba137982" providerId="AD" clId="Web-{18518D72-659F-BC1B-1C5D-4788DBEB738E}" dt="2022-01-19T08:30:39.835" v="678" actId="1076"/>
+          <ac:spMkLst>
+            <pc:docMk/>
+            <pc:sldMk cId="836256761" sldId="273"/>
+            <ac:spMk id="47" creationId="{00000000-0000-0000-0000-000000000000}"/>
+          </ac:spMkLst>
+        </pc:spChg>
+        <pc:spChg chg="mod">
+          <ac:chgData name="Tomer Avishar" userId="S::tomerav@sela.co.il::6f99e47e-5b46-447c-a55a-283bba137982" providerId="AD" clId="Web-{18518D72-659F-BC1B-1C5D-4788DBEB738E}" dt="2022-01-19T08:30:23.974" v="674" actId="14100"/>
+          <ac:spMkLst>
+            <pc:docMk/>
+            <pc:sldMk cId="836256761" sldId="273"/>
+            <ac:spMk id="48" creationId="{00000000-0000-0000-0000-000000000000}"/>
+          </ac:spMkLst>
+        </pc:spChg>
+        <pc:spChg chg="mod">
+          <ac:chgData name="Tomer Avishar" userId="S::tomerav@sela.co.il::6f99e47e-5b46-447c-a55a-283bba137982" providerId="AD" clId="Web-{18518D72-659F-BC1B-1C5D-4788DBEB738E}" dt="2022-01-19T08:29:50.034" v="667" actId="1076"/>
+          <ac:spMkLst>
+            <pc:docMk/>
+            <pc:sldMk cId="836256761" sldId="273"/>
+            <ac:spMk id="51" creationId="{00000000-0000-0000-0000-000000000000}"/>
+          </ac:spMkLst>
+        </pc:spChg>
+        <pc:spChg chg="mod">
+          <ac:chgData name="Tomer Avishar" userId="S::tomerav@sela.co.il::6f99e47e-5b46-447c-a55a-283bba137982" providerId="AD" clId="Web-{18518D72-659F-BC1B-1C5D-4788DBEB738E}" dt="2022-01-19T08:30:32.162" v="676" actId="1076"/>
+          <ac:spMkLst>
+            <pc:docMk/>
+            <pc:sldMk cId="836256761" sldId="273"/>
+            <ac:spMk id="52" creationId="{00000000-0000-0000-0000-000000000000}"/>
+          </ac:spMkLst>
+        </pc:spChg>
+        <pc:grpChg chg="mod">
+          <ac:chgData name="Tomer Avishar" userId="S::tomerav@sela.co.il::6f99e47e-5b46-447c-a55a-283bba137982" providerId="AD" clId="Web-{18518D72-659F-BC1B-1C5D-4788DBEB738E}" dt="2022-01-19T08:29:45.753" v="666" actId="1076"/>
+          <ac:grpSpMkLst>
+            <pc:docMk/>
+            <pc:sldMk cId="836256761" sldId="273"/>
+            <ac:grpSpMk id="61" creationId="{00000000-0000-0000-0000-000000000000}"/>
+          </ac:grpSpMkLst>
+        </pc:grpChg>
+        <pc:picChg chg="mod">
+          <ac:chgData name="Tomer Avishar" userId="S::tomerav@sela.co.il::6f99e47e-5b46-447c-a55a-283bba137982" providerId="AD" clId="Web-{18518D72-659F-BC1B-1C5D-4788DBEB738E}" dt="2022-01-19T08:29:17.782" v="662" actId="14100"/>
+          <ac:picMkLst>
+            <pc:docMk/>
+            <pc:sldMk cId="836256761" sldId="273"/>
+            <ac:picMk id="5" creationId="{EB4C8E04-D222-424F-B1D9-E4EFBA7C804A}"/>
+          </ac:picMkLst>
+        </pc:picChg>
+        <pc:cxnChg chg="mod">
+          <ac:chgData name="Tomer Avishar" userId="S::tomerav@sela.co.il::6f99e47e-5b46-447c-a55a-283bba137982" providerId="AD" clId="Web-{18518D72-659F-BC1B-1C5D-4788DBEB738E}" dt="2022-01-19T08:29:33.221" v="665" actId="1076"/>
+          <ac:cxnSpMkLst>
+            <pc:docMk/>
+            <pc:sldMk cId="836256761" sldId="273"/>
+            <ac:cxnSpMk id="34" creationId="{630AC0C4-7B96-4287-9C2B-D0D3666BB022}"/>
+          </ac:cxnSpMkLst>
+        </pc:cxnChg>
+        <pc:cxnChg chg="mod">
+          <ac:chgData name="Tomer Avishar" userId="S::tomerav@sela.co.il::6f99e47e-5b46-447c-a55a-283bba137982" providerId="AD" clId="Web-{18518D72-659F-BC1B-1C5D-4788DBEB738E}" dt="2022-01-19T08:29:58.582" v="669" actId="14100"/>
+          <ac:cxnSpMkLst>
+            <pc:docMk/>
+            <pc:sldMk cId="836256761" sldId="273"/>
+            <ac:cxnSpMk id="55" creationId="{00000000-0000-0000-0000-000000000000}"/>
+          </ac:cxnSpMkLst>
+        </pc:cxnChg>
+        <pc:cxnChg chg="mod">
+          <ac:chgData name="Tomer Avishar" userId="S::tomerav@sela.co.il::6f99e47e-5b46-447c-a55a-283bba137982" providerId="AD" clId="Web-{18518D72-659F-BC1B-1C5D-4788DBEB738E}" dt="2022-01-19T08:30:35.412" v="677" actId="14100"/>
+          <ac:cxnSpMkLst>
+            <pc:docMk/>
+            <pc:sldMk cId="836256761" sldId="273"/>
+            <ac:cxnSpMk id="56" creationId="{00000000-0000-0000-0000-000000000000}"/>
+          </ac:cxnSpMkLst>
+        </pc:cxnChg>
+        <pc:cxnChg chg="mod">
+          <ac:chgData name="Tomer Avishar" userId="S::tomerav@sela.co.il::6f99e47e-5b46-447c-a55a-283bba137982" providerId="AD" clId="Web-{18518D72-659F-BC1B-1C5D-4788DBEB738E}" dt="2022-01-19T08:30:28.865" v="675" actId="14100"/>
+          <ac:cxnSpMkLst>
+            <pc:docMk/>
+            <pc:sldMk cId="836256761" sldId="273"/>
+            <ac:cxnSpMk id="57" creationId="{00000000-0000-0000-0000-000000000000}"/>
+          </ac:cxnSpMkLst>
+        </pc:cxnChg>
+        <pc:cxnChg chg="mod">
+          <ac:chgData name="Tomer Avishar" userId="S::tomerav@sela.co.il::6f99e47e-5b46-447c-a55a-283bba137982" providerId="AD" clId="Web-{18518D72-659F-BC1B-1C5D-4788DBEB738E}" dt="2022-01-19T08:30:43.553" v="679" actId="14100"/>
+          <ac:cxnSpMkLst>
+            <pc:docMk/>
+            <pc:sldMk cId="836256761" sldId="273"/>
+            <ac:cxnSpMk id="60" creationId="{00000000-0000-0000-0000-000000000000}"/>
+          </ac:cxnSpMkLst>
+        </pc:cxnChg>
+      </pc:sldChg>
+      <pc:sldChg chg="modNotes">
+        <pc:chgData name="Tomer Avishar" userId="S::tomerav@sela.co.il::6f99e47e-5b46-447c-a55a-283bba137982" providerId="AD" clId="Web-{18518D72-659F-BC1B-1C5D-4788DBEB738E}" dt="2022-01-19T08:46:13.847" v="1228"/>
+        <pc:sldMkLst>
+          <pc:docMk/>
+          <pc:sldMk cId="1380134214" sldId="309"/>
+        </pc:sldMkLst>
+      </pc:sldChg>
+    </pc:docChg>
+  </pc:docChgLst>
   <pc:docChgLst>
     <pc:chgData name="Alexander Gotlib" userId="S::alexanderg@sela.co.il::ecaa1ea6-0ac0-4997-886b-e4a61a588c34" providerId="AD" clId="Web-{E0560987-A678-7011-C436-4C0A86D5401F}"/>
     <pc:docChg chg="addSld modSld">
@@ -415,269 +835,6 @@
       </pc:sldChg>
     </pc:docChg>
   </pc:docChgLst>
-  <pc:docChgLst>
-    <pc:chgData name="Tomer Avishar" userId="S::tomerav@sela.co.il::6f99e47e-5b46-447c-a55a-283bba137982" providerId="AD" clId="Web-{18518D72-659F-BC1B-1C5D-4788DBEB738E}"/>
-    <pc:docChg chg="modSld">
-      <pc:chgData name="Tomer Avishar" userId="S::tomerav@sela.co.il::6f99e47e-5b46-447c-a55a-283bba137982" providerId="AD" clId="Web-{18518D72-659F-BC1B-1C5D-4788DBEB738E}" dt="2022-01-19T08:46:13.847" v="1228"/>
-      <pc:docMkLst>
-        <pc:docMk/>
-      </pc:docMkLst>
-      <pc:sldChg chg="modNotes">
-        <pc:chgData name="Tomer Avishar" userId="S::tomerav@sela.co.il::6f99e47e-5b46-447c-a55a-283bba137982" providerId="AD" clId="Web-{18518D72-659F-BC1B-1C5D-4788DBEB738E}" dt="2022-01-19T07:42:32.329" v="152"/>
-        <pc:sldMkLst>
-          <pc:docMk/>
-          <pc:sldMk cId="89284741" sldId="264"/>
-        </pc:sldMkLst>
-      </pc:sldChg>
-      <pc:sldChg chg="modNotes">
-        <pc:chgData name="Tomer Avishar" userId="S::tomerav@sela.co.il::6f99e47e-5b46-447c-a55a-283bba137982" providerId="AD" clId="Web-{18518D72-659F-BC1B-1C5D-4788DBEB738E}" dt="2022-01-19T07:49:45.668" v="311"/>
-        <pc:sldMkLst>
-          <pc:docMk/>
-          <pc:sldMk cId="2304337233" sldId="266"/>
-        </pc:sldMkLst>
-      </pc:sldChg>
-      <pc:sldChg chg="modNotes">
-        <pc:chgData name="Tomer Avishar" userId="S::tomerav@sela.co.il::6f99e47e-5b46-447c-a55a-283bba137982" providerId="AD" clId="Web-{18518D72-659F-BC1B-1C5D-4788DBEB738E}" dt="2022-01-19T07:50:05.028" v="314"/>
-        <pc:sldMkLst>
-          <pc:docMk/>
-          <pc:sldMk cId="715340640" sldId="267"/>
-        </pc:sldMkLst>
-      </pc:sldChg>
-      <pc:sldChg chg="modSp modNotes">
-        <pc:chgData name="Tomer Avishar" userId="S::tomerav@sela.co.il::6f99e47e-5b46-447c-a55a-283bba137982" providerId="AD" clId="Web-{18518D72-659F-BC1B-1C5D-4788DBEB738E}" dt="2022-01-19T07:50:33.622" v="316" actId="14100"/>
-        <pc:sldMkLst>
-          <pc:docMk/>
-          <pc:sldMk cId="2689029024" sldId="270"/>
-        </pc:sldMkLst>
-        <pc:picChg chg="mod">
-          <ac:chgData name="Tomer Avishar" userId="S::tomerav@sela.co.il::6f99e47e-5b46-447c-a55a-283bba137982" providerId="AD" clId="Web-{18518D72-659F-BC1B-1C5D-4788DBEB738E}" dt="2022-01-19T07:50:33.622" v="316" actId="14100"/>
-          <ac:picMkLst>
-            <pc:docMk/>
-            <pc:sldMk cId="2689029024" sldId="270"/>
-            <ac:picMk id="5" creationId="{CB94E144-CDD6-4E31-BD08-A4728824C2AC}"/>
-          </ac:picMkLst>
-        </pc:picChg>
-      </pc:sldChg>
-      <pc:sldChg chg="modNotes">
-        <pc:chgData name="Tomer Avishar" userId="S::tomerav@sela.co.il::6f99e47e-5b46-447c-a55a-283bba137982" providerId="AD" clId="Web-{18518D72-659F-BC1B-1C5D-4788DBEB738E}" dt="2022-01-19T08:00:08.652" v="659"/>
-        <pc:sldMkLst>
-          <pc:docMk/>
-          <pc:sldMk cId="3214580080" sldId="271"/>
-        </pc:sldMkLst>
-      </pc:sldChg>
-      <pc:sldChg chg="modSp modNotes">
-        <pc:chgData name="Tomer Avishar" userId="S::tomerav@sela.co.il::6f99e47e-5b46-447c-a55a-283bba137982" providerId="AD" clId="Web-{18518D72-659F-BC1B-1C5D-4788DBEB738E}" dt="2022-01-19T08:35:01.101" v="983"/>
-        <pc:sldMkLst>
-          <pc:docMk/>
-          <pc:sldMk cId="836256761" sldId="273"/>
-        </pc:sldMkLst>
-        <pc:spChg chg="mod">
-          <ac:chgData name="Tomer Avishar" userId="S::tomerav@sela.co.il::6f99e47e-5b46-447c-a55a-283bba137982" providerId="AD" clId="Web-{18518D72-659F-BC1B-1C5D-4788DBEB738E}" dt="2022-01-19T08:29:33.221" v="665" actId="1076"/>
-          <ac:spMkLst>
-            <pc:docMk/>
-            <pc:sldMk cId="836256761" sldId="273"/>
-            <ac:spMk id="33" creationId="{D02A888E-5FC8-4540-8F3B-D8914D030D17}"/>
-          </ac:spMkLst>
-        </pc:spChg>
-        <pc:spChg chg="mod">
-          <ac:chgData name="Tomer Avishar" userId="S::tomerav@sela.co.il::6f99e47e-5b46-447c-a55a-283bba137982" providerId="AD" clId="Web-{18518D72-659F-BC1B-1C5D-4788DBEB738E}" dt="2022-01-19T08:30:39.835" v="678" actId="1076"/>
-          <ac:spMkLst>
-            <pc:docMk/>
-            <pc:sldMk cId="836256761" sldId="273"/>
-            <ac:spMk id="47" creationId="{00000000-0000-0000-0000-000000000000}"/>
-          </ac:spMkLst>
-        </pc:spChg>
-        <pc:spChg chg="mod">
-          <ac:chgData name="Tomer Avishar" userId="S::tomerav@sela.co.il::6f99e47e-5b46-447c-a55a-283bba137982" providerId="AD" clId="Web-{18518D72-659F-BC1B-1C5D-4788DBEB738E}" dt="2022-01-19T08:30:23.974" v="674" actId="14100"/>
-          <ac:spMkLst>
-            <pc:docMk/>
-            <pc:sldMk cId="836256761" sldId="273"/>
-            <ac:spMk id="48" creationId="{00000000-0000-0000-0000-000000000000}"/>
-          </ac:spMkLst>
-        </pc:spChg>
-        <pc:spChg chg="mod">
-          <ac:chgData name="Tomer Avishar" userId="S::tomerav@sela.co.il::6f99e47e-5b46-447c-a55a-283bba137982" providerId="AD" clId="Web-{18518D72-659F-BC1B-1C5D-4788DBEB738E}" dt="2022-01-19T08:29:50.034" v="667" actId="1076"/>
-          <ac:spMkLst>
-            <pc:docMk/>
-            <pc:sldMk cId="836256761" sldId="273"/>
-            <ac:spMk id="51" creationId="{00000000-0000-0000-0000-000000000000}"/>
-          </ac:spMkLst>
-        </pc:spChg>
-        <pc:spChg chg="mod">
-          <ac:chgData name="Tomer Avishar" userId="S::tomerav@sela.co.il::6f99e47e-5b46-447c-a55a-283bba137982" providerId="AD" clId="Web-{18518D72-659F-BC1B-1C5D-4788DBEB738E}" dt="2022-01-19T08:30:32.162" v="676" actId="1076"/>
-          <ac:spMkLst>
-            <pc:docMk/>
-            <pc:sldMk cId="836256761" sldId="273"/>
-            <ac:spMk id="52" creationId="{00000000-0000-0000-0000-000000000000}"/>
-          </ac:spMkLst>
-        </pc:spChg>
-        <pc:grpChg chg="mod">
-          <ac:chgData name="Tomer Avishar" userId="S::tomerav@sela.co.il::6f99e47e-5b46-447c-a55a-283bba137982" providerId="AD" clId="Web-{18518D72-659F-BC1B-1C5D-4788DBEB738E}" dt="2022-01-19T08:29:45.753" v="666" actId="1076"/>
-          <ac:grpSpMkLst>
-            <pc:docMk/>
-            <pc:sldMk cId="836256761" sldId="273"/>
-            <ac:grpSpMk id="61" creationId="{00000000-0000-0000-0000-000000000000}"/>
-          </ac:grpSpMkLst>
-        </pc:grpChg>
-        <pc:picChg chg="mod">
-          <ac:chgData name="Tomer Avishar" userId="S::tomerav@sela.co.il::6f99e47e-5b46-447c-a55a-283bba137982" providerId="AD" clId="Web-{18518D72-659F-BC1B-1C5D-4788DBEB738E}" dt="2022-01-19T08:29:17.782" v="662" actId="14100"/>
-          <ac:picMkLst>
-            <pc:docMk/>
-            <pc:sldMk cId="836256761" sldId="273"/>
-            <ac:picMk id="5" creationId="{EB4C8E04-D222-424F-B1D9-E4EFBA7C804A}"/>
-          </ac:picMkLst>
-        </pc:picChg>
-        <pc:cxnChg chg="mod">
-          <ac:chgData name="Tomer Avishar" userId="S::tomerav@sela.co.il::6f99e47e-5b46-447c-a55a-283bba137982" providerId="AD" clId="Web-{18518D72-659F-BC1B-1C5D-4788DBEB738E}" dt="2022-01-19T08:29:33.221" v="665" actId="1076"/>
-          <ac:cxnSpMkLst>
-            <pc:docMk/>
-            <pc:sldMk cId="836256761" sldId="273"/>
-            <ac:cxnSpMk id="34" creationId="{630AC0C4-7B96-4287-9C2B-D0D3666BB022}"/>
-          </ac:cxnSpMkLst>
-        </pc:cxnChg>
-        <pc:cxnChg chg="mod">
-          <ac:chgData name="Tomer Avishar" userId="S::tomerav@sela.co.il::6f99e47e-5b46-447c-a55a-283bba137982" providerId="AD" clId="Web-{18518D72-659F-BC1B-1C5D-4788DBEB738E}" dt="2022-01-19T08:29:58.582" v="669" actId="14100"/>
-          <ac:cxnSpMkLst>
-            <pc:docMk/>
-            <pc:sldMk cId="836256761" sldId="273"/>
-            <ac:cxnSpMk id="55" creationId="{00000000-0000-0000-0000-000000000000}"/>
-          </ac:cxnSpMkLst>
-        </pc:cxnChg>
-        <pc:cxnChg chg="mod">
-          <ac:chgData name="Tomer Avishar" userId="S::tomerav@sela.co.il::6f99e47e-5b46-447c-a55a-283bba137982" providerId="AD" clId="Web-{18518D72-659F-BC1B-1C5D-4788DBEB738E}" dt="2022-01-19T08:30:35.412" v="677" actId="14100"/>
-          <ac:cxnSpMkLst>
-            <pc:docMk/>
-            <pc:sldMk cId="836256761" sldId="273"/>
-            <ac:cxnSpMk id="56" creationId="{00000000-0000-0000-0000-000000000000}"/>
-          </ac:cxnSpMkLst>
-        </pc:cxnChg>
-        <pc:cxnChg chg="mod">
-          <ac:chgData name="Tomer Avishar" userId="S::tomerav@sela.co.il::6f99e47e-5b46-447c-a55a-283bba137982" providerId="AD" clId="Web-{18518D72-659F-BC1B-1C5D-4788DBEB738E}" dt="2022-01-19T08:30:28.865" v="675" actId="14100"/>
-          <ac:cxnSpMkLst>
-            <pc:docMk/>
-            <pc:sldMk cId="836256761" sldId="273"/>
-            <ac:cxnSpMk id="57" creationId="{00000000-0000-0000-0000-000000000000}"/>
-          </ac:cxnSpMkLst>
-        </pc:cxnChg>
-        <pc:cxnChg chg="mod">
-          <ac:chgData name="Tomer Avishar" userId="S::tomerav@sela.co.il::6f99e47e-5b46-447c-a55a-283bba137982" providerId="AD" clId="Web-{18518D72-659F-BC1B-1C5D-4788DBEB738E}" dt="2022-01-19T08:30:43.553" v="679" actId="14100"/>
-          <ac:cxnSpMkLst>
-            <pc:docMk/>
-            <pc:sldMk cId="836256761" sldId="273"/>
-            <ac:cxnSpMk id="60" creationId="{00000000-0000-0000-0000-000000000000}"/>
-          </ac:cxnSpMkLst>
-        </pc:cxnChg>
-      </pc:sldChg>
-      <pc:sldChg chg="modNotes">
-        <pc:chgData name="Tomer Avishar" userId="S::tomerav@sela.co.il::6f99e47e-5b46-447c-a55a-283bba137982" providerId="AD" clId="Web-{18518D72-659F-BC1B-1C5D-4788DBEB738E}" dt="2022-01-19T08:46:13.847" v="1228"/>
-        <pc:sldMkLst>
-          <pc:docMk/>
-          <pc:sldMk cId="1380134214" sldId="309"/>
-        </pc:sldMkLst>
-      </pc:sldChg>
-    </pc:docChg>
-  </pc:docChgLst>
-  <pc:docChgLst>
-    <pc:chgData name="Tomer Avishar" userId="S::tomerav@sela.co.il::6f99e47e-5b46-447c-a55a-283bba137982" providerId="AD" clId="Web-{1DC4A7C7-CE4F-3205-974E-8156ED17CB91}"/>
-    <pc:docChg chg="modSld">
-      <pc:chgData name="Tomer Avishar" userId="S::tomerav@sela.co.il::6f99e47e-5b46-447c-a55a-283bba137982" providerId="AD" clId="Web-{1DC4A7C7-CE4F-3205-974E-8156ED17CB91}" dt="2022-01-16T14:59:56.065" v="0"/>
-      <pc:docMkLst>
-        <pc:docMk/>
-      </pc:docMkLst>
-      <pc:sldChg chg="addSp">
-        <pc:chgData name="Tomer Avishar" userId="S::tomerav@sela.co.il::6f99e47e-5b46-447c-a55a-283bba137982" providerId="AD" clId="Web-{1DC4A7C7-CE4F-3205-974E-8156ED17CB91}" dt="2022-01-16T14:59:56.065" v="0"/>
-        <pc:sldMkLst>
-          <pc:docMk/>
-          <pc:sldMk cId="715340640" sldId="267"/>
-        </pc:sldMkLst>
-        <pc:spChg chg="add">
-          <ac:chgData name="Tomer Avishar" userId="S::tomerav@sela.co.il::6f99e47e-5b46-447c-a55a-283bba137982" providerId="AD" clId="Web-{1DC4A7C7-CE4F-3205-974E-8156ED17CB91}" dt="2022-01-16T14:59:56.065" v="0"/>
-          <ac:spMkLst>
-            <pc:docMk/>
-            <pc:sldMk cId="715340640" sldId="267"/>
-            <ac:spMk id="4" creationId="{BB2FB569-B4F9-42D8-84FB-8F12F35F05FF}"/>
-          </ac:spMkLst>
-        </pc:spChg>
-      </pc:sldChg>
-    </pc:docChg>
-  </pc:docChgLst>
-  <pc:docChgLst>
-    <pc:chgData name="Tomer Avishar" userId="S::tomerav@sela.co.il::6f99e47e-5b46-447c-a55a-283bba137982" providerId="AD" clId="Web-{D330ABF8-AE4D-B4F8-FC89-666F486D5107}"/>
-    <pc:docChg chg="delSld modSld">
-      <pc:chgData name="Tomer Avishar" userId="S::tomerav@sela.co.il::6f99e47e-5b46-447c-a55a-283bba137982" providerId="AD" clId="Web-{D330ABF8-AE4D-B4F8-FC89-666F486D5107}" dt="2022-01-16T12:14:55.699" v="13" actId="20577"/>
-      <pc:docMkLst>
-        <pc:docMk/>
-      </pc:docMkLst>
-      <pc:sldChg chg="modSp">
-        <pc:chgData name="Tomer Avishar" userId="S::tomerav@sela.co.il::6f99e47e-5b46-447c-a55a-283bba137982" providerId="AD" clId="Web-{D330ABF8-AE4D-B4F8-FC89-666F486D5107}" dt="2022-01-16T12:13:38.369" v="0" actId="14100"/>
-        <pc:sldMkLst>
-          <pc:docMk/>
-          <pc:sldMk cId="2492001281" sldId="280"/>
-        </pc:sldMkLst>
-        <pc:spChg chg="mod">
-          <ac:chgData name="Tomer Avishar" userId="S::tomerav@sela.co.il::6f99e47e-5b46-447c-a55a-283bba137982" providerId="AD" clId="Web-{D330ABF8-AE4D-B4F8-FC89-666F486D5107}" dt="2022-01-16T12:13:38.369" v="0" actId="14100"/>
-          <ac:spMkLst>
-            <pc:docMk/>
-            <pc:sldMk cId="2492001281" sldId="280"/>
-            <ac:spMk id="13" creationId="{F3BD2BD0-202C-40FC-8573-610EE63FC528}"/>
-          </ac:spMkLst>
-        </pc:spChg>
-      </pc:sldChg>
-      <pc:sldChg chg="delCm">
-        <pc:chgData name="Tomer Avishar" userId="S::tomerav@sela.co.il::6f99e47e-5b46-447c-a55a-283bba137982" providerId="AD" clId="Web-{D330ABF8-AE4D-B4F8-FC89-666F486D5107}" dt="2022-01-16T12:13:49.713" v="1"/>
-        <pc:sldMkLst>
-          <pc:docMk/>
-          <pc:sldMk cId="2767821557" sldId="294"/>
-        </pc:sldMkLst>
-      </pc:sldChg>
-      <pc:sldChg chg="del delCm">
-        <pc:chgData name="Tomer Avishar" userId="S::tomerav@sela.co.il::6f99e47e-5b46-447c-a55a-283bba137982" providerId="AD" clId="Web-{D330ABF8-AE4D-B4F8-FC89-666F486D5107}" dt="2022-01-16T12:14:14.089" v="3"/>
-        <pc:sldMkLst>
-          <pc:docMk/>
-          <pc:sldMk cId="2746262724" sldId="295"/>
-        </pc:sldMkLst>
-      </pc:sldChg>
-      <pc:sldChg chg="modSp">
-        <pc:chgData name="Tomer Avishar" userId="S::tomerav@sela.co.il::6f99e47e-5b46-447c-a55a-283bba137982" providerId="AD" clId="Web-{D330ABF8-AE4D-B4F8-FC89-666F486D5107}" dt="2022-01-16T12:14:55.699" v="13" actId="20577"/>
-        <pc:sldMkLst>
-          <pc:docMk/>
-          <pc:sldMk cId="1380134214" sldId="309"/>
-        </pc:sldMkLst>
-        <pc:spChg chg="mod">
-          <ac:chgData name="Tomer Avishar" userId="S::tomerav@sela.co.il::6f99e47e-5b46-447c-a55a-283bba137982" providerId="AD" clId="Web-{D330ABF8-AE4D-B4F8-FC89-666F486D5107}" dt="2022-01-16T12:14:55.699" v="13" actId="20577"/>
-          <ac:spMkLst>
-            <pc:docMk/>
-            <pc:sldMk cId="1380134214" sldId="309"/>
-            <ac:spMk id="6" creationId="{74F98662-678E-4B15-8F4B-F2B687111016}"/>
-          </ac:spMkLst>
-        </pc:spChg>
-      </pc:sldChg>
-    </pc:docChg>
-  </pc:docChgLst>
-  <pc:docChgLst>
-    <pc:chgData clId="Web-{1DC4A7C7-CE4F-3205-974E-8156ED17CB91}"/>
-    <pc:docChg chg="modSld">
-      <pc:chgData name="" userId="" providerId="" clId="Web-{1DC4A7C7-CE4F-3205-974E-8156ED17CB91}" dt="2022-01-16T14:59:31.361" v="0"/>
-      <pc:docMkLst>
-        <pc:docMk/>
-      </pc:docMkLst>
-      <pc:sldChg chg="addSp">
-        <pc:chgData name="" userId="" providerId="" clId="Web-{1DC4A7C7-CE4F-3205-974E-8156ED17CB91}" dt="2022-01-16T14:59:31.361" v="0"/>
-        <pc:sldMkLst>
-          <pc:docMk/>
-          <pc:sldMk cId="1629193451" sldId="257"/>
-        </pc:sldMkLst>
-        <pc:spChg chg="add">
-          <ac:chgData name="" userId="" providerId="" clId="Web-{1DC4A7C7-CE4F-3205-974E-8156ED17CB91}" dt="2022-01-16T14:59:31.361" v="0"/>
-          <ac:spMkLst>
-            <pc:docMk/>
-            <pc:sldMk cId="1629193451" sldId="257"/>
-            <ac:spMk id="3" creationId="{14FB7C35-71DA-4678-A4BC-B36886A75DA8}"/>
-          </ac:spMkLst>
-        </pc:spChg>
-      </pc:sldChg>
-    </pc:docChg>
-  </pc:docChgLst>
 </pc:chgInfo>
 </file>
 
@@ -763,7 +920,7 @@
           <a:p>
             <a:fld id="{81043921-7569-41A3-B947-8944ED878C50}" type="datetimeFigureOut">
               <a:rPr lang="he-IL" smtClean="0"/>
-              <a:t>ה'/תמוז/תשפ"ג</a:t>
+              <a:t>ח'/תמוז/תשפ"ג</a:t>
             </a:fld>
             <a:endParaRPr lang="he-IL"/>
           </a:p>
@@ -2579,7 +2736,7 @@
     </p:spTree>
     <p:extLst>
       <p:ext uri="{BB962C8B-B14F-4D97-AF65-F5344CB8AC3E}">
-        <p14:creationId xmlns:p14="http://schemas.microsoft.com/office/powerpoint/2010/main" val="2528611678"/>
+        <p14:creationId xmlns:p14="http://schemas.microsoft.com/office/powerpoint/2010/main" val="1096976478"/>
       </p:ext>
     </p:extLst>
   </p:cSld>
@@ -2663,6 +2820,282 @@
               <a:rPr lang="en-US" smtClean="0"/>
               <a:pPr/>
               <a:t>26</a:t>
+            </a:fld>
+            <a:endParaRPr lang="en-US"/>
+          </a:p>
+        </p:txBody>
+      </p:sp>
+    </p:spTree>
+    <p:extLst>
+      <p:ext uri="{BB962C8B-B14F-4D97-AF65-F5344CB8AC3E}">
+        <p14:creationId xmlns:p14="http://schemas.microsoft.com/office/powerpoint/2010/main" val="3707584593"/>
+      </p:ext>
+    </p:extLst>
+  </p:cSld>
+  <p:clrMapOvr>
+    <a:masterClrMapping/>
+  </p:clrMapOvr>
+</p:notes>
+</file>
+
+<file path=ppt/notesSlides/notesSlide23.xml><?xml version="1.0" encoding="utf-8"?>
+<p:notes xmlns:a="http://schemas.openxmlformats.org/drawingml/2006/main" xmlns:r="http://schemas.openxmlformats.org/officeDocument/2006/relationships" xmlns:p="http://schemas.openxmlformats.org/presentationml/2006/main">
+  <p:cSld>
+    <p:spTree>
+      <p:nvGrpSpPr>
+        <p:cNvPr id="1" name=""/>
+        <p:cNvGrpSpPr/>
+        <p:nvPr/>
+      </p:nvGrpSpPr>
+      <p:grpSpPr>
+        <a:xfrm>
+          <a:off x="0" y="0"/>
+          <a:ext cx="0" cy="0"/>
+          <a:chOff x="0" y="0"/>
+          <a:chExt cx="0" cy="0"/>
+        </a:xfrm>
+      </p:grpSpPr>
+      <p:sp>
+        <p:nvSpPr>
+          <p:cNvPr id="2" name="Slide Image Placeholder 1"/>
+          <p:cNvSpPr>
+            <a:spLocks noGrp="1" noRot="1" noChangeAspect="1"/>
+          </p:cNvSpPr>
+          <p:nvPr>
+            <p:ph type="sldImg"/>
+          </p:nvPr>
+        </p:nvSpPr>
+        <p:spPr/>
+      </p:sp>
+      <p:sp>
+        <p:nvSpPr>
+          <p:cNvPr id="3" name="Notes Placeholder 2"/>
+          <p:cNvSpPr>
+            <a:spLocks noGrp="1"/>
+          </p:cNvSpPr>
+          <p:nvPr>
+            <p:ph type="body" idx="1"/>
+          </p:nvPr>
+        </p:nvSpPr>
+        <p:spPr/>
+        <p:txBody>
+          <a:bodyPr/>
+          <a:lstStyle/>
+          <a:p>
+            <a:pPr algn="l" rtl="0" eaLnBrk="1" hangingPunct="1">
+              <a:lnSpc>
+                <a:spcPct val="80000"/>
+              </a:lnSpc>
+            </a:pPr>
+            <a:endParaRPr lang="en-US" dirty="0">
+              <a:cs typeface="Calibri"/>
+            </a:endParaRPr>
+          </a:p>
+        </p:txBody>
+      </p:sp>
+      <p:sp>
+        <p:nvSpPr>
+          <p:cNvPr id="4" name="Slide Number Placeholder 3"/>
+          <p:cNvSpPr>
+            <a:spLocks noGrp="1"/>
+          </p:cNvSpPr>
+          <p:nvPr>
+            <p:ph type="sldNum" sz="quarter" idx="10"/>
+          </p:nvPr>
+        </p:nvSpPr>
+        <p:spPr/>
+        <p:txBody>
+          <a:bodyPr/>
+          <a:lstStyle/>
+          <a:p>
+            <a:fld id="{C18343ED-3762-4D46-A439-B4D407E13EF8}" type="slidenum">
+              <a:rPr lang="en-US" smtClean="0"/>
+              <a:pPr/>
+              <a:t>28</a:t>
+            </a:fld>
+            <a:endParaRPr lang="en-US"/>
+          </a:p>
+        </p:txBody>
+      </p:sp>
+    </p:spTree>
+    <p:extLst>
+      <p:ext uri="{BB962C8B-B14F-4D97-AF65-F5344CB8AC3E}">
+        <p14:creationId xmlns:p14="http://schemas.microsoft.com/office/powerpoint/2010/main" val="3481021232"/>
+      </p:ext>
+    </p:extLst>
+  </p:cSld>
+  <p:clrMapOvr>
+    <a:masterClrMapping/>
+  </p:clrMapOvr>
+</p:notes>
+</file>
+
+<file path=ppt/notesSlides/notesSlide24.xml><?xml version="1.0" encoding="utf-8"?>
+<p:notes xmlns:a="http://schemas.openxmlformats.org/drawingml/2006/main" xmlns:r="http://schemas.openxmlformats.org/officeDocument/2006/relationships" xmlns:p="http://schemas.openxmlformats.org/presentationml/2006/main">
+  <p:cSld>
+    <p:spTree>
+      <p:nvGrpSpPr>
+        <p:cNvPr id="1" name=""/>
+        <p:cNvGrpSpPr/>
+        <p:nvPr/>
+      </p:nvGrpSpPr>
+      <p:grpSpPr>
+        <a:xfrm>
+          <a:off x="0" y="0"/>
+          <a:ext cx="0" cy="0"/>
+          <a:chOff x="0" y="0"/>
+          <a:chExt cx="0" cy="0"/>
+        </a:xfrm>
+      </p:grpSpPr>
+      <p:sp>
+        <p:nvSpPr>
+          <p:cNvPr id="2" name="Slide Image Placeholder 1"/>
+          <p:cNvSpPr>
+            <a:spLocks noGrp="1" noRot="1" noChangeAspect="1"/>
+          </p:cNvSpPr>
+          <p:nvPr>
+            <p:ph type="sldImg"/>
+          </p:nvPr>
+        </p:nvSpPr>
+        <p:spPr/>
+      </p:sp>
+      <p:sp>
+        <p:nvSpPr>
+          <p:cNvPr id="3" name="Notes Placeholder 2"/>
+          <p:cNvSpPr>
+            <a:spLocks noGrp="1"/>
+          </p:cNvSpPr>
+          <p:nvPr>
+            <p:ph type="body" idx="1"/>
+          </p:nvPr>
+        </p:nvSpPr>
+        <p:spPr/>
+        <p:txBody>
+          <a:bodyPr/>
+          <a:lstStyle/>
+          <a:p>
+            <a:pPr algn="l" rtl="0" eaLnBrk="1" hangingPunct="1">
+              <a:lnSpc>
+                <a:spcPct val="80000"/>
+              </a:lnSpc>
+            </a:pPr>
+            <a:endParaRPr lang="en-US" dirty="0">
+              <a:cs typeface="Calibri"/>
+            </a:endParaRPr>
+          </a:p>
+        </p:txBody>
+      </p:sp>
+      <p:sp>
+        <p:nvSpPr>
+          <p:cNvPr id="4" name="Slide Number Placeholder 3"/>
+          <p:cNvSpPr>
+            <a:spLocks noGrp="1"/>
+          </p:cNvSpPr>
+          <p:nvPr>
+            <p:ph type="sldNum" sz="quarter" idx="10"/>
+          </p:nvPr>
+        </p:nvSpPr>
+        <p:spPr/>
+        <p:txBody>
+          <a:bodyPr/>
+          <a:lstStyle/>
+          <a:p>
+            <a:fld id="{C18343ED-3762-4D46-A439-B4D407E13EF8}" type="slidenum">
+              <a:rPr lang="en-US" smtClean="0"/>
+              <a:pPr/>
+              <a:t>29</a:t>
+            </a:fld>
+            <a:endParaRPr lang="en-US"/>
+          </a:p>
+        </p:txBody>
+      </p:sp>
+    </p:spTree>
+    <p:extLst>
+      <p:ext uri="{BB962C8B-B14F-4D97-AF65-F5344CB8AC3E}">
+        <p14:creationId xmlns:p14="http://schemas.microsoft.com/office/powerpoint/2010/main" val="2528611678"/>
+      </p:ext>
+    </p:extLst>
+  </p:cSld>
+  <p:clrMapOvr>
+    <a:masterClrMapping/>
+  </p:clrMapOvr>
+</p:notes>
+</file>
+
+<file path=ppt/notesSlides/notesSlide25.xml><?xml version="1.0" encoding="utf-8"?>
+<p:notes xmlns:a="http://schemas.openxmlformats.org/drawingml/2006/main" xmlns:r="http://schemas.openxmlformats.org/officeDocument/2006/relationships" xmlns:p="http://schemas.openxmlformats.org/presentationml/2006/main">
+  <p:cSld>
+    <p:spTree>
+      <p:nvGrpSpPr>
+        <p:cNvPr id="1" name=""/>
+        <p:cNvGrpSpPr/>
+        <p:nvPr/>
+      </p:nvGrpSpPr>
+      <p:grpSpPr>
+        <a:xfrm>
+          <a:off x="0" y="0"/>
+          <a:ext cx="0" cy="0"/>
+          <a:chOff x="0" y="0"/>
+          <a:chExt cx="0" cy="0"/>
+        </a:xfrm>
+      </p:grpSpPr>
+      <p:sp>
+        <p:nvSpPr>
+          <p:cNvPr id="2" name="Slide Image Placeholder 1"/>
+          <p:cNvSpPr>
+            <a:spLocks noGrp="1" noRot="1" noChangeAspect="1"/>
+          </p:cNvSpPr>
+          <p:nvPr>
+            <p:ph type="sldImg"/>
+          </p:nvPr>
+        </p:nvSpPr>
+        <p:spPr/>
+      </p:sp>
+      <p:sp>
+        <p:nvSpPr>
+          <p:cNvPr id="3" name="Notes Placeholder 2"/>
+          <p:cNvSpPr>
+            <a:spLocks noGrp="1"/>
+          </p:cNvSpPr>
+          <p:nvPr>
+            <p:ph type="body" idx="1"/>
+          </p:nvPr>
+        </p:nvSpPr>
+        <p:spPr/>
+        <p:txBody>
+          <a:bodyPr/>
+          <a:lstStyle/>
+          <a:p>
+            <a:pPr algn="l" rtl="0" eaLnBrk="1" hangingPunct="1">
+              <a:lnSpc>
+                <a:spcPct val="80000"/>
+              </a:lnSpc>
+            </a:pPr>
+            <a:endParaRPr lang="en-US" dirty="0">
+              <a:cs typeface="Calibri"/>
+            </a:endParaRPr>
+          </a:p>
+        </p:txBody>
+      </p:sp>
+      <p:sp>
+        <p:nvSpPr>
+          <p:cNvPr id="4" name="Slide Number Placeholder 3"/>
+          <p:cNvSpPr>
+            <a:spLocks noGrp="1"/>
+          </p:cNvSpPr>
+          <p:nvPr>
+            <p:ph type="sldNum" sz="quarter" idx="10"/>
+          </p:nvPr>
+        </p:nvSpPr>
+        <p:spPr/>
+        <p:txBody>
+          <a:bodyPr/>
+          <a:lstStyle/>
+          <a:p>
+            <a:fld id="{C18343ED-3762-4D46-A439-B4D407E13EF8}" type="slidenum">
+              <a:rPr lang="en-US" smtClean="0"/>
+              <a:pPr/>
+              <a:t>30</a:t>
             </a:fld>
             <a:endParaRPr lang="en-US"/>
           </a:p>
@@ -3582,7 +4015,7 @@
           <a:p>
             <a:fld id="{A9D9B7D1-305C-49A9-9D59-000E5D30F1FD}" type="datetimeFigureOut">
               <a:rPr lang="he-IL" smtClean="0"/>
-              <a:t>ה'/תמוז/תשפ"ג</a:t>
+              <a:t>ח'/תמוז/תשפ"ג</a:t>
             </a:fld>
             <a:endParaRPr lang="he-IL"/>
           </a:p>
@@ -3780,7 +4213,7 @@
           <a:p>
             <a:fld id="{A9D9B7D1-305C-49A9-9D59-000E5D30F1FD}" type="datetimeFigureOut">
               <a:rPr lang="he-IL" smtClean="0"/>
-              <a:t>ה'/תמוז/תשפ"ג</a:t>
+              <a:t>ח'/תמוז/תשפ"ג</a:t>
             </a:fld>
             <a:endParaRPr lang="he-IL"/>
           </a:p>
@@ -3988,7 +4421,7 @@
           <a:p>
             <a:fld id="{A9D9B7D1-305C-49A9-9D59-000E5D30F1FD}" type="datetimeFigureOut">
               <a:rPr lang="he-IL" smtClean="0"/>
-              <a:t>ה'/תמוז/תשפ"ג</a:t>
+              <a:t>ח'/תמוז/תשפ"ג</a:t>
             </a:fld>
             <a:endParaRPr lang="he-IL"/>
           </a:p>
@@ -6412,7 +6845,7 @@
           <a:p>
             <a:fld id="{A9D9B7D1-305C-49A9-9D59-000E5D30F1FD}" type="datetimeFigureOut">
               <a:rPr lang="he-IL" smtClean="0"/>
-              <a:t>ה'/תמוז/תשפ"ג</a:t>
+              <a:t>ח'/תמוז/תשפ"ג</a:t>
             </a:fld>
             <a:endParaRPr lang="he-IL"/>
           </a:p>
@@ -6687,7 +7120,7 @@
           <a:p>
             <a:fld id="{A9D9B7D1-305C-49A9-9D59-000E5D30F1FD}" type="datetimeFigureOut">
               <a:rPr lang="he-IL" smtClean="0"/>
-              <a:t>ה'/תמוז/תשפ"ג</a:t>
+              <a:t>ח'/תמוז/תשפ"ג</a:t>
             </a:fld>
             <a:endParaRPr lang="he-IL"/>
           </a:p>
@@ -6952,7 +7385,7 @@
           <a:p>
             <a:fld id="{A9D9B7D1-305C-49A9-9D59-000E5D30F1FD}" type="datetimeFigureOut">
               <a:rPr lang="he-IL" smtClean="0"/>
-              <a:t>ה'/תמוז/תשפ"ג</a:t>
+              <a:t>ח'/תמוז/תשפ"ג</a:t>
             </a:fld>
             <a:endParaRPr lang="he-IL"/>
           </a:p>
@@ -7364,7 +7797,7 @@
           <a:p>
             <a:fld id="{A9D9B7D1-305C-49A9-9D59-000E5D30F1FD}" type="datetimeFigureOut">
               <a:rPr lang="he-IL" smtClean="0"/>
-              <a:t>ה'/תמוז/תשפ"ג</a:t>
+              <a:t>ח'/תמוז/תשפ"ג</a:t>
             </a:fld>
             <a:endParaRPr lang="he-IL"/>
           </a:p>
@@ -7505,7 +7938,7 @@
           <a:p>
             <a:fld id="{A9D9B7D1-305C-49A9-9D59-000E5D30F1FD}" type="datetimeFigureOut">
               <a:rPr lang="he-IL" smtClean="0"/>
-              <a:t>ה'/תמוז/תשפ"ג</a:t>
+              <a:t>ח'/תמוז/תשפ"ג</a:t>
             </a:fld>
             <a:endParaRPr lang="he-IL"/>
           </a:p>
@@ -7618,7 +8051,7 @@
           <a:p>
             <a:fld id="{A9D9B7D1-305C-49A9-9D59-000E5D30F1FD}" type="datetimeFigureOut">
               <a:rPr lang="he-IL" smtClean="0"/>
-              <a:t>ה'/תמוז/תשפ"ג</a:t>
+              <a:t>ח'/תמוז/תשפ"ג</a:t>
             </a:fld>
             <a:endParaRPr lang="he-IL"/>
           </a:p>
@@ -7929,7 +8362,7 @@
           <a:p>
             <a:fld id="{A9D9B7D1-305C-49A9-9D59-000E5D30F1FD}" type="datetimeFigureOut">
               <a:rPr lang="he-IL" smtClean="0"/>
-              <a:t>ה'/תמוז/תשפ"ג</a:t>
+              <a:t>ח'/תמוז/תשפ"ג</a:t>
             </a:fld>
             <a:endParaRPr lang="he-IL"/>
           </a:p>
@@ -8217,7 +8650,7 @@
           <a:p>
             <a:fld id="{A9D9B7D1-305C-49A9-9D59-000E5D30F1FD}" type="datetimeFigureOut">
               <a:rPr lang="he-IL" smtClean="0"/>
-              <a:t>ה'/תמוז/תשפ"ג</a:t>
+              <a:t>ח'/תמוז/תשפ"ג</a:t>
             </a:fld>
             <a:endParaRPr lang="he-IL"/>
           </a:p>
@@ -8458,7 +8891,7 @@
           <a:p>
             <a:fld id="{A9D9B7D1-305C-49A9-9D59-000E5D30F1FD}" type="datetimeFigureOut">
               <a:rPr lang="he-IL" smtClean="0"/>
-              <a:t>ה'/תמוז/תשפ"ג</a:t>
+              <a:t>ח'/תמוז/תשפ"ג</a:t>
             </a:fld>
             <a:endParaRPr lang="he-IL"/>
           </a:p>
@@ -18028,7 +18461,7 @@
               <a:rPr lang="en-US" dirty="0">
                 <a:effectLst/>
               </a:rPr>
-              <a:t>Locating Modules</a:t>
+              <a:t>Init file</a:t>
             </a:r>
             <a:endParaRPr lang="he-IL" dirty="0"/>
           </a:p>
@@ -18052,77 +18485,49 @@
           <a:lstStyle/>
           <a:p>
             <a:r>
-              <a:rPr lang="en-US" dirty="0"/>
-              <a:t>When importing modules the interpreter  searches:</a:t>
-            </a:r>
-          </a:p>
-          <a:p>
-            <a:pPr lvl="1">
-              <a:spcAft>
-                <a:spcPts val="1800"/>
-              </a:spcAft>
-            </a:pPr>
-            <a:r>
-              <a:rPr lang="en-US" dirty="0"/>
-              <a:t>First interpreter searches in the current directory.</a:t>
-            </a:r>
-          </a:p>
-          <a:p>
-            <a:pPr lvl="1">
-              <a:spcAft>
-                <a:spcPts val="1800"/>
-              </a:spcAft>
-            </a:pPr>
-            <a:r>
-              <a:rPr lang="en-US" dirty="0"/>
-              <a:t>If the module isn't found, Python then searches each directory in the shell variable PYTHONPATH</a:t>
-            </a:r>
-          </a:p>
-          <a:p>
-            <a:pPr lvl="1">
-              <a:spcAft>
-                <a:spcPts val="1800"/>
-              </a:spcAft>
-            </a:pPr>
-            <a:r>
-              <a:rPr lang="en-US" dirty="0"/>
-              <a:t>If the module isn’t found, the interpreter searched in standard installation path. (In Linux/Unix for example in /</a:t>
-            </a:r>
-            <a:r>
-              <a:rPr lang="en-US" dirty="0" err="1"/>
-              <a:t>usr</a:t>
-            </a:r>
-            <a:r>
-              <a:rPr lang="en-US" dirty="0"/>
-              <a:t>/local/lib/python)</a:t>
-            </a:r>
-          </a:p>
-          <a:p>
-            <a:pPr lvl="1">
-              <a:spcAft>
-                <a:spcPts val="1800"/>
-              </a:spcAft>
-            </a:pPr>
-            <a:r>
-              <a:rPr lang="en-US" dirty="0"/>
-              <a:t>If the module is not found in any of the above locations, the interpreter raises an “</a:t>
-            </a:r>
-            <a:r>
-              <a:rPr lang="en-US" dirty="0" err="1"/>
-              <a:t>ImportError</a:t>
-            </a:r>
-            <a:r>
-              <a:rPr lang="en-US" dirty="0"/>
-              <a:t>” indicating that the module could not be found.</a:t>
-            </a:r>
-            <a:endParaRPr lang="he-IL" dirty="0"/>
+              <a:rPr lang="en-US" sz="2400" dirty="0"/>
+              <a:t>The __init__.py file, commonly referred to as the "</a:t>
+            </a:r>
+            <a:r>
+              <a:rPr lang="en-US" sz="2400" dirty="0" err="1"/>
+              <a:t>init</a:t>
+            </a:r>
+            <a:r>
+              <a:rPr lang="en-US" sz="2400" dirty="0"/>
+              <a:t> file," is a special file in a Python package that serves as an initializer for the package. It is executed when the package is imported, allowing you to perform necessary setup and define the contents of the package.</a:t>
+            </a:r>
+          </a:p>
+          <a:p>
+            <a:endParaRPr lang="en-US" sz="2400" dirty="0"/>
+          </a:p>
+          <a:p>
+            <a:r>
+              <a:rPr lang="en-US" sz="2400" dirty="0"/>
+              <a:t>In addition to its role as an initializer, the </a:t>
+            </a:r>
+            <a:r>
+              <a:rPr lang="en-US" sz="2400" dirty="0" err="1"/>
+              <a:t>init</a:t>
+            </a:r>
+            <a:r>
+              <a:rPr lang="en-US" sz="2400" dirty="0"/>
+              <a:t> file can also transform a directory into a Python package. Without an </a:t>
+            </a:r>
+            <a:r>
+              <a:rPr lang="en-US" sz="2400" dirty="0" err="1"/>
+              <a:t>init</a:t>
+            </a:r>
+            <a:r>
+              <a:rPr lang="en-US" sz="2400" dirty="0"/>
+              <a:t> file, the directory would simply be treated as a regular folder without any package-specific functionality.</a:t>
+            </a:r>
           </a:p>
         </p:txBody>
       </p:sp>
     </p:spTree>
     <p:extLst>
       <p:ext uri="{BB962C8B-B14F-4D97-AF65-F5344CB8AC3E}">
-        <p14:creationId xmlns:p14="http://schemas.microsoft.com/office/powerpoint/2010/main" val="3629261822"/>
+        <p14:creationId xmlns:p14="http://schemas.microsoft.com/office/powerpoint/2010/main" val="702368095"/>
       </p:ext>
     </p:extLst>
   </p:cSld>
@@ -18167,8 +18572,10 @@
           <a:lstStyle/>
           <a:p>
             <a:r>
-              <a:rPr lang="en-US" dirty="0"/>
-              <a:t>Python packages</a:t>
+              <a:rPr lang="en-US" dirty="0">
+                <a:effectLst/>
+              </a:rPr>
+              <a:t>Init file – cont’d</a:t>
             </a:r>
             <a:endParaRPr lang="he-IL" dirty="0"/>
           </a:p>
@@ -18187,13 +18594,17 @@
         <p:spPr/>
         <p:txBody>
           <a:bodyPr>
-            <a:normAutofit/>
+            <a:normAutofit fontScale="70000" lnSpcReduction="20000"/>
           </a:bodyPr>
           <a:lstStyle/>
           <a:p>
             <a:r>
+              <a:rPr lang="en-US" sz="2400" b="1" dirty="0"/>
+              <a:t>Imports</a:t>
+            </a:r>
+            <a:r>
               <a:rPr lang="en-US" sz="2400" dirty="0"/>
-              <a:t>To help organize modules and provide a naming hierarchy, python has a concept of packages</a:t>
+              <a:t>: You can import other modules or packages that are part of the package. This allows you to organize your code into separate modules and use them within the package.</a:t>
             </a:r>
           </a:p>
           <a:p>
@@ -18201,8 +18612,12 @@
           </a:p>
           <a:p>
             <a:r>
+              <a:rPr lang="en-US" sz="2400" b="1" dirty="0"/>
+              <a:t>Variable and Constant Definitions: </a:t>
+            </a:r>
+            <a:r>
               <a:rPr lang="en-US" sz="2400" dirty="0"/>
-              <a:t>The __init__.py files are required to make Python treat the directories as package</a:t>
+              <a:t>You can initialize variables, constants, or any other objects that will be used by the package. These definitions can be accessed by other modules within the package.</a:t>
             </a:r>
           </a:p>
           <a:p>
@@ -18210,22 +18625,45 @@
           </a:p>
           <a:p>
             <a:r>
+              <a:rPr lang="en-US" sz="2400" b="1" dirty="0"/>
+              <a:t>Function Definitions: </a:t>
+            </a:r>
+            <a:r>
               <a:rPr lang="en-US" sz="2400" dirty="0"/>
-              <a:t>Access to modules inside a package through the full name: </a:t>
-            </a:r>
-            <a:r>
-              <a:rPr lang="en-US" sz="2400" i="1" dirty="0" err="1"/>
-              <a:t>package_name.module_name</a:t>
-            </a:r>
-            <a:endParaRPr lang="en-US" sz="2400" i="1" dirty="0"/>
-          </a:p>
-          <a:p>
-            <a:endParaRPr lang="en-US" sz="2400" i="1" dirty="0"/>
-          </a:p>
-          <a:p>
+              <a:t>You can define functions that are specific to the package or provide utility functions that can be used throughout the package.</a:t>
+            </a:r>
+          </a:p>
+          <a:p>
+            <a:endParaRPr lang="en-US" sz="2400" dirty="0"/>
+          </a:p>
+          <a:p>
+            <a:r>
+              <a:rPr lang="en-US" sz="2400" b="1" dirty="0"/>
+              <a:t>Initialization Code: </a:t>
+            </a:r>
             <a:r>
               <a:rPr lang="en-US" sz="2400" dirty="0"/>
-              <a:t>Packages can contains sub-packages </a:t>
+              <a:t>You can include any necessary initialization code that needs to be executed when the package is imported. This can involve setting up configurations, connecting to databases, or performing any other required setup tasks.</a:t>
+            </a:r>
+          </a:p>
+          <a:p>
+            <a:endParaRPr lang="en-US" sz="2400" dirty="0"/>
+          </a:p>
+          <a:p>
+            <a:pPr marL="0" indent="0">
+              <a:buNone/>
+            </a:pPr>
+            <a:r>
+              <a:rPr lang="en-US" sz="2400" dirty="0"/>
+              <a:t>Overall, the </a:t>
+            </a:r>
+            <a:r>
+              <a:rPr lang="en-US" sz="2400" dirty="0" err="1"/>
+              <a:t>init</a:t>
+            </a:r>
+            <a:r>
+              <a:rPr lang="en-US" sz="2400" dirty="0"/>
+              <a:t> file plays a vital role in structuring and initializing a Python package. It allows you to organize code, define package-level variables and functions, and perform necessary setup operations when the package is imported.</a:t>
             </a:r>
           </a:p>
         </p:txBody>
@@ -18233,7 +18671,7 @@
     </p:spTree>
     <p:extLst>
       <p:ext uri="{BB962C8B-B14F-4D97-AF65-F5344CB8AC3E}">
-        <p14:creationId xmlns:p14="http://schemas.microsoft.com/office/powerpoint/2010/main" val="1171788004"/>
+        <p14:creationId xmlns:p14="http://schemas.microsoft.com/office/powerpoint/2010/main" val="3387540484"/>
       </p:ext>
     </p:extLst>
   </p:cSld>
@@ -18244,59 +18682,6 @@
 </file>
 
 <file path=ppt/slides/slide27.xml><?xml version="1.0" encoding="utf-8"?>
-<p:sld xmlns:a="http://schemas.openxmlformats.org/drawingml/2006/main" xmlns:r="http://schemas.openxmlformats.org/officeDocument/2006/relationships" xmlns:p="http://schemas.openxmlformats.org/presentationml/2006/main">
-  <p:cSld>
-    <p:spTree>
-      <p:nvGrpSpPr>
-        <p:cNvPr id="1" name=""/>
-        <p:cNvGrpSpPr/>
-        <p:nvPr/>
-      </p:nvGrpSpPr>
-      <p:grpSpPr>
-        <a:xfrm>
-          <a:off x="0" y="0"/>
-          <a:ext cx="0" cy="0"/>
-          <a:chOff x="0" y="0"/>
-          <a:chExt cx="0" cy="0"/>
-        </a:xfrm>
-      </p:grpSpPr>
-      <p:sp>
-        <p:nvSpPr>
-          <p:cNvPr id="3" name="Title 2"/>
-          <p:cNvSpPr>
-            <a:spLocks noGrp="1"/>
-          </p:cNvSpPr>
-          <p:nvPr>
-            <p:ph type="title"/>
-          </p:nvPr>
-        </p:nvSpPr>
-        <p:spPr/>
-        <p:txBody>
-          <a:bodyPr/>
-          <a:lstStyle/>
-          <a:p>
-            <a:r>
-              <a:rPr lang="en-US"/>
-              <a:t>Lab 01</a:t>
-            </a:r>
-            <a:endParaRPr lang="he-IL"/>
-          </a:p>
-        </p:txBody>
-      </p:sp>
-    </p:spTree>
-    <p:extLst>
-      <p:ext uri="{BB962C8B-B14F-4D97-AF65-F5344CB8AC3E}">
-        <p14:creationId xmlns:p14="http://schemas.microsoft.com/office/powerpoint/2010/main" val="2767821557"/>
-      </p:ext>
-    </p:extLst>
-  </p:cSld>
-  <p:clrMapOvr>
-    <a:masterClrMapping/>
-  </p:clrMapOvr>
-</p:sld>
-</file>
-
-<file path=ppt/slides/slide28.xml><?xml version="1.0" encoding="utf-8"?>
 <p:sld xmlns:a="http://schemas.openxmlformats.org/drawingml/2006/main" xmlns:r="http://schemas.openxmlformats.org/officeDocument/2006/relationships" xmlns:p="http://schemas.openxmlformats.org/presentationml/2006/main">
   <p:cSld>
     <p:spTree>
@@ -18329,10 +18714,10 @@
           <a:lstStyle/>
           <a:p>
             <a:r>
-              <a:rPr lang="en-US"/>
-              <a:t>Console Methods</a:t>
-            </a:r>
-            <a:endParaRPr lang="he-IL"/>
+              <a:rPr lang="en-US" dirty="0"/>
+              <a:t>Init file </a:t>
+            </a:r>
+            <a:endParaRPr lang="he-IL" dirty="0"/>
           </a:p>
         </p:txBody>
       </p:sp>
@@ -18340,6 +18725,1083 @@
     <p:extLst>
       <p:ext uri="{BB962C8B-B14F-4D97-AF65-F5344CB8AC3E}">
         <p14:creationId xmlns:p14="http://schemas.microsoft.com/office/powerpoint/2010/main" val="3816041889"/>
+      </p:ext>
+    </p:extLst>
+  </p:cSld>
+  <p:clrMapOvr>
+    <a:masterClrMapping/>
+  </p:clrMapOvr>
+</p:sld>
+</file>
+
+<file path=ppt/slides/slide28.xml><?xml version="1.0" encoding="utf-8"?>
+<p:sld xmlns:a="http://schemas.openxmlformats.org/drawingml/2006/main" xmlns:r="http://schemas.openxmlformats.org/officeDocument/2006/relationships" xmlns:p="http://schemas.openxmlformats.org/presentationml/2006/main">
+  <p:cSld>
+    <p:spTree>
+      <p:nvGrpSpPr>
+        <p:cNvPr id="1" name=""/>
+        <p:cNvGrpSpPr/>
+        <p:nvPr/>
+      </p:nvGrpSpPr>
+      <p:grpSpPr>
+        <a:xfrm>
+          <a:off x="0" y="0"/>
+          <a:ext cx="0" cy="0"/>
+          <a:chOff x="0" y="0"/>
+          <a:chExt cx="0" cy="0"/>
+        </a:xfrm>
+      </p:grpSpPr>
+      <p:sp>
+        <p:nvSpPr>
+          <p:cNvPr id="2" name="Title 1"/>
+          <p:cNvSpPr>
+            <a:spLocks noGrp="1"/>
+          </p:cNvSpPr>
+          <p:nvPr>
+            <p:ph type="title"/>
+          </p:nvPr>
+        </p:nvSpPr>
+        <p:spPr/>
+        <p:txBody>
+          <a:bodyPr>
+            <a:normAutofit/>
+          </a:bodyPr>
+          <a:lstStyle/>
+          <a:p>
+            <a:r>
+              <a:rPr lang="en-US" dirty="0">
+                <a:effectLst/>
+              </a:rPr>
+              <a:t>Init file – demo</a:t>
+            </a:r>
+            <a:endParaRPr lang="he-IL" dirty="0"/>
+          </a:p>
+        </p:txBody>
+      </p:sp>
+      <p:sp>
+        <p:nvSpPr>
+          <p:cNvPr id="3" name="Content Placeholder 2"/>
+          <p:cNvSpPr>
+            <a:spLocks noGrp="1"/>
+          </p:cNvSpPr>
+          <p:nvPr>
+            <p:ph idx="1"/>
+          </p:nvPr>
+        </p:nvSpPr>
+        <p:spPr/>
+        <p:txBody>
+          <a:bodyPr>
+            <a:normAutofit/>
+          </a:bodyPr>
+          <a:lstStyle/>
+          <a:p>
+            <a:r>
+              <a:rPr lang="en-US" sz="2400" dirty="0"/>
+              <a:t>__init__.py</a:t>
+            </a:r>
+          </a:p>
+          <a:p>
+            <a:endParaRPr lang="en-US" sz="2400" dirty="0"/>
+          </a:p>
+          <a:p>
+            <a:endParaRPr lang="en-US" sz="2400" dirty="0"/>
+          </a:p>
+          <a:p>
+            <a:r>
+              <a:rPr lang="en-US" sz="2400" dirty="0"/>
+              <a:t>english.py</a:t>
+            </a:r>
+          </a:p>
+          <a:p>
+            <a:endParaRPr lang="en-US" sz="2400" dirty="0"/>
+          </a:p>
+          <a:p>
+            <a:endParaRPr lang="en-US" sz="2400" dirty="0"/>
+          </a:p>
+          <a:p>
+            <a:r>
+              <a:rPr lang="en-US" sz="2400" dirty="0"/>
+              <a:t>spanish.py</a:t>
+            </a:r>
+          </a:p>
+          <a:p>
+            <a:endParaRPr lang="en-US" sz="2400" dirty="0"/>
+          </a:p>
+        </p:txBody>
+      </p:sp>
+      <p:sp>
+        <p:nvSpPr>
+          <p:cNvPr id="4" name="Rectangle 1">
+            <a:extLst>
+              <a:ext uri="{FF2B5EF4-FFF2-40B4-BE49-F238E27FC236}">
+                <a16:creationId xmlns:a16="http://schemas.microsoft.com/office/drawing/2014/main" id="{A85D0F14-442C-49F7-ADFB-99D77B2DDF95}"/>
+              </a:ext>
+            </a:extLst>
+          </p:cNvPr>
+          <p:cNvSpPr>
+            <a:spLocks noChangeArrowheads="1"/>
+          </p:cNvSpPr>
+          <p:nvPr/>
+        </p:nvSpPr>
+        <p:spPr bwMode="auto">
+          <a:xfrm>
+            <a:off x="838200" y="2336568"/>
+            <a:ext cx="4055165" cy="400110"/>
+          </a:xfrm>
+          <a:prstGeom prst="rect">
+            <a:avLst/>
+          </a:prstGeom>
+          <a:solidFill>
+            <a:srgbClr val="2B2B2B"/>
+          </a:solidFill>
+          <a:ln>
+            <a:noFill/>
+          </a:ln>
+          <a:effectLst/>
+          <a:extLst>
+            <a:ext uri="{91240B29-F687-4F45-9708-019B960494DF}">
+              <a14:hiddenLine xmlns:a14="http://schemas.microsoft.com/office/drawing/2010/main" w="9525">
+                <a:solidFill>
+                  <a:schemeClr val="tx1"/>
+                </a:solidFill>
+                <a:miter lim="800000"/>
+                <a:headEnd/>
+                <a:tailEnd/>
+              </a14:hiddenLine>
+            </a:ext>
+            <a:ext uri="{AF507438-7753-43E0-B8FC-AC1667EBCBE1}">
+              <a14:hiddenEffects xmlns:a14="http://schemas.microsoft.com/office/drawing/2010/main">
+                <a:effectLst>
+                  <a:outerShdw dist="35921" dir="2700000" algn="ctr" rotWithShape="0">
+                    <a:schemeClr val="bg2"/>
+                  </a:outerShdw>
+                </a:effectLst>
+              </a14:hiddenEffects>
+            </a:ext>
+          </a:extLst>
+        </p:spPr>
+        <p:txBody>
+          <a:bodyPr vert="horz" wrap="square" lIns="91440" tIns="45720" rIns="91440" bIns="45720" numCol="1" anchor="ctr" anchorCtr="0" compatLnSpc="1">
+            <a:prstTxWarp prst="textNoShape">
+              <a:avLst/>
+            </a:prstTxWarp>
+            <a:spAutoFit/>
+          </a:bodyPr>
+          <a:lstStyle/>
+          <a:p>
+            <a:pPr marL="0" marR="0" lvl="0" indent="0" algn="l" defTabSz="914400" rtl="0" eaLnBrk="0" fontAlgn="base" latinLnBrk="0" hangingPunct="0">
+              <a:lnSpc>
+                <a:spcPct val="100000"/>
+              </a:lnSpc>
+              <a:spcBef>
+                <a:spcPct val="0"/>
+              </a:spcBef>
+              <a:spcAft>
+                <a:spcPct val="0"/>
+              </a:spcAft>
+              <a:buClrTx/>
+              <a:buSzTx/>
+              <a:buFontTx/>
+              <a:buNone/>
+              <a:tabLst/>
+            </a:pPr>
+            <a:r>
+              <a:rPr kumimoji="0" lang="he-IL" altLang="he-IL" sz="1000" b="0" i="0" u="none" strike="noStrike" cap="none" normalizeH="0" baseline="0">
+                <a:ln>
+                  <a:noFill/>
+                </a:ln>
+                <a:solidFill>
+                  <a:srgbClr val="CC7832"/>
+                </a:solidFill>
+                <a:effectLst/>
+                <a:latin typeface="Arial Unicode MS"/>
+              </a:rPr>
+              <a:t>from </a:t>
+            </a:r>
+            <a:r>
+              <a:rPr kumimoji="0" lang="he-IL" altLang="he-IL" sz="1000" b="0" i="0" u="none" strike="noStrike" cap="none" normalizeH="0" baseline="0">
+                <a:ln>
+                  <a:noFill/>
+                </a:ln>
+                <a:solidFill>
+                  <a:srgbClr val="A9B7C6"/>
+                </a:solidFill>
+                <a:effectLst/>
+                <a:latin typeface="Arial Unicode MS"/>
+              </a:rPr>
+              <a:t>.english </a:t>
+            </a:r>
+            <a:r>
+              <a:rPr kumimoji="0" lang="he-IL" altLang="he-IL" sz="1000" b="0" i="0" u="none" strike="noStrike" cap="none" normalizeH="0" baseline="0">
+                <a:ln>
+                  <a:noFill/>
+                </a:ln>
+                <a:solidFill>
+                  <a:srgbClr val="CC7832"/>
+                </a:solidFill>
+                <a:effectLst/>
+                <a:latin typeface="Arial Unicode MS"/>
+              </a:rPr>
+              <a:t>import </a:t>
+            </a:r>
+            <a:r>
+              <a:rPr kumimoji="0" lang="he-IL" altLang="he-IL" sz="1000" b="0" i="0" u="none" strike="noStrike" cap="none" normalizeH="0" baseline="0">
+                <a:ln>
+                  <a:noFill/>
+                </a:ln>
+                <a:solidFill>
+                  <a:srgbClr val="A9B7C6"/>
+                </a:solidFill>
+                <a:effectLst/>
+                <a:latin typeface="Arial Unicode MS"/>
+              </a:rPr>
+              <a:t>say_hello </a:t>
+            </a:r>
+            <a:r>
+              <a:rPr kumimoji="0" lang="he-IL" altLang="he-IL" sz="1000" b="0" i="0" u="none" strike="noStrike" cap="none" normalizeH="0" baseline="0">
+                <a:ln>
+                  <a:noFill/>
+                </a:ln>
+                <a:solidFill>
+                  <a:srgbClr val="CC7832"/>
+                </a:solidFill>
+                <a:effectLst/>
+                <a:latin typeface="Arial Unicode MS"/>
+              </a:rPr>
+              <a:t>as </a:t>
+            </a:r>
+            <a:r>
+              <a:rPr kumimoji="0" lang="he-IL" altLang="he-IL" sz="1000" b="0" i="0" u="none" strike="noStrike" cap="none" normalizeH="0" baseline="0">
+                <a:ln>
+                  <a:noFill/>
+                </a:ln>
+                <a:solidFill>
+                  <a:srgbClr val="A9B7C6"/>
+                </a:solidFill>
+                <a:effectLst/>
+                <a:latin typeface="Arial Unicode MS"/>
+              </a:rPr>
+              <a:t>hello_english</a:t>
+            </a:r>
+            <a:br>
+              <a:rPr kumimoji="0" lang="he-IL" altLang="he-IL" sz="1000" b="0" i="0" u="none" strike="noStrike" cap="none" normalizeH="0" baseline="0">
+                <a:ln>
+                  <a:noFill/>
+                </a:ln>
+                <a:solidFill>
+                  <a:srgbClr val="A9B7C6"/>
+                </a:solidFill>
+                <a:effectLst/>
+                <a:latin typeface="Arial Unicode MS"/>
+              </a:rPr>
+            </a:br>
+            <a:r>
+              <a:rPr kumimoji="0" lang="he-IL" altLang="he-IL" sz="1000" b="0" i="0" u="none" strike="noStrike" cap="none" normalizeH="0" baseline="0">
+                <a:ln>
+                  <a:noFill/>
+                </a:ln>
+                <a:solidFill>
+                  <a:srgbClr val="CC7832"/>
+                </a:solidFill>
+                <a:effectLst/>
+                <a:latin typeface="Arial Unicode MS"/>
+              </a:rPr>
+              <a:t>from </a:t>
+            </a:r>
+            <a:r>
+              <a:rPr kumimoji="0" lang="he-IL" altLang="he-IL" sz="1000" b="0" i="0" u="none" strike="noStrike" cap="none" normalizeH="0" baseline="0">
+                <a:ln>
+                  <a:noFill/>
+                </a:ln>
+                <a:solidFill>
+                  <a:srgbClr val="A9B7C6"/>
+                </a:solidFill>
+                <a:effectLst/>
+                <a:latin typeface="Arial Unicode MS"/>
+              </a:rPr>
+              <a:t>.spanish </a:t>
+            </a:r>
+            <a:r>
+              <a:rPr kumimoji="0" lang="he-IL" altLang="he-IL" sz="1000" b="0" i="0" u="none" strike="noStrike" cap="none" normalizeH="0" baseline="0">
+                <a:ln>
+                  <a:noFill/>
+                </a:ln>
+                <a:solidFill>
+                  <a:srgbClr val="CC7832"/>
+                </a:solidFill>
+                <a:effectLst/>
+                <a:latin typeface="Arial Unicode MS"/>
+              </a:rPr>
+              <a:t>import </a:t>
+            </a:r>
+            <a:r>
+              <a:rPr kumimoji="0" lang="he-IL" altLang="he-IL" sz="1000" b="0" i="0" u="none" strike="noStrike" cap="none" normalizeH="0" baseline="0">
+                <a:ln>
+                  <a:noFill/>
+                </a:ln>
+                <a:solidFill>
+                  <a:srgbClr val="A9B7C6"/>
+                </a:solidFill>
+                <a:effectLst/>
+                <a:latin typeface="Arial Unicode MS"/>
+              </a:rPr>
+              <a:t>say_hello </a:t>
+            </a:r>
+            <a:r>
+              <a:rPr kumimoji="0" lang="he-IL" altLang="he-IL" sz="1000" b="0" i="0" u="none" strike="noStrike" cap="none" normalizeH="0" baseline="0">
+                <a:ln>
+                  <a:noFill/>
+                </a:ln>
+                <a:solidFill>
+                  <a:srgbClr val="CC7832"/>
+                </a:solidFill>
+                <a:effectLst/>
+                <a:latin typeface="Arial Unicode MS"/>
+              </a:rPr>
+              <a:t>as </a:t>
+            </a:r>
+            <a:r>
+              <a:rPr kumimoji="0" lang="he-IL" altLang="he-IL" sz="1000" b="0" i="0" u="none" strike="noStrike" cap="none" normalizeH="0" baseline="0">
+                <a:ln>
+                  <a:noFill/>
+                </a:ln>
+                <a:solidFill>
+                  <a:srgbClr val="A9B7C6"/>
+                </a:solidFill>
+                <a:effectLst/>
+                <a:latin typeface="Arial Unicode MS"/>
+              </a:rPr>
+              <a:t>hello_spanish</a:t>
+            </a:r>
+            <a:endParaRPr kumimoji="0" lang="he-IL" altLang="he-IL" sz="1800" b="0" i="0" u="none" strike="noStrike" cap="none" normalizeH="0" baseline="0">
+              <a:ln>
+                <a:noFill/>
+              </a:ln>
+              <a:solidFill>
+                <a:schemeClr val="tx1"/>
+              </a:solidFill>
+              <a:effectLst/>
+              <a:latin typeface="Arial" panose="020B0604020202020204" pitchFamily="34" charset="0"/>
+            </a:endParaRPr>
+          </a:p>
+        </p:txBody>
+      </p:sp>
+      <p:sp>
+        <p:nvSpPr>
+          <p:cNvPr id="5" name="Rectangle 2">
+            <a:extLst>
+              <a:ext uri="{FF2B5EF4-FFF2-40B4-BE49-F238E27FC236}">
+                <a16:creationId xmlns:a16="http://schemas.microsoft.com/office/drawing/2014/main" id="{82A847D9-4ED2-EE2B-0051-DBD80C0458EC}"/>
+              </a:ext>
+            </a:extLst>
+          </p:cNvPr>
+          <p:cNvSpPr>
+            <a:spLocks noChangeArrowheads="1"/>
+          </p:cNvSpPr>
+          <p:nvPr/>
+        </p:nvSpPr>
+        <p:spPr bwMode="auto">
+          <a:xfrm>
+            <a:off x="838200" y="3684873"/>
+            <a:ext cx="3108960" cy="400110"/>
+          </a:xfrm>
+          <a:prstGeom prst="rect">
+            <a:avLst/>
+          </a:prstGeom>
+          <a:solidFill>
+            <a:srgbClr val="2B2B2B"/>
+          </a:solidFill>
+          <a:ln>
+            <a:noFill/>
+          </a:ln>
+          <a:effectLst/>
+          <a:extLst>
+            <a:ext uri="{91240B29-F687-4F45-9708-019B960494DF}">
+              <a14:hiddenLine xmlns:a14="http://schemas.microsoft.com/office/drawing/2010/main" w="9525">
+                <a:solidFill>
+                  <a:schemeClr val="tx1"/>
+                </a:solidFill>
+                <a:miter lim="800000"/>
+                <a:headEnd/>
+                <a:tailEnd/>
+              </a14:hiddenLine>
+            </a:ext>
+            <a:ext uri="{AF507438-7753-43E0-B8FC-AC1667EBCBE1}">
+              <a14:hiddenEffects xmlns:a14="http://schemas.microsoft.com/office/drawing/2010/main">
+                <a:effectLst>
+                  <a:outerShdw dist="35921" dir="2700000" algn="ctr" rotWithShape="0">
+                    <a:schemeClr val="bg2"/>
+                  </a:outerShdw>
+                </a:effectLst>
+              </a14:hiddenEffects>
+            </a:ext>
+          </a:extLst>
+        </p:spPr>
+        <p:txBody>
+          <a:bodyPr vert="horz" wrap="square" lIns="91440" tIns="45720" rIns="91440" bIns="45720" numCol="1" anchor="ctr" anchorCtr="0" compatLnSpc="1">
+            <a:prstTxWarp prst="textNoShape">
+              <a:avLst/>
+            </a:prstTxWarp>
+            <a:spAutoFit/>
+          </a:bodyPr>
+          <a:lstStyle/>
+          <a:p>
+            <a:pPr marL="0" marR="0" lvl="0" indent="0" algn="l" defTabSz="914400" rtl="0" eaLnBrk="0" fontAlgn="base" latinLnBrk="0" hangingPunct="0">
+              <a:lnSpc>
+                <a:spcPct val="100000"/>
+              </a:lnSpc>
+              <a:spcBef>
+                <a:spcPct val="0"/>
+              </a:spcBef>
+              <a:spcAft>
+                <a:spcPct val="0"/>
+              </a:spcAft>
+              <a:buClrTx/>
+              <a:buSzTx/>
+              <a:buFontTx/>
+              <a:buNone/>
+              <a:tabLst/>
+            </a:pPr>
+            <a:r>
+              <a:rPr kumimoji="0" lang="he-IL" altLang="he-IL" sz="1000" b="0" i="0" u="none" strike="noStrike" cap="none" normalizeH="0" baseline="0" dirty="0" err="1">
+                <a:ln>
+                  <a:noFill/>
+                </a:ln>
+                <a:solidFill>
+                  <a:srgbClr val="CC7832"/>
+                </a:solidFill>
+                <a:effectLst/>
+                <a:latin typeface="Arial Unicode MS"/>
+              </a:rPr>
+              <a:t>def</a:t>
+            </a:r>
+            <a:r>
+              <a:rPr kumimoji="0" lang="he-IL" altLang="he-IL" sz="1000" b="0" i="0" u="none" strike="noStrike" cap="none" normalizeH="0" baseline="0" dirty="0">
+                <a:ln>
+                  <a:noFill/>
+                </a:ln>
+                <a:solidFill>
+                  <a:srgbClr val="CC7832"/>
+                </a:solidFill>
+                <a:effectLst/>
+                <a:latin typeface="Arial Unicode MS"/>
+              </a:rPr>
+              <a:t> </a:t>
+            </a:r>
+            <a:r>
+              <a:rPr kumimoji="0" lang="he-IL" altLang="he-IL" sz="1000" b="0" i="0" u="none" strike="noStrike" cap="none" normalizeH="0" baseline="0" dirty="0" err="1">
+                <a:ln>
+                  <a:noFill/>
+                </a:ln>
+                <a:solidFill>
+                  <a:srgbClr val="A9B7C6"/>
+                </a:solidFill>
+                <a:effectLst/>
+                <a:latin typeface="Arial Unicode MS"/>
+              </a:rPr>
+              <a:t>say_hello</a:t>
+            </a:r>
+            <a:r>
+              <a:rPr kumimoji="0" lang="he-IL" altLang="he-IL" sz="1000" b="0" i="0" u="none" strike="noStrike" cap="none" normalizeH="0" baseline="0" dirty="0">
+                <a:ln>
+                  <a:noFill/>
+                </a:ln>
+                <a:solidFill>
+                  <a:srgbClr val="A9B7C6"/>
+                </a:solidFill>
+                <a:effectLst/>
+                <a:latin typeface="Arial Unicode MS"/>
+              </a:rPr>
+              <a:t>():</a:t>
+            </a:r>
+            <a:br>
+              <a:rPr kumimoji="0" lang="he-IL" altLang="he-IL" sz="1000" b="0" i="0" u="none" strike="noStrike" cap="none" normalizeH="0" baseline="0" dirty="0">
+                <a:ln>
+                  <a:noFill/>
+                </a:ln>
+                <a:solidFill>
+                  <a:srgbClr val="A9B7C6"/>
+                </a:solidFill>
+                <a:effectLst/>
+                <a:latin typeface="Arial Unicode MS"/>
+              </a:rPr>
+            </a:br>
+            <a:r>
+              <a:rPr kumimoji="0" lang="he-IL" altLang="he-IL" sz="1000" b="0" i="0" u="none" strike="noStrike" cap="none" normalizeH="0" baseline="0" dirty="0">
+                <a:ln>
+                  <a:noFill/>
+                </a:ln>
+                <a:solidFill>
+                  <a:srgbClr val="A9B7C6"/>
+                </a:solidFill>
+                <a:effectLst/>
+                <a:latin typeface="Arial Unicode MS"/>
+              </a:rPr>
+              <a:t>    </a:t>
+            </a:r>
+            <a:r>
+              <a:rPr kumimoji="0" lang="he-IL" altLang="he-IL" sz="1000" b="0" i="0" u="none" strike="noStrike" cap="none" normalizeH="0" baseline="0" dirty="0" err="1">
+                <a:ln>
+                  <a:noFill/>
+                </a:ln>
+                <a:solidFill>
+                  <a:srgbClr val="A9B7C6"/>
+                </a:solidFill>
+                <a:effectLst/>
+                <a:latin typeface="Arial Unicode MS"/>
+              </a:rPr>
+              <a:t>print</a:t>
+            </a:r>
+            <a:r>
+              <a:rPr kumimoji="0" lang="he-IL" altLang="he-IL" sz="1000" b="0" i="0" u="none" strike="noStrike" cap="none" normalizeH="0" baseline="0" dirty="0">
+                <a:ln>
+                  <a:noFill/>
+                </a:ln>
+                <a:solidFill>
+                  <a:srgbClr val="A9B7C6"/>
+                </a:solidFill>
+                <a:effectLst/>
+                <a:latin typeface="Arial Unicode MS"/>
+              </a:rPr>
+              <a:t>(</a:t>
+            </a:r>
+            <a:r>
+              <a:rPr kumimoji="0" lang="he-IL" altLang="he-IL" sz="1000" b="0" i="0" u="none" strike="noStrike" cap="none" normalizeH="0" baseline="0" dirty="0">
+                <a:ln>
+                  <a:noFill/>
+                </a:ln>
+                <a:solidFill>
+                  <a:srgbClr val="6A8759"/>
+                </a:solidFill>
+                <a:effectLst/>
+                <a:latin typeface="Arial Unicode MS"/>
+              </a:rPr>
+              <a:t>"</a:t>
+            </a:r>
+            <a:r>
+              <a:rPr kumimoji="0" lang="he-IL" altLang="he-IL" sz="1000" b="0" i="0" u="none" strike="noStrike" cap="none" normalizeH="0" baseline="0" dirty="0" err="1">
+                <a:ln>
+                  <a:noFill/>
+                </a:ln>
+                <a:solidFill>
+                  <a:srgbClr val="6A8759"/>
+                </a:solidFill>
+                <a:effectLst/>
+                <a:latin typeface="Arial Unicode MS"/>
+              </a:rPr>
+              <a:t>Hello</a:t>
+            </a:r>
+            <a:r>
+              <a:rPr kumimoji="0" lang="he-IL" altLang="he-IL" sz="1000" b="0" i="0" u="none" strike="noStrike" cap="none" normalizeH="0" baseline="0" dirty="0">
+                <a:ln>
+                  <a:noFill/>
+                </a:ln>
+                <a:solidFill>
+                  <a:srgbClr val="6A8759"/>
+                </a:solidFill>
+                <a:effectLst/>
+                <a:latin typeface="Arial Unicode MS"/>
+              </a:rPr>
+              <a:t>!"</a:t>
+            </a:r>
+            <a:r>
+              <a:rPr kumimoji="0" lang="he-IL" altLang="he-IL" sz="1000" b="0" i="0" u="none" strike="noStrike" cap="none" normalizeH="0" baseline="0" dirty="0">
+                <a:ln>
+                  <a:noFill/>
+                </a:ln>
+                <a:solidFill>
+                  <a:srgbClr val="A9B7C6"/>
+                </a:solidFill>
+                <a:effectLst/>
+                <a:latin typeface="Arial Unicode MS"/>
+              </a:rPr>
+              <a:t>)</a:t>
+            </a:r>
+            <a:endParaRPr kumimoji="0" lang="he-IL" altLang="he-IL" sz="1800" b="0" i="0" u="none" strike="noStrike" cap="none" normalizeH="0" baseline="0" dirty="0">
+              <a:ln>
+                <a:noFill/>
+              </a:ln>
+              <a:solidFill>
+                <a:schemeClr val="tx1"/>
+              </a:solidFill>
+              <a:effectLst/>
+              <a:latin typeface="Arial" panose="020B0604020202020204" pitchFamily="34" charset="0"/>
+            </a:endParaRPr>
+          </a:p>
+        </p:txBody>
+      </p:sp>
+      <p:sp>
+        <p:nvSpPr>
+          <p:cNvPr id="6" name="Rectangle 3">
+            <a:extLst>
+              <a:ext uri="{FF2B5EF4-FFF2-40B4-BE49-F238E27FC236}">
+                <a16:creationId xmlns:a16="http://schemas.microsoft.com/office/drawing/2014/main" id="{6D563575-3803-076C-98B5-CD348B7CD569}"/>
+              </a:ext>
+            </a:extLst>
+          </p:cNvPr>
+          <p:cNvSpPr>
+            <a:spLocks noChangeArrowheads="1"/>
+          </p:cNvSpPr>
+          <p:nvPr/>
+        </p:nvSpPr>
+        <p:spPr bwMode="auto">
+          <a:xfrm>
+            <a:off x="838200" y="5033178"/>
+            <a:ext cx="2170706" cy="400110"/>
+          </a:xfrm>
+          <a:prstGeom prst="rect">
+            <a:avLst/>
+          </a:prstGeom>
+          <a:solidFill>
+            <a:srgbClr val="2B2B2B"/>
+          </a:solidFill>
+          <a:ln>
+            <a:noFill/>
+          </a:ln>
+          <a:effectLst/>
+          <a:extLst>
+            <a:ext uri="{91240B29-F687-4F45-9708-019B960494DF}">
+              <a14:hiddenLine xmlns:a14="http://schemas.microsoft.com/office/drawing/2010/main" w="9525">
+                <a:solidFill>
+                  <a:schemeClr val="tx1"/>
+                </a:solidFill>
+                <a:miter lim="800000"/>
+                <a:headEnd/>
+                <a:tailEnd/>
+              </a14:hiddenLine>
+            </a:ext>
+            <a:ext uri="{AF507438-7753-43E0-B8FC-AC1667EBCBE1}">
+              <a14:hiddenEffects xmlns:a14="http://schemas.microsoft.com/office/drawing/2010/main">
+                <a:effectLst>
+                  <a:outerShdw dist="35921" dir="2700000" algn="ctr" rotWithShape="0">
+                    <a:schemeClr val="bg2"/>
+                  </a:outerShdw>
+                </a:effectLst>
+              </a14:hiddenEffects>
+            </a:ext>
+          </a:extLst>
+        </p:spPr>
+        <p:txBody>
+          <a:bodyPr vert="horz" wrap="square" lIns="91440" tIns="45720" rIns="91440" bIns="45720" numCol="1" anchor="ctr" anchorCtr="0" compatLnSpc="1">
+            <a:prstTxWarp prst="textNoShape">
+              <a:avLst/>
+            </a:prstTxWarp>
+            <a:spAutoFit/>
+          </a:bodyPr>
+          <a:lstStyle/>
+          <a:p>
+            <a:pPr marL="0" marR="0" lvl="0" indent="0" algn="l" defTabSz="914400" rtl="0" eaLnBrk="0" fontAlgn="base" latinLnBrk="0" hangingPunct="0">
+              <a:lnSpc>
+                <a:spcPct val="100000"/>
+              </a:lnSpc>
+              <a:spcBef>
+                <a:spcPct val="0"/>
+              </a:spcBef>
+              <a:spcAft>
+                <a:spcPct val="0"/>
+              </a:spcAft>
+              <a:buClrTx/>
+              <a:buSzTx/>
+              <a:buFontTx/>
+              <a:buNone/>
+              <a:tabLst/>
+            </a:pPr>
+            <a:r>
+              <a:rPr kumimoji="0" lang="he-IL" altLang="he-IL" sz="1000" b="0" i="0" u="none" strike="noStrike" cap="none" normalizeH="0" baseline="0">
+                <a:ln>
+                  <a:noFill/>
+                </a:ln>
+                <a:solidFill>
+                  <a:srgbClr val="CC7832"/>
+                </a:solidFill>
+                <a:effectLst/>
+                <a:latin typeface="Arial Unicode MS"/>
+              </a:rPr>
+              <a:t>def </a:t>
+            </a:r>
+            <a:r>
+              <a:rPr kumimoji="0" lang="he-IL" altLang="he-IL" sz="1000" b="0" i="0" u="none" strike="noStrike" cap="none" normalizeH="0" baseline="0">
+                <a:ln>
+                  <a:noFill/>
+                </a:ln>
+                <a:solidFill>
+                  <a:srgbClr val="A9B7C6"/>
+                </a:solidFill>
+                <a:effectLst/>
+                <a:latin typeface="Arial Unicode MS"/>
+              </a:rPr>
+              <a:t>say_hello():</a:t>
+            </a:r>
+            <a:br>
+              <a:rPr kumimoji="0" lang="he-IL" altLang="he-IL" sz="1000" b="0" i="0" u="none" strike="noStrike" cap="none" normalizeH="0" baseline="0">
+                <a:ln>
+                  <a:noFill/>
+                </a:ln>
+                <a:solidFill>
+                  <a:srgbClr val="A9B7C6"/>
+                </a:solidFill>
+                <a:effectLst/>
+                <a:latin typeface="Arial Unicode MS"/>
+              </a:rPr>
+            </a:br>
+            <a:r>
+              <a:rPr kumimoji="0" lang="he-IL" altLang="he-IL" sz="1000" b="0" i="0" u="none" strike="noStrike" cap="none" normalizeH="0" baseline="0">
+                <a:ln>
+                  <a:noFill/>
+                </a:ln>
+                <a:solidFill>
+                  <a:srgbClr val="A9B7C6"/>
+                </a:solidFill>
+                <a:effectLst/>
+                <a:latin typeface="Arial Unicode MS"/>
+              </a:rPr>
+              <a:t>    print(</a:t>
+            </a:r>
+            <a:r>
+              <a:rPr kumimoji="0" lang="he-IL" altLang="he-IL" sz="1000" b="0" i="0" u="none" strike="noStrike" cap="none" normalizeH="0" baseline="0">
+                <a:ln>
+                  <a:noFill/>
+                </a:ln>
+                <a:solidFill>
+                  <a:srgbClr val="6A8759"/>
+                </a:solidFill>
+                <a:effectLst/>
+                <a:latin typeface="Arial Unicode MS"/>
+              </a:rPr>
+              <a:t>"¡Hola!"</a:t>
+            </a:r>
+            <a:r>
+              <a:rPr kumimoji="0" lang="he-IL" altLang="he-IL" sz="1000" b="0" i="0" u="none" strike="noStrike" cap="none" normalizeH="0" baseline="0">
+                <a:ln>
+                  <a:noFill/>
+                </a:ln>
+                <a:solidFill>
+                  <a:srgbClr val="A9B7C6"/>
+                </a:solidFill>
+                <a:effectLst/>
+                <a:latin typeface="Arial Unicode MS"/>
+              </a:rPr>
+              <a:t>)</a:t>
+            </a:r>
+            <a:endParaRPr kumimoji="0" lang="he-IL" altLang="he-IL" sz="1800" b="0" i="0" u="none" strike="noStrike" cap="none" normalizeH="0" baseline="0">
+              <a:ln>
+                <a:noFill/>
+              </a:ln>
+              <a:solidFill>
+                <a:schemeClr val="tx1"/>
+              </a:solidFill>
+              <a:effectLst/>
+              <a:latin typeface="Arial" panose="020B0604020202020204" pitchFamily="34" charset="0"/>
+            </a:endParaRPr>
+          </a:p>
+        </p:txBody>
+      </p:sp>
+      <p:sp>
+        <p:nvSpPr>
+          <p:cNvPr id="8" name="תיבת טקסט 7">
+            <a:extLst>
+              <a:ext uri="{FF2B5EF4-FFF2-40B4-BE49-F238E27FC236}">
+                <a16:creationId xmlns:a16="http://schemas.microsoft.com/office/drawing/2014/main" id="{9C77D842-28C8-1066-22D7-AA317B24DD43}"/>
+              </a:ext>
+            </a:extLst>
+          </p:cNvPr>
+          <p:cNvSpPr txBox="1"/>
+          <p:nvPr/>
+        </p:nvSpPr>
+        <p:spPr>
+          <a:xfrm>
+            <a:off x="7299296" y="1815179"/>
+            <a:ext cx="4054503" cy="2585323"/>
+          </a:xfrm>
+          <a:prstGeom prst="rect">
+            <a:avLst/>
+          </a:prstGeom>
+          <a:noFill/>
+        </p:spPr>
+        <p:txBody>
+          <a:bodyPr wrap="square" rtlCol="1">
+            <a:spAutoFit/>
+          </a:bodyPr>
+          <a:lstStyle/>
+          <a:p>
+            <a:r>
+              <a:rPr lang="en-US" dirty="0"/>
+              <a:t>Let's consider a package named greetings, which provides simple greeting functions. We can create the following directory structure:</a:t>
+            </a:r>
+          </a:p>
+          <a:p>
+            <a:endParaRPr lang="en-US" dirty="0"/>
+          </a:p>
+          <a:p>
+            <a:r>
+              <a:rPr lang="en-US" dirty="0"/>
+              <a:t>greetings/</a:t>
+            </a:r>
+          </a:p>
+          <a:p>
+            <a:r>
+              <a:rPr lang="en-US" dirty="0"/>
+              <a:t>    __init__.py</a:t>
+            </a:r>
+          </a:p>
+          <a:p>
+            <a:r>
+              <a:rPr lang="en-US" dirty="0"/>
+              <a:t>    english.py</a:t>
+            </a:r>
+          </a:p>
+          <a:p>
+            <a:r>
+              <a:rPr lang="en-US" dirty="0"/>
+              <a:t>    spanish.py</a:t>
+            </a:r>
+            <a:endParaRPr lang="he-IL" dirty="0"/>
+          </a:p>
+        </p:txBody>
+      </p:sp>
+      <p:sp>
+        <p:nvSpPr>
+          <p:cNvPr id="11" name="Rectangle 4">
+            <a:extLst>
+              <a:ext uri="{FF2B5EF4-FFF2-40B4-BE49-F238E27FC236}">
+                <a16:creationId xmlns:a16="http://schemas.microsoft.com/office/drawing/2014/main" id="{BD666A9C-C093-DAAB-8433-E94D1807ECE5}"/>
+              </a:ext>
+            </a:extLst>
+          </p:cNvPr>
+          <p:cNvSpPr>
+            <a:spLocks noChangeArrowheads="1"/>
+          </p:cNvSpPr>
+          <p:nvPr/>
+        </p:nvSpPr>
+        <p:spPr bwMode="auto">
+          <a:xfrm>
+            <a:off x="7299297" y="4800291"/>
+            <a:ext cx="3228229" cy="707886"/>
+          </a:xfrm>
+          <a:prstGeom prst="rect">
+            <a:avLst/>
+          </a:prstGeom>
+          <a:solidFill>
+            <a:srgbClr val="2B2B2B"/>
+          </a:solidFill>
+          <a:ln>
+            <a:noFill/>
+          </a:ln>
+          <a:effectLst/>
+          <a:extLst>
+            <a:ext uri="{91240B29-F687-4F45-9708-019B960494DF}">
+              <a14:hiddenLine xmlns:a14="http://schemas.microsoft.com/office/drawing/2010/main" w="9525">
+                <a:solidFill>
+                  <a:schemeClr val="tx1"/>
+                </a:solidFill>
+                <a:miter lim="800000"/>
+                <a:headEnd/>
+                <a:tailEnd/>
+              </a14:hiddenLine>
+            </a:ext>
+            <a:ext uri="{AF507438-7753-43E0-B8FC-AC1667EBCBE1}">
+              <a14:hiddenEffects xmlns:a14="http://schemas.microsoft.com/office/drawing/2010/main">
+                <a:effectLst>
+                  <a:outerShdw dist="35921" dir="2700000" algn="ctr" rotWithShape="0">
+                    <a:schemeClr val="bg2"/>
+                  </a:outerShdw>
+                </a:effectLst>
+              </a14:hiddenEffects>
+            </a:ext>
+          </a:extLst>
+        </p:spPr>
+        <p:txBody>
+          <a:bodyPr vert="horz" wrap="square" lIns="91440" tIns="45720" rIns="91440" bIns="45720" numCol="1" anchor="ctr" anchorCtr="0" compatLnSpc="1">
+            <a:prstTxWarp prst="textNoShape">
+              <a:avLst/>
+            </a:prstTxWarp>
+            <a:spAutoFit/>
+          </a:bodyPr>
+          <a:lstStyle/>
+          <a:p>
+            <a:pPr marL="0" marR="0" lvl="0" indent="0" algn="l" defTabSz="914400" rtl="0" eaLnBrk="0" fontAlgn="base" latinLnBrk="0" hangingPunct="0">
+              <a:lnSpc>
+                <a:spcPct val="100000"/>
+              </a:lnSpc>
+              <a:spcBef>
+                <a:spcPct val="0"/>
+              </a:spcBef>
+              <a:spcAft>
+                <a:spcPct val="0"/>
+              </a:spcAft>
+              <a:buClrTx/>
+              <a:buSzTx/>
+              <a:buFontTx/>
+              <a:buNone/>
+              <a:tabLst/>
+            </a:pPr>
+            <a:r>
+              <a:rPr kumimoji="0" lang="he-IL" altLang="he-IL" sz="1000" b="0" i="0" u="none" strike="noStrike" cap="none" normalizeH="0" baseline="0">
+                <a:ln>
+                  <a:noFill/>
+                </a:ln>
+                <a:solidFill>
+                  <a:srgbClr val="CC7832"/>
+                </a:solidFill>
+                <a:effectLst/>
+                <a:latin typeface="Arial Unicode MS"/>
+              </a:rPr>
+              <a:t>import </a:t>
+            </a:r>
+            <a:r>
+              <a:rPr kumimoji="0" lang="he-IL" altLang="he-IL" sz="1000" b="0" i="0" u="none" strike="noStrike" cap="none" normalizeH="0" baseline="0">
+                <a:ln>
+                  <a:noFill/>
+                </a:ln>
+                <a:solidFill>
+                  <a:srgbClr val="A9B7C6"/>
+                </a:solidFill>
+                <a:effectLst/>
+                <a:latin typeface="Arial Unicode MS"/>
+              </a:rPr>
+              <a:t>greetings</a:t>
+            </a:r>
+            <a:br>
+              <a:rPr kumimoji="0" lang="he-IL" altLang="he-IL" sz="1000" b="0" i="0" u="none" strike="noStrike" cap="none" normalizeH="0" baseline="0">
+                <a:ln>
+                  <a:noFill/>
+                </a:ln>
+                <a:solidFill>
+                  <a:srgbClr val="A9B7C6"/>
+                </a:solidFill>
+                <a:effectLst/>
+                <a:latin typeface="Arial Unicode MS"/>
+              </a:rPr>
+            </a:br>
+            <a:br>
+              <a:rPr kumimoji="0" lang="he-IL" altLang="he-IL" sz="1000" b="0" i="0" u="none" strike="noStrike" cap="none" normalizeH="0" baseline="0">
+                <a:ln>
+                  <a:noFill/>
+                </a:ln>
+                <a:solidFill>
+                  <a:srgbClr val="A9B7C6"/>
+                </a:solidFill>
+                <a:effectLst/>
+                <a:latin typeface="Arial Unicode MS"/>
+              </a:rPr>
+            </a:br>
+            <a:r>
+              <a:rPr kumimoji="0" lang="he-IL" altLang="he-IL" sz="1000" b="0" i="0" u="none" strike="noStrike" cap="none" normalizeH="0" baseline="0">
+                <a:ln>
+                  <a:noFill/>
+                </a:ln>
+                <a:solidFill>
+                  <a:srgbClr val="A9B7C6"/>
+                </a:solidFill>
+                <a:effectLst/>
+                <a:latin typeface="Arial Unicode MS"/>
+              </a:rPr>
+              <a:t>greetings.hello_english()  </a:t>
+            </a:r>
+            <a:r>
+              <a:rPr kumimoji="0" lang="he-IL" altLang="he-IL" sz="1000" b="0" i="0" u="none" strike="noStrike" cap="none" normalizeH="0" baseline="0">
+                <a:ln>
+                  <a:noFill/>
+                </a:ln>
+                <a:solidFill>
+                  <a:srgbClr val="808080"/>
+                </a:solidFill>
+                <a:effectLst/>
+                <a:latin typeface="Arial Unicode MS"/>
+              </a:rPr>
+              <a:t># Output: Hello!</a:t>
+            </a:r>
+            <a:br>
+              <a:rPr kumimoji="0" lang="he-IL" altLang="he-IL" sz="1000" b="0" i="0" u="none" strike="noStrike" cap="none" normalizeH="0" baseline="0">
+                <a:ln>
+                  <a:noFill/>
+                </a:ln>
+                <a:solidFill>
+                  <a:srgbClr val="808080"/>
+                </a:solidFill>
+                <a:effectLst/>
+                <a:latin typeface="Arial Unicode MS"/>
+              </a:rPr>
+            </a:br>
+            <a:r>
+              <a:rPr kumimoji="0" lang="he-IL" altLang="he-IL" sz="1000" b="0" i="0" u="none" strike="noStrike" cap="none" normalizeH="0" baseline="0">
+                <a:ln>
+                  <a:noFill/>
+                </a:ln>
+                <a:solidFill>
+                  <a:srgbClr val="A9B7C6"/>
+                </a:solidFill>
+                <a:effectLst/>
+                <a:latin typeface="Arial Unicode MS"/>
+              </a:rPr>
+              <a:t>greetings.hello_spanish()  </a:t>
+            </a:r>
+            <a:r>
+              <a:rPr kumimoji="0" lang="he-IL" altLang="he-IL" sz="1000" b="0" i="0" u="none" strike="noStrike" cap="none" normalizeH="0" baseline="0">
+                <a:ln>
+                  <a:noFill/>
+                </a:ln>
+                <a:solidFill>
+                  <a:srgbClr val="808080"/>
+                </a:solidFill>
+                <a:effectLst/>
+                <a:latin typeface="Arial Unicode MS"/>
+              </a:rPr>
+              <a:t># Output: ¡Hola!</a:t>
+            </a:r>
+            <a:endParaRPr kumimoji="0" lang="he-IL" altLang="he-IL" sz="1800" b="0" i="0" u="none" strike="noStrike" cap="none" normalizeH="0" baseline="0">
+              <a:ln>
+                <a:noFill/>
+              </a:ln>
+              <a:solidFill>
+                <a:schemeClr val="tx1"/>
+              </a:solidFill>
+              <a:effectLst/>
+              <a:latin typeface="Arial" panose="020B0604020202020204" pitchFamily="34" charset="0"/>
+            </a:endParaRPr>
+          </a:p>
+        </p:txBody>
+      </p:sp>
+      <p:sp>
+        <p:nvSpPr>
+          <p:cNvPr id="12" name="תיבת טקסט 11">
+            <a:extLst>
+              <a:ext uri="{FF2B5EF4-FFF2-40B4-BE49-F238E27FC236}">
+                <a16:creationId xmlns:a16="http://schemas.microsoft.com/office/drawing/2014/main" id="{88412B13-816F-7D10-A841-CDCB5B0C51F2}"/>
+              </a:ext>
+            </a:extLst>
+          </p:cNvPr>
+          <p:cNvSpPr txBox="1"/>
+          <p:nvPr/>
+        </p:nvSpPr>
+        <p:spPr>
+          <a:xfrm>
+            <a:off x="7451697" y="4448422"/>
+            <a:ext cx="3434964" cy="369332"/>
+          </a:xfrm>
+          <a:prstGeom prst="rect">
+            <a:avLst/>
+          </a:prstGeom>
+          <a:noFill/>
+        </p:spPr>
+        <p:txBody>
+          <a:bodyPr wrap="square" rtlCol="1">
+            <a:spAutoFit/>
+          </a:bodyPr>
+          <a:lstStyle/>
+          <a:p>
+            <a:r>
+              <a:rPr lang="en-US" dirty="0"/>
+              <a:t>Output: </a:t>
+            </a:r>
+            <a:endParaRPr lang="he-IL" dirty="0"/>
+          </a:p>
+        </p:txBody>
+      </p:sp>
+    </p:spTree>
+    <p:extLst>
+      <p:ext uri="{BB962C8B-B14F-4D97-AF65-F5344CB8AC3E}">
+        <p14:creationId xmlns:p14="http://schemas.microsoft.com/office/powerpoint/2010/main" val="155986256"/>
       </p:ext>
     </p:extLst>
   </p:cSld>
@@ -18366,10 +19828,122 @@
           <a:chExt cx="0" cy="0"/>
         </a:xfrm>
       </p:grpSpPr>
+      <p:sp>
+        <p:nvSpPr>
+          <p:cNvPr id="2" name="Title 1"/>
+          <p:cNvSpPr>
+            <a:spLocks noGrp="1"/>
+          </p:cNvSpPr>
+          <p:nvPr>
+            <p:ph type="title"/>
+          </p:nvPr>
+        </p:nvSpPr>
+        <p:spPr/>
+        <p:txBody>
+          <a:bodyPr>
+            <a:normAutofit/>
+          </a:bodyPr>
+          <a:lstStyle/>
+          <a:p>
+            <a:r>
+              <a:rPr lang="en-US" dirty="0">
+                <a:effectLst/>
+              </a:rPr>
+              <a:t>Locating Modules</a:t>
+            </a:r>
+            <a:endParaRPr lang="he-IL" dirty="0"/>
+          </a:p>
+        </p:txBody>
+      </p:sp>
+      <p:sp>
+        <p:nvSpPr>
+          <p:cNvPr id="3" name="Content Placeholder 2"/>
+          <p:cNvSpPr>
+            <a:spLocks noGrp="1"/>
+          </p:cNvSpPr>
+          <p:nvPr>
+            <p:ph idx="1"/>
+          </p:nvPr>
+        </p:nvSpPr>
+        <p:spPr/>
+        <p:txBody>
+          <a:bodyPr>
+            <a:normAutofit/>
+          </a:bodyPr>
+          <a:lstStyle/>
+          <a:p>
+            <a:r>
+              <a:rPr lang="en-US" dirty="0"/>
+              <a:t>When importing modules the interpreter  searches:</a:t>
+            </a:r>
+          </a:p>
+          <a:p>
+            <a:pPr lvl="1">
+              <a:spcAft>
+                <a:spcPts val="1800"/>
+              </a:spcAft>
+            </a:pPr>
+            <a:r>
+              <a:rPr lang="en-US" dirty="0"/>
+              <a:t>First interpreter searches in the current directory.</a:t>
+            </a:r>
+          </a:p>
+          <a:p>
+            <a:pPr lvl="1">
+              <a:spcAft>
+                <a:spcPts val="1800"/>
+              </a:spcAft>
+            </a:pPr>
+            <a:r>
+              <a:rPr lang="en-US" dirty="0"/>
+              <a:t>If the module isn't found, Python then searches each directory in the shell variable PYTHONPATH</a:t>
+            </a:r>
+          </a:p>
+          <a:p>
+            <a:pPr lvl="1">
+              <a:spcAft>
+                <a:spcPts val="1800"/>
+              </a:spcAft>
+            </a:pPr>
+            <a:r>
+              <a:rPr lang="en-US" dirty="0"/>
+              <a:t>If the module isn’t found, the interpreter searched in standard installation path. (In Linux/Unix for example in /</a:t>
+            </a:r>
+            <a:r>
+              <a:rPr lang="en-US" dirty="0" err="1"/>
+              <a:t>usr</a:t>
+            </a:r>
+            <a:r>
+              <a:rPr lang="en-US" dirty="0"/>
+              <a:t>/local/lib/python)</a:t>
+            </a:r>
+          </a:p>
+          <a:p>
+            <a:pPr lvl="1">
+              <a:spcAft>
+                <a:spcPts val="1800"/>
+              </a:spcAft>
+            </a:pPr>
+            <a:r>
+              <a:rPr lang="en-US" dirty="0"/>
+              <a:t>If the module is not found in any of the above locations, the interpreter raises an “</a:t>
+            </a:r>
+            <a:r>
+              <a:rPr lang="en-US" dirty="0" err="1"/>
+              <a:t>ImportError</a:t>
+            </a:r>
+            <a:r>
+              <a:rPr lang="en-US" dirty="0"/>
+              <a:t>” indicating that the module could not be found.</a:t>
+            </a:r>
+            <a:endParaRPr lang="he-IL" dirty="0"/>
+          </a:p>
+        </p:txBody>
+      </p:sp>
     </p:spTree>
     <p:extLst>
       <p:ext uri="{BB962C8B-B14F-4D97-AF65-F5344CB8AC3E}">
-        <p14:creationId xmlns:p14="http://schemas.microsoft.com/office/powerpoint/2010/main" val="1123853236"/>
+        <p14:creationId xmlns:p14="http://schemas.microsoft.com/office/powerpoint/2010/main" val="3629261822"/>
       </p:ext>
     </p:extLst>
   </p:cSld>
@@ -18512,6 +20086,200 @@
     <p:extLst>
       <p:ext uri="{BB962C8B-B14F-4D97-AF65-F5344CB8AC3E}">
         <p14:creationId xmlns:p14="http://schemas.microsoft.com/office/powerpoint/2010/main" val="89284741"/>
+      </p:ext>
+    </p:extLst>
+  </p:cSld>
+  <p:clrMapOvr>
+    <a:masterClrMapping/>
+  </p:clrMapOvr>
+</p:sld>
+</file>
+
+<file path=ppt/slides/slide30.xml><?xml version="1.0" encoding="utf-8"?>
+<p:sld xmlns:a="http://schemas.openxmlformats.org/drawingml/2006/main" xmlns:r="http://schemas.openxmlformats.org/officeDocument/2006/relationships" xmlns:p="http://schemas.openxmlformats.org/presentationml/2006/main">
+  <p:cSld>
+    <p:spTree>
+      <p:nvGrpSpPr>
+        <p:cNvPr id="1" name=""/>
+        <p:cNvGrpSpPr/>
+        <p:nvPr/>
+      </p:nvGrpSpPr>
+      <p:grpSpPr>
+        <a:xfrm>
+          <a:off x="0" y="0"/>
+          <a:ext cx="0" cy="0"/>
+          <a:chOff x="0" y="0"/>
+          <a:chExt cx="0" cy="0"/>
+        </a:xfrm>
+      </p:grpSpPr>
+      <p:sp>
+        <p:nvSpPr>
+          <p:cNvPr id="2" name="Title 1"/>
+          <p:cNvSpPr>
+            <a:spLocks noGrp="1"/>
+          </p:cNvSpPr>
+          <p:nvPr>
+            <p:ph type="title"/>
+          </p:nvPr>
+        </p:nvSpPr>
+        <p:spPr/>
+        <p:txBody>
+          <a:bodyPr>
+            <a:normAutofit/>
+          </a:bodyPr>
+          <a:lstStyle/>
+          <a:p>
+            <a:r>
+              <a:rPr lang="en-US" dirty="0"/>
+              <a:t>Python packages</a:t>
+            </a:r>
+            <a:endParaRPr lang="he-IL" dirty="0"/>
+          </a:p>
+        </p:txBody>
+      </p:sp>
+      <p:sp>
+        <p:nvSpPr>
+          <p:cNvPr id="3" name="Content Placeholder 2"/>
+          <p:cNvSpPr>
+            <a:spLocks noGrp="1"/>
+          </p:cNvSpPr>
+          <p:nvPr>
+            <p:ph idx="1"/>
+          </p:nvPr>
+        </p:nvSpPr>
+        <p:spPr/>
+        <p:txBody>
+          <a:bodyPr>
+            <a:normAutofit/>
+          </a:bodyPr>
+          <a:lstStyle/>
+          <a:p>
+            <a:r>
+              <a:rPr lang="en-US" sz="2400" dirty="0"/>
+              <a:t>To help organize modules and provide a naming hierarchy, python has a concept of packages</a:t>
+            </a:r>
+          </a:p>
+          <a:p>
+            <a:endParaRPr lang="en-US" sz="2400" dirty="0"/>
+          </a:p>
+          <a:p>
+            <a:r>
+              <a:rPr lang="en-US" sz="2400" dirty="0"/>
+              <a:t>The __init__.py files are required to make Python treat the directories as package</a:t>
+            </a:r>
+          </a:p>
+          <a:p>
+            <a:endParaRPr lang="en-US" sz="2400" dirty="0"/>
+          </a:p>
+          <a:p>
+            <a:r>
+              <a:rPr lang="en-US" sz="2400" dirty="0"/>
+              <a:t>Access to modules inside a package through the full name: </a:t>
+            </a:r>
+            <a:r>
+              <a:rPr lang="en-US" sz="2400" i="1" dirty="0" err="1"/>
+              <a:t>package_name.module_name</a:t>
+            </a:r>
+            <a:endParaRPr lang="en-US" sz="2400" i="1" dirty="0"/>
+          </a:p>
+          <a:p>
+            <a:endParaRPr lang="en-US" sz="2400" i="1" dirty="0"/>
+          </a:p>
+          <a:p>
+            <a:r>
+              <a:rPr lang="en-US" sz="2400" dirty="0"/>
+              <a:t>Packages can contains sub-packages </a:t>
+            </a:r>
+          </a:p>
+        </p:txBody>
+      </p:sp>
+    </p:spTree>
+    <p:extLst>
+      <p:ext uri="{BB962C8B-B14F-4D97-AF65-F5344CB8AC3E}">
+        <p14:creationId xmlns:p14="http://schemas.microsoft.com/office/powerpoint/2010/main" val="1171788004"/>
+      </p:ext>
+    </p:extLst>
+  </p:cSld>
+  <p:clrMapOvr>
+    <a:masterClrMapping/>
+  </p:clrMapOvr>
+</p:sld>
+</file>
+
+<file path=ppt/slides/slide31.xml><?xml version="1.0" encoding="utf-8"?>
+<p:sld xmlns:a="http://schemas.openxmlformats.org/drawingml/2006/main" xmlns:r="http://schemas.openxmlformats.org/officeDocument/2006/relationships" xmlns:p="http://schemas.openxmlformats.org/presentationml/2006/main">
+  <p:cSld>
+    <p:spTree>
+      <p:nvGrpSpPr>
+        <p:cNvPr id="1" name=""/>
+        <p:cNvGrpSpPr/>
+        <p:nvPr/>
+      </p:nvGrpSpPr>
+      <p:grpSpPr>
+        <a:xfrm>
+          <a:off x="0" y="0"/>
+          <a:ext cx="0" cy="0"/>
+          <a:chOff x="0" y="0"/>
+          <a:chExt cx="0" cy="0"/>
+        </a:xfrm>
+      </p:grpSpPr>
+      <p:sp>
+        <p:nvSpPr>
+          <p:cNvPr id="3" name="Title 2"/>
+          <p:cNvSpPr>
+            <a:spLocks noGrp="1"/>
+          </p:cNvSpPr>
+          <p:nvPr>
+            <p:ph type="title"/>
+          </p:nvPr>
+        </p:nvSpPr>
+        <p:spPr/>
+        <p:txBody>
+          <a:bodyPr/>
+          <a:lstStyle/>
+          <a:p>
+            <a:r>
+              <a:rPr lang="en-US"/>
+              <a:t>Lab 01</a:t>
+            </a:r>
+            <a:endParaRPr lang="he-IL"/>
+          </a:p>
+        </p:txBody>
+      </p:sp>
+    </p:spTree>
+    <p:extLst>
+      <p:ext uri="{BB962C8B-B14F-4D97-AF65-F5344CB8AC3E}">
+        <p14:creationId xmlns:p14="http://schemas.microsoft.com/office/powerpoint/2010/main" val="2767821557"/>
+      </p:ext>
+    </p:extLst>
+  </p:cSld>
+  <p:clrMapOvr>
+    <a:masterClrMapping/>
+  </p:clrMapOvr>
+</p:sld>
+</file>
+
+<file path=ppt/slides/slide32.xml><?xml version="1.0" encoding="utf-8"?>
+<p:sld xmlns:a="http://schemas.openxmlformats.org/drawingml/2006/main" xmlns:r="http://schemas.openxmlformats.org/officeDocument/2006/relationships" xmlns:p="http://schemas.openxmlformats.org/presentationml/2006/main">
+  <p:cSld>
+    <p:spTree>
+      <p:nvGrpSpPr>
+        <p:cNvPr id="1" name=""/>
+        <p:cNvGrpSpPr/>
+        <p:nvPr/>
+      </p:nvGrpSpPr>
+      <p:grpSpPr>
+        <a:xfrm>
+          <a:off x="0" y="0"/>
+          <a:ext cx="0" cy="0"/>
+          <a:chOff x="0" y="0"/>
+          <a:chExt cx="0" cy="0"/>
+        </a:xfrm>
+      </p:grpSpPr>
+    </p:spTree>
+    <p:extLst>
+      <p:ext uri="{BB962C8B-B14F-4D97-AF65-F5344CB8AC3E}">
+        <p14:creationId xmlns:p14="http://schemas.microsoft.com/office/powerpoint/2010/main" val="1123853236"/>
       </p:ext>
     </p:extLst>
   </p:cSld>

--- a/basic_new/Module 04 - Python Functions.pptx
+++ b/basic_new/Module 04 - Python Functions.pptx
@@ -162,426 +162,6 @@
 
 <file path=ppt/changesInfos/changesInfo1.xml><?xml version="1.0" encoding="utf-8"?>
 <pc:chgInfo xmlns:a="http://schemas.openxmlformats.org/drawingml/2006/main" xmlns:r="http://schemas.openxmlformats.org/officeDocument/2006/relationships" xmlns:ac="http://schemas.microsoft.com/office/drawing/2013/main/command" xmlns:pc="http://schemas.microsoft.com/office/powerpoint/2013/main/command">
-  <pc:docChgLst>
-    <pc:chgData name="Grace Alison Yurkov" userId="b81c3101a651c776" providerId="LiveId" clId="{A2A03E3F-62B1-4E58-A617-0C8BD9481F1D}"/>
-    <pc:docChg chg="undo custSel addSld modSld sldOrd">
-      <pc:chgData name="Grace Alison Yurkov" userId="b81c3101a651c776" providerId="LiveId" clId="{A2A03E3F-62B1-4E58-A617-0C8BD9481F1D}" dt="2023-06-27T08:44:01.416" v="133" actId="14100"/>
-      <pc:docMkLst>
-        <pc:docMk/>
-      </pc:docMkLst>
-      <pc:sldChg chg="modSp mod ord">
-        <pc:chgData name="Grace Alison Yurkov" userId="b81c3101a651c776" providerId="LiveId" clId="{A2A03E3F-62B1-4E58-A617-0C8BD9481F1D}" dt="2023-06-27T08:37:21.347" v="47" actId="20577"/>
-        <pc:sldMkLst>
-          <pc:docMk/>
-          <pc:sldMk cId="3816041889" sldId="308"/>
-        </pc:sldMkLst>
-        <pc:spChg chg="mod">
-          <ac:chgData name="Grace Alison Yurkov" userId="b81c3101a651c776" providerId="LiveId" clId="{A2A03E3F-62B1-4E58-A617-0C8BD9481F1D}" dt="2023-06-27T08:37:21.347" v="47" actId="20577"/>
-          <ac:spMkLst>
-            <pc:docMk/>
-            <pc:sldMk cId="3816041889" sldId="308"/>
-            <ac:spMk id="7" creationId="{00000000-0000-0000-0000-000000000000}"/>
-          </ac:spMkLst>
-        </pc:spChg>
-      </pc:sldChg>
-      <pc:sldChg chg="modSp add mod">
-        <pc:chgData name="Grace Alison Yurkov" userId="b81c3101a651c776" providerId="LiveId" clId="{A2A03E3F-62B1-4E58-A617-0C8BD9481F1D}" dt="2023-06-27T08:34:11.228" v="11" actId="27636"/>
-        <pc:sldMkLst>
-          <pc:docMk/>
-          <pc:sldMk cId="702368095" sldId="341"/>
-        </pc:sldMkLst>
-        <pc:spChg chg="mod">
-          <ac:chgData name="Grace Alison Yurkov" userId="b81c3101a651c776" providerId="LiveId" clId="{A2A03E3F-62B1-4E58-A617-0C8BD9481F1D}" dt="2023-06-27T08:33:06.368" v="9" actId="20577"/>
-          <ac:spMkLst>
-            <pc:docMk/>
-            <pc:sldMk cId="702368095" sldId="341"/>
-            <ac:spMk id="2" creationId="{00000000-0000-0000-0000-000000000000}"/>
-          </ac:spMkLst>
-        </pc:spChg>
-        <pc:spChg chg="mod">
-          <ac:chgData name="Grace Alison Yurkov" userId="b81c3101a651c776" providerId="LiveId" clId="{A2A03E3F-62B1-4E58-A617-0C8BD9481F1D}" dt="2023-06-27T08:34:11.228" v="11" actId="27636"/>
-          <ac:spMkLst>
-            <pc:docMk/>
-            <pc:sldMk cId="702368095" sldId="341"/>
-            <ac:spMk id="3" creationId="{00000000-0000-0000-0000-000000000000}"/>
-          </ac:spMkLst>
-        </pc:spChg>
-      </pc:sldChg>
-      <pc:sldChg chg="modSp add mod">
-        <pc:chgData name="Grace Alison Yurkov" userId="b81c3101a651c776" providerId="LiveId" clId="{A2A03E3F-62B1-4E58-A617-0C8BD9481F1D}" dt="2023-06-27T08:36:40.221" v="32" actId="113"/>
-        <pc:sldMkLst>
-          <pc:docMk/>
-          <pc:sldMk cId="3387540484" sldId="342"/>
-        </pc:sldMkLst>
-        <pc:spChg chg="mod">
-          <ac:chgData name="Grace Alison Yurkov" userId="b81c3101a651c776" providerId="LiveId" clId="{A2A03E3F-62B1-4E58-A617-0C8BD9481F1D}" dt="2023-06-27T08:34:21.784" v="23" actId="20577"/>
-          <ac:spMkLst>
-            <pc:docMk/>
-            <pc:sldMk cId="3387540484" sldId="342"/>
-            <ac:spMk id="2" creationId="{00000000-0000-0000-0000-000000000000}"/>
-          </ac:spMkLst>
-        </pc:spChg>
-        <pc:spChg chg="mod">
-          <ac:chgData name="Grace Alison Yurkov" userId="b81c3101a651c776" providerId="LiveId" clId="{A2A03E3F-62B1-4E58-A617-0C8BD9481F1D}" dt="2023-06-27T08:36:40.221" v="32" actId="113"/>
-          <ac:spMkLst>
-            <pc:docMk/>
-            <pc:sldMk cId="3387540484" sldId="342"/>
-            <ac:spMk id="3" creationId="{00000000-0000-0000-0000-000000000000}"/>
-          </ac:spMkLst>
-        </pc:spChg>
-      </pc:sldChg>
-      <pc:sldChg chg="addSp delSp modSp add mod ord">
-        <pc:chgData name="Grace Alison Yurkov" userId="b81c3101a651c776" providerId="LiveId" clId="{A2A03E3F-62B1-4E58-A617-0C8BD9481F1D}" dt="2023-06-27T08:44:01.416" v="133" actId="14100"/>
-        <pc:sldMkLst>
-          <pc:docMk/>
-          <pc:sldMk cId="155986256" sldId="343"/>
-        </pc:sldMkLst>
-        <pc:spChg chg="mod">
-          <ac:chgData name="Grace Alison Yurkov" userId="b81c3101a651c776" providerId="LiveId" clId="{A2A03E3F-62B1-4E58-A617-0C8BD9481F1D}" dt="2023-06-27T08:37:30.956" v="53" actId="20577"/>
-          <ac:spMkLst>
-            <pc:docMk/>
-            <pc:sldMk cId="155986256" sldId="343"/>
-            <ac:spMk id="2" creationId="{00000000-0000-0000-0000-000000000000}"/>
-          </ac:spMkLst>
-        </pc:spChg>
-        <pc:spChg chg="mod">
-          <ac:chgData name="Grace Alison Yurkov" userId="b81c3101a651c776" providerId="LiveId" clId="{A2A03E3F-62B1-4E58-A617-0C8BD9481F1D}" dt="2023-06-27T08:40:44.911" v="75"/>
-          <ac:spMkLst>
-            <pc:docMk/>
-            <pc:sldMk cId="155986256" sldId="343"/>
-            <ac:spMk id="3" creationId="{00000000-0000-0000-0000-000000000000}"/>
-          </ac:spMkLst>
-        </pc:spChg>
-        <pc:spChg chg="add mod">
-          <ac:chgData name="Grace Alison Yurkov" userId="b81c3101a651c776" providerId="LiveId" clId="{A2A03E3F-62B1-4E58-A617-0C8BD9481F1D}" dt="2023-06-27T08:41:23.047" v="83" actId="1076"/>
-          <ac:spMkLst>
-            <pc:docMk/>
-            <pc:sldMk cId="155986256" sldId="343"/>
-            <ac:spMk id="4" creationId="{A85D0F14-442C-49F7-ADFB-99D77B2DDF95}"/>
-          </ac:spMkLst>
-        </pc:spChg>
-        <pc:spChg chg="add mod">
-          <ac:chgData name="Grace Alison Yurkov" userId="b81c3101a651c776" providerId="LiveId" clId="{A2A03E3F-62B1-4E58-A617-0C8BD9481F1D}" dt="2023-06-27T08:41:20.070" v="82" actId="1076"/>
-          <ac:spMkLst>
-            <pc:docMk/>
-            <pc:sldMk cId="155986256" sldId="343"/>
-            <ac:spMk id="5" creationId="{82A847D9-4ED2-EE2B-0051-DBD80C0458EC}"/>
-          </ac:spMkLst>
-        </pc:spChg>
-        <pc:spChg chg="add mod">
-          <ac:chgData name="Grace Alison Yurkov" userId="b81c3101a651c776" providerId="LiveId" clId="{A2A03E3F-62B1-4E58-A617-0C8BD9481F1D}" dt="2023-06-27T08:41:26.397" v="84" actId="1076"/>
-          <ac:spMkLst>
-            <pc:docMk/>
-            <pc:sldMk cId="155986256" sldId="343"/>
-            <ac:spMk id="6" creationId="{6D563575-3803-076C-98B5-CD348B7CD569}"/>
-          </ac:spMkLst>
-        </pc:spChg>
-        <pc:spChg chg="add del mod">
-          <ac:chgData name="Grace Alison Yurkov" userId="b81c3101a651c776" providerId="LiveId" clId="{A2A03E3F-62B1-4E58-A617-0C8BD9481F1D}" dt="2023-06-27T08:41:57.464" v="99" actId="478"/>
-          <ac:spMkLst>
-            <pc:docMk/>
-            <pc:sldMk cId="155986256" sldId="343"/>
-            <ac:spMk id="7" creationId="{20B2C227-3DAE-5EB1-9410-D325A0B4BEAA}"/>
-          </ac:spMkLst>
-        </pc:spChg>
-        <pc:spChg chg="add mod">
-          <ac:chgData name="Grace Alison Yurkov" userId="b81c3101a651c776" providerId="LiveId" clId="{A2A03E3F-62B1-4E58-A617-0C8BD9481F1D}" dt="2023-06-27T08:44:01.416" v="133" actId="14100"/>
-          <ac:spMkLst>
-            <pc:docMk/>
-            <pc:sldMk cId="155986256" sldId="343"/>
-            <ac:spMk id="8" creationId="{9C77D842-28C8-1066-22D7-AA317B24DD43}"/>
-          </ac:spMkLst>
-        </pc:spChg>
-        <pc:spChg chg="add del">
-          <ac:chgData name="Grace Alison Yurkov" userId="b81c3101a651c776" providerId="LiveId" clId="{A2A03E3F-62B1-4E58-A617-0C8BD9481F1D}" dt="2023-06-27T08:42:25.597" v="122" actId="478"/>
-          <ac:spMkLst>
-            <pc:docMk/>
-            <pc:sldMk cId="155986256" sldId="343"/>
-            <ac:spMk id="10" creationId="{69A5BD03-AEBD-27CF-B16E-FB03BD5181B9}"/>
-          </ac:spMkLst>
-        </pc:spChg>
-        <pc:spChg chg="add mod">
-          <ac:chgData name="Grace Alison Yurkov" userId="b81c3101a651c776" providerId="LiveId" clId="{A2A03E3F-62B1-4E58-A617-0C8BD9481F1D}" dt="2023-06-27T08:42:38.825" v="127" actId="1076"/>
-          <ac:spMkLst>
-            <pc:docMk/>
-            <pc:sldMk cId="155986256" sldId="343"/>
-            <ac:spMk id="11" creationId="{BD666A9C-C093-DAAB-8433-E94D1807ECE5}"/>
-          </ac:spMkLst>
-        </pc:spChg>
-        <pc:spChg chg="add mod">
-          <ac:chgData name="Grace Alison Yurkov" userId="b81c3101a651c776" providerId="LiveId" clId="{A2A03E3F-62B1-4E58-A617-0C8BD9481F1D}" dt="2023-06-27T08:42:49.896" v="129"/>
-          <ac:spMkLst>
-            <pc:docMk/>
-            <pc:sldMk cId="155986256" sldId="343"/>
-            <ac:spMk id="12" creationId="{88412B13-816F-7D10-A841-CDCB5B0C51F2}"/>
-          </ac:spMkLst>
-        </pc:spChg>
-      </pc:sldChg>
-    </pc:docChg>
-  </pc:docChgLst>
-  <pc:docChgLst>
-    <pc:chgData name="Tomer Avishar" userId="S::tomerav@sela.co.il::6f99e47e-5b46-447c-a55a-283bba137982" providerId="AD" clId="Web-{1DC4A7C7-CE4F-3205-974E-8156ED17CB91}"/>
-    <pc:docChg chg="modSld">
-      <pc:chgData name="Tomer Avishar" userId="S::tomerav@sela.co.il::6f99e47e-5b46-447c-a55a-283bba137982" providerId="AD" clId="Web-{1DC4A7C7-CE4F-3205-974E-8156ED17CB91}" dt="2022-01-16T14:59:56.065" v="0"/>
-      <pc:docMkLst>
-        <pc:docMk/>
-      </pc:docMkLst>
-      <pc:sldChg chg="addSp">
-        <pc:chgData name="Tomer Avishar" userId="S::tomerav@sela.co.il::6f99e47e-5b46-447c-a55a-283bba137982" providerId="AD" clId="Web-{1DC4A7C7-CE4F-3205-974E-8156ED17CB91}" dt="2022-01-16T14:59:56.065" v="0"/>
-        <pc:sldMkLst>
-          <pc:docMk/>
-          <pc:sldMk cId="715340640" sldId="267"/>
-        </pc:sldMkLst>
-        <pc:spChg chg="add">
-          <ac:chgData name="Tomer Avishar" userId="S::tomerav@sela.co.il::6f99e47e-5b46-447c-a55a-283bba137982" providerId="AD" clId="Web-{1DC4A7C7-CE4F-3205-974E-8156ED17CB91}" dt="2022-01-16T14:59:56.065" v="0"/>
-          <ac:spMkLst>
-            <pc:docMk/>
-            <pc:sldMk cId="715340640" sldId="267"/>
-            <ac:spMk id="4" creationId="{BB2FB569-B4F9-42D8-84FB-8F12F35F05FF}"/>
-          </ac:spMkLst>
-        </pc:spChg>
-      </pc:sldChg>
-    </pc:docChg>
-  </pc:docChgLst>
-  <pc:docChgLst>
-    <pc:chgData name="Tomer Avishar" userId="S::tomerav@sela.co.il::6f99e47e-5b46-447c-a55a-283bba137982" providerId="AD" clId="Web-{D330ABF8-AE4D-B4F8-FC89-666F486D5107}"/>
-    <pc:docChg chg="delSld modSld">
-      <pc:chgData name="Tomer Avishar" userId="S::tomerav@sela.co.il::6f99e47e-5b46-447c-a55a-283bba137982" providerId="AD" clId="Web-{D330ABF8-AE4D-B4F8-FC89-666F486D5107}" dt="2022-01-16T12:14:55.699" v="13" actId="20577"/>
-      <pc:docMkLst>
-        <pc:docMk/>
-      </pc:docMkLst>
-      <pc:sldChg chg="modSp">
-        <pc:chgData name="Tomer Avishar" userId="S::tomerav@sela.co.il::6f99e47e-5b46-447c-a55a-283bba137982" providerId="AD" clId="Web-{D330ABF8-AE4D-B4F8-FC89-666F486D5107}" dt="2022-01-16T12:13:38.369" v="0" actId="14100"/>
-        <pc:sldMkLst>
-          <pc:docMk/>
-          <pc:sldMk cId="2492001281" sldId="280"/>
-        </pc:sldMkLst>
-        <pc:spChg chg="mod">
-          <ac:chgData name="Tomer Avishar" userId="S::tomerav@sela.co.il::6f99e47e-5b46-447c-a55a-283bba137982" providerId="AD" clId="Web-{D330ABF8-AE4D-B4F8-FC89-666F486D5107}" dt="2022-01-16T12:13:38.369" v="0" actId="14100"/>
-          <ac:spMkLst>
-            <pc:docMk/>
-            <pc:sldMk cId="2492001281" sldId="280"/>
-            <ac:spMk id="13" creationId="{F3BD2BD0-202C-40FC-8573-610EE63FC528}"/>
-          </ac:spMkLst>
-        </pc:spChg>
-      </pc:sldChg>
-      <pc:sldChg chg="delCm">
-        <pc:chgData name="Tomer Avishar" userId="S::tomerav@sela.co.il::6f99e47e-5b46-447c-a55a-283bba137982" providerId="AD" clId="Web-{D330ABF8-AE4D-B4F8-FC89-666F486D5107}" dt="2022-01-16T12:13:49.713" v="1"/>
-        <pc:sldMkLst>
-          <pc:docMk/>
-          <pc:sldMk cId="2767821557" sldId="294"/>
-        </pc:sldMkLst>
-      </pc:sldChg>
-      <pc:sldChg chg="del delCm">
-        <pc:chgData name="Tomer Avishar" userId="S::tomerav@sela.co.il::6f99e47e-5b46-447c-a55a-283bba137982" providerId="AD" clId="Web-{D330ABF8-AE4D-B4F8-FC89-666F486D5107}" dt="2022-01-16T12:14:14.089" v="3"/>
-        <pc:sldMkLst>
-          <pc:docMk/>
-          <pc:sldMk cId="2746262724" sldId="295"/>
-        </pc:sldMkLst>
-      </pc:sldChg>
-      <pc:sldChg chg="modSp">
-        <pc:chgData name="Tomer Avishar" userId="S::tomerav@sela.co.il::6f99e47e-5b46-447c-a55a-283bba137982" providerId="AD" clId="Web-{D330ABF8-AE4D-B4F8-FC89-666F486D5107}" dt="2022-01-16T12:14:55.699" v="13" actId="20577"/>
-        <pc:sldMkLst>
-          <pc:docMk/>
-          <pc:sldMk cId="1380134214" sldId="309"/>
-        </pc:sldMkLst>
-        <pc:spChg chg="mod">
-          <ac:chgData name="Tomer Avishar" userId="S::tomerav@sela.co.il::6f99e47e-5b46-447c-a55a-283bba137982" providerId="AD" clId="Web-{D330ABF8-AE4D-B4F8-FC89-666F486D5107}" dt="2022-01-16T12:14:55.699" v="13" actId="20577"/>
-          <ac:spMkLst>
-            <pc:docMk/>
-            <pc:sldMk cId="1380134214" sldId="309"/>
-            <ac:spMk id="6" creationId="{74F98662-678E-4B15-8F4B-F2B687111016}"/>
-          </ac:spMkLst>
-        </pc:spChg>
-      </pc:sldChg>
-    </pc:docChg>
-  </pc:docChgLst>
-  <pc:docChgLst>
-    <pc:chgData clId="Web-{1DC4A7C7-CE4F-3205-974E-8156ED17CB91}"/>
-    <pc:docChg chg="modSld">
-      <pc:chgData name="" userId="" providerId="" clId="Web-{1DC4A7C7-CE4F-3205-974E-8156ED17CB91}" dt="2022-01-16T14:59:31.361" v="0"/>
-      <pc:docMkLst>
-        <pc:docMk/>
-      </pc:docMkLst>
-      <pc:sldChg chg="addSp">
-        <pc:chgData name="" userId="" providerId="" clId="Web-{1DC4A7C7-CE4F-3205-974E-8156ED17CB91}" dt="2022-01-16T14:59:31.361" v="0"/>
-        <pc:sldMkLst>
-          <pc:docMk/>
-          <pc:sldMk cId="1629193451" sldId="257"/>
-        </pc:sldMkLst>
-        <pc:spChg chg="add">
-          <ac:chgData name="" userId="" providerId="" clId="Web-{1DC4A7C7-CE4F-3205-974E-8156ED17CB91}" dt="2022-01-16T14:59:31.361" v="0"/>
-          <ac:spMkLst>
-            <pc:docMk/>
-            <pc:sldMk cId="1629193451" sldId="257"/>
-            <ac:spMk id="3" creationId="{14FB7C35-71DA-4678-A4BC-B36886A75DA8}"/>
-          </ac:spMkLst>
-        </pc:spChg>
-      </pc:sldChg>
-    </pc:docChg>
-  </pc:docChgLst>
-  <pc:docChgLst>
-    <pc:chgData name="Tomer Avishar" userId="S::tomerav@sela.co.il::6f99e47e-5b46-447c-a55a-283bba137982" providerId="AD" clId="Web-{18518D72-659F-BC1B-1C5D-4788DBEB738E}"/>
-    <pc:docChg chg="modSld">
-      <pc:chgData name="Tomer Avishar" userId="S::tomerav@sela.co.il::6f99e47e-5b46-447c-a55a-283bba137982" providerId="AD" clId="Web-{18518D72-659F-BC1B-1C5D-4788DBEB738E}" dt="2022-01-19T08:46:13.847" v="1228"/>
-      <pc:docMkLst>
-        <pc:docMk/>
-      </pc:docMkLst>
-      <pc:sldChg chg="modNotes">
-        <pc:chgData name="Tomer Avishar" userId="S::tomerav@sela.co.il::6f99e47e-5b46-447c-a55a-283bba137982" providerId="AD" clId="Web-{18518D72-659F-BC1B-1C5D-4788DBEB738E}" dt="2022-01-19T07:42:32.329" v="152"/>
-        <pc:sldMkLst>
-          <pc:docMk/>
-          <pc:sldMk cId="89284741" sldId="264"/>
-        </pc:sldMkLst>
-      </pc:sldChg>
-      <pc:sldChg chg="modNotes">
-        <pc:chgData name="Tomer Avishar" userId="S::tomerav@sela.co.il::6f99e47e-5b46-447c-a55a-283bba137982" providerId="AD" clId="Web-{18518D72-659F-BC1B-1C5D-4788DBEB738E}" dt="2022-01-19T07:49:45.668" v="311"/>
-        <pc:sldMkLst>
-          <pc:docMk/>
-          <pc:sldMk cId="2304337233" sldId="266"/>
-        </pc:sldMkLst>
-      </pc:sldChg>
-      <pc:sldChg chg="modNotes">
-        <pc:chgData name="Tomer Avishar" userId="S::tomerav@sela.co.il::6f99e47e-5b46-447c-a55a-283bba137982" providerId="AD" clId="Web-{18518D72-659F-BC1B-1C5D-4788DBEB738E}" dt="2022-01-19T07:50:05.028" v="314"/>
-        <pc:sldMkLst>
-          <pc:docMk/>
-          <pc:sldMk cId="715340640" sldId="267"/>
-        </pc:sldMkLst>
-      </pc:sldChg>
-      <pc:sldChg chg="modSp modNotes">
-        <pc:chgData name="Tomer Avishar" userId="S::tomerav@sela.co.il::6f99e47e-5b46-447c-a55a-283bba137982" providerId="AD" clId="Web-{18518D72-659F-BC1B-1C5D-4788DBEB738E}" dt="2022-01-19T07:50:33.622" v="316" actId="14100"/>
-        <pc:sldMkLst>
-          <pc:docMk/>
-          <pc:sldMk cId="2689029024" sldId="270"/>
-        </pc:sldMkLst>
-        <pc:picChg chg="mod">
-          <ac:chgData name="Tomer Avishar" userId="S::tomerav@sela.co.il::6f99e47e-5b46-447c-a55a-283bba137982" providerId="AD" clId="Web-{18518D72-659F-BC1B-1C5D-4788DBEB738E}" dt="2022-01-19T07:50:33.622" v="316" actId="14100"/>
-          <ac:picMkLst>
-            <pc:docMk/>
-            <pc:sldMk cId="2689029024" sldId="270"/>
-            <ac:picMk id="5" creationId="{CB94E144-CDD6-4E31-BD08-A4728824C2AC}"/>
-          </ac:picMkLst>
-        </pc:picChg>
-      </pc:sldChg>
-      <pc:sldChg chg="modNotes">
-        <pc:chgData name="Tomer Avishar" userId="S::tomerav@sela.co.il::6f99e47e-5b46-447c-a55a-283bba137982" providerId="AD" clId="Web-{18518D72-659F-BC1B-1C5D-4788DBEB738E}" dt="2022-01-19T08:00:08.652" v="659"/>
-        <pc:sldMkLst>
-          <pc:docMk/>
-          <pc:sldMk cId="3214580080" sldId="271"/>
-        </pc:sldMkLst>
-      </pc:sldChg>
-      <pc:sldChg chg="modSp modNotes">
-        <pc:chgData name="Tomer Avishar" userId="S::tomerav@sela.co.il::6f99e47e-5b46-447c-a55a-283bba137982" providerId="AD" clId="Web-{18518D72-659F-BC1B-1C5D-4788DBEB738E}" dt="2022-01-19T08:35:01.101" v="983"/>
-        <pc:sldMkLst>
-          <pc:docMk/>
-          <pc:sldMk cId="836256761" sldId="273"/>
-        </pc:sldMkLst>
-        <pc:spChg chg="mod">
-          <ac:chgData name="Tomer Avishar" userId="S::tomerav@sela.co.il::6f99e47e-5b46-447c-a55a-283bba137982" providerId="AD" clId="Web-{18518D72-659F-BC1B-1C5D-4788DBEB738E}" dt="2022-01-19T08:29:33.221" v="665" actId="1076"/>
-          <ac:spMkLst>
-            <pc:docMk/>
-            <pc:sldMk cId="836256761" sldId="273"/>
-            <ac:spMk id="33" creationId="{D02A888E-5FC8-4540-8F3B-D8914D030D17}"/>
-          </ac:spMkLst>
-        </pc:spChg>
-        <pc:spChg chg="mod">
-          <ac:chgData name="Tomer Avishar" userId="S::tomerav@sela.co.il::6f99e47e-5b46-447c-a55a-283bba137982" providerId="AD" clId="Web-{18518D72-659F-BC1B-1C5D-4788DBEB738E}" dt="2022-01-19T08:30:39.835" v="678" actId="1076"/>
-          <ac:spMkLst>
-            <pc:docMk/>
-            <pc:sldMk cId="836256761" sldId="273"/>
-            <ac:spMk id="47" creationId="{00000000-0000-0000-0000-000000000000}"/>
-          </ac:spMkLst>
-        </pc:spChg>
-        <pc:spChg chg="mod">
-          <ac:chgData name="Tomer Avishar" userId="S::tomerav@sela.co.il::6f99e47e-5b46-447c-a55a-283bba137982" providerId="AD" clId="Web-{18518D72-659F-BC1B-1C5D-4788DBEB738E}" dt="2022-01-19T08:30:23.974" v="674" actId="14100"/>
-          <ac:spMkLst>
-            <pc:docMk/>
-            <pc:sldMk cId="836256761" sldId="273"/>
-            <ac:spMk id="48" creationId="{00000000-0000-0000-0000-000000000000}"/>
-          </ac:spMkLst>
-        </pc:spChg>
-        <pc:spChg chg="mod">
-          <ac:chgData name="Tomer Avishar" userId="S::tomerav@sela.co.il::6f99e47e-5b46-447c-a55a-283bba137982" providerId="AD" clId="Web-{18518D72-659F-BC1B-1C5D-4788DBEB738E}" dt="2022-01-19T08:29:50.034" v="667" actId="1076"/>
-          <ac:spMkLst>
-            <pc:docMk/>
-            <pc:sldMk cId="836256761" sldId="273"/>
-            <ac:spMk id="51" creationId="{00000000-0000-0000-0000-000000000000}"/>
-          </ac:spMkLst>
-        </pc:spChg>
-        <pc:spChg chg="mod">
-          <ac:chgData name="Tomer Avishar" userId="S::tomerav@sela.co.il::6f99e47e-5b46-447c-a55a-283bba137982" providerId="AD" clId="Web-{18518D72-659F-BC1B-1C5D-4788DBEB738E}" dt="2022-01-19T08:30:32.162" v="676" actId="1076"/>
-          <ac:spMkLst>
-            <pc:docMk/>
-            <pc:sldMk cId="836256761" sldId="273"/>
-            <ac:spMk id="52" creationId="{00000000-0000-0000-0000-000000000000}"/>
-          </ac:spMkLst>
-        </pc:spChg>
-        <pc:grpChg chg="mod">
-          <ac:chgData name="Tomer Avishar" userId="S::tomerav@sela.co.il::6f99e47e-5b46-447c-a55a-283bba137982" providerId="AD" clId="Web-{18518D72-659F-BC1B-1C5D-4788DBEB738E}" dt="2022-01-19T08:29:45.753" v="666" actId="1076"/>
-          <ac:grpSpMkLst>
-            <pc:docMk/>
-            <pc:sldMk cId="836256761" sldId="273"/>
-            <ac:grpSpMk id="61" creationId="{00000000-0000-0000-0000-000000000000}"/>
-          </ac:grpSpMkLst>
-        </pc:grpChg>
-        <pc:picChg chg="mod">
-          <ac:chgData name="Tomer Avishar" userId="S::tomerav@sela.co.il::6f99e47e-5b46-447c-a55a-283bba137982" providerId="AD" clId="Web-{18518D72-659F-BC1B-1C5D-4788DBEB738E}" dt="2022-01-19T08:29:17.782" v="662" actId="14100"/>
-          <ac:picMkLst>
-            <pc:docMk/>
-            <pc:sldMk cId="836256761" sldId="273"/>
-            <ac:picMk id="5" creationId="{EB4C8E04-D222-424F-B1D9-E4EFBA7C804A}"/>
-          </ac:picMkLst>
-        </pc:picChg>
-        <pc:cxnChg chg="mod">
-          <ac:chgData name="Tomer Avishar" userId="S::tomerav@sela.co.il::6f99e47e-5b46-447c-a55a-283bba137982" providerId="AD" clId="Web-{18518D72-659F-BC1B-1C5D-4788DBEB738E}" dt="2022-01-19T08:29:33.221" v="665" actId="1076"/>
-          <ac:cxnSpMkLst>
-            <pc:docMk/>
-            <pc:sldMk cId="836256761" sldId="273"/>
-            <ac:cxnSpMk id="34" creationId="{630AC0C4-7B96-4287-9C2B-D0D3666BB022}"/>
-          </ac:cxnSpMkLst>
-        </pc:cxnChg>
-        <pc:cxnChg chg="mod">
-          <ac:chgData name="Tomer Avishar" userId="S::tomerav@sela.co.il::6f99e47e-5b46-447c-a55a-283bba137982" providerId="AD" clId="Web-{18518D72-659F-BC1B-1C5D-4788DBEB738E}" dt="2022-01-19T08:29:58.582" v="669" actId="14100"/>
-          <ac:cxnSpMkLst>
-            <pc:docMk/>
-            <pc:sldMk cId="836256761" sldId="273"/>
-            <ac:cxnSpMk id="55" creationId="{00000000-0000-0000-0000-000000000000}"/>
-          </ac:cxnSpMkLst>
-        </pc:cxnChg>
-        <pc:cxnChg chg="mod">
-          <ac:chgData name="Tomer Avishar" userId="S::tomerav@sela.co.il::6f99e47e-5b46-447c-a55a-283bba137982" providerId="AD" clId="Web-{18518D72-659F-BC1B-1C5D-4788DBEB738E}" dt="2022-01-19T08:30:35.412" v="677" actId="14100"/>
-          <ac:cxnSpMkLst>
-            <pc:docMk/>
-            <pc:sldMk cId="836256761" sldId="273"/>
-            <ac:cxnSpMk id="56" creationId="{00000000-0000-0000-0000-000000000000}"/>
-          </ac:cxnSpMkLst>
-        </pc:cxnChg>
-        <pc:cxnChg chg="mod">
-          <ac:chgData name="Tomer Avishar" userId="S::tomerav@sela.co.il::6f99e47e-5b46-447c-a55a-283bba137982" providerId="AD" clId="Web-{18518D72-659F-BC1B-1C5D-4788DBEB738E}" dt="2022-01-19T08:30:28.865" v="675" actId="14100"/>
-          <ac:cxnSpMkLst>
-            <pc:docMk/>
-            <pc:sldMk cId="836256761" sldId="273"/>
-            <ac:cxnSpMk id="57" creationId="{00000000-0000-0000-0000-000000000000}"/>
-          </ac:cxnSpMkLst>
-        </pc:cxnChg>
-        <pc:cxnChg chg="mod">
-          <ac:chgData name="Tomer Avishar" userId="S::tomerav@sela.co.il::6f99e47e-5b46-447c-a55a-283bba137982" providerId="AD" clId="Web-{18518D72-659F-BC1B-1C5D-4788DBEB738E}" dt="2022-01-19T08:30:43.553" v="679" actId="14100"/>
-          <ac:cxnSpMkLst>
-            <pc:docMk/>
-            <pc:sldMk cId="836256761" sldId="273"/>
-            <ac:cxnSpMk id="60" creationId="{00000000-0000-0000-0000-000000000000}"/>
-          </ac:cxnSpMkLst>
-        </pc:cxnChg>
-      </pc:sldChg>
-      <pc:sldChg chg="modNotes">
-        <pc:chgData name="Tomer Avishar" userId="S::tomerav@sela.co.il::6f99e47e-5b46-447c-a55a-283bba137982" providerId="AD" clId="Web-{18518D72-659F-BC1B-1C5D-4788DBEB738E}" dt="2022-01-19T08:46:13.847" v="1228"/>
-        <pc:sldMkLst>
-          <pc:docMk/>
-          <pc:sldMk cId="1380134214" sldId="309"/>
-        </pc:sldMkLst>
-      </pc:sldChg>
-    </pc:docChg>
-  </pc:docChgLst>
   <pc:docChgLst>
     <pc:chgData name="Alexander Gotlib" userId="S::alexanderg@sela.co.il::ecaa1ea6-0ac0-4997-886b-e4a61a588c34" providerId="AD" clId="Web-{E0560987-A678-7011-C436-4C0A86D5401F}"/>
     <pc:docChg chg="addSld modSld">
@@ -835,6 +415,426 @@
       </pc:sldChg>
     </pc:docChg>
   </pc:docChgLst>
+  <pc:docChgLst>
+    <pc:chgData name="Tomer Avishar" userId="S::tomerav@sela.co.il::6f99e47e-5b46-447c-a55a-283bba137982" providerId="AD" clId="Web-{18518D72-659F-BC1B-1C5D-4788DBEB738E}"/>
+    <pc:docChg chg="modSld">
+      <pc:chgData name="Tomer Avishar" userId="S::tomerav@sela.co.il::6f99e47e-5b46-447c-a55a-283bba137982" providerId="AD" clId="Web-{18518D72-659F-BC1B-1C5D-4788DBEB738E}" dt="2022-01-19T08:46:13.847" v="1228"/>
+      <pc:docMkLst>
+        <pc:docMk/>
+      </pc:docMkLst>
+      <pc:sldChg chg="modNotes">
+        <pc:chgData name="Tomer Avishar" userId="S::tomerav@sela.co.il::6f99e47e-5b46-447c-a55a-283bba137982" providerId="AD" clId="Web-{18518D72-659F-BC1B-1C5D-4788DBEB738E}" dt="2022-01-19T07:42:32.329" v="152"/>
+        <pc:sldMkLst>
+          <pc:docMk/>
+          <pc:sldMk cId="89284741" sldId="264"/>
+        </pc:sldMkLst>
+      </pc:sldChg>
+      <pc:sldChg chg="modNotes">
+        <pc:chgData name="Tomer Avishar" userId="S::tomerav@sela.co.il::6f99e47e-5b46-447c-a55a-283bba137982" providerId="AD" clId="Web-{18518D72-659F-BC1B-1C5D-4788DBEB738E}" dt="2022-01-19T07:49:45.668" v="311"/>
+        <pc:sldMkLst>
+          <pc:docMk/>
+          <pc:sldMk cId="2304337233" sldId="266"/>
+        </pc:sldMkLst>
+      </pc:sldChg>
+      <pc:sldChg chg="modNotes">
+        <pc:chgData name="Tomer Avishar" userId="S::tomerav@sela.co.il::6f99e47e-5b46-447c-a55a-283bba137982" providerId="AD" clId="Web-{18518D72-659F-BC1B-1C5D-4788DBEB738E}" dt="2022-01-19T07:50:05.028" v="314"/>
+        <pc:sldMkLst>
+          <pc:docMk/>
+          <pc:sldMk cId="715340640" sldId="267"/>
+        </pc:sldMkLst>
+      </pc:sldChg>
+      <pc:sldChg chg="modSp modNotes">
+        <pc:chgData name="Tomer Avishar" userId="S::tomerav@sela.co.il::6f99e47e-5b46-447c-a55a-283bba137982" providerId="AD" clId="Web-{18518D72-659F-BC1B-1C5D-4788DBEB738E}" dt="2022-01-19T07:50:33.622" v="316" actId="14100"/>
+        <pc:sldMkLst>
+          <pc:docMk/>
+          <pc:sldMk cId="2689029024" sldId="270"/>
+        </pc:sldMkLst>
+        <pc:picChg chg="mod">
+          <ac:chgData name="Tomer Avishar" userId="S::tomerav@sela.co.il::6f99e47e-5b46-447c-a55a-283bba137982" providerId="AD" clId="Web-{18518D72-659F-BC1B-1C5D-4788DBEB738E}" dt="2022-01-19T07:50:33.622" v="316" actId="14100"/>
+          <ac:picMkLst>
+            <pc:docMk/>
+            <pc:sldMk cId="2689029024" sldId="270"/>
+            <ac:picMk id="5" creationId="{CB94E144-CDD6-4E31-BD08-A4728824C2AC}"/>
+          </ac:picMkLst>
+        </pc:picChg>
+      </pc:sldChg>
+      <pc:sldChg chg="modNotes">
+        <pc:chgData name="Tomer Avishar" userId="S::tomerav@sela.co.il::6f99e47e-5b46-447c-a55a-283bba137982" providerId="AD" clId="Web-{18518D72-659F-BC1B-1C5D-4788DBEB738E}" dt="2022-01-19T08:00:08.652" v="659"/>
+        <pc:sldMkLst>
+          <pc:docMk/>
+          <pc:sldMk cId="3214580080" sldId="271"/>
+        </pc:sldMkLst>
+      </pc:sldChg>
+      <pc:sldChg chg="modSp modNotes">
+        <pc:chgData name="Tomer Avishar" userId="S::tomerav@sela.co.il::6f99e47e-5b46-447c-a55a-283bba137982" providerId="AD" clId="Web-{18518D72-659F-BC1B-1C5D-4788DBEB738E}" dt="2022-01-19T08:35:01.101" v="983"/>
+        <pc:sldMkLst>
+          <pc:docMk/>
+          <pc:sldMk cId="836256761" sldId="273"/>
+        </pc:sldMkLst>
+        <pc:spChg chg="mod">
+          <ac:chgData name="Tomer Avishar" userId="S::tomerav@sela.co.il::6f99e47e-5b46-447c-a55a-283bba137982" providerId="AD" clId="Web-{18518D72-659F-BC1B-1C5D-4788DBEB738E}" dt="2022-01-19T08:29:33.221" v="665" actId="1076"/>
+          <ac:spMkLst>
+            <pc:docMk/>
+            <pc:sldMk cId="836256761" sldId="273"/>
+            <ac:spMk id="33" creationId="{D02A888E-5FC8-4540-8F3B-D8914D030D17}"/>
+          </ac:spMkLst>
+        </pc:spChg>
+        <pc:spChg chg="mod">
+          <ac:chgData name="Tomer Avishar" userId="S::tomerav@sela.co.il::6f99e47e-5b46-447c-a55a-283bba137982" providerId="AD" clId="Web-{18518D72-659F-BC1B-1C5D-4788DBEB738E}" dt="2022-01-19T08:30:39.835" v="678" actId="1076"/>
+          <ac:spMkLst>
+            <pc:docMk/>
+            <pc:sldMk cId="836256761" sldId="273"/>
+            <ac:spMk id="47" creationId="{00000000-0000-0000-0000-000000000000}"/>
+          </ac:spMkLst>
+        </pc:spChg>
+        <pc:spChg chg="mod">
+          <ac:chgData name="Tomer Avishar" userId="S::tomerav@sela.co.il::6f99e47e-5b46-447c-a55a-283bba137982" providerId="AD" clId="Web-{18518D72-659F-BC1B-1C5D-4788DBEB738E}" dt="2022-01-19T08:30:23.974" v="674" actId="14100"/>
+          <ac:spMkLst>
+            <pc:docMk/>
+            <pc:sldMk cId="836256761" sldId="273"/>
+            <ac:spMk id="48" creationId="{00000000-0000-0000-0000-000000000000}"/>
+          </ac:spMkLst>
+        </pc:spChg>
+        <pc:spChg chg="mod">
+          <ac:chgData name="Tomer Avishar" userId="S::tomerav@sela.co.il::6f99e47e-5b46-447c-a55a-283bba137982" providerId="AD" clId="Web-{18518D72-659F-BC1B-1C5D-4788DBEB738E}" dt="2022-01-19T08:29:50.034" v="667" actId="1076"/>
+          <ac:spMkLst>
+            <pc:docMk/>
+            <pc:sldMk cId="836256761" sldId="273"/>
+            <ac:spMk id="51" creationId="{00000000-0000-0000-0000-000000000000}"/>
+          </ac:spMkLst>
+        </pc:spChg>
+        <pc:spChg chg="mod">
+          <ac:chgData name="Tomer Avishar" userId="S::tomerav@sela.co.il::6f99e47e-5b46-447c-a55a-283bba137982" providerId="AD" clId="Web-{18518D72-659F-BC1B-1C5D-4788DBEB738E}" dt="2022-01-19T08:30:32.162" v="676" actId="1076"/>
+          <ac:spMkLst>
+            <pc:docMk/>
+            <pc:sldMk cId="836256761" sldId="273"/>
+            <ac:spMk id="52" creationId="{00000000-0000-0000-0000-000000000000}"/>
+          </ac:spMkLst>
+        </pc:spChg>
+        <pc:grpChg chg="mod">
+          <ac:chgData name="Tomer Avishar" userId="S::tomerav@sela.co.il::6f99e47e-5b46-447c-a55a-283bba137982" providerId="AD" clId="Web-{18518D72-659F-BC1B-1C5D-4788DBEB738E}" dt="2022-01-19T08:29:45.753" v="666" actId="1076"/>
+          <ac:grpSpMkLst>
+            <pc:docMk/>
+            <pc:sldMk cId="836256761" sldId="273"/>
+            <ac:grpSpMk id="61" creationId="{00000000-0000-0000-0000-000000000000}"/>
+          </ac:grpSpMkLst>
+        </pc:grpChg>
+        <pc:picChg chg="mod">
+          <ac:chgData name="Tomer Avishar" userId="S::tomerav@sela.co.il::6f99e47e-5b46-447c-a55a-283bba137982" providerId="AD" clId="Web-{18518D72-659F-BC1B-1C5D-4788DBEB738E}" dt="2022-01-19T08:29:17.782" v="662" actId="14100"/>
+          <ac:picMkLst>
+            <pc:docMk/>
+            <pc:sldMk cId="836256761" sldId="273"/>
+            <ac:picMk id="5" creationId="{EB4C8E04-D222-424F-B1D9-E4EFBA7C804A}"/>
+          </ac:picMkLst>
+        </pc:picChg>
+        <pc:cxnChg chg="mod">
+          <ac:chgData name="Tomer Avishar" userId="S::tomerav@sela.co.il::6f99e47e-5b46-447c-a55a-283bba137982" providerId="AD" clId="Web-{18518D72-659F-BC1B-1C5D-4788DBEB738E}" dt="2022-01-19T08:29:33.221" v="665" actId="1076"/>
+          <ac:cxnSpMkLst>
+            <pc:docMk/>
+            <pc:sldMk cId="836256761" sldId="273"/>
+            <ac:cxnSpMk id="34" creationId="{630AC0C4-7B96-4287-9C2B-D0D3666BB022}"/>
+          </ac:cxnSpMkLst>
+        </pc:cxnChg>
+        <pc:cxnChg chg="mod">
+          <ac:chgData name="Tomer Avishar" userId="S::tomerav@sela.co.il::6f99e47e-5b46-447c-a55a-283bba137982" providerId="AD" clId="Web-{18518D72-659F-BC1B-1C5D-4788DBEB738E}" dt="2022-01-19T08:29:58.582" v="669" actId="14100"/>
+          <ac:cxnSpMkLst>
+            <pc:docMk/>
+            <pc:sldMk cId="836256761" sldId="273"/>
+            <ac:cxnSpMk id="55" creationId="{00000000-0000-0000-0000-000000000000}"/>
+          </ac:cxnSpMkLst>
+        </pc:cxnChg>
+        <pc:cxnChg chg="mod">
+          <ac:chgData name="Tomer Avishar" userId="S::tomerav@sela.co.il::6f99e47e-5b46-447c-a55a-283bba137982" providerId="AD" clId="Web-{18518D72-659F-BC1B-1C5D-4788DBEB738E}" dt="2022-01-19T08:30:35.412" v="677" actId="14100"/>
+          <ac:cxnSpMkLst>
+            <pc:docMk/>
+            <pc:sldMk cId="836256761" sldId="273"/>
+            <ac:cxnSpMk id="56" creationId="{00000000-0000-0000-0000-000000000000}"/>
+          </ac:cxnSpMkLst>
+        </pc:cxnChg>
+        <pc:cxnChg chg="mod">
+          <ac:chgData name="Tomer Avishar" userId="S::tomerav@sela.co.il::6f99e47e-5b46-447c-a55a-283bba137982" providerId="AD" clId="Web-{18518D72-659F-BC1B-1C5D-4788DBEB738E}" dt="2022-01-19T08:30:28.865" v="675" actId="14100"/>
+          <ac:cxnSpMkLst>
+            <pc:docMk/>
+            <pc:sldMk cId="836256761" sldId="273"/>
+            <ac:cxnSpMk id="57" creationId="{00000000-0000-0000-0000-000000000000}"/>
+          </ac:cxnSpMkLst>
+        </pc:cxnChg>
+        <pc:cxnChg chg="mod">
+          <ac:chgData name="Tomer Avishar" userId="S::tomerav@sela.co.il::6f99e47e-5b46-447c-a55a-283bba137982" providerId="AD" clId="Web-{18518D72-659F-BC1B-1C5D-4788DBEB738E}" dt="2022-01-19T08:30:43.553" v="679" actId="14100"/>
+          <ac:cxnSpMkLst>
+            <pc:docMk/>
+            <pc:sldMk cId="836256761" sldId="273"/>
+            <ac:cxnSpMk id="60" creationId="{00000000-0000-0000-0000-000000000000}"/>
+          </ac:cxnSpMkLst>
+        </pc:cxnChg>
+      </pc:sldChg>
+      <pc:sldChg chg="modNotes">
+        <pc:chgData name="Tomer Avishar" userId="S::tomerav@sela.co.il::6f99e47e-5b46-447c-a55a-283bba137982" providerId="AD" clId="Web-{18518D72-659F-BC1B-1C5D-4788DBEB738E}" dt="2022-01-19T08:46:13.847" v="1228"/>
+        <pc:sldMkLst>
+          <pc:docMk/>
+          <pc:sldMk cId="1380134214" sldId="309"/>
+        </pc:sldMkLst>
+      </pc:sldChg>
+    </pc:docChg>
+  </pc:docChgLst>
+  <pc:docChgLst>
+    <pc:chgData name="Tomer Avishar" userId="S::tomerav@sela.co.il::6f99e47e-5b46-447c-a55a-283bba137982" providerId="AD" clId="Web-{1DC4A7C7-CE4F-3205-974E-8156ED17CB91}"/>
+    <pc:docChg chg="modSld">
+      <pc:chgData name="Tomer Avishar" userId="S::tomerav@sela.co.il::6f99e47e-5b46-447c-a55a-283bba137982" providerId="AD" clId="Web-{1DC4A7C7-CE4F-3205-974E-8156ED17CB91}" dt="2022-01-16T14:59:56.065" v="0"/>
+      <pc:docMkLst>
+        <pc:docMk/>
+      </pc:docMkLst>
+      <pc:sldChg chg="addSp">
+        <pc:chgData name="Tomer Avishar" userId="S::tomerav@sela.co.il::6f99e47e-5b46-447c-a55a-283bba137982" providerId="AD" clId="Web-{1DC4A7C7-CE4F-3205-974E-8156ED17CB91}" dt="2022-01-16T14:59:56.065" v="0"/>
+        <pc:sldMkLst>
+          <pc:docMk/>
+          <pc:sldMk cId="715340640" sldId="267"/>
+        </pc:sldMkLst>
+        <pc:spChg chg="add">
+          <ac:chgData name="Tomer Avishar" userId="S::tomerav@sela.co.il::6f99e47e-5b46-447c-a55a-283bba137982" providerId="AD" clId="Web-{1DC4A7C7-CE4F-3205-974E-8156ED17CB91}" dt="2022-01-16T14:59:56.065" v="0"/>
+          <ac:spMkLst>
+            <pc:docMk/>
+            <pc:sldMk cId="715340640" sldId="267"/>
+            <ac:spMk id="4" creationId="{BB2FB569-B4F9-42D8-84FB-8F12F35F05FF}"/>
+          </ac:spMkLst>
+        </pc:spChg>
+      </pc:sldChg>
+    </pc:docChg>
+  </pc:docChgLst>
+  <pc:docChgLst>
+    <pc:chgData name="Tomer Avishar" userId="S::tomerav@sela.co.il::6f99e47e-5b46-447c-a55a-283bba137982" providerId="AD" clId="Web-{D330ABF8-AE4D-B4F8-FC89-666F486D5107}"/>
+    <pc:docChg chg="delSld modSld">
+      <pc:chgData name="Tomer Avishar" userId="S::tomerav@sela.co.il::6f99e47e-5b46-447c-a55a-283bba137982" providerId="AD" clId="Web-{D330ABF8-AE4D-B4F8-FC89-666F486D5107}" dt="2022-01-16T12:14:55.699" v="13" actId="20577"/>
+      <pc:docMkLst>
+        <pc:docMk/>
+      </pc:docMkLst>
+      <pc:sldChg chg="modSp">
+        <pc:chgData name="Tomer Avishar" userId="S::tomerav@sela.co.il::6f99e47e-5b46-447c-a55a-283bba137982" providerId="AD" clId="Web-{D330ABF8-AE4D-B4F8-FC89-666F486D5107}" dt="2022-01-16T12:13:38.369" v="0" actId="14100"/>
+        <pc:sldMkLst>
+          <pc:docMk/>
+          <pc:sldMk cId="2492001281" sldId="280"/>
+        </pc:sldMkLst>
+        <pc:spChg chg="mod">
+          <ac:chgData name="Tomer Avishar" userId="S::tomerav@sela.co.il::6f99e47e-5b46-447c-a55a-283bba137982" providerId="AD" clId="Web-{D330ABF8-AE4D-B4F8-FC89-666F486D5107}" dt="2022-01-16T12:13:38.369" v="0" actId="14100"/>
+          <ac:spMkLst>
+            <pc:docMk/>
+            <pc:sldMk cId="2492001281" sldId="280"/>
+            <ac:spMk id="13" creationId="{F3BD2BD0-202C-40FC-8573-610EE63FC528}"/>
+          </ac:spMkLst>
+        </pc:spChg>
+      </pc:sldChg>
+      <pc:sldChg chg="delCm">
+        <pc:chgData name="Tomer Avishar" userId="S::tomerav@sela.co.il::6f99e47e-5b46-447c-a55a-283bba137982" providerId="AD" clId="Web-{D330ABF8-AE4D-B4F8-FC89-666F486D5107}" dt="2022-01-16T12:13:49.713" v="1"/>
+        <pc:sldMkLst>
+          <pc:docMk/>
+          <pc:sldMk cId="2767821557" sldId="294"/>
+        </pc:sldMkLst>
+      </pc:sldChg>
+      <pc:sldChg chg="del delCm">
+        <pc:chgData name="Tomer Avishar" userId="S::tomerav@sela.co.il::6f99e47e-5b46-447c-a55a-283bba137982" providerId="AD" clId="Web-{D330ABF8-AE4D-B4F8-FC89-666F486D5107}" dt="2022-01-16T12:14:14.089" v="3"/>
+        <pc:sldMkLst>
+          <pc:docMk/>
+          <pc:sldMk cId="2746262724" sldId="295"/>
+        </pc:sldMkLst>
+      </pc:sldChg>
+      <pc:sldChg chg="modSp">
+        <pc:chgData name="Tomer Avishar" userId="S::tomerav@sela.co.il::6f99e47e-5b46-447c-a55a-283bba137982" providerId="AD" clId="Web-{D330ABF8-AE4D-B4F8-FC89-666F486D5107}" dt="2022-01-16T12:14:55.699" v="13" actId="20577"/>
+        <pc:sldMkLst>
+          <pc:docMk/>
+          <pc:sldMk cId="1380134214" sldId="309"/>
+        </pc:sldMkLst>
+        <pc:spChg chg="mod">
+          <ac:chgData name="Tomer Avishar" userId="S::tomerav@sela.co.il::6f99e47e-5b46-447c-a55a-283bba137982" providerId="AD" clId="Web-{D330ABF8-AE4D-B4F8-FC89-666F486D5107}" dt="2022-01-16T12:14:55.699" v="13" actId="20577"/>
+          <ac:spMkLst>
+            <pc:docMk/>
+            <pc:sldMk cId="1380134214" sldId="309"/>
+            <ac:spMk id="6" creationId="{74F98662-678E-4B15-8F4B-F2B687111016}"/>
+          </ac:spMkLst>
+        </pc:spChg>
+      </pc:sldChg>
+    </pc:docChg>
+  </pc:docChgLst>
+  <pc:docChgLst>
+    <pc:chgData name="Grace Alison Yurkov" userId="b81c3101a651c776" providerId="LiveId" clId="{A2A03E3F-62B1-4E58-A617-0C8BD9481F1D}"/>
+    <pc:docChg chg="undo custSel addSld modSld sldOrd">
+      <pc:chgData name="Grace Alison Yurkov" userId="b81c3101a651c776" providerId="LiveId" clId="{A2A03E3F-62B1-4E58-A617-0C8BD9481F1D}" dt="2023-06-27T08:44:01.416" v="133" actId="14100"/>
+      <pc:docMkLst>
+        <pc:docMk/>
+      </pc:docMkLst>
+      <pc:sldChg chg="modSp mod ord">
+        <pc:chgData name="Grace Alison Yurkov" userId="b81c3101a651c776" providerId="LiveId" clId="{A2A03E3F-62B1-4E58-A617-0C8BD9481F1D}" dt="2023-06-27T08:37:21.347" v="47" actId="20577"/>
+        <pc:sldMkLst>
+          <pc:docMk/>
+          <pc:sldMk cId="3816041889" sldId="308"/>
+        </pc:sldMkLst>
+        <pc:spChg chg="mod">
+          <ac:chgData name="Grace Alison Yurkov" userId="b81c3101a651c776" providerId="LiveId" clId="{A2A03E3F-62B1-4E58-A617-0C8BD9481F1D}" dt="2023-06-27T08:37:21.347" v="47" actId="20577"/>
+          <ac:spMkLst>
+            <pc:docMk/>
+            <pc:sldMk cId="3816041889" sldId="308"/>
+            <ac:spMk id="7" creationId="{00000000-0000-0000-0000-000000000000}"/>
+          </ac:spMkLst>
+        </pc:spChg>
+      </pc:sldChg>
+      <pc:sldChg chg="modSp add mod">
+        <pc:chgData name="Grace Alison Yurkov" userId="b81c3101a651c776" providerId="LiveId" clId="{A2A03E3F-62B1-4E58-A617-0C8BD9481F1D}" dt="2023-06-27T08:34:11.228" v="11" actId="27636"/>
+        <pc:sldMkLst>
+          <pc:docMk/>
+          <pc:sldMk cId="702368095" sldId="341"/>
+        </pc:sldMkLst>
+        <pc:spChg chg="mod">
+          <ac:chgData name="Grace Alison Yurkov" userId="b81c3101a651c776" providerId="LiveId" clId="{A2A03E3F-62B1-4E58-A617-0C8BD9481F1D}" dt="2023-06-27T08:33:06.368" v="9" actId="20577"/>
+          <ac:spMkLst>
+            <pc:docMk/>
+            <pc:sldMk cId="702368095" sldId="341"/>
+            <ac:spMk id="2" creationId="{00000000-0000-0000-0000-000000000000}"/>
+          </ac:spMkLst>
+        </pc:spChg>
+        <pc:spChg chg="mod">
+          <ac:chgData name="Grace Alison Yurkov" userId="b81c3101a651c776" providerId="LiveId" clId="{A2A03E3F-62B1-4E58-A617-0C8BD9481F1D}" dt="2023-06-27T08:34:11.228" v="11" actId="27636"/>
+          <ac:spMkLst>
+            <pc:docMk/>
+            <pc:sldMk cId="702368095" sldId="341"/>
+            <ac:spMk id="3" creationId="{00000000-0000-0000-0000-000000000000}"/>
+          </ac:spMkLst>
+        </pc:spChg>
+      </pc:sldChg>
+      <pc:sldChg chg="modSp add mod">
+        <pc:chgData name="Grace Alison Yurkov" userId="b81c3101a651c776" providerId="LiveId" clId="{A2A03E3F-62B1-4E58-A617-0C8BD9481F1D}" dt="2023-06-27T08:36:40.221" v="32" actId="113"/>
+        <pc:sldMkLst>
+          <pc:docMk/>
+          <pc:sldMk cId="3387540484" sldId="342"/>
+        </pc:sldMkLst>
+        <pc:spChg chg="mod">
+          <ac:chgData name="Grace Alison Yurkov" userId="b81c3101a651c776" providerId="LiveId" clId="{A2A03E3F-62B1-4E58-A617-0C8BD9481F1D}" dt="2023-06-27T08:34:21.784" v="23" actId="20577"/>
+          <ac:spMkLst>
+            <pc:docMk/>
+            <pc:sldMk cId="3387540484" sldId="342"/>
+            <ac:spMk id="2" creationId="{00000000-0000-0000-0000-000000000000}"/>
+          </ac:spMkLst>
+        </pc:spChg>
+        <pc:spChg chg="mod">
+          <ac:chgData name="Grace Alison Yurkov" userId="b81c3101a651c776" providerId="LiveId" clId="{A2A03E3F-62B1-4E58-A617-0C8BD9481F1D}" dt="2023-06-27T08:36:40.221" v="32" actId="113"/>
+          <ac:spMkLst>
+            <pc:docMk/>
+            <pc:sldMk cId="3387540484" sldId="342"/>
+            <ac:spMk id="3" creationId="{00000000-0000-0000-0000-000000000000}"/>
+          </ac:spMkLst>
+        </pc:spChg>
+      </pc:sldChg>
+      <pc:sldChg chg="addSp delSp modSp add mod ord">
+        <pc:chgData name="Grace Alison Yurkov" userId="b81c3101a651c776" providerId="LiveId" clId="{A2A03E3F-62B1-4E58-A617-0C8BD9481F1D}" dt="2023-06-27T08:44:01.416" v="133" actId="14100"/>
+        <pc:sldMkLst>
+          <pc:docMk/>
+          <pc:sldMk cId="155986256" sldId="343"/>
+        </pc:sldMkLst>
+        <pc:spChg chg="mod">
+          <ac:chgData name="Grace Alison Yurkov" userId="b81c3101a651c776" providerId="LiveId" clId="{A2A03E3F-62B1-4E58-A617-0C8BD9481F1D}" dt="2023-06-27T08:37:30.956" v="53" actId="20577"/>
+          <ac:spMkLst>
+            <pc:docMk/>
+            <pc:sldMk cId="155986256" sldId="343"/>
+            <ac:spMk id="2" creationId="{00000000-0000-0000-0000-000000000000}"/>
+          </ac:spMkLst>
+        </pc:spChg>
+        <pc:spChg chg="mod">
+          <ac:chgData name="Grace Alison Yurkov" userId="b81c3101a651c776" providerId="LiveId" clId="{A2A03E3F-62B1-4E58-A617-0C8BD9481F1D}" dt="2023-06-27T08:40:44.911" v="75"/>
+          <ac:spMkLst>
+            <pc:docMk/>
+            <pc:sldMk cId="155986256" sldId="343"/>
+            <ac:spMk id="3" creationId="{00000000-0000-0000-0000-000000000000}"/>
+          </ac:spMkLst>
+        </pc:spChg>
+        <pc:spChg chg="add mod">
+          <ac:chgData name="Grace Alison Yurkov" userId="b81c3101a651c776" providerId="LiveId" clId="{A2A03E3F-62B1-4E58-A617-0C8BD9481F1D}" dt="2023-06-27T08:41:23.047" v="83" actId="1076"/>
+          <ac:spMkLst>
+            <pc:docMk/>
+            <pc:sldMk cId="155986256" sldId="343"/>
+            <ac:spMk id="4" creationId="{A85D0F14-442C-49F7-ADFB-99D77B2DDF95}"/>
+          </ac:spMkLst>
+        </pc:spChg>
+        <pc:spChg chg="add mod">
+          <ac:chgData name="Grace Alison Yurkov" userId="b81c3101a651c776" providerId="LiveId" clId="{A2A03E3F-62B1-4E58-A617-0C8BD9481F1D}" dt="2023-06-27T08:41:20.070" v="82" actId="1076"/>
+          <ac:spMkLst>
+            <pc:docMk/>
+            <pc:sldMk cId="155986256" sldId="343"/>
+            <ac:spMk id="5" creationId="{82A847D9-4ED2-EE2B-0051-DBD80C0458EC}"/>
+          </ac:spMkLst>
+        </pc:spChg>
+        <pc:spChg chg="add mod">
+          <ac:chgData name="Grace Alison Yurkov" userId="b81c3101a651c776" providerId="LiveId" clId="{A2A03E3F-62B1-4E58-A617-0C8BD9481F1D}" dt="2023-06-27T08:41:26.397" v="84" actId="1076"/>
+          <ac:spMkLst>
+            <pc:docMk/>
+            <pc:sldMk cId="155986256" sldId="343"/>
+            <ac:spMk id="6" creationId="{6D563575-3803-076C-98B5-CD348B7CD569}"/>
+          </ac:spMkLst>
+        </pc:spChg>
+        <pc:spChg chg="add del mod">
+          <ac:chgData name="Grace Alison Yurkov" userId="b81c3101a651c776" providerId="LiveId" clId="{A2A03E3F-62B1-4E58-A617-0C8BD9481F1D}" dt="2023-06-27T08:41:57.464" v="99" actId="478"/>
+          <ac:spMkLst>
+            <pc:docMk/>
+            <pc:sldMk cId="155986256" sldId="343"/>
+            <ac:spMk id="7" creationId="{20B2C227-3DAE-5EB1-9410-D325A0B4BEAA}"/>
+          </ac:spMkLst>
+        </pc:spChg>
+        <pc:spChg chg="add mod">
+          <ac:chgData name="Grace Alison Yurkov" userId="b81c3101a651c776" providerId="LiveId" clId="{A2A03E3F-62B1-4E58-A617-0C8BD9481F1D}" dt="2023-06-27T08:44:01.416" v="133" actId="14100"/>
+          <ac:spMkLst>
+            <pc:docMk/>
+            <pc:sldMk cId="155986256" sldId="343"/>
+            <ac:spMk id="8" creationId="{9C77D842-28C8-1066-22D7-AA317B24DD43}"/>
+          </ac:spMkLst>
+        </pc:spChg>
+        <pc:spChg chg="add del">
+          <ac:chgData name="Grace Alison Yurkov" userId="b81c3101a651c776" providerId="LiveId" clId="{A2A03E3F-62B1-4E58-A617-0C8BD9481F1D}" dt="2023-06-27T08:42:25.597" v="122" actId="478"/>
+          <ac:spMkLst>
+            <pc:docMk/>
+            <pc:sldMk cId="155986256" sldId="343"/>
+            <ac:spMk id="10" creationId="{69A5BD03-AEBD-27CF-B16E-FB03BD5181B9}"/>
+          </ac:spMkLst>
+        </pc:spChg>
+        <pc:spChg chg="add mod">
+          <ac:chgData name="Grace Alison Yurkov" userId="b81c3101a651c776" providerId="LiveId" clId="{A2A03E3F-62B1-4E58-A617-0C8BD9481F1D}" dt="2023-06-27T08:42:38.825" v="127" actId="1076"/>
+          <ac:spMkLst>
+            <pc:docMk/>
+            <pc:sldMk cId="155986256" sldId="343"/>
+            <ac:spMk id="11" creationId="{BD666A9C-C093-DAAB-8433-E94D1807ECE5}"/>
+          </ac:spMkLst>
+        </pc:spChg>
+        <pc:spChg chg="add mod">
+          <ac:chgData name="Grace Alison Yurkov" userId="b81c3101a651c776" providerId="LiveId" clId="{A2A03E3F-62B1-4E58-A617-0C8BD9481F1D}" dt="2023-06-27T08:42:49.896" v="129"/>
+          <ac:spMkLst>
+            <pc:docMk/>
+            <pc:sldMk cId="155986256" sldId="343"/>
+            <ac:spMk id="12" creationId="{88412B13-816F-7D10-A841-CDCB5B0C51F2}"/>
+          </ac:spMkLst>
+        </pc:spChg>
+      </pc:sldChg>
+    </pc:docChg>
+  </pc:docChgLst>
+  <pc:docChgLst>
+    <pc:chgData clId="Web-{1DC4A7C7-CE4F-3205-974E-8156ED17CB91}"/>
+    <pc:docChg chg="modSld">
+      <pc:chgData name="" userId="" providerId="" clId="Web-{1DC4A7C7-CE4F-3205-974E-8156ED17CB91}" dt="2022-01-16T14:59:31.361" v="0"/>
+      <pc:docMkLst>
+        <pc:docMk/>
+      </pc:docMkLst>
+      <pc:sldChg chg="addSp">
+        <pc:chgData name="" userId="" providerId="" clId="Web-{1DC4A7C7-CE4F-3205-974E-8156ED17CB91}" dt="2022-01-16T14:59:31.361" v="0"/>
+        <pc:sldMkLst>
+          <pc:docMk/>
+          <pc:sldMk cId="1629193451" sldId="257"/>
+        </pc:sldMkLst>
+        <pc:spChg chg="add">
+          <ac:chgData name="" userId="" providerId="" clId="Web-{1DC4A7C7-CE4F-3205-974E-8156ED17CB91}" dt="2022-01-16T14:59:31.361" v="0"/>
+          <ac:spMkLst>
+            <pc:docMk/>
+            <pc:sldMk cId="1629193451" sldId="257"/>
+            <ac:spMk id="3" creationId="{14FB7C35-71DA-4678-A4BC-B36886A75DA8}"/>
+          </ac:spMkLst>
+        </pc:spChg>
+      </pc:sldChg>
+    </pc:docChg>
+  </pc:docChgLst>
 </pc:chgInfo>
 </file>
 
@@ -920,7 +920,7 @@
           <a:p>
             <a:fld id="{81043921-7569-41A3-B947-8944ED878C50}" type="datetimeFigureOut">
               <a:rPr lang="he-IL" smtClean="0"/>
-              <a:t>ח'/תמוז/תשפ"ג</a:t>
+              <a:t>ט"ז/תמוז/תשפ"ג</a:t>
             </a:fld>
             <a:endParaRPr lang="he-IL"/>
           </a:p>
@@ -4015,7 +4015,7 @@
           <a:p>
             <a:fld id="{A9D9B7D1-305C-49A9-9D59-000E5D30F1FD}" type="datetimeFigureOut">
               <a:rPr lang="he-IL" smtClean="0"/>
-              <a:t>ח'/תמוז/תשפ"ג</a:t>
+              <a:t>ט"ז/תמוז/תשפ"ג</a:t>
             </a:fld>
             <a:endParaRPr lang="he-IL"/>
           </a:p>
@@ -4213,7 +4213,7 @@
           <a:p>
             <a:fld id="{A9D9B7D1-305C-49A9-9D59-000E5D30F1FD}" type="datetimeFigureOut">
               <a:rPr lang="he-IL" smtClean="0"/>
-              <a:t>ח'/תמוז/תשפ"ג</a:t>
+              <a:t>ט"ז/תמוז/תשפ"ג</a:t>
             </a:fld>
             <a:endParaRPr lang="he-IL"/>
           </a:p>
@@ -4421,7 +4421,7 @@
           <a:p>
             <a:fld id="{A9D9B7D1-305C-49A9-9D59-000E5D30F1FD}" type="datetimeFigureOut">
               <a:rPr lang="he-IL" smtClean="0"/>
-              <a:t>ח'/תמוז/תשפ"ג</a:t>
+              <a:t>ט"ז/תמוז/תשפ"ג</a:t>
             </a:fld>
             <a:endParaRPr lang="he-IL"/>
           </a:p>
@@ -6845,7 +6845,7 @@
           <a:p>
             <a:fld id="{A9D9B7D1-305C-49A9-9D59-000E5D30F1FD}" type="datetimeFigureOut">
               <a:rPr lang="he-IL" smtClean="0"/>
-              <a:t>ח'/תמוז/תשפ"ג</a:t>
+              <a:t>ט"ז/תמוז/תשפ"ג</a:t>
             </a:fld>
             <a:endParaRPr lang="he-IL"/>
           </a:p>
@@ -7120,7 +7120,7 @@
           <a:p>
             <a:fld id="{A9D9B7D1-305C-49A9-9D59-000E5D30F1FD}" type="datetimeFigureOut">
               <a:rPr lang="he-IL" smtClean="0"/>
-              <a:t>ח'/תמוז/תשפ"ג</a:t>
+              <a:t>ט"ז/תמוז/תשפ"ג</a:t>
             </a:fld>
             <a:endParaRPr lang="he-IL"/>
           </a:p>
@@ -7385,7 +7385,7 @@
           <a:p>
             <a:fld id="{A9D9B7D1-305C-49A9-9D59-000E5D30F1FD}" type="datetimeFigureOut">
               <a:rPr lang="he-IL" smtClean="0"/>
-              <a:t>ח'/תמוז/תשפ"ג</a:t>
+              <a:t>ט"ז/תמוז/תשפ"ג</a:t>
             </a:fld>
             <a:endParaRPr lang="he-IL"/>
           </a:p>
@@ -7797,7 +7797,7 @@
           <a:p>
             <a:fld id="{A9D9B7D1-305C-49A9-9D59-000E5D30F1FD}" type="datetimeFigureOut">
               <a:rPr lang="he-IL" smtClean="0"/>
-              <a:t>ח'/תמוז/תשפ"ג</a:t>
+              <a:t>ט"ז/תמוז/תשפ"ג</a:t>
             </a:fld>
             <a:endParaRPr lang="he-IL"/>
           </a:p>
@@ -7938,7 +7938,7 @@
           <a:p>
             <a:fld id="{A9D9B7D1-305C-49A9-9D59-000E5D30F1FD}" type="datetimeFigureOut">
               <a:rPr lang="he-IL" smtClean="0"/>
-              <a:t>ח'/תמוז/תשפ"ג</a:t>
+              <a:t>ט"ז/תמוז/תשפ"ג</a:t>
             </a:fld>
             <a:endParaRPr lang="he-IL"/>
           </a:p>
@@ -8051,7 +8051,7 @@
           <a:p>
             <a:fld id="{A9D9B7D1-305C-49A9-9D59-000E5D30F1FD}" type="datetimeFigureOut">
               <a:rPr lang="he-IL" smtClean="0"/>
-              <a:t>ח'/תמוז/תשפ"ג</a:t>
+              <a:t>ט"ז/תמוז/תשפ"ג</a:t>
             </a:fld>
             <a:endParaRPr lang="he-IL"/>
           </a:p>
@@ -8362,7 +8362,7 @@
           <a:p>
             <a:fld id="{A9D9B7D1-305C-49A9-9D59-000E5D30F1FD}" type="datetimeFigureOut">
               <a:rPr lang="he-IL" smtClean="0"/>
-              <a:t>ח'/תמוז/תשפ"ג</a:t>
+              <a:t>ט"ז/תמוז/תשפ"ג</a:t>
             </a:fld>
             <a:endParaRPr lang="he-IL"/>
           </a:p>
@@ -8650,7 +8650,7 @@
           <a:p>
             <a:fld id="{A9D9B7D1-305C-49A9-9D59-000E5D30F1FD}" type="datetimeFigureOut">
               <a:rPr lang="he-IL" smtClean="0"/>
-              <a:t>ח'/תמוז/תשפ"ג</a:t>
+              <a:t>ט"ז/תמוז/תשפ"ג</a:t>
             </a:fld>
             <a:endParaRPr lang="he-IL"/>
           </a:p>
@@ -8891,7 +8891,7 @@
           <a:p>
             <a:fld id="{A9D9B7D1-305C-49A9-9D59-000E5D30F1FD}" type="datetimeFigureOut">
               <a:rPr lang="he-IL" smtClean="0"/>
-              <a:t>ח'/תמוז/תשפ"ג</a:t>
+              <a:t>ט"ז/תמוז/תשפ"ג</a:t>
             </a:fld>
             <a:endParaRPr lang="he-IL"/>
           </a:p>
@@ -11844,10 +11844,15 @@
             <p:ph idx="1"/>
           </p:nvPr>
         </p:nvSpPr>
-        <p:spPr/>
+        <p:spPr>
+          <a:xfrm>
+            <a:off x="838200" y="1825625"/>
+            <a:ext cx="5970973" cy="4351338"/>
+          </a:xfrm>
+        </p:spPr>
         <p:txBody>
           <a:bodyPr>
-            <a:normAutofit/>
+            <a:normAutofit lnSpcReduction="10000"/>
           </a:bodyPr>
           <a:lstStyle/>
           <a:p>
@@ -11876,6 +11881,53 @@
           </a:p>
         </p:txBody>
       </p:sp>
+      <p:pic>
+        <p:nvPicPr>
+          <p:cNvPr id="1026" name="Picture 2" descr="An Essential Guide to Python nonlocal Scopes and nonlocal Variables">
+            <a:extLst>
+              <a:ext uri="{FF2B5EF4-FFF2-40B4-BE49-F238E27FC236}">
+                <a16:creationId xmlns:a16="http://schemas.microsoft.com/office/drawing/2014/main" id="{7681826E-1B2A-4275-A127-28D52905630A}"/>
+              </a:ext>
+            </a:extLst>
+          </p:cNvPr>
+          <p:cNvPicPr>
+            <a:picLocks noChangeAspect="1" noChangeArrowheads="1"/>
+          </p:cNvPicPr>
+          <p:nvPr/>
+        </p:nvPicPr>
+        <p:blipFill>
+          <a:blip r:embed="rId3">
+            <a:extLst>
+              <a:ext uri="{28A0092B-C50C-407E-A947-70E740481C1C}">
+                <a14:useLocalDpi xmlns:a14="http://schemas.microsoft.com/office/drawing/2010/main" val="0"/>
+              </a:ext>
+            </a:extLst>
+          </a:blip>
+          <a:srcRect/>
+          <a:stretch>
+            <a:fillRect/>
+          </a:stretch>
+        </p:blipFill>
+        <p:spPr bwMode="auto">
+          <a:xfrm>
+            <a:off x="6897302" y="1993707"/>
+            <a:ext cx="4843378" cy="3217485"/>
+          </a:xfrm>
+          <a:prstGeom prst="rect">
+            <a:avLst/>
+          </a:prstGeom>
+          <a:noFill/>
+          <a:extLst>
+            <a:ext uri="{909E8E84-426E-40DD-AFC4-6F175D3DCCD1}">
+              <a14:hiddenFill xmlns:a14="http://schemas.microsoft.com/office/drawing/2010/main">
+                <a:solidFill>
+                  <a:srgbClr val="FFFFFF"/>
+                </a:solidFill>
+              </a14:hiddenFill>
+            </a:ext>
+          </a:extLst>
+        </p:spPr>
+      </p:pic>
     </p:spTree>
     <p:extLst>
       <p:ext uri="{BB962C8B-B14F-4D97-AF65-F5344CB8AC3E}">
@@ -16207,6 +16259,53 @@
           </a:p>
         </p:txBody>
       </p:sp>
+      <p:pic>
+        <p:nvPicPr>
+          <p:cNvPr id="2050" name="Picture 2" descr="Passing by Value vs. by Reference Visual Explanation | Penjee, Learn to Code">
+            <a:extLst>
+              <a:ext uri="{FF2B5EF4-FFF2-40B4-BE49-F238E27FC236}">
+                <a16:creationId xmlns:a16="http://schemas.microsoft.com/office/drawing/2014/main" id="{6D4D7C8F-D381-49C3-A9C9-C55659260098}"/>
+              </a:ext>
+            </a:extLst>
+          </p:cNvPr>
+          <p:cNvPicPr>
+            <a:picLocks noChangeAspect="1" noChangeArrowheads="1" noCrop="1"/>
+          </p:cNvPicPr>
+          <p:nvPr/>
+        </p:nvPicPr>
+        <p:blipFill>
+          <a:blip r:embed="rId3">
+            <a:extLst>
+              <a:ext uri="{28A0092B-C50C-407E-A947-70E740481C1C}">
+                <a14:useLocalDpi xmlns:a14="http://schemas.microsoft.com/office/drawing/2010/main" val="0"/>
+              </a:ext>
+            </a:extLst>
+          </a:blip>
+          <a:srcRect/>
+          <a:stretch>
+            <a:fillRect/>
+          </a:stretch>
+        </p:blipFill>
+        <p:spPr bwMode="auto">
+          <a:xfrm>
+            <a:off x="6043515" y="3079879"/>
+            <a:ext cx="5581794" cy="3014169"/>
+          </a:xfrm>
+          <a:prstGeom prst="rect">
+            <a:avLst/>
+          </a:prstGeom>
+          <a:noFill/>
+          <a:extLst>
+            <a:ext uri="{909E8E84-426E-40DD-AFC4-6F175D3DCCD1}">
+              <a14:hiddenFill xmlns:a14="http://schemas.microsoft.com/office/drawing/2010/main">
+                <a:solidFill>
+                  <a:srgbClr val="FFFFFF"/>
+                </a:solidFill>
+              </a14:hiddenFill>
+            </a:ext>
+          </a:extLst>
+        </p:spPr>
+      </p:pic>
     </p:spTree>
     <p:extLst>
       <p:ext uri="{BB962C8B-B14F-4D97-AF65-F5344CB8AC3E}">
@@ -17861,7 +17960,12 @@
             <p:ph idx="1"/>
           </p:nvPr>
         </p:nvSpPr>
-        <p:spPr/>
+        <p:spPr>
+          <a:xfrm>
+            <a:off x="838200" y="1825625"/>
+            <a:ext cx="5553722" cy="4351338"/>
+          </a:xfrm>
+        </p:spPr>
         <p:txBody>
           <a:bodyPr>
             <a:normAutofit/>
@@ -17901,6 +18005,216 @@
           </a:p>
         </p:txBody>
       </p:sp>
+      <p:sp>
+        <p:nvSpPr>
+          <p:cNvPr id="4" name="AutoShape 2" descr="Python Packages">
+            <a:extLst>
+              <a:ext uri="{FF2B5EF4-FFF2-40B4-BE49-F238E27FC236}">
+                <a16:creationId xmlns:a16="http://schemas.microsoft.com/office/drawing/2014/main" id="{12543E91-5CE9-426D-8BD6-ED9940842B66}"/>
+              </a:ext>
+            </a:extLst>
+          </p:cNvPr>
+          <p:cNvSpPr>
+            <a:spLocks noChangeAspect="1" noChangeArrowheads="1"/>
+          </p:cNvSpPr>
+          <p:nvPr/>
+        </p:nvSpPr>
+        <p:spPr bwMode="auto">
+          <a:xfrm>
+            <a:off x="5943600" y="-151660"/>
+            <a:ext cx="3733060" cy="3733060"/>
+          </a:xfrm>
+          <a:prstGeom prst="rect">
+            <a:avLst/>
+          </a:prstGeom>
+          <a:noFill/>
+          <a:extLst>
+            <a:ext uri="{909E8E84-426E-40DD-AFC4-6F175D3DCCD1}">
+              <a14:hiddenFill xmlns:a14="http://schemas.microsoft.com/office/drawing/2010/main">
+                <a:solidFill>
+                  <a:srgbClr val="FFFFFF"/>
+                </a:solidFill>
+              </a14:hiddenFill>
+            </a:ext>
+          </a:extLst>
+        </p:spPr>
+        <p:txBody>
+          <a:bodyPr vert="horz" wrap="square" lIns="91440" tIns="45720" rIns="91440" bIns="45720" numCol="1" anchor="t" anchorCtr="0" compatLnSpc="1">
+            <a:prstTxWarp prst="textNoShape">
+              <a:avLst/>
+            </a:prstTxWarp>
+          </a:bodyPr>
+          <a:lstStyle/>
+          <a:p>
+            <a:endParaRPr lang="en-US"/>
+          </a:p>
+        </p:txBody>
+      </p:sp>
+      <p:sp>
+        <p:nvSpPr>
+          <p:cNvPr id="5" name="AutoShape 4" descr="Python Packages">
+            <a:extLst>
+              <a:ext uri="{FF2B5EF4-FFF2-40B4-BE49-F238E27FC236}">
+                <a16:creationId xmlns:a16="http://schemas.microsoft.com/office/drawing/2014/main" id="{6C1CDEDD-5262-4CD5-B28A-CE8A60D584AD}"/>
+              </a:ext>
+            </a:extLst>
+          </p:cNvPr>
+          <p:cNvSpPr>
+            <a:spLocks noChangeAspect="1" noChangeArrowheads="1"/>
+          </p:cNvSpPr>
+          <p:nvPr/>
+        </p:nvSpPr>
+        <p:spPr bwMode="auto">
+          <a:xfrm>
+            <a:off x="5943600" y="3276600"/>
+            <a:ext cx="304800" cy="304800"/>
+          </a:xfrm>
+          <a:prstGeom prst="rect">
+            <a:avLst/>
+          </a:prstGeom>
+          <a:noFill/>
+          <a:extLst>
+            <a:ext uri="{909E8E84-426E-40DD-AFC4-6F175D3DCCD1}">
+              <a14:hiddenFill xmlns:a14="http://schemas.microsoft.com/office/drawing/2010/main">
+                <a:solidFill>
+                  <a:srgbClr val="FFFFFF"/>
+                </a:solidFill>
+              </a14:hiddenFill>
+            </a:ext>
+          </a:extLst>
+        </p:spPr>
+        <p:txBody>
+          <a:bodyPr vert="horz" wrap="square" lIns="91440" tIns="45720" rIns="91440" bIns="45720" numCol="1" anchor="t" anchorCtr="0" compatLnSpc="1">
+            <a:prstTxWarp prst="textNoShape">
+              <a:avLst/>
+            </a:prstTxWarp>
+          </a:bodyPr>
+          <a:lstStyle/>
+          <a:p>
+            <a:endParaRPr lang="en-US"/>
+          </a:p>
+        </p:txBody>
+      </p:sp>
+      <p:sp>
+        <p:nvSpPr>
+          <p:cNvPr id="7" name="AutoShape 8" descr="Python Packages with Examples - Python Geeks">
+            <a:extLst>
+              <a:ext uri="{FF2B5EF4-FFF2-40B4-BE49-F238E27FC236}">
+                <a16:creationId xmlns:a16="http://schemas.microsoft.com/office/drawing/2014/main" id="{E003B856-590F-41E7-A8AF-C64F6ED07BB3}"/>
+              </a:ext>
+            </a:extLst>
+          </p:cNvPr>
+          <p:cNvSpPr>
+            <a:spLocks noChangeAspect="1" noChangeArrowheads="1"/>
+          </p:cNvSpPr>
+          <p:nvPr/>
+        </p:nvSpPr>
+        <p:spPr bwMode="auto">
+          <a:xfrm>
+            <a:off x="6096000" y="3429000"/>
+            <a:ext cx="304800" cy="304800"/>
+          </a:xfrm>
+          <a:prstGeom prst="rect">
+            <a:avLst/>
+          </a:prstGeom>
+          <a:noFill/>
+          <a:extLst>
+            <a:ext uri="{909E8E84-426E-40DD-AFC4-6F175D3DCCD1}">
+              <a14:hiddenFill xmlns:a14="http://schemas.microsoft.com/office/drawing/2010/main">
+                <a:solidFill>
+                  <a:srgbClr val="FFFFFF"/>
+                </a:solidFill>
+              </a14:hiddenFill>
+            </a:ext>
+          </a:extLst>
+        </p:spPr>
+        <p:txBody>
+          <a:bodyPr vert="horz" wrap="square" lIns="91440" tIns="45720" rIns="91440" bIns="45720" numCol="1" anchor="t" anchorCtr="0" compatLnSpc="1">
+            <a:prstTxWarp prst="textNoShape">
+              <a:avLst/>
+            </a:prstTxWarp>
+          </a:bodyPr>
+          <a:lstStyle/>
+          <a:p>
+            <a:endParaRPr lang="en-US"/>
+          </a:p>
+        </p:txBody>
+      </p:sp>
+      <p:sp>
+        <p:nvSpPr>
+          <p:cNvPr id="8" name="AutoShape 10">
+            <a:extLst>
+              <a:ext uri="{FF2B5EF4-FFF2-40B4-BE49-F238E27FC236}">
+                <a16:creationId xmlns:a16="http://schemas.microsoft.com/office/drawing/2014/main" id="{399798AF-D3D6-41F3-BA88-00333B6D908C}"/>
+              </a:ext>
+            </a:extLst>
+          </p:cNvPr>
+          <p:cNvSpPr>
+            <a:spLocks noChangeAspect="1" noChangeArrowheads="1"/>
+          </p:cNvSpPr>
+          <p:nvPr/>
+        </p:nvSpPr>
+        <p:spPr bwMode="auto">
+          <a:xfrm>
+            <a:off x="6248399" y="3581399"/>
+            <a:ext cx="3733059" cy="3733059"/>
+          </a:xfrm>
+          <a:prstGeom prst="rect">
+            <a:avLst/>
+          </a:prstGeom>
+          <a:noFill/>
+          <a:extLst>
+            <a:ext uri="{909E8E84-426E-40DD-AFC4-6F175D3DCCD1}">
+              <a14:hiddenFill xmlns:a14="http://schemas.microsoft.com/office/drawing/2010/main">
+                <a:solidFill>
+                  <a:srgbClr val="FFFFFF"/>
+                </a:solidFill>
+              </a14:hiddenFill>
+            </a:ext>
+          </a:extLst>
+        </p:spPr>
+        <p:txBody>
+          <a:bodyPr vert="horz" wrap="square" lIns="91440" tIns="45720" rIns="91440" bIns="45720" numCol="1" anchor="t" anchorCtr="0" compatLnSpc="1">
+            <a:prstTxWarp prst="textNoShape">
+              <a:avLst/>
+            </a:prstTxWarp>
+          </a:bodyPr>
+          <a:lstStyle/>
+          <a:p>
+            <a:endParaRPr lang="en-US"/>
+          </a:p>
+        </p:txBody>
+      </p:sp>
+      <p:pic>
+        <p:nvPicPr>
+          <p:cNvPr id="11" name="Picture 10">
+            <a:extLst>
+              <a:ext uri="{FF2B5EF4-FFF2-40B4-BE49-F238E27FC236}">
+                <a16:creationId xmlns:a16="http://schemas.microsoft.com/office/drawing/2014/main" id="{724F6D47-F01D-4B5E-85C3-371254B5E56A}"/>
+              </a:ext>
+            </a:extLst>
+          </p:cNvPr>
+          <p:cNvPicPr>
+            <a:picLocks noChangeAspect="1"/>
+          </p:cNvPicPr>
+          <p:nvPr/>
+        </p:nvPicPr>
+        <p:blipFill>
+          <a:blip r:embed="rId3"/>
+          <a:stretch>
+            <a:fillRect/>
+          </a:stretch>
+        </p:blipFill>
+        <p:spPr>
+          <a:xfrm>
+            <a:off x="6544321" y="2676109"/>
+            <a:ext cx="5091399" cy="2322019"/>
+          </a:xfrm>
+          <a:prstGeom prst="rect">
+            <a:avLst/>
+          </a:prstGeom>
+        </p:spPr>
+      </p:pic>
     </p:spTree>
     <p:extLst>
       <p:ext uri="{BB962C8B-B14F-4D97-AF65-F5344CB8AC3E}">
@@ -20239,10 +20553,10 @@
           <a:lstStyle/>
           <a:p>
             <a:r>
-              <a:rPr lang="en-US"/>
-              <a:t>Lab 01</a:t>
-            </a:r>
-            <a:endParaRPr lang="he-IL"/>
+              <a:rPr lang="en-US" dirty="0"/>
+              <a:t>Lab 01-08</a:t>
+            </a:r>
+            <a:endParaRPr lang="he-IL" dirty="0"/>
           </a:p>
         </p:txBody>
       </p:sp>

--- a/basic_new/Module 04 - Python Functions.pptx
+++ b/basic_new/Module 04 - Python Functions.pptx
@@ -8,7 +8,7 @@
     <p:notesMasterId r:id="rId34"/>
   </p:notesMasterIdLst>
   <p:sldIdLst>
-    <p:sldId id="257" r:id="rId2"/>
+    <p:sldId id="344" r:id="rId2"/>
     <p:sldId id="258" r:id="rId3"/>
     <p:sldId id="264" r:id="rId4"/>
     <p:sldId id="321" r:id="rId5"/>
@@ -920,7 +920,7 @@
           <a:p>
             <a:fld id="{81043921-7569-41A3-B947-8944ED878C50}" type="datetimeFigureOut">
               <a:rPr lang="he-IL" smtClean="0"/>
-              <a:t>ט"ז/תמוז/תשפ"ג</a:t>
+              <a:t>כ'/תמוז/תשפ"ג</a:t>
             </a:fld>
             <a:endParaRPr lang="he-IL"/>
           </a:p>
@@ -1189,11 +1189,11 @@
 </file>
 
 <file path=ppt/notesSlides/notesSlide1.xml><?xml version="1.0" encoding="utf-8"?>
-<p:notes xmlns:a="http://schemas.openxmlformats.org/drawingml/2006/main" xmlns:r="http://schemas.openxmlformats.org/officeDocument/2006/relationships" xmlns:p="http://schemas.openxmlformats.org/presentationml/2006/main">
+<p:notes xmlns:a="http://schemas.openxmlformats.org/drawingml/2006/main" xmlns:r="http://schemas.openxmlformats.org/officeDocument/2006/relationships" xmlns:p="http://schemas.openxmlformats.org/presentationml/2006/main" showMasterSp="0" showMasterPhAnim="0">
   <p:cSld>
     <p:spTree>
       <p:nvGrpSpPr>
-        <p:cNvPr id="1" name=""/>
+        <p:cNvPr id="1" name="Shape 158"/>
         <p:cNvGrpSpPr/>
         <p:nvPr/>
       </p:nvGrpSpPr>
@@ -1207,207 +1207,84 @@
       </p:grpSpPr>
       <p:sp>
         <p:nvSpPr>
-          <p:cNvPr id="2" name="Slide Image Placeholder 1"/>
-          <p:cNvSpPr>
-            <a:spLocks noGrp="1" noRot="1" noChangeAspect="1"/>
-          </p:cNvSpPr>
-          <p:nvPr>
-            <p:ph type="sldImg"/>
-          </p:nvPr>
-        </p:nvSpPr>
-        <p:spPr/>
-      </p:sp>
-      <p:sp>
-        <p:nvSpPr>
-          <p:cNvPr id="3" name="Notes Placeholder 2"/>
-          <p:cNvSpPr>
+          <p:cNvPr id="159" name="Google Shape;159;p3:notes"/>
+          <p:cNvSpPr txBox="1">
             <a:spLocks noGrp="1"/>
           </p:cNvSpPr>
           <p:nvPr>
             <p:ph type="body" idx="1"/>
           </p:nvPr>
         </p:nvSpPr>
-        <p:spPr/>
+        <p:spPr>
+          <a:xfrm>
+            <a:off x="685800" y="4400550"/>
+            <a:ext cx="5486400" cy="3600450"/>
+          </a:xfrm>
+          <a:prstGeom prst="rect">
+            <a:avLst/>
+          </a:prstGeom>
+        </p:spPr>
         <p:txBody>
-          <a:bodyPr/>
+          <a:bodyPr spcFirstLastPara="1" wrap="square" lIns="91425" tIns="45700" rIns="91425" bIns="45700" anchor="t" anchorCtr="0">
+            <a:noAutofit/>
+          </a:bodyPr>
           <a:lstStyle/>
           <a:p>
-            <a:r>
-              <a:rPr lang="en-US" dirty="0"/>
-              <a:t>Python is dynamically-typed and garbage-collected. It supports multiple programming paradigms, including structured (particularly, procedural), object-oriented and functional programming.</a:t>
-            </a:r>
-          </a:p>
-          <a:p>
-            <a:endParaRPr lang="en-US" sz="1200" dirty="0">
-              <a:cs typeface="Calibri"/>
-            </a:endParaRPr>
-          </a:p>
-          <a:p>
-            <a:r>
-              <a:rPr lang="en-US" dirty="0">
-                <a:cs typeface="Calibri"/>
-              </a:rPr>
-              <a:t>It was built to be as readable as possible, and is </a:t>
-            </a:r>
-            <a:r>
-              <a:rPr lang="en-US" dirty="0"/>
-              <a:t>significant indentation driven (Off-side rule).</a:t>
-            </a:r>
-            <a:endParaRPr lang="en-US" dirty="0">
-              <a:cs typeface="Calibri"/>
-            </a:endParaRPr>
-          </a:p>
-          <a:p>
-            <a:pPr algn="l" rtl="0" eaLnBrk="1" hangingPunct="1"/>
-            <a:endParaRPr lang="en-US"/>
-          </a:p>
-          <a:p>
-            <a:r>
-              <a:rPr lang="en-US" dirty="0"/>
-              <a:t>The language's core philosophy is summarized in the document </a:t>
-            </a:r>
-            <a:r>
-              <a:rPr lang="en-US" i="1" dirty="0"/>
-              <a:t>The Zen of Python</a:t>
-            </a:r>
-            <a:r>
-              <a:rPr lang="en-US" dirty="0"/>
-              <a:t> (</a:t>
-            </a:r>
-            <a:r>
-              <a:rPr lang="en-US" i="1" dirty="0"/>
-              <a:t>PEP 20</a:t>
-            </a:r>
-            <a:r>
-              <a:rPr lang="en-US" dirty="0"/>
-              <a:t>), which includes aphorisms such as:</a:t>
-            </a:r>
-            <a:endParaRPr lang="en-US" dirty="0">
-              <a:cs typeface="Calibri"/>
-            </a:endParaRPr>
-          </a:p>
-          <a:p>
-            <a:pPr marL="285750" indent="-285750">
-              <a:buFont typeface="Arial"/>
-              <a:buChar char="•"/>
+            <a:pPr marL="0" lvl="0" indent="0" algn="l" rtl="0">
+              <a:spcBef>
+                <a:spcPts val="0"/>
+              </a:spcBef>
+              <a:spcAft>
+                <a:spcPts val="0"/>
+              </a:spcAft>
+              <a:buNone/>
             </a:pPr>
-            <a:r>
-              <a:rPr lang="en-US" dirty="0"/>
-              <a:t>Beautiful is better than ugly.</a:t>
-            </a:r>
-            <a:endParaRPr lang="en-US" dirty="0">
-              <a:cs typeface="Calibri"/>
-            </a:endParaRPr>
-          </a:p>
-          <a:p>
-            <a:pPr marL="285750" indent="-285750">
-              <a:buFont typeface="Arial"/>
-              <a:buChar char="•"/>
-            </a:pPr>
-            <a:r>
-              <a:rPr lang="en-US" dirty="0"/>
-              <a:t>Explicit is better than implicit.</a:t>
-            </a:r>
-            <a:endParaRPr lang="en-US" dirty="0">
-              <a:cs typeface="Calibri"/>
-            </a:endParaRPr>
-          </a:p>
-          <a:p>
-            <a:pPr marL="285750" indent="-285750">
-              <a:buFont typeface="Arial"/>
-              <a:buChar char="•"/>
-            </a:pPr>
-            <a:r>
-              <a:rPr lang="en-US" dirty="0"/>
-              <a:t>Simple is better than complex.</a:t>
-            </a:r>
-            <a:endParaRPr lang="en-US" dirty="0">
-              <a:cs typeface="Calibri"/>
-            </a:endParaRPr>
-          </a:p>
-          <a:p>
-            <a:pPr marL="285750" indent="-285750">
-              <a:buFont typeface="Arial"/>
-              <a:buChar char="•"/>
-            </a:pPr>
-            <a:r>
-              <a:rPr lang="en-US" dirty="0"/>
-              <a:t>Complex is better than complicated.</a:t>
-            </a:r>
-            <a:endParaRPr lang="en-US" dirty="0">
-              <a:cs typeface="Calibri"/>
-            </a:endParaRPr>
-          </a:p>
-          <a:p>
-            <a:pPr marL="285750" indent="-285750">
-              <a:buFont typeface="Arial"/>
-              <a:buChar char="•"/>
-            </a:pPr>
-            <a:r>
-              <a:rPr lang="en-US" dirty="0"/>
-              <a:t>Readability counts.</a:t>
-            </a:r>
-            <a:endParaRPr lang="en-US" dirty="0">
-              <a:cs typeface="Calibri"/>
-            </a:endParaRPr>
-          </a:p>
-          <a:p>
-            <a:pPr algn="l"/>
-            <a:endParaRPr lang="en-US" dirty="0">
-              <a:cs typeface="Calibri"/>
-            </a:endParaRPr>
-          </a:p>
-          <a:p>
-            <a:endParaRPr lang="en-US" u="sng"/>
-          </a:p>
-          <a:p>
-            <a:pPr algn="l" rtl="0" eaLnBrk="1" hangingPunct="1"/>
-            <a:r>
-              <a:rPr lang="en-US" u="sng" dirty="0"/>
-              <a:t>For further reading:</a:t>
-            </a:r>
-          </a:p>
-          <a:p>
-            <a:r>
-              <a:rPr lang="en-US" dirty="0">
-                <a:hlinkClick r:id="rId3"/>
-              </a:rPr>
-              <a:t>Python (programming language) - Wikipedia</a:t>
-            </a:r>
-            <a:endParaRPr lang="en-US"/>
+            <a:endParaRPr/>
           </a:p>
         </p:txBody>
       </p:sp>
       <p:sp>
         <p:nvSpPr>
-          <p:cNvPr id="4" name="Slide Number Placeholder 3"/>
+          <p:cNvPr id="160" name="Google Shape;160;p3:notes"/>
           <p:cNvSpPr>
-            <a:spLocks noGrp="1"/>
+            <a:spLocks noGrp="1" noRot="1" noChangeAspect="1"/>
           </p:cNvSpPr>
           <p:nvPr>
-            <p:ph type="sldNum" sz="quarter" idx="10"/>
+            <p:ph type="sldImg" idx="2"/>
           </p:nvPr>
         </p:nvSpPr>
-        <p:spPr/>
-        <p:txBody>
-          <a:bodyPr/>
-          <a:lstStyle/>
-          <a:p>
-            <a:fld id="{C18343ED-3762-4D46-A439-B4D407E13EF8}" type="slidenum">
-              <a:rPr lang="en-US" smtClean="0"/>
-              <a:pPr/>
-              <a:t>3</a:t>
-            </a:fld>
-            <a:endParaRPr lang="en-US"/>
-          </a:p>
-        </p:txBody>
+        <p:spPr>
+          <a:xfrm>
+            <a:off x="685800" y="1143000"/>
+            <a:ext cx="5486400" cy="3086100"/>
+          </a:xfrm>
+          <a:custGeom>
+            <a:avLst/>
+            <a:gdLst/>
+            <a:ahLst/>
+            <a:cxnLst/>
+            <a:rect l="l" t="t" r="r" b="b"/>
+            <a:pathLst>
+              <a:path w="120000" h="120000" extrusionOk="0">
+                <a:moveTo>
+                  <a:pt x="0" y="0"/>
+                </a:moveTo>
+                <a:lnTo>
+                  <a:pt x="120000" y="0"/>
+                </a:lnTo>
+                <a:lnTo>
+                  <a:pt x="120000" y="120000"/>
+                </a:lnTo>
+                <a:lnTo>
+                  <a:pt x="0" y="120000"/>
+                </a:lnTo>
+                <a:close/>
+              </a:path>
+            </a:pathLst>
+          </a:custGeom>
+        </p:spPr>
       </p:sp>
     </p:spTree>
-    <p:extLst>
-      <p:ext uri="{BB962C8B-B14F-4D97-AF65-F5344CB8AC3E}">
-        <p14:creationId xmlns:p14="http://schemas.microsoft.com/office/powerpoint/2010/main" val="3003253182"/>
-      </p:ext>
-    </p:extLst>
   </p:cSld>
   <p:clrMapOvr>
     <a:masterClrMapping/>
@@ -1488,7 +1365,7 @@
             <a:fld id="{C18343ED-3762-4D46-A439-B4D407E13EF8}" type="slidenum">
               <a:rPr lang="en-US" smtClean="0"/>
               <a:pPr/>
-              <a:t>14</a:t>
+              <a:t>13</a:t>
             </a:fld>
             <a:endParaRPr lang="en-US"/>
           </a:p>
@@ -1497,7 +1374,7 @@
     </p:spTree>
     <p:extLst>
       <p:ext uri="{BB962C8B-B14F-4D97-AF65-F5344CB8AC3E}">
-        <p14:creationId xmlns:p14="http://schemas.microsoft.com/office/powerpoint/2010/main" val="3735406498"/>
+        <p14:creationId xmlns:p14="http://schemas.microsoft.com/office/powerpoint/2010/main" val="458365634"/>
       </p:ext>
     </p:extLst>
   </p:cSld>
@@ -1580,7 +1457,7 @@
             <a:fld id="{C18343ED-3762-4D46-A439-B4D407E13EF8}" type="slidenum">
               <a:rPr lang="en-US" smtClean="0"/>
               <a:pPr/>
-              <a:t>15</a:t>
+              <a:t>14</a:t>
             </a:fld>
             <a:endParaRPr lang="en-US"/>
           </a:p>
@@ -1589,7 +1466,7 @@
     </p:spTree>
     <p:extLst>
       <p:ext uri="{BB962C8B-B14F-4D97-AF65-F5344CB8AC3E}">
-        <p14:creationId xmlns:p14="http://schemas.microsoft.com/office/powerpoint/2010/main" val="1876707830"/>
+        <p14:creationId xmlns:p14="http://schemas.microsoft.com/office/powerpoint/2010/main" val="3735406498"/>
       </p:ext>
     </p:extLst>
   </p:cSld>
@@ -1672,7 +1549,7 @@
             <a:fld id="{C18343ED-3762-4D46-A439-B4D407E13EF8}" type="slidenum">
               <a:rPr lang="en-US" smtClean="0"/>
               <a:pPr/>
-              <a:t>16</a:t>
+              <a:t>15</a:t>
             </a:fld>
             <a:endParaRPr lang="en-US"/>
           </a:p>
@@ -1681,7 +1558,7 @@
     </p:spTree>
     <p:extLst>
       <p:ext uri="{BB962C8B-B14F-4D97-AF65-F5344CB8AC3E}">
-        <p14:creationId xmlns:p14="http://schemas.microsoft.com/office/powerpoint/2010/main" val="2452238546"/>
+        <p14:creationId xmlns:p14="http://schemas.microsoft.com/office/powerpoint/2010/main" val="1876707830"/>
       </p:ext>
     </p:extLst>
   </p:cSld>
@@ -1764,7 +1641,7 @@
             <a:fld id="{C18343ED-3762-4D46-A439-B4D407E13EF8}" type="slidenum">
               <a:rPr lang="en-US" smtClean="0"/>
               <a:pPr/>
-              <a:t>17</a:t>
+              <a:t>16</a:t>
             </a:fld>
             <a:endParaRPr lang="en-US"/>
           </a:p>
@@ -1773,7 +1650,7 @@
     </p:spTree>
     <p:extLst>
       <p:ext uri="{BB962C8B-B14F-4D97-AF65-F5344CB8AC3E}">
-        <p14:creationId xmlns:p14="http://schemas.microsoft.com/office/powerpoint/2010/main" val="391671118"/>
+        <p14:creationId xmlns:p14="http://schemas.microsoft.com/office/powerpoint/2010/main" val="2452238546"/>
       </p:ext>
     </p:extLst>
   </p:cSld>
@@ -1856,7 +1733,7 @@
             <a:fld id="{C18343ED-3762-4D46-A439-B4D407E13EF8}" type="slidenum">
               <a:rPr lang="en-US" smtClean="0"/>
               <a:pPr/>
-              <a:t>18</a:t>
+              <a:t>17</a:t>
             </a:fld>
             <a:endParaRPr lang="en-US"/>
           </a:p>
@@ -1865,7 +1742,7 @@
     </p:spTree>
     <p:extLst>
       <p:ext uri="{BB962C8B-B14F-4D97-AF65-F5344CB8AC3E}">
-        <p14:creationId xmlns:p14="http://schemas.microsoft.com/office/powerpoint/2010/main" val="3104266990"/>
+        <p14:creationId xmlns:p14="http://schemas.microsoft.com/office/powerpoint/2010/main" val="391671118"/>
       </p:ext>
     </p:extLst>
   </p:cSld>
@@ -1948,7 +1825,7 @@
             <a:fld id="{C18343ED-3762-4D46-A439-B4D407E13EF8}" type="slidenum">
               <a:rPr lang="en-US" smtClean="0"/>
               <a:pPr/>
-              <a:t>19</a:t>
+              <a:t>18</a:t>
             </a:fld>
             <a:endParaRPr lang="en-US"/>
           </a:p>
@@ -1957,7 +1834,7 @@
     </p:spTree>
     <p:extLst>
       <p:ext uri="{BB962C8B-B14F-4D97-AF65-F5344CB8AC3E}">
-        <p14:creationId xmlns:p14="http://schemas.microsoft.com/office/powerpoint/2010/main" val="132302927"/>
+        <p14:creationId xmlns:p14="http://schemas.microsoft.com/office/powerpoint/2010/main" val="3104266990"/>
       </p:ext>
     </p:extLst>
   </p:cSld>
@@ -2040,7 +1917,7 @@
             <a:fld id="{C18343ED-3762-4D46-A439-B4D407E13EF8}" type="slidenum">
               <a:rPr lang="en-US" smtClean="0"/>
               <a:pPr/>
-              <a:t>20</a:t>
+              <a:t>19</a:t>
             </a:fld>
             <a:endParaRPr lang="en-US"/>
           </a:p>
@@ -2049,7 +1926,7 @@
     </p:spTree>
     <p:extLst>
       <p:ext uri="{BB962C8B-B14F-4D97-AF65-F5344CB8AC3E}">
-        <p14:creationId xmlns:p14="http://schemas.microsoft.com/office/powerpoint/2010/main" val="2472543710"/>
+        <p14:creationId xmlns:p14="http://schemas.microsoft.com/office/powerpoint/2010/main" val="132302927"/>
       </p:ext>
     </p:extLst>
   </p:cSld>
@@ -2132,7 +2009,7 @@
             <a:fld id="{C18343ED-3762-4D46-A439-B4D407E13EF8}" type="slidenum">
               <a:rPr lang="en-US" smtClean="0"/>
               <a:pPr/>
-              <a:t>21</a:t>
+              <a:t>20</a:t>
             </a:fld>
             <a:endParaRPr lang="en-US"/>
           </a:p>
@@ -2141,7 +2018,7 @@
     </p:spTree>
     <p:extLst>
       <p:ext uri="{BB962C8B-B14F-4D97-AF65-F5344CB8AC3E}">
-        <p14:creationId xmlns:p14="http://schemas.microsoft.com/office/powerpoint/2010/main" val="611647552"/>
+        <p14:creationId xmlns:p14="http://schemas.microsoft.com/office/powerpoint/2010/main" val="2472543710"/>
       </p:ext>
     </p:extLst>
   </p:cSld>
@@ -2224,7 +2101,7 @@
             <a:fld id="{C18343ED-3762-4D46-A439-B4D407E13EF8}" type="slidenum">
               <a:rPr lang="en-US" smtClean="0"/>
               <a:pPr/>
-              <a:t>22</a:t>
+              <a:t>21</a:t>
             </a:fld>
             <a:endParaRPr lang="en-US"/>
           </a:p>
@@ -2233,7 +2110,7 @@
     </p:spTree>
     <p:extLst>
       <p:ext uri="{BB962C8B-B14F-4D97-AF65-F5344CB8AC3E}">
-        <p14:creationId xmlns:p14="http://schemas.microsoft.com/office/powerpoint/2010/main" val="1586231333"/>
+        <p14:creationId xmlns:p14="http://schemas.microsoft.com/office/powerpoint/2010/main" val="611647552"/>
       </p:ext>
     </p:extLst>
   </p:cSld>
@@ -2316,7 +2193,7 @@
             <a:fld id="{C18343ED-3762-4D46-A439-B4D407E13EF8}" type="slidenum">
               <a:rPr lang="en-US" smtClean="0"/>
               <a:pPr/>
-              <a:t>23</a:t>
+              <a:t>22</a:t>
             </a:fld>
             <a:endParaRPr lang="en-US"/>
           </a:p>
@@ -2325,7 +2202,7 @@
     </p:spTree>
     <p:extLst>
       <p:ext uri="{BB962C8B-B14F-4D97-AF65-F5344CB8AC3E}">
-        <p14:creationId xmlns:p14="http://schemas.microsoft.com/office/powerpoint/2010/main" val="500944355"/>
+        <p14:creationId xmlns:p14="http://schemas.microsoft.com/office/powerpoint/2010/main" val="1586231333"/>
       </p:ext>
     </p:extLst>
   </p:cSld>
@@ -2543,7 +2420,7 @@
             <a:fld id="{C18343ED-3762-4D46-A439-B4D407E13EF8}" type="slidenum">
               <a:rPr lang="en-US" smtClean="0"/>
               <a:pPr/>
-              <a:t>4</a:t>
+              <a:t>3</a:t>
             </a:fld>
             <a:endParaRPr lang="en-US"/>
           </a:p>
@@ -2552,7 +2429,7 @@
     </p:spTree>
     <p:extLst>
       <p:ext uri="{BB962C8B-B14F-4D97-AF65-F5344CB8AC3E}">
-        <p14:creationId xmlns:p14="http://schemas.microsoft.com/office/powerpoint/2010/main" val="3729556439"/>
+        <p14:creationId xmlns:p14="http://schemas.microsoft.com/office/powerpoint/2010/main" val="3003253182"/>
       </p:ext>
     </p:extLst>
   </p:cSld>
@@ -2635,7 +2512,7 @@
             <a:fld id="{C18343ED-3762-4D46-A439-B4D407E13EF8}" type="slidenum">
               <a:rPr lang="en-US" smtClean="0"/>
               <a:pPr/>
-              <a:t>24</a:t>
+              <a:t>23</a:t>
             </a:fld>
             <a:endParaRPr lang="en-US"/>
           </a:p>
@@ -2644,7 +2521,7 @@
     </p:spTree>
     <p:extLst>
       <p:ext uri="{BB962C8B-B14F-4D97-AF65-F5344CB8AC3E}">
-        <p14:creationId xmlns:p14="http://schemas.microsoft.com/office/powerpoint/2010/main" val="2674211691"/>
+        <p14:creationId xmlns:p14="http://schemas.microsoft.com/office/powerpoint/2010/main" val="500944355"/>
       </p:ext>
     </p:extLst>
   </p:cSld>
@@ -2727,7 +2604,7 @@
             <a:fld id="{C18343ED-3762-4D46-A439-B4D407E13EF8}" type="slidenum">
               <a:rPr lang="en-US" smtClean="0"/>
               <a:pPr/>
-              <a:t>25</a:t>
+              <a:t>24</a:t>
             </a:fld>
             <a:endParaRPr lang="en-US"/>
           </a:p>
@@ -2736,7 +2613,7 @@
     </p:spTree>
     <p:extLst>
       <p:ext uri="{BB962C8B-B14F-4D97-AF65-F5344CB8AC3E}">
-        <p14:creationId xmlns:p14="http://schemas.microsoft.com/office/powerpoint/2010/main" val="1096976478"/>
+        <p14:creationId xmlns:p14="http://schemas.microsoft.com/office/powerpoint/2010/main" val="2674211691"/>
       </p:ext>
     </p:extLst>
   </p:cSld>
@@ -2819,7 +2696,7 @@
             <a:fld id="{C18343ED-3762-4D46-A439-B4D407E13EF8}" type="slidenum">
               <a:rPr lang="en-US" smtClean="0"/>
               <a:pPr/>
-              <a:t>26</a:t>
+              <a:t>25</a:t>
             </a:fld>
             <a:endParaRPr lang="en-US"/>
           </a:p>
@@ -2828,7 +2705,7 @@
     </p:spTree>
     <p:extLst>
       <p:ext uri="{BB962C8B-B14F-4D97-AF65-F5344CB8AC3E}">
-        <p14:creationId xmlns:p14="http://schemas.microsoft.com/office/powerpoint/2010/main" val="3707584593"/>
+        <p14:creationId xmlns:p14="http://schemas.microsoft.com/office/powerpoint/2010/main" val="1096976478"/>
       </p:ext>
     </p:extLst>
   </p:cSld>
@@ -2911,7 +2788,7 @@
             <a:fld id="{C18343ED-3762-4D46-A439-B4D407E13EF8}" type="slidenum">
               <a:rPr lang="en-US" smtClean="0"/>
               <a:pPr/>
-              <a:t>28</a:t>
+              <a:t>26</a:t>
             </a:fld>
             <a:endParaRPr lang="en-US"/>
           </a:p>
@@ -2920,7 +2797,7 @@
     </p:spTree>
     <p:extLst>
       <p:ext uri="{BB962C8B-B14F-4D97-AF65-F5344CB8AC3E}">
-        <p14:creationId xmlns:p14="http://schemas.microsoft.com/office/powerpoint/2010/main" val="3481021232"/>
+        <p14:creationId xmlns:p14="http://schemas.microsoft.com/office/powerpoint/2010/main" val="3707584593"/>
       </p:ext>
     </p:extLst>
   </p:cSld>
@@ -3003,6 +2880,98 @@
             <a:fld id="{C18343ED-3762-4D46-A439-B4D407E13EF8}" type="slidenum">
               <a:rPr lang="en-US" smtClean="0"/>
               <a:pPr/>
+              <a:t>28</a:t>
+            </a:fld>
+            <a:endParaRPr lang="en-US"/>
+          </a:p>
+        </p:txBody>
+      </p:sp>
+    </p:spTree>
+    <p:extLst>
+      <p:ext uri="{BB962C8B-B14F-4D97-AF65-F5344CB8AC3E}">
+        <p14:creationId xmlns:p14="http://schemas.microsoft.com/office/powerpoint/2010/main" val="3481021232"/>
+      </p:ext>
+    </p:extLst>
+  </p:cSld>
+  <p:clrMapOvr>
+    <a:masterClrMapping/>
+  </p:clrMapOvr>
+</p:notes>
+</file>
+
+<file path=ppt/notesSlides/notesSlide25.xml><?xml version="1.0" encoding="utf-8"?>
+<p:notes xmlns:a="http://schemas.openxmlformats.org/drawingml/2006/main" xmlns:r="http://schemas.openxmlformats.org/officeDocument/2006/relationships" xmlns:p="http://schemas.openxmlformats.org/presentationml/2006/main">
+  <p:cSld>
+    <p:spTree>
+      <p:nvGrpSpPr>
+        <p:cNvPr id="1" name=""/>
+        <p:cNvGrpSpPr/>
+        <p:nvPr/>
+      </p:nvGrpSpPr>
+      <p:grpSpPr>
+        <a:xfrm>
+          <a:off x="0" y="0"/>
+          <a:ext cx="0" cy="0"/>
+          <a:chOff x="0" y="0"/>
+          <a:chExt cx="0" cy="0"/>
+        </a:xfrm>
+      </p:grpSpPr>
+      <p:sp>
+        <p:nvSpPr>
+          <p:cNvPr id="2" name="Slide Image Placeholder 1"/>
+          <p:cNvSpPr>
+            <a:spLocks noGrp="1" noRot="1" noChangeAspect="1"/>
+          </p:cNvSpPr>
+          <p:nvPr>
+            <p:ph type="sldImg"/>
+          </p:nvPr>
+        </p:nvSpPr>
+        <p:spPr/>
+      </p:sp>
+      <p:sp>
+        <p:nvSpPr>
+          <p:cNvPr id="3" name="Notes Placeholder 2"/>
+          <p:cNvSpPr>
+            <a:spLocks noGrp="1"/>
+          </p:cNvSpPr>
+          <p:nvPr>
+            <p:ph type="body" idx="1"/>
+          </p:nvPr>
+        </p:nvSpPr>
+        <p:spPr/>
+        <p:txBody>
+          <a:bodyPr/>
+          <a:lstStyle/>
+          <a:p>
+            <a:pPr algn="l" rtl="0" eaLnBrk="1" hangingPunct="1">
+              <a:lnSpc>
+                <a:spcPct val="80000"/>
+              </a:lnSpc>
+            </a:pPr>
+            <a:endParaRPr lang="en-US" dirty="0">
+              <a:cs typeface="Calibri"/>
+            </a:endParaRPr>
+          </a:p>
+        </p:txBody>
+      </p:sp>
+      <p:sp>
+        <p:nvSpPr>
+          <p:cNvPr id="4" name="Slide Number Placeholder 3"/>
+          <p:cNvSpPr>
+            <a:spLocks noGrp="1"/>
+          </p:cNvSpPr>
+          <p:nvPr>
+            <p:ph type="sldNum" sz="quarter" idx="10"/>
+          </p:nvPr>
+        </p:nvSpPr>
+        <p:spPr/>
+        <p:txBody>
+          <a:bodyPr/>
+          <a:lstStyle/>
+          <a:p>
+            <a:fld id="{C18343ED-3762-4D46-A439-B4D407E13EF8}" type="slidenum">
+              <a:rPr lang="en-US" smtClean="0"/>
+              <a:pPr/>
               <a:t>29</a:t>
             </a:fld>
             <a:endParaRPr lang="en-US"/>
@@ -3022,7 +2991,7 @@
 </p:notes>
 </file>
 
-<file path=ppt/notesSlides/notesSlide25.xml><?xml version="1.0" encoding="utf-8"?>
+<file path=ppt/notesSlides/notesSlide26.xml><?xml version="1.0" encoding="utf-8"?>
 <p:notes xmlns:a="http://schemas.openxmlformats.org/drawingml/2006/main" xmlns:r="http://schemas.openxmlformats.org/officeDocument/2006/relationships" xmlns:p="http://schemas.openxmlformats.org/presentationml/2006/main">
   <p:cSld>
     <p:spTree>
@@ -3159,123 +3128,148 @@
           <a:lstStyle/>
           <a:p>
             <a:r>
+              <a:rPr lang="en-US" dirty="0"/>
+              <a:t>Python is dynamically-typed and garbage-collected. It supports multiple programming paradigms, including structured (particularly, procedural), object-oriented and functional programming.</a:t>
+            </a:r>
+          </a:p>
+          <a:p>
+            <a:endParaRPr lang="en-US" sz="1200" dirty="0">
+              <a:cs typeface="Calibri"/>
+            </a:endParaRPr>
+          </a:p>
+          <a:p>
+            <a:r>
               <a:rPr lang="en-US" dirty="0">
-                <a:solidFill>
-                  <a:srgbClr val="000000"/>
-                </a:solidFill>
-                <a:latin typeface="Tahoma"/>
-                <a:ea typeface="Tahoma"/>
-                <a:cs typeface="Tahoma"/>
-              </a:rPr>
-              <a:t>PyCharm is currently one of the most used IDE for python development, It provides code analysis, a graphical debugger, an integrated unit tester, integration with version control systems (VCSes), and supports web development with Django as well as data science with Anaconda.</a:t>
-            </a:r>
-          </a:p>
-          <a:p>
+                <a:cs typeface="Calibri"/>
+              </a:rPr>
+              <a:t>It was built to be as readable as possible, and is </a:t>
+            </a:r>
+            <a:r>
+              <a:rPr lang="en-US" dirty="0"/>
+              <a:t>significant indentation driven (Off-side rule).</a:t>
+            </a:r>
             <a:endParaRPr lang="en-US" dirty="0">
-              <a:solidFill>
-                <a:srgbClr val="000000"/>
-              </a:solidFill>
-              <a:latin typeface="Tahoma"/>
-              <a:ea typeface="Tahoma"/>
-              <a:cs typeface="Tahoma"/>
+              <a:cs typeface="Calibri"/>
             </a:endParaRPr>
           </a:p>
           <a:p>
-            <a:r>
-              <a:rPr lang="en-US" dirty="0">
-                <a:solidFill>
-                  <a:srgbClr val="000000"/>
-                </a:solidFill>
-                <a:latin typeface="Tahoma"/>
-                <a:ea typeface="Tahoma"/>
-                <a:cs typeface="Tahoma"/>
-              </a:rPr>
-              <a:t>It was created by JetBrains</a:t>
-            </a:r>
-          </a:p>
-          <a:p>
+            <a:pPr algn="l" rtl="0" eaLnBrk="1" hangingPunct="1"/>
+            <a:endParaRPr lang="en-US"/>
+          </a:p>
+          <a:p>
+            <a:r>
+              <a:rPr lang="en-US" dirty="0"/>
+              <a:t>The language's core philosophy is summarized in the document </a:t>
+            </a:r>
+            <a:r>
+              <a:rPr lang="en-US" i="1" dirty="0"/>
+              <a:t>The Zen of Python</a:t>
+            </a:r>
+            <a:r>
+              <a:rPr lang="en-US" dirty="0"/>
+              <a:t> (</a:t>
+            </a:r>
+            <a:r>
+              <a:rPr lang="en-US" i="1" dirty="0"/>
+              <a:t>PEP 20</a:t>
+            </a:r>
+            <a:r>
+              <a:rPr lang="en-US" dirty="0"/>
+              <a:t>), which includes aphorisms such as:</a:t>
+            </a:r>
             <a:endParaRPr lang="en-US" dirty="0">
-              <a:solidFill>
-                <a:srgbClr val="000000"/>
-              </a:solidFill>
-              <a:latin typeface="Tahoma"/>
-              <a:ea typeface="Tahoma"/>
-              <a:cs typeface="Tahoma"/>
+              <a:cs typeface="Calibri"/>
             </a:endParaRPr>
           </a:p>
           <a:p>
-            <a:r>
-              <a:rPr lang="en-US" dirty="0">
-                <a:solidFill>
-                  <a:srgbClr val="000000"/>
-                </a:solidFill>
-                <a:latin typeface="Tahoma"/>
-                <a:ea typeface="Tahoma"/>
-                <a:cs typeface="Tahoma"/>
-              </a:rPr>
-              <a:t>It is mostly popular because of many things, such as:</a:t>
-            </a:r>
-          </a:p>
-          <a:p>
-            <a:pPr marL="171450" indent="-171450">
+            <a:pPr marL="285750" indent="-285750">
               <a:buFont typeface="Arial"/>
               <a:buChar char="•"/>
             </a:pPr>
             <a:r>
-              <a:rPr lang="en-US" dirty="0">
-                <a:solidFill>
-                  <a:srgbClr val="000000"/>
-                </a:solidFill>
-                <a:latin typeface="Tahoma"/>
-                <a:ea typeface="Tahoma"/>
-                <a:cs typeface="Tahoma"/>
-              </a:rPr>
-              <a:t>It is considered as an intelligent code editor, fast and safe refactoring, and smart code.</a:t>
-            </a:r>
-          </a:p>
-          <a:p>
-            <a:pPr marL="171450" indent="-171450">
+              <a:rPr lang="en-US" dirty="0"/>
+              <a:t>Beautiful is better than ugly.</a:t>
+            </a:r>
+            <a:endParaRPr lang="en-US" dirty="0">
+              <a:cs typeface="Calibri"/>
+            </a:endParaRPr>
+          </a:p>
+          <a:p>
+            <a:pPr marL="285750" indent="-285750">
               <a:buFont typeface="Arial"/>
               <a:buChar char="•"/>
             </a:pPr>
             <a:r>
-              <a:rPr lang="en-US" dirty="0">
-                <a:solidFill>
-                  <a:srgbClr val="000000"/>
-                </a:solidFill>
-                <a:latin typeface="Tahoma"/>
-                <a:ea typeface="Tahoma"/>
-                <a:cs typeface="Tahoma"/>
-              </a:rPr>
-              <a:t>Features for debugging, profiling, remote development, testing the code, auto code completion, quick fixing, error detection and tools of the database.</a:t>
-            </a:r>
-          </a:p>
-          <a:p>
-            <a:pPr marL="171450" indent="-171450">
+              <a:rPr lang="en-US" dirty="0"/>
+              <a:t>Explicit is better than implicit.</a:t>
+            </a:r>
+            <a:endParaRPr lang="en-US" dirty="0">
+              <a:cs typeface="Calibri"/>
+            </a:endParaRPr>
+          </a:p>
+          <a:p>
+            <a:pPr marL="285750" indent="-285750">
               <a:buFont typeface="Arial"/>
               <a:buChar char="•"/>
             </a:pPr>
             <a:r>
+              <a:rPr lang="en-US" dirty="0"/>
+              <a:t>Simple is better than complex.</a:t>
+            </a:r>
+            <a:endParaRPr lang="en-US" dirty="0">
+              <a:cs typeface="Calibri"/>
+            </a:endParaRPr>
+          </a:p>
+          <a:p>
+            <a:pPr marL="285750" indent="-285750">
+              <a:buFont typeface="Arial"/>
+              <a:buChar char="•"/>
+            </a:pPr>
+            <a:r>
+              <a:rPr lang="en-US" dirty="0"/>
+              <a:t>Complex is better than complicated.</a:t>
+            </a:r>
+            <a:endParaRPr lang="en-US" dirty="0">
+              <a:cs typeface="Calibri"/>
+            </a:endParaRPr>
+          </a:p>
+          <a:p>
+            <a:pPr marL="285750" indent="-285750">
+              <a:buFont typeface="Arial"/>
+              <a:buChar char="•"/>
+            </a:pPr>
+            <a:r>
+              <a:rPr lang="en-US" dirty="0"/>
+              <a:t>Readability counts.</a:t>
+            </a:r>
+            <a:endParaRPr lang="en-US" dirty="0">
+              <a:cs typeface="Calibri"/>
+            </a:endParaRPr>
+          </a:p>
+          <a:p>
+            <a:pPr algn="l"/>
+            <a:endParaRPr lang="en-US" dirty="0">
+              <a:cs typeface="Calibri"/>
+            </a:endParaRPr>
+          </a:p>
+          <a:p>
+            <a:endParaRPr lang="en-US" u="sng"/>
+          </a:p>
+          <a:p>
+            <a:pPr algn="l" rtl="0" eaLnBrk="1" hangingPunct="1"/>
+            <a:r>
+              <a:rPr lang="en-US" u="sng" dirty="0"/>
+              <a:t>For further reading:</a:t>
+            </a:r>
+          </a:p>
+          <a:p>
+            <a:r>
               <a:rPr lang="en-US" dirty="0">
-                <a:solidFill>
-                  <a:srgbClr val="000000"/>
-                </a:solidFill>
-                <a:latin typeface="Tahoma"/>
-                <a:ea typeface="Tahoma"/>
-                <a:cs typeface="Tahoma"/>
-              </a:rPr>
-              <a:t>Support for Popular web technologies, web frameworks, scientific libraries and version control. </a:t>
-            </a:r>
-          </a:p>
-          <a:p>
-            <a:endParaRPr lang="en-US" dirty="0">
-              <a:solidFill>
-                <a:srgbClr val="000000"/>
-              </a:solidFill>
-              <a:latin typeface="Tahoma"/>
-              <a:ea typeface="Tahoma"/>
-              <a:cs typeface="Tahoma"/>
-            </a:endParaRPr>
+                <a:hlinkClick r:id="rId3"/>
+              </a:rPr>
+              <a:t>Python (programming language) - Wikipedia</a:t>
+            </a:r>
+            <a:endParaRPr lang="en-US"/>
           </a:p>
         </p:txBody>
       </p:sp>
@@ -3297,7 +3291,7 @@
             <a:fld id="{C18343ED-3762-4D46-A439-B4D407E13EF8}" type="slidenum">
               <a:rPr lang="en-US" smtClean="0"/>
               <a:pPr/>
-              <a:t>7</a:t>
+              <a:t>4</a:t>
             </a:fld>
             <a:endParaRPr lang="en-US"/>
           </a:p>
@@ -3306,7 +3300,7 @@
     </p:spTree>
     <p:extLst>
       <p:ext uri="{BB962C8B-B14F-4D97-AF65-F5344CB8AC3E}">
-        <p14:creationId xmlns:p14="http://schemas.microsoft.com/office/powerpoint/2010/main" val="3013686146"/>
+        <p14:creationId xmlns:p14="http://schemas.microsoft.com/office/powerpoint/2010/main" val="3729556439"/>
       </p:ext>
     </p:extLst>
   </p:cSld>
@@ -3360,13 +3354,123 @@
           <a:bodyPr/>
           <a:lstStyle/>
           <a:p>
-            <a:pPr algn="l" rtl="0" eaLnBrk="1" hangingPunct="1">
-              <a:lnSpc>
-                <a:spcPct val="80000"/>
-              </a:lnSpc>
+            <a:r>
+              <a:rPr lang="en-US" dirty="0">
+                <a:solidFill>
+                  <a:srgbClr val="000000"/>
+                </a:solidFill>
+                <a:latin typeface="Tahoma"/>
+                <a:ea typeface="Tahoma"/>
+                <a:cs typeface="Tahoma"/>
+              </a:rPr>
+              <a:t>PyCharm is currently one of the most used IDE for python development, It provides code analysis, a graphical debugger, an integrated unit tester, integration with version control systems (VCSes), and supports web development with Django as well as data science with Anaconda.</a:t>
+            </a:r>
+          </a:p>
+          <a:p>
+            <a:endParaRPr lang="en-US" dirty="0">
+              <a:solidFill>
+                <a:srgbClr val="000000"/>
+              </a:solidFill>
+              <a:latin typeface="Tahoma"/>
+              <a:ea typeface="Tahoma"/>
+              <a:cs typeface="Tahoma"/>
+            </a:endParaRPr>
+          </a:p>
+          <a:p>
+            <a:r>
+              <a:rPr lang="en-US" dirty="0">
+                <a:solidFill>
+                  <a:srgbClr val="000000"/>
+                </a:solidFill>
+                <a:latin typeface="Tahoma"/>
+                <a:ea typeface="Tahoma"/>
+                <a:cs typeface="Tahoma"/>
+              </a:rPr>
+              <a:t>It was created by JetBrains</a:t>
+            </a:r>
+          </a:p>
+          <a:p>
+            <a:endParaRPr lang="en-US" dirty="0">
+              <a:solidFill>
+                <a:srgbClr val="000000"/>
+              </a:solidFill>
+              <a:latin typeface="Tahoma"/>
+              <a:ea typeface="Tahoma"/>
+              <a:cs typeface="Tahoma"/>
+            </a:endParaRPr>
+          </a:p>
+          <a:p>
+            <a:r>
+              <a:rPr lang="en-US" dirty="0">
+                <a:solidFill>
+                  <a:srgbClr val="000000"/>
+                </a:solidFill>
+                <a:latin typeface="Tahoma"/>
+                <a:ea typeface="Tahoma"/>
+                <a:cs typeface="Tahoma"/>
+              </a:rPr>
+              <a:t>It is mostly popular because of many things, such as:</a:t>
+            </a:r>
+          </a:p>
+          <a:p>
+            <a:pPr marL="171450" indent="-171450">
+              <a:buFont typeface="Arial"/>
+              <a:buChar char="•"/>
             </a:pPr>
+            <a:r>
+              <a:rPr lang="en-US" dirty="0">
+                <a:solidFill>
+                  <a:srgbClr val="000000"/>
+                </a:solidFill>
+                <a:latin typeface="Tahoma"/>
+                <a:ea typeface="Tahoma"/>
+                <a:cs typeface="Tahoma"/>
+              </a:rPr>
+              <a:t>It is considered as an intelligent code editor, fast and safe refactoring, and smart code.</a:t>
+            </a:r>
+          </a:p>
+          <a:p>
+            <a:pPr marL="171450" indent="-171450">
+              <a:buFont typeface="Arial"/>
+              <a:buChar char="•"/>
+            </a:pPr>
+            <a:r>
+              <a:rPr lang="en-US" dirty="0">
+                <a:solidFill>
+                  <a:srgbClr val="000000"/>
+                </a:solidFill>
+                <a:latin typeface="Tahoma"/>
+                <a:ea typeface="Tahoma"/>
+                <a:cs typeface="Tahoma"/>
+              </a:rPr>
+              <a:t>Features for debugging, profiling, remote development, testing the code, auto code completion, quick fixing, error detection and tools of the database.</a:t>
+            </a:r>
+          </a:p>
+          <a:p>
+            <a:pPr marL="171450" indent="-171450">
+              <a:buFont typeface="Arial"/>
+              <a:buChar char="•"/>
+            </a:pPr>
+            <a:r>
+              <a:rPr lang="en-US" dirty="0">
+                <a:solidFill>
+                  <a:srgbClr val="000000"/>
+                </a:solidFill>
+                <a:latin typeface="Tahoma"/>
+                <a:ea typeface="Tahoma"/>
+                <a:cs typeface="Tahoma"/>
+              </a:rPr>
+              <a:t>Support for Popular web technologies, web frameworks, scientific libraries and version control. </a:t>
+            </a:r>
+          </a:p>
+          <a:p>
             <a:endParaRPr lang="en-US" dirty="0">
-              <a:cs typeface="Calibri"/>
+              <a:solidFill>
+                <a:srgbClr val="000000"/>
+              </a:solidFill>
+              <a:latin typeface="Tahoma"/>
+              <a:ea typeface="Tahoma"/>
+              <a:cs typeface="Tahoma"/>
             </a:endParaRPr>
           </a:p>
         </p:txBody>
@@ -3389,7 +3493,7 @@
             <a:fld id="{C18343ED-3762-4D46-A439-B4D407E13EF8}" type="slidenum">
               <a:rPr lang="en-US" smtClean="0"/>
               <a:pPr/>
-              <a:t>8</a:t>
+              <a:t>7</a:t>
             </a:fld>
             <a:endParaRPr lang="en-US"/>
           </a:p>
@@ -3398,7 +3502,7 @@
     </p:spTree>
     <p:extLst>
       <p:ext uri="{BB962C8B-B14F-4D97-AF65-F5344CB8AC3E}">
-        <p14:creationId xmlns:p14="http://schemas.microsoft.com/office/powerpoint/2010/main" val="662288823"/>
+        <p14:creationId xmlns:p14="http://schemas.microsoft.com/office/powerpoint/2010/main" val="3013686146"/>
       </p:ext>
     </p:extLst>
   </p:cSld>
@@ -3481,7 +3585,7 @@
             <a:fld id="{C18343ED-3762-4D46-A439-B4D407E13EF8}" type="slidenum">
               <a:rPr lang="en-US" smtClean="0"/>
               <a:pPr/>
-              <a:t>9</a:t>
+              <a:t>8</a:t>
             </a:fld>
             <a:endParaRPr lang="en-US"/>
           </a:p>
@@ -3490,7 +3594,7 @@
     </p:spTree>
     <p:extLst>
       <p:ext uri="{BB962C8B-B14F-4D97-AF65-F5344CB8AC3E}">
-        <p14:creationId xmlns:p14="http://schemas.microsoft.com/office/powerpoint/2010/main" val="4084431304"/>
+        <p14:creationId xmlns:p14="http://schemas.microsoft.com/office/powerpoint/2010/main" val="662288823"/>
       </p:ext>
     </p:extLst>
   </p:cSld>
@@ -3573,7 +3677,7 @@
             <a:fld id="{C18343ED-3762-4D46-A439-B4D407E13EF8}" type="slidenum">
               <a:rPr lang="en-US" smtClean="0"/>
               <a:pPr/>
-              <a:t>10</a:t>
+              <a:t>9</a:t>
             </a:fld>
             <a:endParaRPr lang="en-US"/>
           </a:p>
@@ -3582,7 +3686,7 @@
     </p:spTree>
     <p:extLst>
       <p:ext uri="{BB962C8B-B14F-4D97-AF65-F5344CB8AC3E}">
-        <p14:creationId xmlns:p14="http://schemas.microsoft.com/office/powerpoint/2010/main" val="493495092"/>
+        <p14:creationId xmlns:p14="http://schemas.microsoft.com/office/powerpoint/2010/main" val="4084431304"/>
       </p:ext>
     </p:extLst>
   </p:cSld>
@@ -3665,7 +3769,7 @@
             <a:fld id="{C18343ED-3762-4D46-A439-B4D407E13EF8}" type="slidenum">
               <a:rPr lang="en-US" smtClean="0"/>
               <a:pPr/>
-              <a:t>11</a:t>
+              <a:t>10</a:t>
             </a:fld>
             <a:endParaRPr lang="en-US"/>
           </a:p>
@@ -3674,7 +3778,7 @@
     </p:spTree>
     <p:extLst>
       <p:ext uri="{BB962C8B-B14F-4D97-AF65-F5344CB8AC3E}">
-        <p14:creationId xmlns:p14="http://schemas.microsoft.com/office/powerpoint/2010/main" val="857664298"/>
+        <p14:creationId xmlns:p14="http://schemas.microsoft.com/office/powerpoint/2010/main" val="493495092"/>
       </p:ext>
     </p:extLst>
   </p:cSld>
@@ -3757,7 +3861,7 @@
             <a:fld id="{C18343ED-3762-4D46-A439-B4D407E13EF8}" type="slidenum">
               <a:rPr lang="en-US" smtClean="0"/>
               <a:pPr/>
-              <a:t>12</a:t>
+              <a:t>11</a:t>
             </a:fld>
             <a:endParaRPr lang="en-US"/>
           </a:p>
@@ -3766,7 +3870,7 @@
     </p:spTree>
     <p:extLst>
       <p:ext uri="{BB962C8B-B14F-4D97-AF65-F5344CB8AC3E}">
-        <p14:creationId xmlns:p14="http://schemas.microsoft.com/office/powerpoint/2010/main" val="3458740534"/>
+        <p14:creationId xmlns:p14="http://schemas.microsoft.com/office/powerpoint/2010/main" val="857664298"/>
       </p:ext>
     </p:extLst>
   </p:cSld>
@@ -3849,7 +3953,7 @@
             <a:fld id="{C18343ED-3762-4D46-A439-B4D407E13EF8}" type="slidenum">
               <a:rPr lang="en-US" smtClean="0"/>
               <a:pPr/>
-              <a:t>13</a:t>
+              <a:t>12</a:t>
             </a:fld>
             <a:endParaRPr lang="en-US"/>
           </a:p>
@@ -3858,7 +3962,7 @@
     </p:spTree>
     <p:extLst>
       <p:ext uri="{BB962C8B-B14F-4D97-AF65-F5344CB8AC3E}">
-        <p14:creationId xmlns:p14="http://schemas.microsoft.com/office/powerpoint/2010/main" val="458365634"/>
+        <p14:creationId xmlns:p14="http://schemas.microsoft.com/office/powerpoint/2010/main" val="3458740534"/>
       </p:ext>
     </p:extLst>
   </p:cSld>
@@ -4015,7 +4119,7 @@
           <a:p>
             <a:fld id="{A9D9B7D1-305C-49A9-9D59-000E5D30F1FD}" type="datetimeFigureOut">
               <a:rPr lang="he-IL" smtClean="0"/>
-              <a:t>ט"ז/תמוז/תשפ"ג</a:t>
+              <a:t>כ'/תמוז/תשפ"ג</a:t>
             </a:fld>
             <a:endParaRPr lang="he-IL"/>
           </a:p>
@@ -4213,7 +4317,7 @@
           <a:p>
             <a:fld id="{A9D9B7D1-305C-49A9-9D59-000E5D30F1FD}" type="datetimeFigureOut">
               <a:rPr lang="he-IL" smtClean="0"/>
-              <a:t>ט"ז/תמוז/תשפ"ג</a:t>
+              <a:t>כ'/תמוז/תשפ"ג</a:t>
             </a:fld>
             <a:endParaRPr lang="he-IL"/>
           </a:p>
@@ -4421,7 +4525,7 @@
           <a:p>
             <a:fld id="{A9D9B7D1-305C-49A9-9D59-000E5D30F1FD}" type="datetimeFigureOut">
               <a:rPr lang="he-IL" smtClean="0"/>
-              <a:t>ט"ז/תמוז/תשפ"ג</a:t>
+              <a:t>כ'/תמוז/תשפ"ג</a:t>
             </a:fld>
             <a:endParaRPr lang="he-IL"/>
           </a:p>
@@ -4495,298 +4599,6 @@
 </file>
 
 <file path=ppt/slideLayouts/slideLayout12.xml><?xml version="1.0" encoding="utf-8"?>
-<p:sldLayout xmlns:a="http://schemas.openxmlformats.org/drawingml/2006/main" xmlns:r="http://schemas.openxmlformats.org/officeDocument/2006/relationships" xmlns:p="http://schemas.openxmlformats.org/presentationml/2006/main" userDrawn="1">
-  <p:cSld name="1_Title Slide">
-    <p:spTree>
-      <p:nvGrpSpPr>
-        <p:cNvPr id="1" name=""/>
-        <p:cNvGrpSpPr/>
-        <p:nvPr/>
-      </p:nvGrpSpPr>
-      <p:grpSpPr>
-        <a:xfrm>
-          <a:off x="0" y="0"/>
-          <a:ext cx="0" cy="0"/>
-          <a:chOff x="0" y="0"/>
-          <a:chExt cx="0" cy="0"/>
-        </a:xfrm>
-      </p:grpSpPr>
-      <p:sp>
-        <p:nvSpPr>
-          <p:cNvPr id="2" name="Title 1"/>
-          <p:cNvSpPr>
-            <a:spLocks noGrp="1"/>
-          </p:cNvSpPr>
-          <p:nvPr>
-            <p:ph type="ctrTitle"/>
-          </p:nvPr>
-        </p:nvSpPr>
-        <p:spPr>
-          <a:xfrm>
-            <a:off x="774049" y="1340768"/>
-            <a:ext cx="9850763" cy="1085850"/>
-          </a:xfrm>
-        </p:spPr>
-        <p:txBody>
-          <a:bodyPr vert="horz" lIns="0" tIns="45720" rIns="91440" bIns="45720" rtlCol="0" anchor="t" anchorCtr="0">
-            <a:normAutofit/>
-          </a:bodyPr>
-          <a:lstStyle>
-            <a:lvl1pPr>
-              <a:defRPr lang="en-US" sz="3200" dirty="0">
-                <a:ln w="3175">
-                  <a:noFill/>
-                </a:ln>
-              </a:defRPr>
-            </a:lvl1pPr>
-          </a:lstStyle>
-          <a:p>
-            <a:pPr lvl="0"/>
-            <a:r>
-              <a:rPr lang="en-US"/>
-              <a:t>Click to edit Master title style</a:t>
-            </a:r>
-          </a:p>
-        </p:txBody>
-      </p:sp>
-      <p:sp>
-        <p:nvSpPr>
-          <p:cNvPr id="11" name="TextBox 10"/>
-          <p:cNvSpPr txBox="1"/>
-          <p:nvPr userDrawn="1"/>
-        </p:nvSpPr>
-        <p:spPr>
-          <a:xfrm>
-            <a:off x="774050" y="6362070"/>
-            <a:ext cx="10506527" cy="261610"/>
-          </a:xfrm>
-          <a:prstGeom prst="rect">
-            <a:avLst/>
-          </a:prstGeom>
-          <a:noFill/>
-        </p:spPr>
-        <p:txBody>
-          <a:bodyPr wrap="square" lIns="0" rtlCol="0">
-            <a:spAutoFit/>
-          </a:bodyPr>
-          <a:lstStyle/>
-          <a:p>
-            <a:pPr algn="l"/>
-            <a:r>
-              <a:rPr lang="en-US" sz="1100" kern="1200">
-                <a:solidFill>
-                  <a:schemeClr val="tx1">
-                    <a:lumMod val="85000"/>
-                    <a:lumOff val="15000"/>
-                  </a:schemeClr>
-                </a:solidFill>
-                <a:latin typeface="Segoe" panose="020B0502040504020203" pitchFamily="34" charset="0"/>
-                <a:ea typeface="+mn-ea"/>
-                <a:cs typeface="+mn-cs"/>
-              </a:rPr>
-              <a:t>Copyright © SELA Software &amp; Education Labs, Ltd. | 14-18 Baruch Hirsch St., </a:t>
-            </a:r>
-            <a:r>
-              <a:rPr lang="en-US" sz="1100" kern="1200" err="1">
-                <a:solidFill>
-                  <a:schemeClr val="tx1">
-                    <a:lumMod val="85000"/>
-                    <a:lumOff val="15000"/>
-                  </a:schemeClr>
-                </a:solidFill>
-                <a:latin typeface="Segoe" panose="020B0502040504020203" pitchFamily="34" charset="0"/>
-                <a:ea typeface="+mn-ea"/>
-                <a:cs typeface="+mn-cs"/>
-              </a:rPr>
-              <a:t>Bnei</a:t>
-            </a:r>
-            <a:r>
-              <a:rPr lang="en-US" sz="1100" kern="1200">
-                <a:solidFill>
-                  <a:schemeClr val="tx1">
-                    <a:lumMod val="85000"/>
-                    <a:lumOff val="15000"/>
-                  </a:schemeClr>
-                </a:solidFill>
-                <a:latin typeface="Segoe" panose="020B0502040504020203" pitchFamily="34" charset="0"/>
-                <a:ea typeface="+mn-ea"/>
-                <a:cs typeface="+mn-cs"/>
-              </a:rPr>
-              <a:t> </a:t>
-            </a:r>
-            <a:r>
-              <a:rPr lang="en-US" sz="1100" kern="1200" err="1">
-                <a:solidFill>
-                  <a:schemeClr val="tx1">
-                    <a:lumMod val="85000"/>
-                    <a:lumOff val="15000"/>
-                  </a:schemeClr>
-                </a:solidFill>
-                <a:latin typeface="Segoe" panose="020B0502040504020203" pitchFamily="34" charset="0"/>
-                <a:ea typeface="+mn-ea"/>
-                <a:cs typeface="+mn-cs"/>
-              </a:rPr>
-              <a:t>Brak</a:t>
-            </a:r>
-            <a:r>
-              <a:rPr lang="en-US" sz="1100" kern="1200">
-                <a:solidFill>
-                  <a:schemeClr val="tx1">
-                    <a:lumMod val="85000"/>
-                    <a:lumOff val="15000"/>
-                  </a:schemeClr>
-                </a:solidFill>
-                <a:latin typeface="Segoe" panose="020B0502040504020203" pitchFamily="34" charset="0"/>
-                <a:ea typeface="+mn-ea"/>
-                <a:cs typeface="+mn-cs"/>
-              </a:rPr>
-              <a:t> 51202, Israel | www.selagroup.com</a:t>
-            </a:r>
-            <a:endParaRPr lang="en-US" sz="800">
-              <a:solidFill>
-                <a:schemeClr val="tx1">
-                  <a:lumMod val="85000"/>
-                  <a:lumOff val="15000"/>
-                </a:schemeClr>
-              </a:solidFill>
-              <a:latin typeface="Segoe" panose="020B0502040504020203" pitchFamily="34" charset="0"/>
-            </a:endParaRPr>
-          </a:p>
-        </p:txBody>
-      </p:sp>
-      <p:pic>
-        <p:nvPicPr>
-          <p:cNvPr id="13" name="Picture 12"/>
-          <p:cNvPicPr>
-            <a:picLocks noChangeAspect="1"/>
-          </p:cNvPicPr>
-          <p:nvPr userDrawn="1"/>
-        </p:nvPicPr>
-        <p:blipFill>
-          <a:blip r:embed="rId2" cstate="print">
-            <a:extLst>
-              <a:ext uri="{28A0092B-C50C-407E-A947-70E740481C1C}">
-                <a14:useLocalDpi xmlns:a14="http://schemas.microsoft.com/office/drawing/2010/main" val="0"/>
-              </a:ext>
-            </a:extLst>
-          </a:blip>
-          <a:stretch>
-            <a:fillRect/>
-          </a:stretch>
-        </p:blipFill>
-        <p:spPr>
-          <a:xfrm>
-            <a:off x="774050" y="534798"/>
-            <a:ext cx="3509932" cy="483907"/>
-          </a:xfrm>
-          <a:prstGeom prst="rect">
-            <a:avLst/>
-          </a:prstGeom>
-        </p:spPr>
-      </p:pic>
-      <p:sp>
-        <p:nvSpPr>
-          <p:cNvPr id="7" name="Text Placeholder 6"/>
-          <p:cNvSpPr>
-            <a:spLocks noGrp="1"/>
-          </p:cNvSpPr>
-          <p:nvPr>
-            <p:ph type="body" sz="quarter" idx="10"/>
-          </p:nvPr>
-        </p:nvSpPr>
-        <p:spPr>
-          <a:xfrm>
-            <a:off x="774701" y="2427289"/>
-            <a:ext cx="9850967" cy="1362075"/>
-          </a:xfrm>
-          <a:prstGeom prst="rect">
-            <a:avLst/>
-          </a:prstGeom>
-        </p:spPr>
-        <p:txBody>
-          <a:bodyPr/>
-          <a:lstStyle>
-            <a:lvl1pPr marL="0" marR="0" indent="0" algn="l" defTabSz="914400" rtl="0" eaLnBrk="1" fontAlgn="auto" latinLnBrk="0" hangingPunct="1">
-              <a:lnSpc>
-                <a:spcPct val="100000"/>
-              </a:lnSpc>
-              <a:spcBef>
-                <a:spcPct val="20000"/>
-              </a:spcBef>
-              <a:spcAft>
-                <a:spcPts val="0"/>
-              </a:spcAft>
-              <a:buClrTx/>
-              <a:buSzTx/>
-              <a:buFontTx/>
-              <a:buNone/>
-              <a:tabLst/>
-              <a:defRPr>
-                <a:solidFill>
-                  <a:srgbClr val="E89636"/>
-                </a:solidFill>
-              </a:defRPr>
-            </a:lvl1pPr>
-            <a:lvl2pPr marL="457200" indent="0" algn="l" rtl="0">
-              <a:buFontTx/>
-              <a:buNone/>
-              <a:defRPr/>
-            </a:lvl2pPr>
-            <a:lvl3pPr marL="914400" indent="0" algn="l" rtl="0">
-              <a:buFontTx/>
-              <a:buNone/>
-              <a:defRPr/>
-            </a:lvl3pPr>
-            <a:lvl4pPr marL="1371600" indent="0" algn="l" rtl="0">
-              <a:buFontTx/>
-              <a:buNone/>
-              <a:defRPr/>
-            </a:lvl4pPr>
-            <a:lvl5pPr marL="1828800" indent="0" algn="l" rtl="0">
-              <a:buFontTx/>
-              <a:buNone/>
-              <a:defRPr/>
-            </a:lvl5pPr>
-          </a:lstStyle>
-          <a:p>
-            <a:pPr lvl="0"/>
-            <a:r>
-              <a:rPr lang="en-US"/>
-              <a:t>Click to edit Master text styles</a:t>
-            </a:r>
-          </a:p>
-        </p:txBody>
-      </p:sp>
-    </p:spTree>
-    <p:extLst>
-      <p:ext uri="{BB962C8B-B14F-4D97-AF65-F5344CB8AC3E}">
-        <p14:creationId xmlns:p14="http://schemas.microsoft.com/office/powerpoint/2010/main" val="3322971905"/>
-      </p:ext>
-    </p:extLst>
-  </p:cSld>
-  <p:clrMapOvr>
-    <a:masterClrMapping/>
-  </p:clrMapOvr>
-  <p:extLst>
-    <p:ext uri="{DCECCB84-F9BA-43D5-87BE-67443E8EF086}">
-      <p15:sldGuideLst xmlns:p15="http://schemas.microsoft.com/office/powerpoint/2012/main">
-        <p15:guide id="1" orient="horz" pos="789">
-          <p15:clr>
-            <a:srgbClr val="FBAE40"/>
-          </p15:clr>
-        </p15:guide>
-        <p15:guide id="2" pos="612">
-          <p15:clr>
-            <a:srgbClr val="FBAE40"/>
-          </p15:clr>
-        </p15:guide>
-      </p15:sldGuideLst>
-    </p:ext>
-  </p:extLst>
-</p:sldLayout>
-</file>
-
-<file path=ppt/slideLayouts/slideLayout13.xml><?xml version="1.0" encoding="utf-8"?>
 <p:sldLayout xmlns:a="http://schemas.openxmlformats.org/drawingml/2006/main" xmlns:r="http://schemas.openxmlformats.org/officeDocument/2006/relationships" xmlns:p="http://schemas.openxmlformats.org/presentationml/2006/main" userDrawn="1">
   <p:cSld name="ModuleAgenda">
     <p:spTree>
@@ -4913,7 +4725,7 @@
 </p:sldLayout>
 </file>
 
-<file path=ppt/slideLayouts/slideLayout14.xml><?xml version="1.0" encoding="utf-8"?>
+<file path=ppt/slideLayouts/slideLayout13.xml><?xml version="1.0" encoding="utf-8"?>
 <p:sldLayout xmlns:a="http://schemas.openxmlformats.org/drawingml/2006/main" xmlns:r="http://schemas.openxmlformats.org/officeDocument/2006/relationships" xmlns:p="http://schemas.openxmlformats.org/presentationml/2006/main" userDrawn="1">
   <p:cSld name="Demo Page">
     <p:spTree>
@@ -5430,7 +5242,7 @@
 </p:sldLayout>
 </file>
 
-<file path=ppt/slideLayouts/slideLayout15.xml><?xml version="1.0" encoding="utf-8"?>
+<file path=ppt/slideLayouts/slideLayout14.xml><?xml version="1.0" encoding="utf-8"?>
 <p:sldLayout xmlns:a="http://schemas.openxmlformats.org/drawingml/2006/main" xmlns:r="http://schemas.openxmlformats.org/officeDocument/2006/relationships" xmlns:p="http://schemas.openxmlformats.org/presentationml/2006/main" userDrawn="1">
   <p:cSld name="Lab">
     <p:spTree>
@@ -5947,7 +5759,7 @@
 </p:sldLayout>
 </file>
 
-<file path=ppt/slideLayouts/slideLayout16.xml><?xml version="1.0" encoding="utf-8"?>
+<file path=ppt/slideLayouts/slideLayout15.xml><?xml version="1.0" encoding="utf-8"?>
 <p:sldLayout xmlns:a="http://schemas.openxmlformats.org/drawingml/2006/main" xmlns:r="http://schemas.openxmlformats.org/officeDocument/2006/relationships" xmlns:p="http://schemas.openxmlformats.org/presentationml/2006/main" userDrawn="1">
   <p:cSld name="Questions">
     <p:spTree>
@@ -6428,7 +6240,7 @@
 </p:sldLayout>
 </file>
 
-<file path=ppt/slideLayouts/slideLayout17.xml><?xml version="1.0" encoding="utf-8"?>
+<file path=ppt/slideLayouts/slideLayout16.xml><?xml version="1.0" encoding="utf-8"?>
 <p:sldLayout xmlns:a="http://schemas.openxmlformats.org/drawingml/2006/main" xmlns:r="http://schemas.openxmlformats.org/officeDocument/2006/relationships" xmlns:p="http://schemas.openxmlformats.org/presentationml/2006/main" userDrawn="1">
   <p:cSld name="2_Title Slide">
     <p:spTree>
@@ -6720,6 +6532,63 @@
 </p:sldLayout>
 </file>
 
+<file path=ppt/slideLayouts/slideLayout17.xml><?xml version="1.0" encoding="utf-8"?>
+<p:sldLayout xmlns:a="http://schemas.openxmlformats.org/drawingml/2006/main" xmlns:r="http://schemas.openxmlformats.org/officeDocument/2006/relationships" xmlns:p="http://schemas.openxmlformats.org/presentationml/2006/main" matchingName="6_Title Slide">
+  <p:cSld name="6_Title Slide">
+    <p:spTree>
+      <p:nvGrpSpPr>
+        <p:cNvPr id="1" name="Shape 16"/>
+        <p:cNvGrpSpPr/>
+        <p:nvPr/>
+      </p:nvGrpSpPr>
+      <p:grpSpPr>
+        <a:xfrm>
+          <a:off x="0" y="0"/>
+          <a:ext cx="0" cy="0"/>
+          <a:chOff x="0" y="0"/>
+          <a:chExt cx="0" cy="0"/>
+        </a:xfrm>
+      </p:grpSpPr>
+      <p:pic>
+        <p:nvPicPr>
+          <p:cNvPr id="17" name="Google Shape;17;p10"/>
+          <p:cNvPicPr preferRelativeResize="0"/>
+          <p:nvPr/>
+        </p:nvPicPr>
+        <p:blipFill rotWithShape="1">
+          <a:blip r:embed="rId2">
+            <a:alphaModFix/>
+          </a:blip>
+          <a:srcRect/>
+          <a:stretch/>
+        </p:blipFill>
+        <p:spPr>
+          <a:xfrm>
+            <a:off x="10668000" y="5981612"/>
+            <a:ext cx="1246029" cy="511263"/>
+          </a:xfrm>
+          <a:prstGeom prst="rect">
+            <a:avLst/>
+          </a:prstGeom>
+          <a:noFill/>
+          <a:ln>
+            <a:noFill/>
+          </a:ln>
+        </p:spPr>
+      </p:pic>
+    </p:spTree>
+    <p:extLst>
+      <p:ext uri="{BB962C8B-B14F-4D97-AF65-F5344CB8AC3E}">
+        <p14:creationId xmlns:p14="http://schemas.microsoft.com/office/powerpoint/2010/main" val="884821480"/>
+      </p:ext>
+    </p:extLst>
+  </p:cSld>
+  <p:clrMapOvr>
+    <a:masterClrMapping/>
+  </p:clrMapOvr>
+</p:sldLayout>
+</file>
+
 <file path=ppt/slideLayouts/slideLayout2.xml><?xml version="1.0" encoding="utf-8"?>
 <p:sldLayout xmlns:a="http://schemas.openxmlformats.org/drawingml/2006/main" xmlns:r="http://schemas.openxmlformats.org/officeDocument/2006/relationships" xmlns:p="http://schemas.openxmlformats.org/presentationml/2006/main" type="obj" preserve="1">
   <p:cSld name="Title and Content">
@@ -6845,7 +6714,7 @@
           <a:p>
             <a:fld id="{A9D9B7D1-305C-49A9-9D59-000E5D30F1FD}" type="datetimeFigureOut">
               <a:rPr lang="he-IL" smtClean="0"/>
-              <a:t>ט"ז/תמוז/תשפ"ג</a:t>
+              <a:t>כ'/תמוז/תשפ"ג</a:t>
             </a:fld>
             <a:endParaRPr lang="he-IL"/>
           </a:p>
@@ -7120,7 +6989,7 @@
           <a:p>
             <a:fld id="{A9D9B7D1-305C-49A9-9D59-000E5D30F1FD}" type="datetimeFigureOut">
               <a:rPr lang="he-IL" smtClean="0"/>
-              <a:t>ט"ז/תמוז/תשפ"ג</a:t>
+              <a:t>כ'/תמוז/תשפ"ג</a:t>
             </a:fld>
             <a:endParaRPr lang="he-IL"/>
           </a:p>
@@ -7385,7 +7254,7 @@
           <a:p>
             <a:fld id="{A9D9B7D1-305C-49A9-9D59-000E5D30F1FD}" type="datetimeFigureOut">
               <a:rPr lang="he-IL" smtClean="0"/>
-              <a:t>ט"ז/תמוז/תשפ"ג</a:t>
+              <a:t>כ'/תמוז/תשפ"ג</a:t>
             </a:fld>
             <a:endParaRPr lang="he-IL"/>
           </a:p>
@@ -7797,7 +7666,7 @@
           <a:p>
             <a:fld id="{A9D9B7D1-305C-49A9-9D59-000E5D30F1FD}" type="datetimeFigureOut">
               <a:rPr lang="he-IL" smtClean="0"/>
-              <a:t>ט"ז/תמוז/תשפ"ג</a:t>
+              <a:t>כ'/תמוז/תשפ"ג</a:t>
             </a:fld>
             <a:endParaRPr lang="he-IL"/>
           </a:p>
@@ -7938,7 +7807,7 @@
           <a:p>
             <a:fld id="{A9D9B7D1-305C-49A9-9D59-000E5D30F1FD}" type="datetimeFigureOut">
               <a:rPr lang="he-IL" smtClean="0"/>
-              <a:t>ט"ז/תמוז/תשפ"ג</a:t>
+              <a:t>כ'/תמוז/תשפ"ג</a:t>
             </a:fld>
             <a:endParaRPr lang="he-IL"/>
           </a:p>
@@ -8051,7 +7920,7 @@
           <a:p>
             <a:fld id="{A9D9B7D1-305C-49A9-9D59-000E5D30F1FD}" type="datetimeFigureOut">
               <a:rPr lang="he-IL" smtClean="0"/>
-              <a:t>ט"ז/תמוז/תשפ"ג</a:t>
+              <a:t>כ'/תמוז/תשפ"ג</a:t>
             </a:fld>
             <a:endParaRPr lang="he-IL"/>
           </a:p>
@@ -8362,7 +8231,7 @@
           <a:p>
             <a:fld id="{A9D9B7D1-305C-49A9-9D59-000E5D30F1FD}" type="datetimeFigureOut">
               <a:rPr lang="he-IL" smtClean="0"/>
-              <a:t>ט"ז/תמוז/תשפ"ג</a:t>
+              <a:t>כ'/תמוז/תשפ"ג</a:t>
             </a:fld>
             <a:endParaRPr lang="he-IL"/>
           </a:p>
@@ -8650,7 +8519,7 @@
           <a:p>
             <a:fld id="{A9D9B7D1-305C-49A9-9D59-000E5D30F1FD}" type="datetimeFigureOut">
               <a:rPr lang="he-IL" smtClean="0"/>
-              <a:t>ט"ז/תמוז/תשפ"ג</a:t>
+              <a:t>כ'/תמוז/תשפ"ג</a:t>
             </a:fld>
             <a:endParaRPr lang="he-IL"/>
           </a:p>
@@ -8891,7 +8760,7 @@
           <a:p>
             <a:fld id="{A9D9B7D1-305C-49A9-9D59-000E5D30F1FD}" type="datetimeFigureOut">
               <a:rPr lang="he-IL" smtClean="0"/>
-              <a:t>ט"ז/תמוז/תשפ"ג</a:t>
+              <a:t>כ'/תמוז/תשפ"ג</a:t>
             </a:fld>
             <a:endParaRPr lang="he-IL"/>
           </a:p>
@@ -9007,12 +8876,12 @@
     <p:sldLayoutId id="2147483726" r:id="rId9"/>
     <p:sldLayoutId id="2147483727" r:id="rId10"/>
     <p:sldLayoutId id="2147483728" r:id="rId11"/>
-    <p:sldLayoutId id="2147483729" r:id="rId12"/>
-    <p:sldLayoutId id="2147483730" r:id="rId13"/>
-    <p:sldLayoutId id="2147483732" r:id="rId14"/>
-    <p:sldLayoutId id="2147483734" r:id="rId15"/>
-    <p:sldLayoutId id="2147483736" r:id="rId16"/>
-    <p:sldLayoutId id="2147483662" r:id="rId17"/>
+    <p:sldLayoutId id="2147483730" r:id="rId12"/>
+    <p:sldLayoutId id="2147483732" r:id="rId13"/>
+    <p:sldLayoutId id="2147483734" r:id="rId14"/>
+    <p:sldLayoutId id="2147483736" r:id="rId15"/>
+    <p:sldLayoutId id="2147483662" r:id="rId16"/>
+    <p:sldLayoutId id="2147483737" r:id="rId17"/>
   </p:sldLayoutIdLst>
   <p:txStyles>
     <p:titleStyle>
@@ -9302,7 +9171,7 @@
   <p:cSld>
     <p:spTree>
       <p:nvGrpSpPr>
-        <p:cNvPr id="1" name=""/>
+        <p:cNvPr id="1" name="Shape 161"/>
         <p:cNvGrpSpPr/>
         <p:nvPr/>
       </p:nvGrpSpPr>
@@ -9316,87 +9185,502 @@
       </p:grpSpPr>
       <p:sp>
         <p:nvSpPr>
-          <p:cNvPr id="2" name="Title 1"/>
-          <p:cNvSpPr>
-            <a:spLocks noGrp="1"/>
-          </p:cNvSpPr>
-          <p:nvPr>
-            <p:ph type="ctrTitle"/>
-          </p:nvPr>
+          <p:cNvPr id="162" name="Google Shape;162;p3"/>
+          <p:cNvSpPr/>
+          <p:nvPr/>
         </p:nvSpPr>
         <p:spPr>
           <a:xfrm>
-            <a:off x="2135560" y="1700808"/>
-            <a:ext cx="7388072" cy="1085850"/>
+            <a:off x="753215" y="731221"/>
+            <a:ext cx="1852408" cy="1804715"/>
           </a:xfrm>
+          <a:prstGeom prst="rect">
+            <a:avLst/>
+          </a:prstGeom>
+          <a:noFill/>
+          <a:ln w="114300" cap="flat" cmpd="sng">
+            <a:solidFill>
+              <a:srgbClr val="0071F6"/>
+            </a:solidFill>
+            <a:prstDash val="solid"/>
+            <a:miter lim="800000"/>
+            <a:headEnd type="none" w="sm" len="sm"/>
+            <a:tailEnd type="none" w="sm" len="sm"/>
+          </a:ln>
         </p:spPr>
         <p:txBody>
-          <a:bodyPr/>
+          <a:bodyPr spcFirstLastPara="1" wrap="square" lIns="91425" tIns="45700" rIns="91425" bIns="45700" anchor="ctr" anchorCtr="0">
+            <a:noAutofit/>
+          </a:bodyPr>
           <a:lstStyle/>
           <a:p>
-            <a:r>
-              <a:rPr lang="en-US" dirty="0"/>
-              <a:t>Module 04: Functions and modules</a:t>
-            </a:r>
-            <a:endParaRPr lang="he-IL" dirty="0"/>
+            <a:pPr marL="0" marR="0" lvl="0" indent="0" algn="ctr" rtl="0">
+              <a:spcBef>
+                <a:spcPts val="0"/>
+              </a:spcBef>
+              <a:spcAft>
+                <a:spcPts val="0"/>
+              </a:spcAft>
+              <a:buNone/>
+            </a:pPr>
+            <a:endParaRPr sz="10000" b="0" i="0" u="none" strike="noStrike" cap="none">
+              <a:solidFill>
+                <a:schemeClr val="lt1"/>
+              </a:solidFill>
+              <a:latin typeface="Calibri"/>
+              <a:ea typeface="Calibri"/>
+              <a:cs typeface="Calibri"/>
+              <a:sym typeface="Calibri"/>
+            </a:endParaRPr>
           </a:p>
         </p:txBody>
       </p:sp>
       <p:sp>
         <p:nvSpPr>
-          <p:cNvPr id="3" name="TextBox 2">
-            <a:extLst>
-              <a:ext uri="{FF2B5EF4-FFF2-40B4-BE49-F238E27FC236}">
-                <a16:creationId xmlns:a16="http://schemas.microsoft.com/office/drawing/2014/main" id="{14FB7C35-71DA-4678-A4BC-B36886A75DA8}"/>
-              </a:ext>
-            </a:extLst>
-          </p:cNvPr>
+          <p:cNvPr id="163" name="Google Shape;163;p3"/>
+          <p:cNvSpPr/>
+          <p:nvPr/>
+        </p:nvSpPr>
+        <p:spPr>
+          <a:xfrm>
+            <a:off x="1024128" y="974550"/>
+            <a:ext cx="1938528" cy="1220010"/>
+          </a:xfrm>
+          <a:prstGeom prst="rect">
+            <a:avLst/>
+          </a:prstGeom>
+          <a:solidFill>
+            <a:schemeClr val="lt1"/>
+          </a:solidFill>
+          <a:ln>
+            <a:noFill/>
+          </a:ln>
+        </p:spPr>
+        <p:txBody>
+          <a:bodyPr spcFirstLastPara="1" wrap="square" lIns="91425" tIns="45700" rIns="91425" bIns="45700" anchor="ctr" anchorCtr="0">
+            <a:noAutofit/>
+          </a:bodyPr>
+          <a:lstStyle/>
+          <a:p>
+            <a:pPr marL="0" marR="0" lvl="0" indent="0" algn="ctr" rtl="0">
+              <a:spcBef>
+                <a:spcPts val="0"/>
+              </a:spcBef>
+              <a:spcAft>
+                <a:spcPts val="0"/>
+              </a:spcAft>
+              <a:buNone/>
+            </a:pPr>
+            <a:endParaRPr sz="1800" b="0" i="0" u="none" strike="noStrike" cap="none">
+              <a:solidFill>
+                <a:schemeClr val="lt1"/>
+              </a:solidFill>
+              <a:latin typeface="Calibri"/>
+              <a:ea typeface="Calibri"/>
+              <a:cs typeface="Calibri"/>
+              <a:sym typeface="Calibri"/>
+            </a:endParaRPr>
+          </a:p>
+        </p:txBody>
+      </p:sp>
+      <p:sp>
+        <p:nvSpPr>
+          <p:cNvPr id="164" name="Google Shape;164;p3"/>
           <p:cNvSpPr txBox="1"/>
           <p:nvPr/>
         </p:nvSpPr>
         <p:spPr>
           <a:xfrm>
-            <a:off x="4724400" y="3200400"/>
-            <a:ext cx="2743200" cy="369332"/>
+            <a:off x="1419080" y="1285084"/>
+            <a:ext cx="10361222" cy="696987"/>
           </a:xfrm>
           <a:prstGeom prst="rect">
             <a:avLst/>
           </a:prstGeom>
           <a:noFill/>
+          <a:ln>
+            <a:noFill/>
+          </a:ln>
         </p:spPr>
         <p:txBody>
-          <a:bodyPr rot="0" spcFirstLastPara="0" vertOverflow="overflow" horzOverflow="overflow" vert="horz" wrap="square" lIns="91440" tIns="45720" rIns="91440" bIns="45720" numCol="1" spcCol="0" rtlCol="0" fromWordArt="0" anchor="t" anchorCtr="0" forceAA="0" compatLnSpc="1">
-            <a:prstTxWarp prst="textNoShape">
-              <a:avLst/>
-            </a:prstTxWarp>
-            <a:spAutoFit/>
+          <a:bodyPr spcFirstLastPara="1" wrap="square" lIns="0" tIns="0" rIns="0" bIns="0" anchor="t" anchorCtr="0">
+            <a:noAutofit/>
           </a:bodyPr>
           <a:lstStyle/>
           <a:p>
-            <a:pPr algn="l"/>
-            <a:r>
-              <a:rPr lang="en-US"/>
-              <a:t>Click to add text</a:t>
-            </a:r>
+            <a:pPr marL="0" marR="0" lvl="0" indent="0" algn="l" rtl="0">
+              <a:lnSpc>
+                <a:spcPct val="90000"/>
+              </a:lnSpc>
+              <a:spcBef>
+                <a:spcPts val="0"/>
+              </a:spcBef>
+              <a:spcAft>
+                <a:spcPts val="0"/>
+              </a:spcAft>
+              <a:buClr>
+                <a:schemeClr val="dk1"/>
+              </a:buClr>
+              <a:buSzPts val="5000"/>
+              <a:buFont typeface="Lexend"/>
+              <a:buNone/>
+            </a:pPr>
+            <a:r>
+              <a:rPr lang="en-US" sz="5400" b="1" dirty="0">
+                <a:latin typeface="Lexend" panose="020B0604020202020204"/>
+                <a:cs typeface="Levenim MT" panose="02010502060101010101" pitchFamily="2" charset="-79"/>
+              </a:rPr>
+              <a:t>Module 04- Functions and modules</a:t>
+            </a:r>
+            <a:endParaRPr lang="en-US" sz="2000" b="1" i="0" u="none" strike="noStrike" cap="none" dirty="0">
+              <a:solidFill>
+                <a:schemeClr val="tx2">
+                  <a:lumMod val="25000"/>
+                </a:schemeClr>
+              </a:solidFill>
+              <a:latin typeface="Lexend" panose="020B0604020202020204"/>
+              <a:ea typeface="Lexend" panose="020B0604020202020204"/>
+              <a:cs typeface="Levenim MT" panose="02010502060101010101" pitchFamily="2" charset="-79"/>
+              <a:sym typeface="Lexend"/>
+            </a:endParaRPr>
           </a:p>
         </p:txBody>
       </p:sp>
+      <p:grpSp>
+        <p:nvGrpSpPr>
+          <p:cNvPr id="26" name="Group 25">
+            <a:extLst>
+              <a:ext uri="{FF2B5EF4-FFF2-40B4-BE49-F238E27FC236}">
+                <a16:creationId xmlns:a16="http://schemas.microsoft.com/office/drawing/2014/main" id="{3707614E-B472-D72F-3362-F3D5800A79AE}"/>
+              </a:ext>
+            </a:extLst>
+          </p:cNvPr>
+          <p:cNvGrpSpPr/>
+          <p:nvPr/>
+        </p:nvGrpSpPr>
+        <p:grpSpPr>
+          <a:xfrm>
+            <a:off x="4768981" y="6314787"/>
+            <a:ext cx="2898939" cy="435065"/>
+            <a:chOff x="4346126" y="6301065"/>
+            <a:chExt cx="2898939" cy="435065"/>
+          </a:xfrm>
+        </p:grpSpPr>
+        <p:sp>
+          <p:nvSpPr>
+            <p:cNvPr id="27" name="Google Shape;157;p2">
+              <a:extLst>
+                <a:ext uri="{FF2B5EF4-FFF2-40B4-BE49-F238E27FC236}">
+                  <a16:creationId xmlns:a16="http://schemas.microsoft.com/office/drawing/2014/main" id="{4EA5EBB7-68D9-5C27-8971-C58931043AB0}"/>
+                </a:ext>
+              </a:extLst>
+            </p:cNvPr>
+            <p:cNvSpPr txBox="1"/>
+            <p:nvPr/>
+          </p:nvSpPr>
+          <p:spPr>
+            <a:xfrm>
+              <a:off x="4346126" y="6301065"/>
+              <a:ext cx="2898939" cy="260080"/>
+            </a:xfrm>
+            <a:prstGeom prst="rect">
+              <a:avLst/>
+            </a:prstGeom>
+            <a:noFill/>
+            <a:ln>
+              <a:noFill/>
+            </a:ln>
+          </p:spPr>
+          <p:txBody>
+            <a:bodyPr spcFirstLastPara="1" wrap="square" lIns="91425" tIns="45700" rIns="91425" bIns="45700" anchor="t" anchorCtr="0">
+              <a:noAutofit/>
+            </a:bodyPr>
+            <a:lstStyle/>
+            <a:p>
+              <a:pPr marL="0" marR="0" lvl="0" indent="0" algn="ctr" rtl="0">
+                <a:lnSpc>
+                  <a:spcPct val="90000"/>
+                </a:lnSpc>
+                <a:spcBef>
+                  <a:spcPts val="0"/>
+                </a:spcBef>
+                <a:spcAft>
+                  <a:spcPts val="0"/>
+                </a:spcAft>
+                <a:buClr>
+                  <a:schemeClr val="lt1"/>
+                </a:buClr>
+                <a:buSzPts val="4000"/>
+                <a:buFont typeface="Lexend"/>
+                <a:buNone/>
+              </a:pPr>
+              <a:r>
+                <a:rPr lang="en-US" sz="1100" b="1" i="0" u="none" strike="noStrike" cap="none" dirty="0">
+                  <a:solidFill>
+                    <a:srgbClr val="00DBE9"/>
+                  </a:solidFill>
+                  <a:latin typeface="+mn-lt"/>
+                  <a:ea typeface="Lexend"/>
+                  <a:cs typeface="+mn-cs"/>
+                  <a:sym typeface="Lexend"/>
+                  <a:hlinkClick r:id="rId3">
+                    <a:extLst>
+                      <a:ext uri="{A12FA001-AC4F-418D-AE19-62706E023703}">
+                        <ahyp:hlinkClr xmlns:ahyp="http://schemas.microsoft.com/office/drawing/2018/hyperlinkcolor" val="tx"/>
+                      </a:ext>
+                    </a:extLst>
+                  </a:hlinkClick>
+                </a:rPr>
+                <a:t>WWW.SELACLOUD.COM</a:t>
+              </a:r>
+              <a:endParaRPr sz="1100" dirty="0">
+                <a:solidFill>
+                  <a:srgbClr val="00DBE9"/>
+                </a:solidFill>
+                <a:latin typeface="+mn-lt"/>
+                <a:cs typeface="+mn-cs"/>
+              </a:endParaRPr>
+            </a:p>
+            <a:p>
+              <a:pPr marL="0" marR="0" lvl="0" indent="0" algn="ctr" rtl="0">
+                <a:lnSpc>
+                  <a:spcPct val="90000"/>
+                </a:lnSpc>
+                <a:spcBef>
+                  <a:spcPts val="0"/>
+                </a:spcBef>
+                <a:spcAft>
+                  <a:spcPts val="0"/>
+                </a:spcAft>
+                <a:buClr>
+                  <a:schemeClr val="lt1"/>
+                </a:buClr>
+                <a:buSzPts val="4000"/>
+                <a:buFont typeface="Noto Sans Hebrew"/>
+                <a:buNone/>
+              </a:pPr>
+              <a:endParaRPr sz="1100" b="1" i="0" u="none" strike="noStrike" cap="none" dirty="0">
+                <a:solidFill>
+                  <a:srgbClr val="00DBE9"/>
+                </a:solidFill>
+                <a:latin typeface="Lexend Light" pitchFamily="2" charset="0"/>
+                <a:ea typeface="Lexend"/>
+                <a:cs typeface="Lexend"/>
+                <a:sym typeface="Lexend"/>
+              </a:endParaRPr>
+            </a:p>
+          </p:txBody>
+        </p:sp>
+        <p:grpSp>
+          <p:nvGrpSpPr>
+            <p:cNvPr id="28" name="Group 27">
+              <a:extLst>
+                <a:ext uri="{FF2B5EF4-FFF2-40B4-BE49-F238E27FC236}">
+                  <a16:creationId xmlns:a16="http://schemas.microsoft.com/office/drawing/2014/main" id="{60FDA890-33F8-40FC-59E2-9BD7B4CF4B60}"/>
+                </a:ext>
+              </a:extLst>
+            </p:cNvPr>
+            <p:cNvGrpSpPr/>
+            <p:nvPr/>
+          </p:nvGrpSpPr>
+          <p:grpSpPr>
+            <a:xfrm>
+              <a:off x="5196988" y="6503312"/>
+              <a:ext cx="1188416" cy="232818"/>
+              <a:chOff x="5196988" y="6503312"/>
+              <a:chExt cx="1188416" cy="232818"/>
+            </a:xfrm>
+          </p:grpSpPr>
+          <p:pic>
+            <p:nvPicPr>
+              <p:cNvPr id="29" name="Picture 28" descr="Icon&#10;&#10;Description automatically generated">
+                <a:hlinkClick r:id="rId4"/>
+                <a:extLst>
+                  <a:ext uri="{FF2B5EF4-FFF2-40B4-BE49-F238E27FC236}">
+                    <a16:creationId xmlns:a16="http://schemas.microsoft.com/office/drawing/2014/main" id="{64501E28-0CD7-BEAB-240F-3FE7691367B8}"/>
+                  </a:ext>
+                </a:extLst>
+              </p:cNvPr>
+              <p:cNvPicPr>
+                <a:picLocks noChangeAspect="1"/>
+              </p:cNvPicPr>
+              <p:nvPr/>
+            </p:nvPicPr>
+            <p:blipFill>
+              <a:blip r:embed="rId5"/>
+              <a:stretch>
+                <a:fillRect/>
+              </a:stretch>
+            </p:blipFill>
+            <p:spPr>
+              <a:xfrm>
+                <a:off x="5407162" y="6503312"/>
+                <a:ext cx="338919" cy="232817"/>
+              </a:xfrm>
+              <a:prstGeom prst="rect">
+                <a:avLst/>
+              </a:prstGeom>
+            </p:spPr>
+          </p:pic>
+          <p:pic>
+            <p:nvPicPr>
+              <p:cNvPr id="30" name="Picture 29" descr="Logo, icon&#10;&#10;Description automatically generated">
+                <a:hlinkClick r:id="rId6"/>
+                <a:extLst>
+                  <a:ext uri="{FF2B5EF4-FFF2-40B4-BE49-F238E27FC236}">
+                    <a16:creationId xmlns:a16="http://schemas.microsoft.com/office/drawing/2014/main" id="{4D899894-16A2-81DC-1AC3-0E3C481677CD}"/>
+                  </a:ext>
+                </a:extLst>
+              </p:cNvPr>
+              <p:cNvPicPr>
+                <a:picLocks noChangeAspect="1"/>
+              </p:cNvPicPr>
+              <p:nvPr/>
+            </p:nvPicPr>
+            <p:blipFill>
+              <a:blip r:embed="rId7"/>
+              <a:stretch>
+                <a:fillRect/>
+              </a:stretch>
+            </p:blipFill>
+            <p:spPr>
+              <a:xfrm>
+                <a:off x="5837917" y="6503313"/>
+                <a:ext cx="338919" cy="232817"/>
+              </a:xfrm>
+              <a:prstGeom prst="rect">
+                <a:avLst/>
+              </a:prstGeom>
+            </p:spPr>
+          </p:pic>
+          <p:pic>
+            <p:nvPicPr>
+              <p:cNvPr id="31" name="Picture 30" descr="Logo&#10;&#10;Description automatically generated">
+                <a:hlinkClick r:id="rId8"/>
+                <a:extLst>
+                  <a:ext uri="{FF2B5EF4-FFF2-40B4-BE49-F238E27FC236}">
+                    <a16:creationId xmlns:a16="http://schemas.microsoft.com/office/drawing/2014/main" id="{6DECAAD2-14ED-D62E-83E5-01D62FD73E58}"/>
+                  </a:ext>
+                </a:extLst>
+              </p:cNvPr>
+              <p:cNvPicPr>
+                <a:picLocks noChangeAspect="1"/>
+              </p:cNvPicPr>
+              <p:nvPr/>
+            </p:nvPicPr>
+            <p:blipFill>
+              <a:blip r:embed="rId9"/>
+              <a:stretch>
+                <a:fillRect/>
+              </a:stretch>
+            </p:blipFill>
+            <p:spPr>
+              <a:xfrm>
+                <a:off x="6046485" y="6503313"/>
+                <a:ext cx="338919" cy="232817"/>
+              </a:xfrm>
+              <a:prstGeom prst="rect">
+                <a:avLst/>
+              </a:prstGeom>
+            </p:spPr>
+          </p:pic>
+          <p:pic>
+            <p:nvPicPr>
+              <p:cNvPr id="32" name="Picture 31" descr="Icon&#10;&#10;Description automatically generated">
+                <a:hlinkClick r:id="rId10"/>
+                <a:extLst>
+                  <a:ext uri="{FF2B5EF4-FFF2-40B4-BE49-F238E27FC236}">
+                    <a16:creationId xmlns:a16="http://schemas.microsoft.com/office/drawing/2014/main" id="{DC102836-817A-8573-C7AB-C2724E6E5F1C}"/>
+                  </a:ext>
+                </a:extLst>
+              </p:cNvPr>
+              <p:cNvPicPr>
+                <a:picLocks noChangeAspect="1"/>
+              </p:cNvPicPr>
+              <p:nvPr/>
+            </p:nvPicPr>
+            <p:blipFill>
+              <a:blip r:embed="rId11"/>
+              <a:stretch>
+                <a:fillRect/>
+              </a:stretch>
+            </p:blipFill>
+            <p:spPr>
+              <a:xfrm>
+                <a:off x="5196988" y="6503312"/>
+                <a:ext cx="338919" cy="232817"/>
+              </a:xfrm>
+              <a:prstGeom prst="rect">
+                <a:avLst/>
+              </a:prstGeom>
+            </p:spPr>
+          </p:pic>
+          <p:pic>
+            <p:nvPicPr>
+              <p:cNvPr id="33" name="Picture 32" descr="Icon&#10;&#10;Description automatically generated">
+                <a:hlinkClick r:id="rId12"/>
+                <a:extLst>
+                  <a:ext uri="{FF2B5EF4-FFF2-40B4-BE49-F238E27FC236}">
+                    <a16:creationId xmlns:a16="http://schemas.microsoft.com/office/drawing/2014/main" id="{F46B6109-4740-9E76-5C84-B96F79785CAF}"/>
+                  </a:ext>
+                </a:extLst>
+              </p:cNvPr>
+              <p:cNvPicPr>
+                <a:picLocks noChangeAspect="1"/>
+              </p:cNvPicPr>
+              <p:nvPr/>
+            </p:nvPicPr>
+            <p:blipFill>
+              <a:blip r:embed="rId13"/>
+              <a:stretch>
+                <a:fillRect/>
+              </a:stretch>
+            </p:blipFill>
+            <p:spPr>
+              <a:xfrm>
+                <a:off x="5626137" y="6503312"/>
+                <a:ext cx="338919" cy="232817"/>
+              </a:xfrm>
+              <a:prstGeom prst="rect">
+                <a:avLst/>
+              </a:prstGeom>
+            </p:spPr>
+          </p:pic>
+        </p:grpSp>
+      </p:grpSp>
     </p:spTree>
-    <p:extLst>
-      <p:ext uri="{BB962C8B-B14F-4D97-AF65-F5344CB8AC3E}">
-        <p14:creationId xmlns:p14="http://schemas.microsoft.com/office/powerpoint/2010/main" val="1629193451"/>
-      </p:ext>
-    </p:extLst>
   </p:cSld>
   <p:clrMapOvr>
     <a:masterClrMapping/>
   </p:clrMapOvr>
+  <mc:AlternateContent xmlns:mc="http://schemas.openxmlformats.org/markup-compatibility/2006" xmlns:p14="http://schemas.microsoft.com/office/powerpoint/2010/main">
+    <mc:Choice Requires="p14">
+      <p:transition spd="slow" p14:dur="2000" advTm="2283"/>
+    </mc:Choice>
+    <mc:Fallback xmlns="">
+      <p:transition spd="slow" advTm="2283"/>
+    </mc:Fallback>
+  </mc:AlternateContent>
 </p:sld>
 </file>
 
 <file path=ppt/slides/slide10.xml><?xml version="1.0" encoding="utf-8"?>
 <p:sld xmlns:a="http://schemas.openxmlformats.org/drawingml/2006/main" xmlns:r="http://schemas.openxmlformats.org/officeDocument/2006/relationships" xmlns:p="http://schemas.openxmlformats.org/presentationml/2006/main">
   <p:cSld>
+    <p:bg>
+      <p:bgPr>
+        <a:blipFill dpi="0" rotWithShape="1">
+          <a:blip r:embed="rId3">
+            <a:lum/>
+          </a:blip>
+          <a:srcRect/>
+          <a:stretch>
+            <a:fillRect/>
+          </a:stretch>
+        </a:blipFill>
+        <a:effectLst/>
+      </p:bgPr>
+    </p:bg>
     <p:spTree>
       <p:nvGrpSpPr>
         <p:cNvPr id="1" name=""/>
@@ -9429,10 +9713,20 @@
           <a:lstStyle/>
           <a:p>
             <a:r>
-              <a:rPr lang="en-US" dirty="0"/>
+              <a:rPr lang="en-US" b="1" dirty="0">
+                <a:solidFill>
+                  <a:srgbClr val="0071F6"/>
+                </a:solidFill>
+                <a:latin typeface="Lexend" panose="020B0604020202020204"/>
+              </a:rPr>
               <a:t>Function Arguments – cont’d</a:t>
             </a:r>
-            <a:endParaRPr lang="he-IL" dirty="0"/>
+            <a:endParaRPr lang="he-IL" b="1" dirty="0">
+              <a:solidFill>
+                <a:srgbClr val="0071F6"/>
+              </a:solidFill>
+              <a:latin typeface="Lexend" panose="020B0604020202020204"/>
+            </a:endParaRPr>
           </a:p>
         </p:txBody>
       </p:sp>
@@ -9454,84 +9748,120 @@
           <a:lstStyle/>
           <a:p>
             <a:r>
-              <a:rPr lang="en-US" dirty="0"/>
+              <a:rPr lang="en-US" dirty="0">
+                <a:latin typeface="Lexend Light"/>
+              </a:rPr>
               <a:t>Variable-Length parameters:</a:t>
             </a:r>
           </a:p>
           <a:p>
             <a:pPr lvl="1"/>
             <a:r>
-              <a:rPr lang="en-US" sz="2600" dirty="0"/>
+              <a:rPr lang="en-US" sz="2600" dirty="0">
+                <a:latin typeface="Lexend Light"/>
+              </a:rPr>
               <a:t>The special syntax, *</a:t>
             </a:r>
             <a:r>
-              <a:rPr lang="en-US" sz="2600" dirty="0" err="1"/>
+              <a:rPr lang="en-US" sz="2600" dirty="0" err="1">
+                <a:latin typeface="Lexend Light"/>
+              </a:rPr>
               <a:t>args</a:t>
             </a:r>
             <a:r>
-              <a:rPr lang="en-US" sz="2600" dirty="0"/>
+              <a:rPr lang="en-US" sz="2600" dirty="0">
+                <a:latin typeface="Lexend Light"/>
+              </a:rPr>
               <a:t> and **</a:t>
             </a:r>
             <a:r>
-              <a:rPr lang="en-US" sz="2600" dirty="0" err="1"/>
+              <a:rPr lang="en-US" sz="2600" dirty="0" err="1">
+                <a:latin typeface="Lexend Light"/>
+              </a:rPr>
               <a:t>kwargs</a:t>
             </a:r>
             <a:r>
-              <a:rPr lang="en-US" sz="2600" dirty="0"/>
+              <a:rPr lang="en-US" sz="2600" dirty="0">
+                <a:latin typeface="Lexend Light"/>
+              </a:rPr>
               <a:t> in function definitions is used to pass a variable number of arguments to a function. </a:t>
             </a:r>
           </a:p>
           <a:p>
             <a:pPr lvl="1"/>
-            <a:endParaRPr lang="en-US" sz="2600" dirty="0"/>
+            <a:endParaRPr lang="en-US" sz="2600" dirty="0">
+              <a:latin typeface="Lexend Light"/>
+            </a:endParaRPr>
           </a:p>
           <a:p>
             <a:pPr lvl="1"/>
             <a:r>
-              <a:rPr lang="en-US" sz="2600" dirty="0"/>
+              <a:rPr lang="en-US" sz="2600" dirty="0">
+                <a:latin typeface="Lexend Light"/>
+              </a:rPr>
               <a:t>The single asterisk form (*</a:t>
             </a:r>
             <a:r>
-              <a:rPr lang="en-US" sz="2600" dirty="0" err="1"/>
+              <a:rPr lang="en-US" sz="2600" dirty="0" err="1">
+                <a:latin typeface="Lexend Light"/>
+              </a:rPr>
               <a:t>args</a:t>
             </a:r>
             <a:r>
-              <a:rPr lang="en-US" sz="2600" dirty="0"/>
+              <a:rPr lang="en-US" sz="2600" dirty="0">
+                <a:latin typeface="Lexend Light"/>
+              </a:rPr>
               <a:t>) is used to pass a </a:t>
             </a:r>
             <a:r>
-              <a:rPr lang="en-US" sz="2600" i="1" dirty="0"/>
+              <a:rPr lang="en-US" sz="2600" i="1" dirty="0">
+                <a:latin typeface="Lexend Light"/>
+              </a:rPr>
               <a:t>non-keyworded</a:t>
             </a:r>
             <a:r>
-              <a:rPr lang="en-US" sz="2600" dirty="0"/>
+              <a:rPr lang="en-US" sz="2600" dirty="0">
+                <a:latin typeface="Lexend Light"/>
+              </a:rPr>
               <a:t>, argument list, that passed as tuple</a:t>
             </a:r>
           </a:p>
           <a:p>
             <a:pPr lvl="1"/>
-            <a:endParaRPr lang="en-US" sz="2600" dirty="0"/>
+            <a:endParaRPr lang="en-US" sz="2600" dirty="0">
+              <a:latin typeface="Lexend Light"/>
+            </a:endParaRPr>
           </a:p>
           <a:p>
             <a:pPr lvl="1"/>
             <a:r>
-              <a:rPr lang="en-US" sz="2600" dirty="0"/>
+              <a:rPr lang="en-US" sz="2600" dirty="0">
+                <a:latin typeface="Lexend Light"/>
+              </a:rPr>
               <a:t>The double asterisk form (**</a:t>
             </a:r>
             <a:r>
-              <a:rPr lang="en-US" sz="2600" dirty="0" err="1"/>
+              <a:rPr lang="en-US" sz="2600" dirty="0" err="1">
+                <a:latin typeface="Lexend Light"/>
+              </a:rPr>
               <a:t>kwargs</a:t>
             </a:r>
             <a:r>
-              <a:rPr lang="en-US" sz="2600" dirty="0"/>
+              <a:rPr lang="en-US" sz="2600" dirty="0">
+                <a:latin typeface="Lexend Light"/>
+              </a:rPr>
               <a:t>) is used to pass a </a:t>
             </a:r>
             <a:r>
-              <a:rPr lang="en-US" sz="2600" i="1" dirty="0"/>
+              <a:rPr lang="en-US" sz="2600" i="1" dirty="0">
+                <a:latin typeface="Lexend Light"/>
+              </a:rPr>
               <a:t>keyworded</a:t>
             </a:r>
             <a:r>
-              <a:rPr lang="en-US" sz="2600" dirty="0"/>
+              <a:rPr lang="en-US" sz="2600" dirty="0">
+                <a:latin typeface="Lexend Light"/>
+              </a:rPr>
               <a:t>, variable-length argument list, that passed as name-value dictionary </a:t>
             </a:r>
           </a:p>
@@ -9553,6 +9883,20 @@
 <file path=ppt/slides/slide11.xml><?xml version="1.0" encoding="utf-8"?>
 <p:sld xmlns:a="http://schemas.openxmlformats.org/drawingml/2006/main" xmlns:r="http://schemas.openxmlformats.org/officeDocument/2006/relationships" xmlns:p="http://schemas.openxmlformats.org/presentationml/2006/main">
   <p:cSld>
+    <p:bg>
+      <p:bgPr>
+        <a:blipFill dpi="0" rotWithShape="1">
+          <a:blip r:embed="rId3">
+            <a:lum/>
+          </a:blip>
+          <a:srcRect/>
+          <a:stretch>
+            <a:fillRect/>
+          </a:stretch>
+        </a:blipFill>
+        <a:effectLst/>
+      </p:bgPr>
+    </p:bg>
     <p:spTree>
       <p:nvGrpSpPr>
         <p:cNvPr id="1" name=""/>
@@ -9585,10 +9929,20 @@
           <a:lstStyle/>
           <a:p>
             <a:r>
-              <a:rPr lang="en-US" dirty="0"/>
+              <a:rPr lang="en-US" b="1" dirty="0">
+                <a:solidFill>
+                  <a:srgbClr val="0071F6"/>
+                </a:solidFill>
+                <a:latin typeface="Lexend" panose="020B0604020202020204"/>
+              </a:rPr>
               <a:t>Function Arguments – cont’d</a:t>
             </a:r>
-            <a:endParaRPr lang="he-IL" dirty="0"/>
+            <a:endParaRPr lang="he-IL" b="1" dirty="0">
+              <a:solidFill>
+                <a:srgbClr val="0071F6"/>
+              </a:solidFill>
+              <a:latin typeface="Lexend" panose="020B0604020202020204"/>
+            </a:endParaRPr>
           </a:p>
         </p:txBody>
       </p:sp>
@@ -9613,15 +9967,21 @@
               <a:buNone/>
             </a:pPr>
             <a:r>
-              <a:rPr lang="en-US" sz="2600" dirty="0"/>
+              <a:rPr lang="en-US" sz="2600" dirty="0">
+                <a:latin typeface="Lexend Light"/>
+              </a:rPr>
               <a:t>Variable-Length *</a:t>
             </a:r>
             <a:r>
-              <a:rPr lang="en-US" sz="2600" dirty="0" err="1"/>
+              <a:rPr lang="en-US" sz="2600" dirty="0" err="1">
+                <a:latin typeface="Lexend Light"/>
+              </a:rPr>
               <a:t>args</a:t>
             </a:r>
             <a:r>
-              <a:rPr lang="en-US" sz="2600" dirty="0"/>
+              <a:rPr lang="en-US" sz="2600" dirty="0">
+                <a:latin typeface="Lexend Light"/>
+              </a:rPr>
               <a:t>  example:</a:t>
             </a:r>
           </a:p>
@@ -9629,7 +9989,9 @@
             <a:pPr marL="0" indent="0">
               <a:buNone/>
             </a:pPr>
-            <a:endParaRPr lang="en-US" sz="2600" dirty="0"/>
+            <a:endParaRPr lang="en-US" sz="2600" dirty="0">
+              <a:latin typeface="Lexend Light"/>
+            </a:endParaRPr>
           </a:p>
         </p:txBody>
       </p:sp>
@@ -10638,6 +11000,20 @@
 <file path=ppt/slides/slide12.xml><?xml version="1.0" encoding="utf-8"?>
 <p:sld xmlns:a="http://schemas.openxmlformats.org/drawingml/2006/main" xmlns:r="http://schemas.openxmlformats.org/officeDocument/2006/relationships" xmlns:p="http://schemas.openxmlformats.org/presentationml/2006/main">
   <p:cSld>
+    <p:bg>
+      <p:bgPr>
+        <a:blipFill dpi="0" rotWithShape="1">
+          <a:blip r:embed="rId3">
+            <a:lum/>
+          </a:blip>
+          <a:srcRect/>
+          <a:stretch>
+            <a:fillRect/>
+          </a:stretch>
+        </a:blipFill>
+        <a:effectLst/>
+      </p:bgPr>
+    </p:bg>
     <p:spTree>
       <p:nvGrpSpPr>
         <p:cNvPr id="1" name=""/>
@@ -10670,10 +11046,20 @@
           <a:lstStyle/>
           <a:p>
             <a:r>
-              <a:rPr lang="en-US" dirty="0"/>
+              <a:rPr lang="en-US" b="1" dirty="0">
+                <a:solidFill>
+                  <a:srgbClr val="0071F6"/>
+                </a:solidFill>
+                <a:latin typeface="Lexend" panose="020B0604020202020204"/>
+              </a:rPr>
               <a:t>Function Arguments – cont’d</a:t>
             </a:r>
-            <a:endParaRPr lang="he-IL" dirty="0"/>
+            <a:endParaRPr lang="he-IL" b="1" dirty="0">
+              <a:solidFill>
+                <a:srgbClr val="0071F6"/>
+              </a:solidFill>
+              <a:latin typeface="Lexend" panose="020B0604020202020204"/>
+            </a:endParaRPr>
           </a:p>
         </p:txBody>
       </p:sp>
@@ -10698,23 +11084,33 @@
               <a:buNone/>
             </a:pPr>
             <a:r>
-              <a:rPr lang="en-US" sz="2400" dirty="0"/>
+              <a:rPr lang="en-US" sz="2400" dirty="0">
+                <a:latin typeface="Lexend Light"/>
+              </a:rPr>
               <a:t>Variable-Length </a:t>
             </a:r>
             <a:r>
-              <a:rPr lang="en-US" sz="2400" b="1" dirty="0"/>
+              <a:rPr lang="en-US" sz="2400" b="1" dirty="0">
+                <a:latin typeface="Lexend Light"/>
+              </a:rPr>
               <a:t>**</a:t>
             </a:r>
             <a:r>
-              <a:rPr lang="en-US" sz="2400" b="1" dirty="0" err="1"/>
+              <a:rPr lang="en-US" sz="2400" b="1" dirty="0" err="1">
+                <a:latin typeface="Lexend Light"/>
+              </a:rPr>
               <a:t>kwargs</a:t>
             </a:r>
             <a:r>
-              <a:rPr lang="en-US" sz="2400" b="1" dirty="0"/>
+              <a:rPr lang="en-US" sz="2400" b="1" dirty="0">
+                <a:latin typeface="Lexend Light"/>
+              </a:rPr>
               <a:t> </a:t>
             </a:r>
             <a:r>
-              <a:rPr lang="en-US" sz="2400" dirty="0"/>
+              <a:rPr lang="en-US" sz="2400" dirty="0">
+                <a:latin typeface="Lexend Light"/>
+              </a:rPr>
               <a:t>example:</a:t>
             </a:r>
           </a:p>
@@ -10722,86 +11118,114 @@
             <a:pPr marL="0" indent="0">
               <a:buNone/>
             </a:pPr>
-            <a:endParaRPr lang="en-US" sz="2400" dirty="0"/>
+            <a:endParaRPr lang="en-US" sz="2400" dirty="0">
+              <a:latin typeface="Lexend Light"/>
+            </a:endParaRPr>
           </a:p>
           <a:p>
             <a:pPr marL="400050" lvl="1" indent="0">
               <a:buNone/>
             </a:pPr>
-            <a:endParaRPr lang="en-US" sz="800" dirty="0"/>
+            <a:endParaRPr lang="en-US" sz="800" dirty="0">
+              <a:latin typeface="Lexend Light"/>
+            </a:endParaRPr>
           </a:p>
           <a:p>
             <a:pPr marL="400050" lvl="1" indent="0">
               <a:buNone/>
             </a:pPr>
-            <a:endParaRPr lang="en-US" sz="800" dirty="0"/>
+            <a:endParaRPr lang="en-US" sz="800" dirty="0">
+              <a:latin typeface="Lexend Light"/>
+            </a:endParaRPr>
           </a:p>
           <a:p>
             <a:pPr marL="400050" lvl="1" indent="0">
               <a:buNone/>
             </a:pPr>
-            <a:endParaRPr lang="en-US" sz="800" dirty="0"/>
+            <a:endParaRPr lang="en-US" sz="800" dirty="0">
+              <a:latin typeface="Lexend Light"/>
+            </a:endParaRPr>
           </a:p>
           <a:p>
             <a:pPr marL="400050" lvl="1" indent="0">
               <a:buNone/>
             </a:pPr>
-            <a:endParaRPr lang="en-US" sz="800" dirty="0"/>
+            <a:endParaRPr lang="en-US" sz="800" dirty="0">
+              <a:latin typeface="Lexend Light"/>
+            </a:endParaRPr>
           </a:p>
           <a:p>
             <a:pPr marL="400050" lvl="1" indent="0">
               <a:buNone/>
             </a:pPr>
-            <a:endParaRPr lang="en-US" sz="800" dirty="0"/>
+            <a:endParaRPr lang="en-US" sz="800" dirty="0">
+              <a:latin typeface="Lexend Light"/>
+            </a:endParaRPr>
           </a:p>
           <a:p>
             <a:pPr marL="400050" lvl="1" indent="0">
               <a:buNone/>
             </a:pPr>
-            <a:endParaRPr lang="en-US" sz="800" dirty="0"/>
+            <a:endParaRPr lang="en-US" sz="800" dirty="0">
+              <a:latin typeface="Lexend Light"/>
+            </a:endParaRPr>
           </a:p>
           <a:p>
             <a:pPr marL="400050" lvl="1" indent="0">
               <a:buNone/>
             </a:pPr>
-            <a:endParaRPr lang="en-US" sz="800" dirty="0"/>
+            <a:endParaRPr lang="en-US" sz="800" dirty="0">
+              <a:latin typeface="Lexend Light"/>
+            </a:endParaRPr>
           </a:p>
           <a:p>
             <a:pPr marL="400050" lvl="1" indent="0">
               <a:buNone/>
             </a:pPr>
-            <a:endParaRPr lang="en-US" sz="800" dirty="0"/>
+            <a:endParaRPr lang="en-US" sz="800" dirty="0">
+              <a:latin typeface="Lexend Light"/>
+            </a:endParaRPr>
           </a:p>
           <a:p>
             <a:pPr marL="400050" lvl="1" indent="0">
               <a:buNone/>
             </a:pPr>
-            <a:endParaRPr lang="en-US" sz="800" dirty="0"/>
+            <a:endParaRPr lang="en-US" sz="800" dirty="0">
+              <a:latin typeface="Lexend Light"/>
+            </a:endParaRPr>
           </a:p>
           <a:p>
             <a:pPr marL="400050" lvl="1" indent="0">
               <a:buNone/>
             </a:pPr>
-            <a:endParaRPr lang="en-US" sz="800" dirty="0"/>
+            <a:endParaRPr lang="en-US" sz="800" dirty="0">
+              <a:latin typeface="Lexend Light"/>
+            </a:endParaRPr>
           </a:p>
           <a:p>
             <a:pPr marL="400050" lvl="1" indent="0">
               <a:buNone/>
             </a:pPr>
-            <a:endParaRPr lang="en-US" sz="800" dirty="0"/>
+            <a:endParaRPr lang="en-US" sz="800" dirty="0">
+              <a:latin typeface="Lexend Light"/>
+            </a:endParaRPr>
           </a:p>
           <a:p>
             <a:pPr marL="400050" lvl="1" indent="0">
               <a:buNone/>
             </a:pPr>
-            <a:endParaRPr lang="en-US" sz="800" dirty="0"/>
+            <a:endParaRPr lang="en-US" sz="800" dirty="0">
+              <a:latin typeface="Lexend Light"/>
+            </a:endParaRPr>
           </a:p>
           <a:p>
             <a:pPr marL="400050" lvl="1" indent="0">
               <a:buNone/>
             </a:pPr>
             <a:r>
-              <a:rPr lang="en-US" sz="2200" dirty="0"/>
+              <a:rPr lang="en-US" sz="2200" dirty="0">
+                <a:latin typeface="Lexend Light"/>
+              </a:rPr>
               <a:t>title:  all values</a:t>
             </a:r>
           </a:p>
@@ -10810,21 +11234,29 @@
               <a:buNone/>
             </a:pPr>
             <a:r>
-              <a:rPr lang="en-US" sz="2000" dirty="0"/>
+              <a:rPr lang="en-US" sz="2000" dirty="0">
+                <a:latin typeface="Lexend Light"/>
+              </a:rPr>
               <a:t>   1) y=</a:t>
             </a:r>
             <a:r>
-              <a:rPr lang="en-US" sz="2000" dirty="0" err="1"/>
+              <a:rPr lang="en-US" sz="2000" dirty="0" err="1">
+                <a:latin typeface="Lexend Light"/>
+              </a:rPr>
               <a:t>abc</a:t>
             </a:r>
-            <a:endParaRPr lang="en-US" sz="2000" dirty="0"/>
+            <a:endParaRPr lang="en-US" sz="2000" dirty="0">
+              <a:latin typeface="Lexend Light"/>
+            </a:endParaRPr>
           </a:p>
           <a:p>
             <a:pPr marL="914400" lvl="3" indent="0">
               <a:buNone/>
             </a:pPr>
             <a:r>
-              <a:rPr lang="en-US" sz="2000" dirty="0"/>
+              <a:rPr lang="en-US" sz="2000" dirty="0">
+                <a:latin typeface="Lexend Light"/>
+              </a:rPr>
               <a:t>   2) x=1</a:t>
             </a:r>
           </a:p>
@@ -10833,7 +11265,9 @@
               <a:buNone/>
             </a:pPr>
             <a:r>
-              <a:rPr lang="en-US" sz="2000" dirty="0"/>
+              <a:rPr lang="en-US" sz="2000" dirty="0">
+                <a:latin typeface="Lexend Light"/>
+              </a:rPr>
               <a:t>   3) z=-3.5</a:t>
             </a:r>
           </a:p>
@@ -11795,6 +12229,20 @@
 <file path=ppt/slides/slide13.xml><?xml version="1.0" encoding="utf-8"?>
 <p:sld xmlns:a="http://schemas.openxmlformats.org/drawingml/2006/main" xmlns:r="http://schemas.openxmlformats.org/officeDocument/2006/relationships" xmlns:p="http://schemas.openxmlformats.org/presentationml/2006/main">
   <p:cSld>
+    <p:bg>
+      <p:bgPr>
+        <a:blipFill dpi="0" rotWithShape="1">
+          <a:blip r:embed="rId3">
+            <a:lum/>
+          </a:blip>
+          <a:srcRect/>
+          <a:stretch>
+            <a:fillRect/>
+          </a:stretch>
+        </a:blipFill>
+        <a:effectLst/>
+      </p:bgPr>
+    </p:bg>
     <p:spTree>
       <p:nvGrpSpPr>
         <p:cNvPr id="1" name=""/>
@@ -11827,10 +12275,20 @@
           <a:lstStyle/>
           <a:p>
             <a:r>
-              <a:rPr lang="en-US" dirty="0"/>
+              <a:rPr lang="en-US" b="1" dirty="0">
+                <a:solidFill>
+                  <a:srgbClr val="0071F6"/>
+                </a:solidFill>
+                <a:latin typeface="Lexend" panose="020B0604020202020204"/>
+              </a:rPr>
               <a:t>Local and Global Variables</a:t>
             </a:r>
-            <a:endParaRPr lang="he-IL" dirty="0"/>
+            <a:endParaRPr lang="he-IL" b="1" dirty="0">
+              <a:solidFill>
+                <a:srgbClr val="0071F6"/>
+              </a:solidFill>
+              <a:latin typeface="Lexend" panose="020B0604020202020204"/>
+            </a:endParaRPr>
           </a:p>
         </p:txBody>
       </p:sp>
@@ -11857,25 +12315,35 @@
           <a:lstStyle/>
           <a:p>
             <a:r>
-              <a:rPr lang="en-US" sz="2400" dirty="0"/>
+              <a:rPr lang="en-US" sz="2400" dirty="0">
+                <a:latin typeface="Lexend Light"/>
+              </a:rPr>
               <a:t>The scope of a variable determines where it can be accessed.</a:t>
             </a:r>
           </a:p>
           <a:p>
-            <a:endParaRPr lang="en-US" sz="2400" dirty="0"/>
-          </a:p>
-          <a:p>
-            <a:r>
-              <a:rPr lang="en-US" sz="2400" dirty="0"/>
+            <a:endParaRPr lang="en-US" sz="2400" dirty="0">
+              <a:latin typeface="Lexend Light"/>
+            </a:endParaRPr>
+          </a:p>
+          <a:p>
+            <a:r>
+              <a:rPr lang="en-US" sz="2400" dirty="0">
+                <a:latin typeface="Lexend Light"/>
+              </a:rPr>
               <a:t>Variables that are defined inside a function body have a local scope. Local variables can be accessed only inside the function in which they are declared</a:t>
             </a:r>
           </a:p>
           <a:p>
-            <a:endParaRPr lang="en-US" sz="2400" dirty="0"/>
-          </a:p>
-          <a:p>
-            <a:r>
-              <a:rPr lang="en-US" sz="2400" dirty="0"/>
+            <a:endParaRPr lang="en-US" sz="2400" dirty="0">
+              <a:latin typeface="Lexend Light"/>
+            </a:endParaRPr>
+          </a:p>
+          <a:p>
+            <a:r>
+              <a:rPr lang="en-US" sz="2400" dirty="0">
+                <a:latin typeface="Lexend Light"/>
+              </a:rPr>
               <a:t>Variables that are defined outside any function have a global scope. Global variables can be accessed throughout the program body by all functions. </a:t>
             </a:r>
           </a:p>
@@ -11896,7 +12364,7 @@
           <p:nvPr/>
         </p:nvPicPr>
         <p:blipFill>
-          <a:blip r:embed="rId3">
+          <a:blip r:embed="rId4">
             <a:extLst>
               <a:ext uri="{28A0092B-C50C-407E-A947-70E740481C1C}">
                 <a14:useLocalDpi xmlns:a14="http://schemas.microsoft.com/office/drawing/2010/main" val="0"/>
@@ -11944,6 +12412,20 @@
 <file path=ppt/slides/slide14.xml><?xml version="1.0" encoding="utf-8"?>
 <p:sld xmlns:a="http://schemas.openxmlformats.org/drawingml/2006/main" xmlns:r="http://schemas.openxmlformats.org/officeDocument/2006/relationships" xmlns:p="http://schemas.openxmlformats.org/presentationml/2006/main">
   <p:cSld>
+    <p:bg>
+      <p:bgPr>
+        <a:blipFill dpi="0" rotWithShape="1">
+          <a:blip r:embed="rId3">
+            <a:lum/>
+          </a:blip>
+          <a:srcRect/>
+          <a:stretch>
+            <a:fillRect/>
+          </a:stretch>
+        </a:blipFill>
+        <a:effectLst/>
+      </p:bgPr>
+    </p:bg>
     <p:spTree>
       <p:nvGrpSpPr>
         <p:cNvPr id="1" name=""/>
@@ -11976,10 +12458,20 @@
           <a:lstStyle/>
           <a:p>
             <a:r>
-              <a:rPr lang="en-US" dirty="0"/>
+              <a:rPr lang="en-US" b="1" dirty="0">
+                <a:solidFill>
+                  <a:srgbClr val="0071F6"/>
+                </a:solidFill>
+                <a:latin typeface="Lexend" panose="020B0604020202020204"/>
+              </a:rPr>
               <a:t>Local and Global Variables – cont’d</a:t>
             </a:r>
-            <a:endParaRPr lang="he-IL" dirty="0"/>
+            <a:endParaRPr lang="he-IL" b="1" dirty="0">
+              <a:solidFill>
+                <a:srgbClr val="0071F6"/>
+              </a:solidFill>
+              <a:latin typeface="Lexend" panose="020B0604020202020204"/>
+            </a:endParaRPr>
           </a:p>
         </p:txBody>
       </p:sp>
@@ -12342,6 +12834,20 @@
 <file path=ppt/slides/slide15.xml><?xml version="1.0" encoding="utf-8"?>
 <p:sld xmlns:a="http://schemas.openxmlformats.org/drawingml/2006/main" xmlns:r="http://schemas.openxmlformats.org/officeDocument/2006/relationships" xmlns:p="http://schemas.openxmlformats.org/presentationml/2006/main">
   <p:cSld>
+    <p:bg>
+      <p:bgPr>
+        <a:blipFill dpi="0" rotWithShape="1">
+          <a:blip r:embed="rId3">
+            <a:lum/>
+          </a:blip>
+          <a:srcRect/>
+          <a:stretch>
+            <a:fillRect/>
+          </a:stretch>
+        </a:blipFill>
+        <a:effectLst/>
+      </p:bgPr>
+    </p:bg>
     <p:spTree>
       <p:nvGrpSpPr>
         <p:cNvPr id="1" name=""/>
@@ -12374,14 +12880,29 @@
           <a:lstStyle/>
           <a:p>
             <a:r>
-              <a:rPr lang="en-US" dirty="0"/>
+              <a:rPr lang="en-US" b="1" dirty="0">
+                <a:solidFill>
+                  <a:srgbClr val="0071F6"/>
+                </a:solidFill>
+                <a:latin typeface="Lexend" panose="020B0604020202020204"/>
+              </a:rPr>
               <a:t>Local and Global Variables – </a:t>
             </a:r>
             <a:r>
-              <a:rPr lang="en-US" dirty="0" err="1"/>
+              <a:rPr lang="en-US" b="1" dirty="0" err="1">
+                <a:solidFill>
+                  <a:srgbClr val="0071F6"/>
+                </a:solidFill>
+                <a:latin typeface="Lexend" panose="020B0604020202020204"/>
+              </a:rPr>
               <a:t>cont’t</a:t>
             </a:r>
-            <a:endParaRPr lang="he-IL" dirty="0"/>
+            <a:endParaRPr lang="he-IL" b="1" dirty="0">
+              <a:solidFill>
+                <a:srgbClr val="0071F6"/>
+              </a:solidFill>
+              <a:latin typeface="Lexend" panose="020B0604020202020204"/>
+            </a:endParaRPr>
           </a:p>
         </p:txBody>
       </p:sp>
@@ -12584,7 +13105,9 @@
               <a:buNone/>
             </a:pPr>
             <a:r>
-              <a:rPr lang="en-US" sz="2000" dirty="0"/>
+              <a:rPr lang="en-US" sz="2000" dirty="0">
+                <a:latin typeface="Lexend Light"/>
+              </a:rPr>
               <a:t>Example 2:</a:t>
             </a:r>
           </a:p>
@@ -12595,7 +13118,9 @@
               </a:lnSpc>
               <a:buNone/>
             </a:pPr>
-            <a:endParaRPr lang="en-US" sz="2000" dirty="0"/>
+            <a:endParaRPr lang="en-US" sz="2000" dirty="0">
+              <a:latin typeface="Lexend Light"/>
+            </a:endParaRPr>
           </a:p>
           <a:p>
             <a:pPr marL="0" indent="0">
@@ -12604,7 +13129,9 @@
               </a:lnSpc>
               <a:buNone/>
             </a:pPr>
-            <a:endParaRPr lang="en-US" sz="2000" dirty="0"/>
+            <a:endParaRPr lang="en-US" sz="2000" dirty="0">
+              <a:latin typeface="Lexend Light"/>
+            </a:endParaRPr>
           </a:p>
           <a:p>
             <a:pPr marL="0" indent="0">
@@ -12613,7 +13140,9 @@
               </a:lnSpc>
               <a:buNone/>
             </a:pPr>
-            <a:endParaRPr lang="en-US" sz="2000" dirty="0"/>
+            <a:endParaRPr lang="en-US" sz="2000" dirty="0">
+              <a:latin typeface="Lexend Light"/>
+            </a:endParaRPr>
           </a:p>
           <a:p>
             <a:pPr marL="0" indent="0">
@@ -12622,7 +13151,9 @@
               </a:lnSpc>
               <a:buNone/>
             </a:pPr>
-            <a:endParaRPr lang="en-US" sz="2000" dirty="0"/>
+            <a:endParaRPr lang="en-US" sz="2000" dirty="0">
+              <a:latin typeface="Lexend Light"/>
+            </a:endParaRPr>
           </a:p>
           <a:p>
             <a:pPr marL="0" indent="0">
@@ -12631,7 +13162,9 @@
               </a:lnSpc>
               <a:buNone/>
             </a:pPr>
-            <a:endParaRPr lang="en-US" sz="2000" dirty="0"/>
+            <a:endParaRPr lang="en-US" sz="2000" dirty="0">
+              <a:latin typeface="Lexend Light"/>
+            </a:endParaRPr>
           </a:p>
           <a:p>
             <a:pPr marL="0" indent="0">
@@ -12640,7 +13173,9 @@
               </a:lnSpc>
               <a:buNone/>
             </a:pPr>
-            <a:endParaRPr lang="en-US" sz="2000" dirty="0"/>
+            <a:endParaRPr lang="en-US" sz="2000" dirty="0">
+              <a:latin typeface="Lexend Light"/>
+            </a:endParaRPr>
           </a:p>
           <a:p>
             <a:pPr marL="0" indent="0">
@@ -12649,7 +13184,9 @@
               </a:lnSpc>
               <a:buNone/>
             </a:pPr>
-            <a:endParaRPr lang="en-US" sz="2000" dirty="0"/>
+            <a:endParaRPr lang="en-US" sz="2000" dirty="0">
+              <a:latin typeface="Lexend Light"/>
+            </a:endParaRPr>
           </a:p>
           <a:p>
             <a:pPr marL="0" indent="0">
@@ -12658,7 +13195,9 @@
               </a:lnSpc>
               <a:buNone/>
             </a:pPr>
-            <a:endParaRPr lang="en-US" sz="2000" dirty="0"/>
+            <a:endParaRPr lang="en-US" sz="2000" dirty="0">
+              <a:latin typeface="Lexend Light"/>
+            </a:endParaRPr>
           </a:p>
           <a:p>
             <a:pPr marL="0" indent="0">
@@ -12667,7 +13206,9 @@
               </a:lnSpc>
               <a:buNone/>
             </a:pPr>
-            <a:endParaRPr lang="en-US" sz="2000" dirty="0"/>
+            <a:endParaRPr lang="en-US" sz="2000" dirty="0">
+              <a:latin typeface="Lexend Light"/>
+            </a:endParaRPr>
           </a:p>
           <a:p>
             <a:pPr marL="0" indent="0">
@@ -12676,7 +13217,9 @@
               </a:lnSpc>
               <a:buNone/>
             </a:pPr>
-            <a:endParaRPr lang="en-US" sz="2000" dirty="0"/>
+            <a:endParaRPr lang="en-US" sz="2000" dirty="0">
+              <a:latin typeface="Lexend Light"/>
+            </a:endParaRPr>
           </a:p>
           <a:p>
             <a:pPr marL="0" indent="0">
@@ -12686,7 +13229,9 @@
               <a:buNone/>
             </a:pPr>
             <a:r>
-              <a:rPr lang="en-US" sz="2000" b="1" dirty="0"/>
+              <a:rPr lang="en-US" sz="2000" b="1" dirty="0">
+                <a:latin typeface="Lexend Light"/>
+              </a:rPr>
               <a:t>The Output:</a:t>
             </a:r>
           </a:p>
@@ -12698,15 +13243,21 @@
               <a:buNone/>
             </a:pPr>
             <a:r>
-              <a:rPr lang="en-US" sz="2000" dirty="0"/>
+              <a:rPr lang="en-US" sz="2000" dirty="0">
+                <a:latin typeface="Lexend Light"/>
+              </a:rPr>
               <a:t>in </a:t>
             </a:r>
             <a:r>
-              <a:rPr lang="en-US" sz="2000" dirty="0" err="1"/>
+              <a:rPr lang="en-US" sz="2000" dirty="0" err="1">
+                <a:latin typeface="Lexend Light"/>
+              </a:rPr>
               <a:t>func</a:t>
             </a:r>
             <a:r>
-              <a:rPr lang="en-US" sz="2000" dirty="0"/>
+              <a:rPr lang="en-US" sz="2000" dirty="0">
+                <a:latin typeface="Lexend Light"/>
+              </a:rPr>
               <a:t>:  11</a:t>
             </a:r>
           </a:p>
@@ -12718,7 +13269,9 @@
               <a:buNone/>
             </a:pPr>
             <a:r>
-              <a:rPr lang="en-US" sz="2000" dirty="0"/>
+              <a:rPr lang="en-US" sz="2000" dirty="0">
+                <a:latin typeface="Lexend Light"/>
+              </a:rPr>
               <a:t>in main space :  10 – Why??</a:t>
             </a:r>
           </a:p>
@@ -12923,7 +13476,9 @@
               <a:buNone/>
             </a:pPr>
             <a:r>
-              <a:rPr lang="en-US" sz="2000" dirty="0"/>
+              <a:rPr lang="en-US" sz="2000" dirty="0">
+                <a:latin typeface="Lexend Light"/>
+              </a:rPr>
               <a:t>Example 1:</a:t>
             </a:r>
           </a:p>
@@ -12934,7 +13489,9 @@
               </a:lnSpc>
               <a:buNone/>
             </a:pPr>
-            <a:endParaRPr lang="en-US" sz="2000" dirty="0"/>
+            <a:endParaRPr lang="en-US" sz="2000" dirty="0">
+              <a:latin typeface="Lexend Light"/>
+            </a:endParaRPr>
           </a:p>
           <a:p>
             <a:pPr marL="0" indent="0">
@@ -12943,7 +13500,9 @@
               </a:lnSpc>
               <a:buNone/>
             </a:pPr>
-            <a:endParaRPr lang="en-US" sz="2000" dirty="0"/>
+            <a:endParaRPr lang="en-US" sz="2000" dirty="0">
+              <a:latin typeface="Lexend Light"/>
+            </a:endParaRPr>
           </a:p>
           <a:p>
             <a:pPr marL="0" indent="0">
@@ -12952,7 +13511,9 @@
               </a:lnSpc>
               <a:buNone/>
             </a:pPr>
-            <a:endParaRPr lang="en-US" sz="2000" dirty="0"/>
+            <a:endParaRPr lang="en-US" sz="2000" dirty="0">
+              <a:latin typeface="Lexend Light"/>
+            </a:endParaRPr>
           </a:p>
           <a:p>
             <a:pPr marL="0" indent="0">
@@ -12961,7 +13522,9 @@
               </a:lnSpc>
               <a:buNone/>
             </a:pPr>
-            <a:endParaRPr lang="en-US" sz="2000" dirty="0"/>
+            <a:endParaRPr lang="en-US" sz="2000" dirty="0">
+              <a:latin typeface="Lexend Light"/>
+            </a:endParaRPr>
           </a:p>
           <a:p>
             <a:pPr marL="0" indent="0">
@@ -12970,7 +13533,9 @@
               </a:lnSpc>
               <a:buNone/>
             </a:pPr>
-            <a:endParaRPr lang="en-US" sz="2000" dirty="0"/>
+            <a:endParaRPr lang="en-US" sz="2000" dirty="0">
+              <a:latin typeface="Lexend Light"/>
+            </a:endParaRPr>
           </a:p>
           <a:p>
             <a:pPr marL="0" indent="0">
@@ -12979,7 +13544,9 @@
               </a:lnSpc>
               <a:buNone/>
             </a:pPr>
-            <a:endParaRPr lang="en-US" sz="2000" dirty="0"/>
+            <a:endParaRPr lang="en-US" sz="2000" dirty="0">
+              <a:latin typeface="Lexend Light"/>
+            </a:endParaRPr>
           </a:p>
           <a:p>
             <a:pPr marL="0" indent="0">
@@ -12988,7 +13555,9 @@
               </a:lnSpc>
               <a:buNone/>
             </a:pPr>
-            <a:endParaRPr lang="en-US" sz="2000" dirty="0"/>
+            <a:endParaRPr lang="en-US" sz="2000" dirty="0">
+              <a:latin typeface="Lexend Light"/>
+            </a:endParaRPr>
           </a:p>
           <a:p>
             <a:pPr marL="0" indent="0">
@@ -12997,7 +13566,9 @@
               </a:lnSpc>
               <a:buNone/>
             </a:pPr>
-            <a:endParaRPr lang="en-US" sz="2000" dirty="0"/>
+            <a:endParaRPr lang="en-US" sz="2000" dirty="0">
+              <a:latin typeface="Lexend Light"/>
+            </a:endParaRPr>
           </a:p>
           <a:p>
             <a:pPr marL="0" indent="0">
@@ -13006,7 +13577,9 @@
               </a:lnSpc>
               <a:buNone/>
             </a:pPr>
-            <a:endParaRPr lang="en-US" sz="2000" dirty="0"/>
+            <a:endParaRPr lang="en-US" sz="2000" dirty="0">
+              <a:latin typeface="Lexend Light"/>
+            </a:endParaRPr>
           </a:p>
           <a:p>
             <a:pPr marL="0" indent="0">
@@ -13015,7 +13588,9 @@
               </a:lnSpc>
               <a:buNone/>
             </a:pPr>
-            <a:endParaRPr lang="en-US" sz="2000" dirty="0"/>
+            <a:endParaRPr lang="en-US" sz="2000" dirty="0">
+              <a:latin typeface="Lexend Light"/>
+            </a:endParaRPr>
           </a:p>
           <a:p>
             <a:pPr marL="0" indent="0">
@@ -13025,7 +13600,9 @@
               <a:buNone/>
             </a:pPr>
             <a:r>
-              <a:rPr lang="en-US" sz="2000" b="1" dirty="0"/>
+              <a:rPr lang="en-US" sz="2000" b="1" dirty="0">
+                <a:latin typeface="Lexend Light"/>
+              </a:rPr>
               <a:t>The Output:</a:t>
             </a:r>
           </a:p>
@@ -13037,15 +13614,21 @@
               <a:buNone/>
             </a:pPr>
             <a:r>
-              <a:rPr lang="en-US" sz="2000" dirty="0"/>
+              <a:rPr lang="en-US" sz="2000" dirty="0">
+                <a:latin typeface="Lexend Light"/>
+              </a:rPr>
               <a:t>in </a:t>
             </a:r>
             <a:r>
-              <a:rPr lang="en-US" sz="2000" dirty="0" err="1"/>
+              <a:rPr lang="en-US" sz="2000" dirty="0" err="1">
+                <a:latin typeface="Lexend Light"/>
+              </a:rPr>
               <a:t>func</a:t>
             </a:r>
             <a:r>
-              <a:rPr lang="en-US" sz="2000" dirty="0"/>
+              <a:rPr lang="en-US" sz="2000" dirty="0">
+                <a:latin typeface="Lexend Light"/>
+              </a:rPr>
               <a:t>:  10</a:t>
             </a:r>
           </a:p>
@@ -13057,7 +13640,9 @@
               <a:buNone/>
             </a:pPr>
             <a:r>
-              <a:rPr lang="en-US" sz="2000" dirty="0"/>
+              <a:rPr lang="en-US" sz="2000" dirty="0">
+                <a:latin typeface="Lexend Light"/>
+              </a:rPr>
               <a:t>in main space :  10</a:t>
             </a:r>
           </a:p>
@@ -13995,6 +14580,20 @@
 <file path=ppt/slides/slide16.xml><?xml version="1.0" encoding="utf-8"?>
 <p:sld xmlns:a="http://schemas.openxmlformats.org/drawingml/2006/main" xmlns:r="http://schemas.openxmlformats.org/officeDocument/2006/relationships" xmlns:p="http://schemas.openxmlformats.org/presentationml/2006/main">
   <p:cSld>
+    <p:bg>
+      <p:bgPr>
+        <a:blipFill dpi="0" rotWithShape="1">
+          <a:blip r:embed="rId3">
+            <a:lum/>
+          </a:blip>
+          <a:srcRect/>
+          <a:stretch>
+            <a:fillRect/>
+          </a:stretch>
+        </a:blipFill>
+        <a:effectLst/>
+      </p:bgPr>
+    </p:bg>
     <p:spTree>
       <p:nvGrpSpPr>
         <p:cNvPr id="1" name=""/>
@@ -14027,10 +14626,20 @@
           <a:lstStyle/>
           <a:p>
             <a:r>
-              <a:rPr lang="en-US" dirty="0"/>
+              <a:rPr lang="en-US" b="1" dirty="0">
+                <a:solidFill>
+                  <a:srgbClr val="0071F6"/>
+                </a:solidFill>
+                <a:latin typeface="Lexend" panose="020B0604020202020204"/>
+              </a:rPr>
               <a:t>Local and Global Variables – cont’d</a:t>
             </a:r>
-            <a:endParaRPr lang="he-IL" dirty="0"/>
+            <a:endParaRPr lang="he-IL" b="1" dirty="0">
+              <a:solidFill>
+                <a:srgbClr val="0071F6"/>
+              </a:solidFill>
+              <a:latin typeface="Lexend" panose="020B0604020202020204"/>
+            </a:endParaRPr>
           </a:p>
         </p:txBody>
       </p:sp>
@@ -14055,23 +14664,33 @@
               <a:buNone/>
             </a:pPr>
             <a:r>
-              <a:rPr lang="en-US" sz="2400" dirty="0"/>
+              <a:rPr lang="en-US" sz="2400" dirty="0">
+                <a:latin typeface="Lexend Light"/>
+              </a:rPr>
               <a:t>Lets add one new line code to the </a:t>
             </a:r>
             <a:r>
-              <a:rPr lang="en-US" sz="2400" i="1" dirty="0" err="1"/>
+              <a:rPr lang="en-US" sz="2400" i="1" dirty="0" err="1">
+                <a:latin typeface="Lexend Light"/>
+              </a:rPr>
               <a:t>func</a:t>
             </a:r>
             <a:r>
-              <a:rPr lang="en-US" sz="2400" dirty="0"/>
+              <a:rPr lang="en-US" sz="2400" dirty="0">
+                <a:latin typeface="Lexend Light"/>
+              </a:rPr>
               <a:t> function from the </a:t>
             </a:r>
             <a:r>
-              <a:rPr lang="en-US" sz="2400" dirty="0" err="1"/>
+              <a:rPr lang="en-US" sz="2400" dirty="0" err="1">
+                <a:latin typeface="Lexend Light"/>
+              </a:rPr>
               <a:t>previos</a:t>
             </a:r>
             <a:r>
-              <a:rPr lang="en-US" sz="2400" dirty="0"/>
+              <a:rPr lang="en-US" sz="2400" dirty="0">
+                <a:latin typeface="Lexend Light"/>
+              </a:rPr>
               <a:t> example:</a:t>
             </a:r>
           </a:p>
@@ -14079,50 +14698,66 @@
             <a:pPr marL="0" indent="0">
               <a:buNone/>
             </a:pPr>
-            <a:endParaRPr lang="en-US" sz="2400" dirty="0"/>
+            <a:endParaRPr lang="en-US" sz="2400" dirty="0">
+              <a:latin typeface="Lexend Light"/>
+            </a:endParaRPr>
           </a:p>
           <a:p>
             <a:pPr marL="0" indent="0">
               <a:buNone/>
             </a:pPr>
-            <a:endParaRPr lang="en-US" sz="2400" dirty="0"/>
+            <a:endParaRPr lang="en-US" sz="2400" dirty="0">
+              <a:latin typeface="Lexend Light"/>
+            </a:endParaRPr>
           </a:p>
           <a:p>
             <a:pPr marL="0" indent="0">
               <a:buNone/>
             </a:pPr>
-            <a:endParaRPr lang="en-US" sz="2400" dirty="0"/>
+            <a:endParaRPr lang="en-US" sz="2400" dirty="0">
+              <a:latin typeface="Lexend Light"/>
+            </a:endParaRPr>
           </a:p>
           <a:p>
             <a:pPr marL="0" indent="0">
               <a:buNone/>
             </a:pPr>
-            <a:endParaRPr lang="en-US" sz="2400" dirty="0"/>
+            <a:endParaRPr lang="en-US" sz="2400" dirty="0">
+              <a:latin typeface="Lexend Light"/>
+            </a:endParaRPr>
           </a:p>
           <a:p>
             <a:pPr marL="0" indent="0">
               <a:buNone/>
             </a:pPr>
-            <a:endParaRPr lang="en-US" sz="2400" dirty="0"/>
+            <a:endParaRPr lang="en-US" sz="2400" dirty="0">
+              <a:latin typeface="Lexend Light"/>
+            </a:endParaRPr>
           </a:p>
           <a:p>
             <a:pPr marL="0" indent="0">
               <a:buNone/>
             </a:pPr>
-            <a:endParaRPr lang="en-US" sz="2400" dirty="0"/>
+            <a:endParaRPr lang="en-US" sz="2400" dirty="0">
+              <a:latin typeface="Lexend Light"/>
+            </a:endParaRPr>
           </a:p>
           <a:p>
             <a:pPr marL="0" indent="0">
               <a:buNone/>
             </a:pPr>
-            <a:endParaRPr lang="en-US" sz="2400" dirty="0"/>
+            <a:endParaRPr lang="en-US" sz="2400" dirty="0">
+              <a:latin typeface="Lexend Light"/>
+            </a:endParaRPr>
           </a:p>
           <a:p>
             <a:pPr marL="0" indent="0">
               <a:buNone/>
             </a:pPr>
             <a:r>
-              <a:rPr lang="en-US" sz="2400" dirty="0"/>
+              <a:rPr lang="en-US" sz="2400" dirty="0">
+                <a:latin typeface="Lexend Light"/>
+              </a:rPr>
               <a:t>What will be the output now?</a:t>
             </a:r>
           </a:p>
@@ -14131,23 +14766,33 @@
               <a:buNone/>
             </a:pPr>
             <a:r>
-              <a:rPr lang="en-US" sz="2400" dirty="0"/>
+              <a:rPr lang="en-US" sz="2400" dirty="0">
+                <a:latin typeface="Lexend Light"/>
+              </a:rPr>
               <a:t>Python "assumes" that we want a local variable due to the assignment to </a:t>
             </a:r>
             <a:r>
-              <a:rPr lang="en-US" sz="2400" i="1" dirty="0"/>
+              <a:rPr lang="en-US" sz="2400" i="1" dirty="0">
+                <a:latin typeface="Lexend Light"/>
+              </a:rPr>
               <a:t>glob</a:t>
             </a:r>
             <a:r>
-              <a:rPr lang="en-US" sz="2400" dirty="0"/>
+              <a:rPr lang="en-US" sz="2400" dirty="0">
+                <a:latin typeface="Lexend Light"/>
+              </a:rPr>
               <a:t> inside of </a:t>
             </a:r>
             <a:r>
-              <a:rPr lang="en-US" sz="2400" dirty="0" err="1"/>
+              <a:rPr lang="en-US" sz="2400" dirty="0" err="1">
+                <a:latin typeface="Lexend Light"/>
+              </a:rPr>
               <a:t>func</a:t>
             </a:r>
             <a:r>
-              <a:rPr lang="en-US" sz="2400" dirty="0"/>
+              <a:rPr lang="en-US" sz="2400" dirty="0">
+                <a:latin typeface="Lexend Light"/>
+              </a:rPr>
               <a:t>(), so the first print statement throws this error message. </a:t>
             </a:r>
           </a:p>
@@ -14768,6 +15413,20 @@
 <file path=ppt/slides/slide17.xml><?xml version="1.0" encoding="utf-8"?>
 <p:sld xmlns:a="http://schemas.openxmlformats.org/drawingml/2006/main" xmlns:r="http://schemas.openxmlformats.org/officeDocument/2006/relationships" xmlns:p="http://schemas.openxmlformats.org/presentationml/2006/main">
   <p:cSld>
+    <p:bg>
+      <p:bgPr>
+        <a:blipFill dpi="0" rotWithShape="1">
+          <a:blip r:embed="rId3">
+            <a:lum/>
+          </a:blip>
+          <a:srcRect/>
+          <a:stretch>
+            <a:fillRect/>
+          </a:stretch>
+        </a:blipFill>
+        <a:effectLst/>
+      </p:bgPr>
+    </p:bg>
     <p:spTree>
       <p:nvGrpSpPr>
         <p:cNvPr id="1" name=""/>
@@ -14800,10 +15459,20 @@
           <a:lstStyle/>
           <a:p>
             <a:r>
-              <a:rPr lang="en-US" dirty="0"/>
+              <a:rPr lang="en-US" b="1" dirty="0">
+                <a:solidFill>
+                  <a:srgbClr val="0071F6"/>
+                </a:solidFill>
+                <a:latin typeface="Lexend" panose="020B0604020202020204"/>
+              </a:rPr>
               <a:t>Local and Global Variables – cont’d</a:t>
             </a:r>
-            <a:endParaRPr lang="he-IL" dirty="0"/>
+            <a:endParaRPr lang="he-IL" b="1" dirty="0">
+              <a:solidFill>
+                <a:srgbClr val="0071F6"/>
+              </a:solidFill>
+              <a:latin typeface="Lexend" panose="020B0604020202020204"/>
+            </a:endParaRPr>
           </a:p>
         </p:txBody>
       </p:sp>
@@ -14825,23 +15494,33 @@
           <a:lstStyle/>
           <a:p>
             <a:r>
-              <a:rPr lang="en-US" sz="2400" dirty="0"/>
+              <a:rPr lang="en-US" sz="2400" dirty="0">
+                <a:latin typeface="Lexend Light"/>
+              </a:rPr>
               <a:t>Any variable which is changed or created inside of a function is local unless it hasn't been declared as a </a:t>
             </a:r>
             <a:r>
-              <a:rPr lang="en-US" sz="2400" b="1" dirty="0"/>
+              <a:rPr lang="en-US" sz="2400" b="1" dirty="0">
+                <a:latin typeface="Lexend Light"/>
+              </a:rPr>
               <a:t>global</a:t>
             </a:r>
             <a:r>
-              <a:rPr lang="en-US" sz="2400" dirty="0"/>
+              <a:rPr lang="en-US" sz="2400" dirty="0">
+                <a:latin typeface="Lexend Light"/>
+              </a:rPr>
               <a:t> variable. </a:t>
             </a:r>
           </a:p>
           <a:p>
-            <a:endParaRPr lang="en-US" sz="2400" dirty="0"/>
-          </a:p>
-          <a:p>
-            <a:endParaRPr lang="en-US" sz="2400" dirty="0"/>
+            <a:endParaRPr lang="en-US" sz="2400" dirty="0">
+              <a:latin typeface="Lexend Light"/>
+            </a:endParaRPr>
+          </a:p>
+          <a:p>
+            <a:endParaRPr lang="en-US" sz="2400" dirty="0">
+              <a:latin typeface="Lexend Light"/>
+            </a:endParaRPr>
           </a:p>
         </p:txBody>
       </p:sp>
@@ -15511,6 +16190,20 @@
 <file path=ppt/slides/slide18.xml><?xml version="1.0" encoding="utf-8"?>
 <p:sld xmlns:a="http://schemas.openxmlformats.org/drawingml/2006/main" xmlns:r="http://schemas.openxmlformats.org/officeDocument/2006/relationships" xmlns:p="http://schemas.openxmlformats.org/presentationml/2006/main">
   <p:cSld>
+    <p:bg>
+      <p:bgPr>
+        <a:blipFill dpi="0" rotWithShape="1">
+          <a:blip r:embed="rId3">
+            <a:lum/>
+          </a:blip>
+          <a:srcRect/>
+          <a:stretch>
+            <a:fillRect/>
+          </a:stretch>
+        </a:blipFill>
+        <a:effectLst/>
+      </p:bgPr>
+    </p:bg>
     <p:spTree>
       <p:nvGrpSpPr>
         <p:cNvPr id="1" name=""/>
@@ -15543,12 +16236,21 @@
           <a:lstStyle/>
           <a:p>
             <a:r>
-              <a:rPr lang="en-US" dirty="0">
-                <a:effectLst/>
+              <a:rPr lang="en-US" b="1" dirty="0">
+                <a:solidFill>
+                  <a:srgbClr val="0071F6"/>
+                </a:solidFill>
+                <a:effectLst/>
+                <a:latin typeface="Lexend" panose="020B0604020202020204"/>
               </a:rPr>
               <a:t>Pass by reference vs value</a:t>
             </a:r>
-            <a:endParaRPr lang="he-IL" dirty="0"/>
+            <a:endParaRPr lang="he-IL" b="1" dirty="0">
+              <a:solidFill>
+                <a:srgbClr val="0071F6"/>
+              </a:solidFill>
+              <a:latin typeface="Lexend" panose="020B0604020202020204"/>
+            </a:endParaRPr>
           </a:p>
         </p:txBody>
       </p:sp>
@@ -15570,13 +16272,17 @@
           <a:lstStyle/>
           <a:p>
             <a:r>
-              <a:rPr lang="en-US" sz="2400" dirty="0"/>
+              <a:rPr lang="en-US" sz="2400" dirty="0">
+                <a:latin typeface="Lexend Light"/>
+              </a:rPr>
               <a:t>All parameters in the Python language are passed by assignment. </a:t>
             </a:r>
           </a:p>
           <a:p>
             <a:r>
-              <a:rPr lang="en-US" sz="2400" dirty="0"/>
+              <a:rPr lang="en-US" sz="2400" dirty="0">
+                <a:latin typeface="Lexend Light"/>
+              </a:rPr>
               <a:t>If we change what a parameter refers to within a function, the change also reflects back in the calling function. For example:</a:t>
             </a:r>
           </a:p>
@@ -15584,56 +16290,74 @@
             <a:pPr marL="0" indent="0">
               <a:buNone/>
             </a:pPr>
-            <a:endParaRPr lang="en-US" sz="2400" dirty="0"/>
+            <a:endParaRPr lang="en-US" sz="2400" dirty="0">
+              <a:latin typeface="Lexend Light"/>
+            </a:endParaRPr>
           </a:p>
           <a:p>
             <a:pPr marL="0" indent="0">
               <a:buNone/>
             </a:pPr>
-            <a:endParaRPr lang="en-US" sz="2400" dirty="0"/>
+            <a:endParaRPr lang="en-US" sz="2400" dirty="0">
+              <a:latin typeface="Lexend Light"/>
+            </a:endParaRPr>
           </a:p>
           <a:p>
             <a:pPr marL="0" indent="0">
               <a:buNone/>
             </a:pPr>
-            <a:endParaRPr lang="en-US" sz="2400" dirty="0"/>
+            <a:endParaRPr lang="en-US" sz="2400" dirty="0">
+              <a:latin typeface="Lexend Light"/>
+            </a:endParaRPr>
           </a:p>
           <a:p>
             <a:pPr marL="0" indent="0">
               <a:buNone/>
             </a:pPr>
-            <a:endParaRPr lang="en-US" sz="2400" dirty="0"/>
+            <a:endParaRPr lang="en-US" sz="2400" dirty="0">
+              <a:latin typeface="Lexend Light"/>
+            </a:endParaRPr>
           </a:p>
           <a:p>
             <a:pPr marL="0" indent="0">
               <a:buNone/>
             </a:pPr>
-            <a:endParaRPr lang="en-US" sz="2400" dirty="0"/>
+            <a:endParaRPr lang="en-US" sz="2400" dirty="0">
+              <a:latin typeface="Lexend Light"/>
+            </a:endParaRPr>
           </a:p>
           <a:p>
             <a:pPr marL="0" indent="0">
               <a:buNone/>
             </a:pPr>
-            <a:endParaRPr lang="en-US" sz="2400" dirty="0"/>
+            <a:endParaRPr lang="en-US" sz="2400" dirty="0">
+              <a:latin typeface="Lexend Light"/>
+            </a:endParaRPr>
           </a:p>
           <a:p>
             <a:pPr marL="0" indent="0">
               <a:buNone/>
             </a:pPr>
-            <a:endParaRPr lang="en-US" sz="2400" dirty="0"/>
+            <a:endParaRPr lang="en-US" sz="2400" dirty="0">
+              <a:latin typeface="Lexend Light"/>
+            </a:endParaRPr>
           </a:p>
           <a:p>
             <a:pPr marL="0" indent="0">
               <a:buNone/>
             </a:pPr>
-            <a:endParaRPr lang="en-US" sz="2400" dirty="0"/>
+            <a:endParaRPr lang="en-US" sz="2400" dirty="0">
+              <a:latin typeface="Lexend Light"/>
+            </a:endParaRPr>
           </a:p>
           <a:p>
             <a:pPr marL="0" indent="0">
               <a:buNone/>
             </a:pPr>
             <a:r>
-              <a:rPr lang="en-US" sz="2400" b="1" dirty="0"/>
+              <a:rPr lang="en-US" sz="2400" b="1" dirty="0">
+                <a:latin typeface="Lexend Light"/>
+              </a:rPr>
               <a:t>The Output:</a:t>
             </a:r>
           </a:p>
@@ -15642,7 +16366,9 @@
               <a:buNone/>
             </a:pPr>
             <a:r>
-              <a:rPr lang="en-US" sz="2400" dirty="0"/>
+              <a:rPr lang="en-US" sz="2400" dirty="0">
+                <a:latin typeface="Lexend Light"/>
+              </a:rPr>
               <a:t>inside the function:  [1, 2, 3, 4]</a:t>
             </a:r>
           </a:p>
@@ -15651,7 +16377,9 @@
               <a:buNone/>
             </a:pPr>
             <a:r>
-              <a:rPr lang="en-US" sz="2400" dirty="0"/>
+              <a:rPr lang="en-US" sz="2400" dirty="0">
+                <a:latin typeface="Lexend Light"/>
+              </a:rPr>
               <a:t>outside the function:  [1, 2, 3, 4]</a:t>
             </a:r>
           </a:p>
@@ -16274,7 +17002,7 @@
           <p:nvPr/>
         </p:nvPicPr>
         <p:blipFill>
-          <a:blip r:embed="rId3">
+          <a:blip r:embed="rId4">
             <a:extLst>
               <a:ext uri="{28A0092B-C50C-407E-A947-70E740481C1C}">
                 <a14:useLocalDpi xmlns:a14="http://schemas.microsoft.com/office/drawing/2010/main" val="0"/>
@@ -16322,6 +17050,20 @@
 <file path=ppt/slides/slide19.xml><?xml version="1.0" encoding="utf-8"?>
 <p:sld xmlns:a="http://schemas.openxmlformats.org/drawingml/2006/main" xmlns:r="http://schemas.openxmlformats.org/officeDocument/2006/relationships" xmlns:p="http://schemas.openxmlformats.org/presentationml/2006/main">
   <p:cSld>
+    <p:bg>
+      <p:bgPr>
+        <a:blipFill dpi="0" rotWithShape="1">
+          <a:blip r:embed="rId3">
+            <a:lum/>
+          </a:blip>
+          <a:srcRect/>
+          <a:stretch>
+            <a:fillRect/>
+          </a:stretch>
+        </a:blipFill>
+        <a:effectLst/>
+      </p:bgPr>
+    </p:bg>
     <p:spTree>
       <p:nvGrpSpPr>
         <p:cNvPr id="1" name=""/>
@@ -16354,12 +17096,21 @@
           <a:lstStyle/>
           <a:p>
             <a:r>
-              <a:rPr lang="en-US" dirty="0">
-                <a:effectLst/>
+              <a:rPr lang="en-US" b="1" dirty="0">
+                <a:solidFill>
+                  <a:srgbClr val="0071F6"/>
+                </a:solidFill>
+                <a:effectLst/>
+                <a:latin typeface="Lexend" panose="020B0604020202020204"/>
               </a:rPr>
               <a:t>Pass by reference vs value – cont’d</a:t>
             </a:r>
-            <a:endParaRPr lang="he-IL" dirty="0"/>
+            <a:endParaRPr lang="he-IL" b="1" dirty="0">
+              <a:solidFill>
+                <a:srgbClr val="0071F6"/>
+              </a:solidFill>
+              <a:latin typeface="Lexend" panose="020B0604020202020204"/>
+            </a:endParaRPr>
           </a:p>
         </p:txBody>
       </p:sp>
@@ -16383,56 +17134,74 @@
             <a:pPr marL="0" indent="0">
               <a:buNone/>
             </a:pPr>
-            <a:endParaRPr lang="en-US" sz="2400" dirty="0"/>
+            <a:endParaRPr lang="en-US" sz="2400" dirty="0">
+              <a:latin typeface="Lexend Light"/>
+            </a:endParaRPr>
           </a:p>
           <a:p>
             <a:pPr marL="0" indent="0">
               <a:buNone/>
             </a:pPr>
-            <a:endParaRPr lang="en-US" sz="2400" dirty="0"/>
+            <a:endParaRPr lang="en-US" sz="2400" dirty="0">
+              <a:latin typeface="Lexend Light"/>
+            </a:endParaRPr>
           </a:p>
           <a:p>
             <a:pPr marL="0" indent="0">
               <a:buNone/>
             </a:pPr>
-            <a:endParaRPr lang="en-US" sz="2400" dirty="0"/>
+            <a:endParaRPr lang="en-US" sz="2400" dirty="0">
+              <a:latin typeface="Lexend Light"/>
+            </a:endParaRPr>
           </a:p>
           <a:p>
             <a:pPr marL="0" indent="0">
               <a:buNone/>
             </a:pPr>
-            <a:endParaRPr lang="en-US" sz="2400" dirty="0"/>
+            <a:endParaRPr lang="en-US" sz="2400" dirty="0">
+              <a:latin typeface="Lexend Light"/>
+            </a:endParaRPr>
           </a:p>
           <a:p>
             <a:pPr marL="0" indent="0">
               <a:buNone/>
             </a:pPr>
-            <a:endParaRPr lang="en-US" sz="2400" dirty="0"/>
+            <a:endParaRPr lang="en-US" sz="2400" dirty="0">
+              <a:latin typeface="Lexend Light"/>
+            </a:endParaRPr>
           </a:p>
           <a:p>
             <a:pPr marL="0" indent="0">
               <a:buNone/>
             </a:pPr>
-            <a:endParaRPr lang="en-US" sz="2400" dirty="0"/>
+            <a:endParaRPr lang="en-US" sz="2400" dirty="0">
+              <a:latin typeface="Lexend Light"/>
+            </a:endParaRPr>
           </a:p>
           <a:p>
             <a:pPr marL="0" indent="0">
               <a:buNone/>
             </a:pPr>
-            <a:endParaRPr lang="en-US" sz="2400" dirty="0"/>
+            <a:endParaRPr lang="en-US" sz="2400" dirty="0">
+              <a:latin typeface="Lexend Light"/>
+            </a:endParaRPr>
           </a:p>
           <a:p>
             <a:pPr marL="0" indent="0">
               <a:buNone/>
             </a:pPr>
-            <a:endParaRPr lang="en-US" sz="2400" dirty="0"/>
+            <a:endParaRPr lang="en-US" sz="2400" dirty="0">
+              <a:latin typeface="Lexend Light"/>
+            </a:endParaRPr>
           </a:p>
           <a:p>
             <a:pPr marL="0" indent="0">
               <a:buNone/>
             </a:pPr>
             <a:r>
-              <a:rPr lang="en-US" sz="2400" b="1" dirty="0"/>
+              <a:rPr lang="en-US" sz="2400" b="1" dirty="0">
+                <a:latin typeface="Lexend Light"/>
+              </a:rPr>
               <a:t>The Output:</a:t>
             </a:r>
           </a:p>
@@ -16441,7 +17210,9 @@
               <a:buNone/>
             </a:pPr>
             <a:r>
-              <a:rPr lang="en-US" sz="2400" dirty="0"/>
+              <a:rPr lang="en-US" sz="2400" dirty="0">
+                <a:latin typeface="Lexend Light"/>
+              </a:rPr>
               <a:t>inside the function:  [4]</a:t>
             </a:r>
           </a:p>
@@ -16450,7 +17221,9 @@
               <a:buNone/>
             </a:pPr>
             <a:r>
-              <a:rPr lang="en-US" sz="2400" dirty="0"/>
+              <a:rPr lang="en-US" sz="2400" dirty="0">
+                <a:latin typeface="Lexend Light"/>
+              </a:rPr>
               <a:t>outside the function:  [1, 2, 3]</a:t>
             </a:r>
           </a:p>
@@ -17087,6 +17860,20 @@
 <file path=ppt/slides/slide2.xml><?xml version="1.0" encoding="utf-8"?>
 <p:sld xmlns:a="http://schemas.openxmlformats.org/drawingml/2006/main" xmlns:r="http://schemas.openxmlformats.org/officeDocument/2006/relationships" xmlns:p="http://schemas.openxmlformats.org/presentationml/2006/main">
   <p:cSld>
+    <p:bg>
+      <p:bgPr>
+        <a:blipFill dpi="0" rotWithShape="1">
+          <a:blip r:embed="rId2">
+            <a:lum/>
+          </a:blip>
+          <a:srcRect/>
+          <a:stretch>
+            <a:fillRect/>
+          </a:stretch>
+        </a:blipFill>
+        <a:effectLst/>
+      </p:bgPr>
+    </p:bg>
     <p:spTree>
       <p:nvGrpSpPr>
         <p:cNvPr id="1" name=""/>
@@ -17127,7 +17914,9 @@
               </a:spcBef>
             </a:pPr>
             <a:r>
-              <a:rPr lang="en-US" dirty="0"/>
+              <a:rPr lang="en-US" dirty="0">
+                <a:latin typeface="Lexend Light"/>
+              </a:rPr>
               <a:t>What is Function?	</a:t>
             </a:r>
           </a:p>
@@ -17141,7 +17930,9 @@
               </a:spcBef>
             </a:pPr>
             <a:r>
-              <a:rPr lang="en-US" dirty="0"/>
+              <a:rPr lang="en-US" dirty="0">
+                <a:latin typeface="Lexend Light"/>
+              </a:rPr>
               <a:t>Function Definition</a:t>
             </a:r>
           </a:p>
@@ -17155,7 +17946,9 @@
               </a:spcBef>
             </a:pPr>
             <a:r>
-              <a:rPr lang="en-US" dirty="0"/>
+              <a:rPr lang="en-US" dirty="0">
+                <a:latin typeface="Lexend Light"/>
+              </a:rPr>
               <a:t>Function Arguments</a:t>
             </a:r>
           </a:p>
@@ -17169,7 +17962,9 @@
               </a:spcBef>
             </a:pPr>
             <a:r>
-              <a:rPr lang="en-US" dirty="0"/>
+              <a:rPr lang="en-US" dirty="0">
+                <a:latin typeface="Lexend Light"/>
+              </a:rPr>
               <a:t>Local and Global Variables</a:t>
             </a:r>
           </a:p>
@@ -17183,7 +17978,9 @@
               </a:spcBef>
             </a:pPr>
             <a:r>
-              <a:rPr lang="en-US" dirty="0"/>
+              <a:rPr lang="en-US" dirty="0">
+                <a:latin typeface="Lexend Light"/>
+              </a:rPr>
               <a:t>Pass by reference vs value</a:t>
             </a:r>
           </a:p>
@@ -17197,7 +17994,9 @@
               </a:spcBef>
             </a:pPr>
             <a:r>
-              <a:rPr lang="en-US" dirty="0"/>
+              <a:rPr lang="en-US" dirty="0">
+                <a:latin typeface="Lexend Light"/>
+              </a:rPr>
               <a:t>Modules in Python</a:t>
             </a:r>
           </a:p>
@@ -17211,7 +18010,9 @@
               </a:spcBef>
             </a:pPr>
             <a:r>
-              <a:rPr lang="en-US" dirty="0"/>
+              <a:rPr lang="en-US" dirty="0">
+                <a:latin typeface="Lexend Light"/>
+              </a:rPr>
               <a:t>Import Statement</a:t>
             </a:r>
           </a:p>
@@ -17225,15 +18026,21 @@
               </a:spcBef>
             </a:pPr>
             <a:r>
-              <a:rPr lang="en-US" dirty="0"/>
+              <a:rPr lang="en-US" dirty="0">
+                <a:latin typeface="Lexend Light"/>
+              </a:rPr>
               <a:t>The </a:t>
             </a:r>
             <a:r>
-              <a:rPr lang="en-US" i="1" dirty="0"/>
+              <a:rPr lang="en-US" i="1" dirty="0">
+                <a:latin typeface="Lexend Light"/>
+              </a:rPr>
               <a:t>from</a:t>
             </a:r>
             <a:r>
-              <a:rPr lang="en-US" dirty="0"/>
+              <a:rPr lang="en-US" dirty="0">
+                <a:latin typeface="Lexend Light"/>
+              </a:rPr>
               <a:t> .. Import statement</a:t>
             </a:r>
           </a:p>
@@ -17247,7 +18054,9 @@
               </a:spcBef>
             </a:pPr>
             <a:r>
-              <a:rPr lang="en-US" dirty="0"/>
+              <a:rPr lang="en-US" dirty="0">
+                <a:latin typeface="Lexend Light"/>
+              </a:rPr>
               <a:t>Locating Modules</a:t>
             </a:r>
           </a:p>
@@ -17261,7 +18070,9 @@
               </a:spcBef>
             </a:pPr>
             <a:r>
-              <a:rPr lang="en-US" dirty="0"/>
+              <a:rPr lang="en-US" dirty="0">
+                <a:latin typeface="Lexend Light"/>
+              </a:rPr>
               <a:t>Packages intro</a:t>
             </a:r>
           </a:p>
@@ -17275,7 +18086,9 @@
               </a:spcBef>
             </a:pPr>
             <a:r>
-              <a:rPr lang="en-US" dirty="0"/>
+              <a:rPr lang="en-US" dirty="0">
+                <a:latin typeface="Lexend Light"/>
+              </a:rPr>
               <a:t>Useful built-in statements</a:t>
             </a:r>
           </a:p>
@@ -17297,10 +18110,20 @@
           <a:lstStyle/>
           <a:p>
             <a:r>
-              <a:rPr lang="en-US"/>
+              <a:rPr lang="en-US" b="1" dirty="0">
+                <a:solidFill>
+                  <a:srgbClr val="0071F6"/>
+                </a:solidFill>
+                <a:latin typeface="Lexend" panose="020B0604020202020204"/>
+              </a:rPr>
               <a:t>Agenda</a:t>
             </a:r>
-            <a:endParaRPr lang="he-IL"/>
+            <a:endParaRPr lang="he-IL" b="1" dirty="0">
+              <a:solidFill>
+                <a:srgbClr val="0071F6"/>
+              </a:solidFill>
+              <a:latin typeface="Lexend" panose="020B0604020202020204"/>
+            </a:endParaRPr>
           </a:p>
         </p:txBody>
       </p:sp>
@@ -17320,6 +18143,20 @@
 <file path=ppt/slides/slide20.xml><?xml version="1.0" encoding="utf-8"?>
 <p:sld xmlns:a="http://schemas.openxmlformats.org/drawingml/2006/main" xmlns:r="http://schemas.openxmlformats.org/officeDocument/2006/relationships" xmlns:p="http://schemas.openxmlformats.org/presentationml/2006/main">
   <p:cSld>
+    <p:bg>
+      <p:bgPr>
+        <a:blipFill dpi="0" rotWithShape="1">
+          <a:blip r:embed="rId3">
+            <a:lum/>
+          </a:blip>
+          <a:srcRect/>
+          <a:stretch>
+            <a:fillRect/>
+          </a:stretch>
+        </a:blipFill>
+        <a:effectLst/>
+      </p:bgPr>
+    </p:bg>
     <p:spTree>
       <p:nvGrpSpPr>
         <p:cNvPr id="1" name=""/>
@@ -17352,12 +18189,21 @@
           <a:lstStyle/>
           <a:p>
             <a:r>
-              <a:rPr lang="en-US" dirty="0">
-                <a:effectLst/>
+              <a:rPr lang="en-US" b="1" dirty="0">
+                <a:solidFill>
+                  <a:srgbClr val="0071F6"/>
+                </a:solidFill>
+                <a:effectLst/>
+                <a:latin typeface="Lexend" panose="020B0604020202020204"/>
               </a:rPr>
               <a:t>Pass by reference vs value – cont’d</a:t>
             </a:r>
-            <a:endParaRPr lang="he-IL" dirty="0"/>
+            <a:endParaRPr lang="he-IL" b="1" dirty="0">
+              <a:solidFill>
+                <a:srgbClr val="0071F6"/>
+              </a:solidFill>
+              <a:latin typeface="Lexend" panose="020B0604020202020204"/>
+            </a:endParaRPr>
           </a:p>
         </p:txBody>
       </p:sp>
@@ -17381,50 +18227,66 @@
             <a:pPr marL="0" indent="0">
               <a:buNone/>
             </a:pPr>
-            <a:endParaRPr lang="en-US" sz="2400" dirty="0"/>
+            <a:endParaRPr lang="en-US" sz="2400" dirty="0">
+              <a:latin typeface="Lexend Light"/>
+            </a:endParaRPr>
           </a:p>
           <a:p>
             <a:pPr marL="0" indent="0">
               <a:buNone/>
             </a:pPr>
-            <a:endParaRPr lang="en-US" sz="2400" dirty="0"/>
+            <a:endParaRPr lang="en-US" sz="2400" dirty="0">
+              <a:latin typeface="Lexend Light"/>
+            </a:endParaRPr>
           </a:p>
           <a:p>
             <a:pPr marL="0" indent="0">
               <a:buNone/>
             </a:pPr>
-            <a:endParaRPr lang="en-US" sz="2400" dirty="0"/>
+            <a:endParaRPr lang="en-US" sz="2400" dirty="0">
+              <a:latin typeface="Lexend Light"/>
+            </a:endParaRPr>
           </a:p>
           <a:p>
             <a:pPr marL="0" indent="0">
               <a:buNone/>
             </a:pPr>
-            <a:endParaRPr lang="en-US" sz="2400" dirty="0"/>
+            <a:endParaRPr lang="en-US" sz="2400" dirty="0">
+              <a:latin typeface="Lexend Light"/>
+            </a:endParaRPr>
           </a:p>
           <a:p>
             <a:pPr marL="0" indent="0">
               <a:buNone/>
             </a:pPr>
-            <a:endParaRPr lang="en-US" sz="2400" dirty="0"/>
+            <a:endParaRPr lang="en-US" sz="2400" dirty="0">
+              <a:latin typeface="Lexend Light"/>
+            </a:endParaRPr>
           </a:p>
           <a:p>
             <a:pPr marL="0" indent="0">
               <a:buNone/>
             </a:pPr>
-            <a:endParaRPr lang="en-US" sz="2400" dirty="0"/>
+            <a:endParaRPr lang="en-US" sz="2400" dirty="0">
+              <a:latin typeface="Lexend Light"/>
+            </a:endParaRPr>
           </a:p>
           <a:p>
             <a:pPr marL="0" indent="0">
               <a:buNone/>
             </a:pPr>
-            <a:endParaRPr lang="en-US" sz="2400" dirty="0"/>
+            <a:endParaRPr lang="en-US" sz="2400" dirty="0">
+              <a:latin typeface="Lexend Light"/>
+            </a:endParaRPr>
           </a:p>
           <a:p>
             <a:pPr marL="0" indent="0">
               <a:buNone/>
             </a:pPr>
             <a:r>
-              <a:rPr lang="en-US" sz="2400" b="1" dirty="0"/>
+              <a:rPr lang="en-US" sz="2400" b="1" dirty="0">
+                <a:latin typeface="Lexend Light"/>
+              </a:rPr>
               <a:t>The Output:</a:t>
             </a:r>
           </a:p>
@@ -17433,7 +18295,9 @@
               <a:buNone/>
             </a:pPr>
             <a:r>
-              <a:rPr lang="en-US" sz="2400" dirty="0"/>
+              <a:rPr lang="en-US" sz="2400" dirty="0">
+                <a:latin typeface="Lexend Light"/>
+              </a:rPr>
               <a:t>inside the function:  is fun</a:t>
             </a:r>
           </a:p>
@@ -17442,7 +18306,9 @@
               <a:buNone/>
             </a:pPr>
             <a:r>
-              <a:rPr lang="en-US" sz="2400" dirty="0"/>
+              <a:rPr lang="en-US" sz="2400" dirty="0">
+                <a:latin typeface="Lexend Light"/>
+              </a:rPr>
               <a:t>outside the function:  python</a:t>
             </a:r>
           </a:p>
@@ -17911,6 +18777,20 @@
 <file path=ppt/slides/slide21.xml><?xml version="1.0" encoding="utf-8"?>
 <p:sld xmlns:a="http://schemas.openxmlformats.org/drawingml/2006/main" xmlns:r="http://schemas.openxmlformats.org/officeDocument/2006/relationships" xmlns:p="http://schemas.openxmlformats.org/presentationml/2006/main">
   <p:cSld>
+    <p:bg>
+      <p:bgPr>
+        <a:blipFill dpi="0" rotWithShape="1">
+          <a:blip r:embed="rId3">
+            <a:lum/>
+          </a:blip>
+          <a:srcRect/>
+          <a:stretch>
+            <a:fillRect/>
+          </a:stretch>
+        </a:blipFill>
+        <a:effectLst/>
+      </p:bgPr>
+    </p:bg>
     <p:spTree>
       <p:nvGrpSpPr>
         <p:cNvPr id="1" name=""/>
@@ -17943,10 +18823,20 @@
           <a:lstStyle/>
           <a:p>
             <a:r>
-              <a:rPr lang="en-US" dirty="0"/>
+              <a:rPr lang="en-US" b="1" dirty="0">
+                <a:solidFill>
+                  <a:srgbClr val="0071F6"/>
+                </a:solidFill>
+                <a:latin typeface="Lexend" panose="020B0604020202020204"/>
+              </a:rPr>
               <a:t>Modules in Python</a:t>
             </a:r>
-            <a:endParaRPr lang="he-IL" dirty="0"/>
+            <a:endParaRPr lang="he-IL" b="1" dirty="0">
+              <a:solidFill>
+                <a:srgbClr val="0071F6"/>
+              </a:solidFill>
+              <a:latin typeface="Lexend" panose="020B0604020202020204"/>
+            </a:endParaRPr>
           </a:p>
         </p:txBody>
       </p:sp>
@@ -17973,33 +18863,45 @@
           <a:lstStyle/>
           <a:p>
             <a:r>
-              <a:rPr lang="en-US" sz="2400" dirty="0"/>
+              <a:rPr lang="en-US" sz="2400" dirty="0">
+                <a:latin typeface="Lexend Light"/>
+              </a:rPr>
               <a:t>As your program gets longer, you may want to split it into several source files for easier maintenance</a:t>
             </a:r>
           </a:p>
           <a:p>
             <a:r>
-              <a:rPr lang="en-US" sz="2400" dirty="0"/>
+              <a:rPr lang="en-US" sz="2400" dirty="0">
+                <a:latin typeface="Lexend Light"/>
+              </a:rPr>
               <a:t>File that contains definitions only can be treated as module and can be used in python programs. </a:t>
             </a:r>
           </a:p>
           <a:p>
             <a:r>
-              <a:rPr lang="en-US" sz="2400" dirty="0"/>
+              <a:rPr lang="en-US" sz="2400" dirty="0">
+                <a:latin typeface="Lexend Light"/>
+              </a:rPr>
               <a:t>Module can define functions, classes and global variables</a:t>
             </a:r>
           </a:p>
           <a:p>
             <a:r>
-              <a:rPr lang="en-US" sz="2400" dirty="0"/>
+              <a:rPr lang="en-US" sz="2400" dirty="0">
+                <a:latin typeface="Lexend Light"/>
+              </a:rPr>
               <a:t>Definitions from a module can be </a:t>
             </a:r>
             <a:r>
-              <a:rPr lang="en-US" sz="2400" i="1" dirty="0"/>
+              <a:rPr lang="en-US" sz="2400" i="1" dirty="0">
+                <a:latin typeface="Lexend Light"/>
+              </a:rPr>
               <a:t>imported</a:t>
             </a:r>
             <a:r>
-              <a:rPr lang="en-US" sz="2400" dirty="0"/>
+              <a:rPr lang="en-US" sz="2400" dirty="0">
+                <a:latin typeface="Lexend Light"/>
+              </a:rPr>
               <a:t> into python program and other modules</a:t>
             </a:r>
           </a:p>
@@ -18200,7 +19102,7 @@
           <p:nvPr/>
         </p:nvPicPr>
         <p:blipFill>
-          <a:blip r:embed="rId3"/>
+          <a:blip r:embed="rId4"/>
           <a:stretch>
             <a:fillRect/>
           </a:stretch>
@@ -18231,6 +19133,20 @@
 <file path=ppt/slides/slide22.xml><?xml version="1.0" encoding="utf-8"?>
 <p:sld xmlns:a="http://schemas.openxmlformats.org/drawingml/2006/main" xmlns:r="http://schemas.openxmlformats.org/officeDocument/2006/relationships" xmlns:p="http://schemas.openxmlformats.org/presentationml/2006/main">
   <p:cSld>
+    <p:bg>
+      <p:bgPr>
+        <a:blipFill dpi="0" rotWithShape="1">
+          <a:blip r:embed="rId3">
+            <a:lum/>
+          </a:blip>
+          <a:srcRect/>
+          <a:stretch>
+            <a:fillRect/>
+          </a:stretch>
+        </a:blipFill>
+        <a:effectLst/>
+      </p:bgPr>
+    </p:bg>
     <p:spTree>
       <p:nvGrpSpPr>
         <p:cNvPr id="1" name=""/>
@@ -18263,10 +19179,20 @@
           <a:lstStyle/>
           <a:p>
             <a:r>
-              <a:rPr lang="en-US" dirty="0"/>
+              <a:rPr lang="en-US" b="1" dirty="0">
+                <a:solidFill>
+                  <a:srgbClr val="0071F6"/>
+                </a:solidFill>
+                <a:latin typeface="Lexend" panose="020B0604020202020204"/>
+              </a:rPr>
               <a:t>Import Statement</a:t>
             </a:r>
-            <a:endParaRPr lang="he-IL" dirty="0"/>
+            <a:endParaRPr lang="he-IL" b="1" dirty="0">
+              <a:solidFill>
+                <a:srgbClr val="0071F6"/>
+              </a:solidFill>
+              <a:latin typeface="Lexend" panose="020B0604020202020204"/>
+            </a:endParaRPr>
           </a:p>
         </p:txBody>
       </p:sp>
@@ -18288,27 +19214,39 @@
           <a:lstStyle/>
           <a:p>
             <a:r>
-              <a:rPr lang="en-US" sz="2400" i="1" dirty="0"/>
+              <a:rPr lang="en-US" sz="2400" i="1" dirty="0">
+                <a:latin typeface="Lexend Light"/>
+              </a:rPr>
               <a:t>import </a:t>
             </a:r>
             <a:r>
-              <a:rPr lang="en-US" sz="2400" i="1" dirty="0" err="1"/>
+              <a:rPr lang="en-US" sz="2400" i="1" dirty="0" err="1">
+                <a:latin typeface="Lexend Light"/>
+              </a:rPr>
               <a:t>module_name</a:t>
             </a:r>
             <a:r>
-              <a:rPr lang="en-US" sz="2400" dirty="0"/>
+              <a:rPr lang="en-US" sz="2400" dirty="0">
+                <a:latin typeface="Lexend Light"/>
+              </a:rPr>
               <a:t> imports all the </a:t>
             </a:r>
             <a:r>
-              <a:rPr lang="en-US" sz="2400" i="1" dirty="0" err="1"/>
+              <a:rPr lang="en-US" sz="2400" i="1" dirty="0" err="1">
+                <a:latin typeface="Lexend Light"/>
+              </a:rPr>
               <a:t>module_name</a:t>
             </a:r>
             <a:r>
-              <a:rPr lang="en-US" sz="2400" dirty="0" err="1"/>
+              <a:rPr lang="en-US" sz="2400" dirty="0" err="1">
+                <a:latin typeface="Lexend Light"/>
+              </a:rPr>
               <a:t>’s</a:t>
             </a:r>
             <a:r>
-              <a:rPr lang="en-US" sz="2400" dirty="0"/>
+              <a:rPr lang="en-US" sz="2400" dirty="0">
+                <a:latin typeface="Lexend Light"/>
+              </a:rPr>
               <a:t> definitions under namespace </a:t>
             </a:r>
           </a:p>
@@ -18317,32 +19255,46 @@
               <a:buNone/>
             </a:pPr>
             <a:r>
-              <a:rPr lang="en-US" sz="2400" dirty="0"/>
+              <a:rPr lang="en-US" sz="2400" dirty="0">
+                <a:latin typeface="Lexend Light"/>
+              </a:rPr>
               <a:t>	import </a:t>
             </a:r>
             <a:r>
-              <a:rPr lang="en-US" sz="2400" dirty="0" err="1"/>
+              <a:rPr lang="en-US" sz="2400" dirty="0" err="1">
+                <a:latin typeface="Lexend Light"/>
+              </a:rPr>
               <a:t>my_module</a:t>
             </a:r>
-            <a:endParaRPr lang="en-US" sz="2400" dirty="0"/>
-          </a:p>
-          <a:p>
-            <a:r>
-              <a:rPr lang="en-US" sz="2400" dirty="0"/>
+            <a:endParaRPr lang="en-US" sz="2400" dirty="0">
+              <a:latin typeface="Lexend Light"/>
+            </a:endParaRPr>
+          </a:p>
+          <a:p>
+            <a:r>
+              <a:rPr lang="en-US" sz="2400" dirty="0">
+                <a:latin typeface="Lexend Light"/>
+              </a:rPr>
               <a:t>The default namespace name is module name. </a:t>
             </a:r>
           </a:p>
           <a:p>
             <a:r>
-              <a:rPr lang="en-US" sz="2400" dirty="0"/>
+              <a:rPr lang="en-US" sz="2400" dirty="0">
+                <a:latin typeface="Lexend Light"/>
+              </a:rPr>
               <a:t>Namespace name can be changed with </a:t>
             </a:r>
             <a:r>
-              <a:rPr lang="en-US" sz="2400" i="1" dirty="0"/>
+              <a:rPr lang="en-US" sz="2400" i="1" dirty="0">
+                <a:latin typeface="Lexend Light"/>
+              </a:rPr>
               <a:t>as</a:t>
             </a:r>
             <a:r>
-              <a:rPr lang="en-US" sz="2400" dirty="0"/>
+              <a:rPr lang="en-US" sz="2400" dirty="0">
+                <a:latin typeface="Lexend Light"/>
+              </a:rPr>
               <a:t> statement in import line</a:t>
             </a:r>
           </a:p>
@@ -18351,21 +19303,29 @@
               <a:buNone/>
             </a:pPr>
             <a:r>
-              <a:rPr lang="en-US" sz="2400" dirty="0"/>
+              <a:rPr lang="en-US" sz="2400" dirty="0">
+                <a:latin typeface="Lexend Light"/>
+              </a:rPr>
               <a:t>	import </a:t>
             </a:r>
             <a:r>
-              <a:rPr lang="en-US" sz="2400" dirty="0" err="1"/>
+              <a:rPr lang="en-US" sz="2400" dirty="0" err="1">
+                <a:latin typeface="Lexend Light"/>
+              </a:rPr>
               <a:t>my_module</a:t>
             </a:r>
             <a:r>
-              <a:rPr lang="en-US" sz="2400" dirty="0"/>
+              <a:rPr lang="en-US" sz="2400" dirty="0">
+                <a:latin typeface="Lexend Light"/>
+              </a:rPr>
               <a:t> as MM</a:t>
             </a:r>
           </a:p>
           <a:p>
             <a:r>
-              <a:rPr lang="en-US" sz="2400" dirty="0"/>
+              <a:rPr lang="en-US" sz="2400" dirty="0">
+                <a:latin typeface="Lexend Light"/>
+              </a:rPr>
               <a:t>All module’s definitions can be accessed through namespace only</a:t>
             </a:r>
           </a:p>
@@ -18374,15 +19334,21 @@
               <a:buNone/>
             </a:pPr>
             <a:r>
-              <a:rPr lang="en-US" sz="2400" dirty="0"/>
+              <a:rPr lang="en-US" sz="2400" dirty="0">
+                <a:latin typeface="Lexend Light"/>
+              </a:rPr>
               <a:t>	 </a:t>
             </a:r>
             <a:r>
-              <a:rPr lang="en-US" sz="2400" dirty="0" err="1"/>
+              <a:rPr lang="en-US" sz="2400" dirty="0" err="1">
+                <a:latin typeface="Lexend Light"/>
+              </a:rPr>
               <a:t>my_module.my_func</a:t>
             </a:r>
             <a:r>
-              <a:rPr lang="en-US" sz="2400" dirty="0"/>
+              <a:rPr lang="en-US" sz="2400" dirty="0">
+                <a:latin typeface="Lexend Light"/>
+              </a:rPr>
               <a:t>(…)</a:t>
             </a:r>
           </a:p>
@@ -18404,6 +19370,20 @@
 <file path=ppt/slides/slide23.xml><?xml version="1.0" encoding="utf-8"?>
 <p:sld xmlns:a="http://schemas.openxmlformats.org/drawingml/2006/main" xmlns:r="http://schemas.openxmlformats.org/officeDocument/2006/relationships" xmlns:p="http://schemas.openxmlformats.org/presentationml/2006/main">
   <p:cSld>
+    <p:bg>
+      <p:bgPr>
+        <a:blipFill dpi="0" rotWithShape="1">
+          <a:blip r:embed="rId3">
+            <a:lum/>
+          </a:blip>
+          <a:srcRect/>
+          <a:stretch>
+            <a:fillRect/>
+          </a:stretch>
+        </a:blipFill>
+        <a:effectLst/>
+      </p:bgPr>
+    </p:bg>
     <p:spTree>
       <p:nvGrpSpPr>
         <p:cNvPr id="1" name=""/>
@@ -18436,10 +19416,20 @@
           <a:lstStyle/>
           <a:p>
             <a:r>
-              <a:rPr lang="en-US" dirty="0"/>
+              <a:rPr lang="en-US" b="1" dirty="0">
+                <a:solidFill>
+                  <a:srgbClr val="0071F6"/>
+                </a:solidFill>
+                <a:latin typeface="Lexend" panose="020B0604020202020204"/>
+              </a:rPr>
               <a:t>Import Statement - example</a:t>
             </a:r>
-            <a:endParaRPr lang="he-IL" dirty="0"/>
+            <a:endParaRPr lang="he-IL" b="1" dirty="0">
+              <a:solidFill>
+                <a:srgbClr val="0071F6"/>
+              </a:solidFill>
+              <a:latin typeface="Lexend" panose="020B0604020202020204"/>
+            </a:endParaRPr>
           </a:p>
         </p:txBody>
       </p:sp>
@@ -18461,14 +19451,18 @@
           <a:lstStyle/>
           <a:p>
             <a:r>
-              <a:rPr lang="en-US" sz="2400" dirty="0"/>
+              <a:rPr lang="en-US" sz="2400" dirty="0">
+                <a:latin typeface="Lexend Light"/>
+              </a:rPr>
               <a:t>Lets say we have utils.py file with 2 function:</a:t>
             </a:r>
           </a:p>
           <a:p>
             <a:pPr lvl="1"/>
             <a:r>
-              <a:rPr lang="en-US" dirty="0"/>
+              <a:rPr lang="en-US" dirty="0">
+                <a:latin typeface="Lexend Light"/>
+              </a:rPr>
               <a:t>def do_somthing1():</a:t>
             </a:r>
           </a:p>
@@ -18477,7 +19471,9 @@
               <a:buNone/>
             </a:pPr>
             <a:r>
-              <a:rPr lang="en-US" sz="2400" dirty="0"/>
+              <a:rPr lang="en-US" sz="2400" dirty="0">
+                <a:latin typeface="Lexend Light"/>
+              </a:rPr>
               <a:t>….</a:t>
             </a:r>
           </a:p>
@@ -18485,12 +19481,16 @@
             <a:pPr marL="914400" lvl="2" indent="0">
               <a:buNone/>
             </a:pPr>
-            <a:endParaRPr lang="en-US" sz="2400" dirty="0"/>
+            <a:endParaRPr lang="en-US" sz="2400" dirty="0">
+              <a:latin typeface="Lexend Light"/>
+            </a:endParaRPr>
           </a:p>
           <a:p>
             <a:pPr lvl="1"/>
             <a:r>
-              <a:rPr lang="en-US" dirty="0"/>
+              <a:rPr lang="en-US" dirty="0">
+                <a:latin typeface="Lexend Light"/>
+              </a:rPr>
               <a:t>def do_somthing2():</a:t>
             </a:r>
           </a:p>
@@ -18499,7 +19499,9 @@
               <a:buNone/>
             </a:pPr>
             <a:r>
-              <a:rPr lang="en-US" sz="2400" dirty="0"/>
+              <a:rPr lang="en-US" sz="2400" dirty="0">
+                <a:latin typeface="Lexend Light"/>
+              </a:rPr>
               <a:t>….</a:t>
             </a:r>
           </a:p>
@@ -18507,20 +19509,26 @@
             <a:pPr marL="914400" lvl="2" indent="0">
               <a:buNone/>
             </a:pPr>
-            <a:endParaRPr lang="en-US" sz="2400" dirty="0"/>
+            <a:endParaRPr lang="en-US" sz="2400" dirty="0">
+              <a:latin typeface="Lexend Light"/>
+            </a:endParaRPr>
           </a:p>
           <a:p>
             <a:pPr marL="0" indent="0">
               <a:buNone/>
             </a:pPr>
-            <a:endParaRPr lang="en-US" sz="2400" dirty="0"/>
+            <a:endParaRPr lang="en-US" sz="2400" dirty="0">
+              <a:latin typeface="Lexend Light"/>
+            </a:endParaRPr>
           </a:p>
           <a:p>
             <a:pPr marL="400050" lvl="1" indent="0" latinLnBrk="1">
               <a:buNone/>
             </a:pPr>
             <a:r>
-              <a:rPr lang="en-US" dirty="0"/>
+              <a:rPr lang="en-US" dirty="0">
+                <a:latin typeface="Lexend Light"/>
+              </a:rPr>
               <a:t>import utils</a:t>
             </a:r>
           </a:p>
@@ -18529,10 +19537,14 @@
               <a:buNone/>
             </a:pPr>
             <a:r>
-              <a:rPr lang="en-US" dirty="0"/>
+              <a:rPr lang="en-US" dirty="0">
+                <a:latin typeface="Lexend Light"/>
+              </a:rPr>
               <a:t>utils.do_somthing1()</a:t>
             </a:r>
-            <a:endParaRPr lang="he-IL" dirty="0"/>
+            <a:endParaRPr lang="he-IL" dirty="0">
+              <a:latin typeface="Lexend Light"/>
+            </a:endParaRPr>
           </a:p>
         </p:txBody>
       </p:sp>
@@ -18552,6 +19564,20 @@
 <file path=ppt/slides/slide24.xml><?xml version="1.0" encoding="utf-8"?>
 <p:sld xmlns:a="http://schemas.openxmlformats.org/drawingml/2006/main" xmlns:r="http://schemas.openxmlformats.org/officeDocument/2006/relationships" xmlns:p="http://schemas.openxmlformats.org/presentationml/2006/main">
   <p:cSld>
+    <p:bg>
+      <p:bgPr>
+        <a:blipFill dpi="0" rotWithShape="1">
+          <a:blip r:embed="rId3">
+            <a:lum/>
+          </a:blip>
+          <a:srcRect/>
+          <a:stretch>
+            <a:fillRect/>
+          </a:stretch>
+        </a:blipFill>
+        <a:effectLst/>
+      </p:bgPr>
+    </p:bg>
     <p:spTree>
       <p:nvGrpSpPr>
         <p:cNvPr id="1" name=""/>
@@ -18584,24 +19610,41 @@
           <a:lstStyle/>
           <a:p>
             <a:r>
-              <a:rPr lang="en-US" dirty="0">
-                <a:effectLst/>
+              <a:rPr lang="en-US" b="1" dirty="0">
+                <a:solidFill>
+                  <a:srgbClr val="0071F6"/>
+                </a:solidFill>
+                <a:effectLst/>
+                <a:latin typeface="Lexend" panose="020B0604020202020204"/>
               </a:rPr>
               <a:t>The </a:t>
             </a:r>
             <a:r>
-              <a:rPr lang="en-US" i="1" dirty="0">
-                <a:effectLst/>
+              <a:rPr lang="en-US" b="1" i="1" dirty="0">
+                <a:solidFill>
+                  <a:srgbClr val="0071F6"/>
+                </a:solidFill>
+                <a:effectLst/>
+                <a:latin typeface="Lexend" panose="020B0604020202020204"/>
               </a:rPr>
               <a:t>from...import</a:t>
             </a:r>
             <a:r>
-              <a:rPr lang="en-US" dirty="0">
-                <a:effectLst/>
+              <a:rPr lang="en-US" b="1" dirty="0">
+                <a:solidFill>
+                  <a:srgbClr val="0071F6"/>
+                </a:solidFill>
+                <a:effectLst/>
+                <a:latin typeface="Lexend" panose="020B0604020202020204"/>
               </a:rPr>
               <a:t> Statement</a:t>
             </a:r>
-            <a:endParaRPr lang="he-IL" dirty="0"/>
+            <a:endParaRPr lang="he-IL" b="1" dirty="0">
+              <a:solidFill>
+                <a:srgbClr val="0071F6"/>
+              </a:solidFill>
+              <a:latin typeface="Lexend" panose="020B0604020202020204"/>
+            </a:endParaRPr>
           </a:p>
         </p:txBody>
       </p:sp>
@@ -18623,58 +19666,84 @@
           <a:lstStyle/>
           <a:p>
             <a:r>
-              <a:rPr lang="en-US" sz="2400" dirty="0"/>
+              <a:rPr lang="en-US" sz="2400" dirty="0">
+                <a:latin typeface="Lexend Light"/>
+              </a:rPr>
               <a:t>Python's </a:t>
             </a:r>
             <a:r>
-              <a:rPr lang="en-US" sz="2400" i="1" dirty="0"/>
+              <a:rPr lang="en-US" sz="2400" i="1" dirty="0">
+                <a:latin typeface="Lexend Light"/>
+              </a:rPr>
               <a:t>from</a:t>
             </a:r>
             <a:r>
-              <a:rPr lang="en-US" sz="2400" dirty="0"/>
+              <a:rPr lang="en-US" sz="2400" dirty="0">
+                <a:latin typeface="Lexend Light"/>
+              </a:rPr>
               <a:t> statement lets you import specific attributes or all attributes from a module into the current namespace. </a:t>
             </a:r>
           </a:p>
           <a:p>
             <a:r>
-              <a:rPr lang="en-US" sz="2400" dirty="0"/>
+              <a:rPr lang="en-US" sz="2400" dirty="0">
+                <a:latin typeface="Lexend Light"/>
+              </a:rPr>
               <a:t>The </a:t>
             </a:r>
             <a:r>
-              <a:rPr lang="en-US" sz="2400" i="1" dirty="0"/>
+              <a:rPr lang="en-US" sz="2400" i="1" dirty="0">
+                <a:latin typeface="Lexend Light"/>
+              </a:rPr>
               <a:t>from...import</a:t>
             </a:r>
             <a:r>
-              <a:rPr lang="en-US" sz="2400" dirty="0"/>
+              <a:rPr lang="en-US" sz="2400" dirty="0">
+                <a:latin typeface="Lexend Light"/>
+              </a:rPr>
               <a:t> has the following syntax:  from </a:t>
             </a:r>
             <a:r>
-              <a:rPr lang="en-US" sz="2400" dirty="0" err="1"/>
+              <a:rPr lang="en-US" sz="2400" dirty="0" err="1">
+                <a:latin typeface="Lexend Light"/>
+              </a:rPr>
               <a:t>module_name</a:t>
             </a:r>
             <a:r>
-              <a:rPr lang="en-US" sz="2400" dirty="0"/>
+              <a:rPr lang="en-US" sz="2400" dirty="0">
+                <a:latin typeface="Lexend Light"/>
+              </a:rPr>
               <a:t> import name1, name2, ... </a:t>
             </a:r>
             <a:r>
-              <a:rPr lang="en-US" sz="2400" dirty="0" err="1"/>
+              <a:rPr lang="en-US" sz="2400" dirty="0" err="1">
+                <a:latin typeface="Lexend Light"/>
+              </a:rPr>
               <a:t>nameN</a:t>
             </a:r>
-            <a:endParaRPr lang="en-US" sz="2400" dirty="0"/>
-          </a:p>
-          <a:p>
-            <a:endParaRPr lang="en-US" sz="1200" dirty="0"/>
+            <a:endParaRPr lang="en-US" sz="2400" dirty="0">
+              <a:latin typeface="Lexend Light"/>
+            </a:endParaRPr>
+          </a:p>
+          <a:p>
+            <a:endParaRPr lang="en-US" sz="1200" dirty="0">
+              <a:latin typeface="Lexend Light"/>
+            </a:endParaRPr>
           </a:p>
           <a:p>
             <a:pPr marL="0" indent="0">
               <a:buNone/>
             </a:pPr>
             <a:r>
-              <a:rPr lang="en-US" sz="2400" dirty="0"/>
+              <a:rPr lang="en-US" sz="2400" dirty="0">
+                <a:latin typeface="Lexend Light"/>
+              </a:rPr>
               <a:t>	</a:t>
             </a:r>
             <a:r>
-              <a:rPr lang="en-US" sz="2400" i="1" dirty="0"/>
+              <a:rPr lang="en-US" sz="2400" i="1" dirty="0">
+                <a:latin typeface="Lexend Light"/>
+              </a:rPr>
               <a:t>from utils import do_something1</a:t>
             </a:r>
           </a:p>
@@ -18683,24 +19752,34 @@
               <a:buNone/>
             </a:pPr>
             <a:r>
-              <a:rPr lang="en-US" sz="2400" i="1" dirty="0"/>
+              <a:rPr lang="en-US" sz="2400" i="1" dirty="0">
+                <a:latin typeface="Lexend Light"/>
+              </a:rPr>
               <a:t>	from utils import *</a:t>
             </a:r>
           </a:p>
           <a:p>
-            <a:endParaRPr lang="en-US" sz="2400" dirty="0"/>
-          </a:p>
-          <a:p>
-            <a:r>
-              <a:rPr lang="en-US" sz="2400" dirty="0"/>
+            <a:endParaRPr lang="en-US" sz="2400" dirty="0">
+              <a:latin typeface="Lexend Light"/>
+            </a:endParaRPr>
+          </a:p>
+          <a:p>
+            <a:r>
+              <a:rPr lang="en-US" sz="2400" dirty="0">
+                <a:latin typeface="Lexend Light"/>
+              </a:rPr>
               <a:t>Namespaces are omitted using </a:t>
             </a:r>
             <a:r>
-              <a:rPr lang="en-US" sz="2400" i="1" dirty="0"/>
+              <a:rPr lang="en-US" sz="2400" i="1" dirty="0">
+                <a:latin typeface="Lexend Light"/>
+              </a:rPr>
               <a:t>from...import</a:t>
             </a:r>
             <a:r>
-              <a:rPr lang="en-US" sz="2400" dirty="0"/>
+              <a:rPr lang="en-US" sz="2400" dirty="0">
+                <a:latin typeface="Lexend Light"/>
+              </a:rPr>
               <a:t> add only direct access is possible </a:t>
             </a:r>
           </a:p>
@@ -18709,7 +19788,9 @@
               <a:buNone/>
             </a:pPr>
             <a:r>
-              <a:rPr lang="en-US" sz="2400" dirty="0"/>
+              <a:rPr lang="en-US" sz="2400" dirty="0">
+                <a:latin typeface="Lexend Light"/>
+              </a:rPr>
               <a:t>	do_something1()</a:t>
             </a:r>
           </a:p>
@@ -18718,7 +19799,9 @@
               <a:buNone/>
             </a:pPr>
             <a:r>
-              <a:rPr lang="en-US" sz="2400" dirty="0"/>
+              <a:rPr lang="en-US" sz="2400" dirty="0">
+                <a:latin typeface="Lexend Light"/>
+              </a:rPr>
               <a:t>	utils.do_something1()		#generates error</a:t>
             </a:r>
           </a:p>
@@ -18740,6 +19823,20 @@
 <file path=ppt/slides/slide25.xml><?xml version="1.0" encoding="utf-8"?>
 <p:sld xmlns:a="http://schemas.openxmlformats.org/drawingml/2006/main" xmlns:r="http://schemas.openxmlformats.org/officeDocument/2006/relationships" xmlns:p="http://schemas.openxmlformats.org/presentationml/2006/main">
   <p:cSld>
+    <p:bg>
+      <p:bgPr>
+        <a:blipFill dpi="0" rotWithShape="1">
+          <a:blip r:embed="rId3">
+            <a:lum/>
+          </a:blip>
+          <a:srcRect/>
+          <a:stretch>
+            <a:fillRect/>
+          </a:stretch>
+        </a:blipFill>
+        <a:effectLst/>
+      </p:bgPr>
+    </p:bg>
     <p:spTree>
       <p:nvGrpSpPr>
         <p:cNvPr id="1" name=""/>
@@ -18772,12 +19869,21 @@
           <a:lstStyle/>
           <a:p>
             <a:r>
-              <a:rPr lang="en-US" dirty="0">
-                <a:effectLst/>
+              <a:rPr lang="en-US" b="1" dirty="0">
+                <a:solidFill>
+                  <a:srgbClr val="0071F6"/>
+                </a:solidFill>
+                <a:effectLst/>
+                <a:latin typeface="Lexend" panose="020B0604020202020204"/>
               </a:rPr>
               <a:t>Init file</a:t>
             </a:r>
-            <a:endParaRPr lang="he-IL" dirty="0"/>
+            <a:endParaRPr lang="he-IL" b="1" dirty="0">
+              <a:solidFill>
+                <a:srgbClr val="0071F6"/>
+              </a:solidFill>
+              <a:latin typeface="Lexend" panose="020B0604020202020204"/>
+            </a:endParaRPr>
           </a:p>
         </p:txBody>
       </p:sp>
@@ -18799,40 +19905,58 @@
           <a:lstStyle/>
           <a:p>
             <a:r>
-              <a:rPr lang="en-US" sz="2400" dirty="0"/>
+              <a:rPr lang="en-US" sz="2400" dirty="0">
+                <a:latin typeface="Lexend Light"/>
+              </a:rPr>
               <a:t>The __init__.py file, commonly referred to as the "</a:t>
             </a:r>
             <a:r>
-              <a:rPr lang="en-US" sz="2400" dirty="0" err="1"/>
+              <a:rPr lang="en-US" sz="2400" dirty="0" err="1">
+                <a:latin typeface="Lexend Light"/>
+              </a:rPr>
               <a:t>init</a:t>
             </a:r>
             <a:r>
-              <a:rPr lang="en-US" sz="2400" dirty="0"/>
+              <a:rPr lang="en-US" sz="2400" dirty="0">
+                <a:latin typeface="Lexend Light"/>
+              </a:rPr>
               <a:t> file," is a special file in a Python package that serves as an initializer for the package. It is executed when the package is imported, allowing you to perform necessary setup and define the contents of the package.</a:t>
             </a:r>
           </a:p>
           <a:p>
-            <a:endParaRPr lang="en-US" sz="2400" dirty="0"/>
-          </a:p>
-          <a:p>
-            <a:r>
-              <a:rPr lang="en-US" sz="2400" dirty="0"/>
+            <a:endParaRPr lang="en-US" sz="2400" dirty="0">
+              <a:latin typeface="Lexend Light"/>
+            </a:endParaRPr>
+          </a:p>
+          <a:p>
+            <a:r>
+              <a:rPr lang="en-US" sz="2400" dirty="0">
+                <a:latin typeface="Lexend Light"/>
+              </a:rPr>
               <a:t>In addition to its role as an initializer, the </a:t>
             </a:r>
             <a:r>
-              <a:rPr lang="en-US" sz="2400" dirty="0" err="1"/>
+              <a:rPr lang="en-US" sz="2400" dirty="0" err="1">
+                <a:latin typeface="Lexend Light"/>
+              </a:rPr>
               <a:t>init</a:t>
             </a:r>
             <a:r>
-              <a:rPr lang="en-US" sz="2400" dirty="0"/>
+              <a:rPr lang="en-US" sz="2400" dirty="0">
+                <a:latin typeface="Lexend Light"/>
+              </a:rPr>
               <a:t> file can also transform a directory into a Python package. Without an </a:t>
             </a:r>
             <a:r>
-              <a:rPr lang="en-US" sz="2400" dirty="0" err="1"/>
+              <a:rPr lang="en-US" sz="2400" dirty="0" err="1">
+                <a:latin typeface="Lexend Light"/>
+              </a:rPr>
               <a:t>init</a:t>
             </a:r>
             <a:r>
-              <a:rPr lang="en-US" sz="2400" dirty="0"/>
+              <a:rPr lang="en-US" sz="2400" dirty="0">
+                <a:latin typeface="Lexend Light"/>
+              </a:rPr>
               <a:t> file, the directory would simply be treated as a regular folder without any package-specific functionality.</a:t>
             </a:r>
           </a:p>
@@ -18854,6 +19978,20 @@
 <file path=ppt/slides/slide26.xml><?xml version="1.0" encoding="utf-8"?>
 <p:sld xmlns:a="http://schemas.openxmlformats.org/drawingml/2006/main" xmlns:r="http://schemas.openxmlformats.org/officeDocument/2006/relationships" xmlns:p="http://schemas.openxmlformats.org/presentationml/2006/main">
   <p:cSld>
+    <p:bg>
+      <p:bgPr>
+        <a:blipFill dpi="0" rotWithShape="1">
+          <a:blip r:embed="rId3">
+            <a:lum/>
+          </a:blip>
+          <a:srcRect/>
+          <a:stretch>
+            <a:fillRect/>
+          </a:stretch>
+        </a:blipFill>
+        <a:effectLst/>
+      </p:bgPr>
+    </p:bg>
     <p:spTree>
       <p:nvGrpSpPr>
         <p:cNvPr id="1" name=""/>
@@ -18886,12 +20024,21 @@
           <a:lstStyle/>
           <a:p>
             <a:r>
-              <a:rPr lang="en-US" dirty="0">
-                <a:effectLst/>
+              <a:rPr lang="en-US" b="1" dirty="0">
+                <a:solidFill>
+                  <a:srgbClr val="0071F6"/>
+                </a:solidFill>
+                <a:effectLst/>
+                <a:latin typeface="Lexend" panose="020B0604020202020204"/>
               </a:rPr>
               <a:t>Init file – cont’d</a:t>
             </a:r>
-            <a:endParaRPr lang="he-IL" dirty="0"/>
+            <a:endParaRPr lang="he-IL" b="1" dirty="0">
+              <a:solidFill>
+                <a:srgbClr val="0071F6"/>
+              </a:solidFill>
+              <a:latin typeface="Lexend" panose="020B0604020202020204"/>
+            </a:endParaRPr>
           </a:p>
         </p:txBody>
       </p:sp>
@@ -18913,70 +20060,100 @@
           <a:lstStyle/>
           <a:p>
             <a:r>
-              <a:rPr lang="en-US" sz="2400" b="1" dirty="0"/>
+              <a:rPr lang="en-US" sz="2400" b="1" dirty="0">
+                <a:latin typeface="Lexend Light"/>
+              </a:rPr>
               <a:t>Imports</a:t>
             </a:r>
             <a:r>
-              <a:rPr lang="en-US" sz="2400" dirty="0"/>
+              <a:rPr lang="en-US" sz="2400" dirty="0">
+                <a:latin typeface="Lexend Light"/>
+              </a:rPr>
               <a:t>: You can import other modules or packages that are part of the package. This allows you to organize your code into separate modules and use them within the package.</a:t>
             </a:r>
           </a:p>
           <a:p>
-            <a:endParaRPr lang="en-US" sz="2400" dirty="0"/>
-          </a:p>
-          <a:p>
-            <a:r>
-              <a:rPr lang="en-US" sz="2400" b="1" dirty="0"/>
+            <a:endParaRPr lang="en-US" sz="2400" dirty="0">
+              <a:latin typeface="Lexend Light"/>
+            </a:endParaRPr>
+          </a:p>
+          <a:p>
+            <a:r>
+              <a:rPr lang="en-US" sz="2400" b="1" dirty="0">
+                <a:latin typeface="Lexend Light"/>
+              </a:rPr>
               <a:t>Variable and Constant Definitions: </a:t>
             </a:r>
             <a:r>
-              <a:rPr lang="en-US" sz="2400" dirty="0"/>
+              <a:rPr lang="en-US" sz="2400" dirty="0">
+                <a:latin typeface="Lexend Light"/>
+              </a:rPr>
               <a:t>You can initialize variables, constants, or any other objects that will be used by the package. These definitions can be accessed by other modules within the package.</a:t>
             </a:r>
           </a:p>
           <a:p>
-            <a:endParaRPr lang="en-US" sz="2400" dirty="0"/>
-          </a:p>
-          <a:p>
-            <a:r>
-              <a:rPr lang="en-US" sz="2400" b="1" dirty="0"/>
+            <a:endParaRPr lang="en-US" sz="2400" dirty="0">
+              <a:latin typeface="Lexend Light"/>
+            </a:endParaRPr>
+          </a:p>
+          <a:p>
+            <a:r>
+              <a:rPr lang="en-US" sz="2400" b="1" dirty="0">
+                <a:latin typeface="Lexend Light"/>
+              </a:rPr>
               <a:t>Function Definitions: </a:t>
             </a:r>
             <a:r>
-              <a:rPr lang="en-US" sz="2400" dirty="0"/>
+              <a:rPr lang="en-US" sz="2400" dirty="0">
+                <a:latin typeface="Lexend Light"/>
+              </a:rPr>
               <a:t>You can define functions that are specific to the package or provide utility functions that can be used throughout the package.</a:t>
             </a:r>
           </a:p>
           <a:p>
-            <a:endParaRPr lang="en-US" sz="2400" dirty="0"/>
-          </a:p>
-          <a:p>
-            <a:r>
-              <a:rPr lang="en-US" sz="2400" b="1" dirty="0"/>
+            <a:endParaRPr lang="en-US" sz="2400" dirty="0">
+              <a:latin typeface="Lexend Light"/>
+            </a:endParaRPr>
+          </a:p>
+          <a:p>
+            <a:r>
+              <a:rPr lang="en-US" sz="2400" b="1" dirty="0">
+                <a:latin typeface="Lexend Light"/>
+              </a:rPr>
               <a:t>Initialization Code: </a:t>
             </a:r>
             <a:r>
-              <a:rPr lang="en-US" sz="2400" dirty="0"/>
+              <a:rPr lang="en-US" sz="2400" dirty="0">
+                <a:latin typeface="Lexend Light"/>
+              </a:rPr>
               <a:t>You can include any necessary initialization code that needs to be executed when the package is imported. This can involve setting up configurations, connecting to databases, or performing any other required setup tasks.</a:t>
             </a:r>
           </a:p>
           <a:p>
-            <a:endParaRPr lang="en-US" sz="2400" dirty="0"/>
+            <a:endParaRPr lang="en-US" sz="2400" dirty="0">
+              <a:latin typeface="Lexend Light"/>
+            </a:endParaRPr>
           </a:p>
           <a:p>
             <a:pPr marL="0" indent="0">
               <a:buNone/>
             </a:pPr>
             <a:r>
-              <a:rPr lang="en-US" sz="2400" dirty="0"/>
+              <a:rPr lang="en-US" sz="2400" dirty="0">
+                <a:latin typeface="Lexend Light"/>
+              </a:rPr>
               <a:t>Overall, the </a:t>
             </a:r>
             <a:r>
-              <a:rPr lang="en-US" sz="2400" dirty="0" err="1"/>
+              <a:rPr lang="en-US" sz="2400" dirty="0" err="1">
+                <a:latin typeface="Lexend Light"/>
+              </a:rPr>
               <a:t>init</a:t>
             </a:r>
             <a:r>
-              <a:rPr lang="en-US" sz="2400" dirty="0"/>
+              <a:rPr lang="en-US" sz="2400" dirty="0">
+                <a:latin typeface="Lexend Light"/>
+              </a:rPr>
               <a:t> file plays a vital role in structuring and initializing a Python package. It allows you to organize code, define package-level variables and functions, and perform necessary setup operations when the package is imported.</a:t>
             </a:r>
           </a:p>
@@ -18998,6 +20175,20 @@
 <file path=ppt/slides/slide27.xml><?xml version="1.0" encoding="utf-8"?>
 <p:sld xmlns:a="http://schemas.openxmlformats.org/drawingml/2006/main" xmlns:r="http://schemas.openxmlformats.org/officeDocument/2006/relationships" xmlns:p="http://schemas.openxmlformats.org/presentationml/2006/main">
   <p:cSld>
+    <p:bg>
+      <p:bgPr>
+        <a:blipFill dpi="0" rotWithShape="1">
+          <a:blip r:embed="rId2">
+            <a:lum/>
+          </a:blip>
+          <a:srcRect/>
+          <a:stretch>
+            <a:fillRect/>
+          </a:stretch>
+        </a:blipFill>
+        <a:effectLst/>
+      </p:bgPr>
+    </p:bg>
     <p:spTree>
       <p:nvGrpSpPr>
         <p:cNvPr id="1" name=""/>
@@ -19028,10 +20219,14 @@
           <a:lstStyle/>
           <a:p>
             <a:r>
-              <a:rPr lang="en-US" dirty="0"/>
+              <a:rPr lang="en-US" b="1" dirty="0">
+                <a:latin typeface="Lexend Light"/>
+              </a:rPr>
               <a:t>Init file </a:t>
             </a:r>
-            <a:endParaRPr lang="he-IL" dirty="0"/>
+            <a:endParaRPr lang="he-IL" b="1" dirty="0">
+              <a:latin typeface="Lexend Light"/>
+            </a:endParaRPr>
           </a:p>
         </p:txBody>
       </p:sp>
@@ -19051,6 +20246,20 @@
 <file path=ppt/slides/slide28.xml><?xml version="1.0" encoding="utf-8"?>
 <p:sld xmlns:a="http://schemas.openxmlformats.org/drawingml/2006/main" xmlns:r="http://schemas.openxmlformats.org/officeDocument/2006/relationships" xmlns:p="http://schemas.openxmlformats.org/presentationml/2006/main">
   <p:cSld>
+    <p:bg>
+      <p:bgPr>
+        <a:blipFill dpi="0" rotWithShape="1">
+          <a:blip r:embed="rId3">
+            <a:lum/>
+          </a:blip>
+          <a:srcRect/>
+          <a:stretch>
+            <a:fillRect/>
+          </a:stretch>
+        </a:blipFill>
+        <a:effectLst/>
+      </p:bgPr>
+    </p:bg>
     <p:spTree>
       <p:nvGrpSpPr>
         <p:cNvPr id="1" name=""/>
@@ -19083,12 +20292,21 @@
           <a:lstStyle/>
           <a:p>
             <a:r>
-              <a:rPr lang="en-US" dirty="0">
-                <a:effectLst/>
+              <a:rPr lang="en-US" b="1" dirty="0">
+                <a:solidFill>
+                  <a:srgbClr val="0071F6"/>
+                </a:solidFill>
+                <a:effectLst/>
+                <a:latin typeface="Lexend" panose="020B0604020202020204"/>
               </a:rPr>
               <a:t>Init file – demo</a:t>
             </a:r>
-            <a:endParaRPr lang="he-IL" dirty="0"/>
+            <a:endParaRPr lang="he-IL" b="1" dirty="0">
+              <a:solidFill>
+                <a:srgbClr val="0071F6"/>
+              </a:solidFill>
+              <a:latin typeface="Lexend" panose="020B0604020202020204"/>
+            </a:endParaRPr>
           </a:p>
         </p:txBody>
       </p:sp>
@@ -19110,36 +20328,52 @@
           <a:lstStyle/>
           <a:p>
             <a:r>
-              <a:rPr lang="en-US" sz="2400" dirty="0"/>
+              <a:rPr lang="en-US" sz="2400" dirty="0">
+                <a:latin typeface="Lexend Light"/>
+              </a:rPr>
               <a:t>__init__.py</a:t>
             </a:r>
           </a:p>
           <a:p>
-            <a:endParaRPr lang="en-US" sz="2400" dirty="0"/>
-          </a:p>
-          <a:p>
-            <a:endParaRPr lang="en-US" sz="2400" dirty="0"/>
-          </a:p>
-          <a:p>
-            <a:r>
-              <a:rPr lang="en-US" sz="2400" dirty="0"/>
+            <a:endParaRPr lang="en-US" sz="2400" dirty="0">
+              <a:latin typeface="Lexend Light"/>
+            </a:endParaRPr>
+          </a:p>
+          <a:p>
+            <a:endParaRPr lang="en-US" sz="2400" dirty="0">
+              <a:latin typeface="Lexend Light"/>
+            </a:endParaRPr>
+          </a:p>
+          <a:p>
+            <a:r>
+              <a:rPr lang="en-US" sz="2400" dirty="0">
+                <a:latin typeface="Lexend Light"/>
+              </a:rPr>
               <a:t>english.py</a:t>
             </a:r>
           </a:p>
           <a:p>
-            <a:endParaRPr lang="en-US" sz="2400" dirty="0"/>
-          </a:p>
-          <a:p>
-            <a:endParaRPr lang="en-US" sz="2400" dirty="0"/>
-          </a:p>
-          <a:p>
-            <a:r>
-              <a:rPr lang="en-US" sz="2400" dirty="0"/>
+            <a:endParaRPr lang="en-US" sz="2400" dirty="0">
+              <a:latin typeface="Lexend Light"/>
+            </a:endParaRPr>
+          </a:p>
+          <a:p>
+            <a:endParaRPr lang="en-US" sz="2400" dirty="0">
+              <a:latin typeface="Lexend Light"/>
+            </a:endParaRPr>
+          </a:p>
+          <a:p>
+            <a:r>
+              <a:rPr lang="en-US" sz="2400" dirty="0">
+                <a:latin typeface="Lexend Light"/>
+              </a:rPr>
               <a:t>spanish.py</a:t>
             </a:r>
           </a:p>
           <a:p>
-            <a:endParaRPr lang="en-US" sz="2400" dirty="0"/>
+            <a:endParaRPr lang="en-US" sz="2400" dirty="0">
+              <a:latin typeface="Lexend Light"/>
+            </a:endParaRPr>
           </a:p>
         </p:txBody>
       </p:sp>
@@ -19839,37 +21073,51 @@
           <a:lstStyle/>
           <a:p>
             <a:r>
-              <a:rPr lang="en-US" dirty="0"/>
+              <a:rPr lang="en-US" dirty="0">
+                <a:latin typeface="Lexend Light"/>
+              </a:rPr>
               <a:t>Let's consider a package named greetings, which provides simple greeting functions. We can create the following directory structure:</a:t>
             </a:r>
           </a:p>
           <a:p>
-            <a:endParaRPr lang="en-US" dirty="0"/>
-          </a:p>
-          <a:p>
-            <a:r>
-              <a:rPr lang="en-US" dirty="0"/>
+            <a:endParaRPr lang="en-US" dirty="0">
+              <a:latin typeface="Lexend Light"/>
+            </a:endParaRPr>
+          </a:p>
+          <a:p>
+            <a:r>
+              <a:rPr lang="en-US" dirty="0">
+                <a:latin typeface="Lexend Light"/>
+              </a:rPr>
               <a:t>greetings/</a:t>
             </a:r>
           </a:p>
           <a:p>
             <a:r>
-              <a:rPr lang="en-US" dirty="0"/>
+              <a:rPr lang="en-US" dirty="0">
+                <a:latin typeface="Lexend Light"/>
+              </a:rPr>
               <a:t>    __init__.py</a:t>
             </a:r>
           </a:p>
           <a:p>
             <a:r>
-              <a:rPr lang="en-US" dirty="0"/>
+              <a:rPr lang="en-US" dirty="0">
+                <a:latin typeface="Lexend Light"/>
+              </a:rPr>
               <a:t>    english.py</a:t>
             </a:r>
           </a:p>
           <a:p>
             <a:r>
-              <a:rPr lang="en-US" dirty="0"/>
+              <a:rPr lang="en-US" dirty="0">
+                <a:latin typeface="Lexend Light"/>
+              </a:rPr>
               <a:t>    spanish.py</a:t>
             </a:r>
-            <a:endParaRPr lang="he-IL" dirty="0"/>
+            <a:endParaRPr lang="he-IL" dirty="0">
+              <a:latin typeface="Lexend Light"/>
+            </a:endParaRPr>
           </a:p>
         </p:txBody>
       </p:sp>
@@ -20105,10 +21353,14 @@
           <a:lstStyle/>
           <a:p>
             <a:r>
-              <a:rPr lang="en-US" dirty="0"/>
+              <a:rPr lang="en-US" dirty="0">
+                <a:latin typeface="Lexend Light"/>
+              </a:rPr>
               <a:t>Output: </a:t>
             </a:r>
-            <a:endParaRPr lang="he-IL" dirty="0"/>
+            <a:endParaRPr lang="he-IL" dirty="0">
+              <a:latin typeface="Lexend Light"/>
+            </a:endParaRPr>
           </a:p>
         </p:txBody>
       </p:sp>
@@ -20128,6 +21380,20 @@
 <file path=ppt/slides/slide29.xml><?xml version="1.0" encoding="utf-8"?>
 <p:sld xmlns:a="http://schemas.openxmlformats.org/drawingml/2006/main" xmlns:r="http://schemas.openxmlformats.org/officeDocument/2006/relationships" xmlns:p="http://schemas.openxmlformats.org/presentationml/2006/main">
   <p:cSld>
+    <p:bg>
+      <p:bgPr>
+        <a:blipFill dpi="0" rotWithShape="1">
+          <a:blip r:embed="rId3">
+            <a:lum/>
+          </a:blip>
+          <a:srcRect/>
+          <a:stretch>
+            <a:fillRect/>
+          </a:stretch>
+        </a:blipFill>
+        <a:effectLst/>
+      </p:bgPr>
+    </p:bg>
     <p:spTree>
       <p:nvGrpSpPr>
         <p:cNvPr id="1" name=""/>
@@ -20160,12 +21426,21 @@
           <a:lstStyle/>
           <a:p>
             <a:r>
-              <a:rPr lang="en-US" dirty="0">
-                <a:effectLst/>
+              <a:rPr lang="en-US" b="1" dirty="0">
+                <a:solidFill>
+                  <a:srgbClr val="0071F6"/>
+                </a:solidFill>
+                <a:effectLst/>
+                <a:latin typeface="Lexend" panose="020B0604020202020204"/>
               </a:rPr>
               <a:t>Locating Modules</a:t>
             </a:r>
-            <a:endParaRPr lang="he-IL" dirty="0"/>
+            <a:endParaRPr lang="he-IL" b="1" dirty="0">
+              <a:solidFill>
+                <a:srgbClr val="0071F6"/>
+              </a:solidFill>
+              <a:latin typeface="Lexend" panose="020B0604020202020204"/>
+            </a:endParaRPr>
           </a:p>
         </p:txBody>
       </p:sp>
@@ -20187,7 +21462,9 @@
           <a:lstStyle/>
           <a:p>
             <a:r>
-              <a:rPr lang="en-US" dirty="0"/>
+              <a:rPr lang="en-US" dirty="0">
+                <a:latin typeface="Lexend Light"/>
+              </a:rPr>
               <a:t>When importing modules the interpreter  searches:</a:t>
             </a:r>
           </a:p>
@@ -20198,7 +21475,9 @@
               </a:spcAft>
             </a:pPr>
             <a:r>
-              <a:rPr lang="en-US" dirty="0"/>
+              <a:rPr lang="en-US" dirty="0">
+                <a:latin typeface="Lexend Light"/>
+              </a:rPr>
               <a:t>First interpreter searches in the current directory.</a:t>
             </a:r>
           </a:p>
@@ -20209,7 +21488,9 @@
               </a:spcAft>
             </a:pPr>
             <a:r>
-              <a:rPr lang="en-US" dirty="0"/>
+              <a:rPr lang="en-US" dirty="0">
+                <a:latin typeface="Lexend Light"/>
+              </a:rPr>
               <a:t>If the module isn't found, Python then searches each directory in the shell variable PYTHONPATH</a:t>
             </a:r>
           </a:p>
@@ -20220,15 +21501,21 @@
               </a:spcAft>
             </a:pPr>
             <a:r>
-              <a:rPr lang="en-US" dirty="0"/>
+              <a:rPr lang="en-US" dirty="0">
+                <a:latin typeface="Lexend Light"/>
+              </a:rPr>
               <a:t>If the module isn’t found, the interpreter searched in standard installation path. (In Linux/Unix for example in /</a:t>
             </a:r>
             <a:r>
-              <a:rPr lang="en-US" dirty="0" err="1"/>
+              <a:rPr lang="en-US" dirty="0" err="1">
+                <a:latin typeface="Lexend Light"/>
+              </a:rPr>
               <a:t>usr</a:t>
             </a:r>
             <a:r>
-              <a:rPr lang="en-US" dirty="0"/>
+              <a:rPr lang="en-US" dirty="0">
+                <a:latin typeface="Lexend Light"/>
+              </a:rPr>
               <a:t>/local/lib/python)</a:t>
             </a:r>
           </a:p>
@@ -20239,18 +21526,26 @@
               </a:spcAft>
             </a:pPr>
             <a:r>
-              <a:rPr lang="en-US" dirty="0"/>
+              <a:rPr lang="en-US" dirty="0">
+                <a:latin typeface="Lexend Light"/>
+              </a:rPr>
               <a:t>If the module is not found in any of the above locations, the interpreter raises an “</a:t>
             </a:r>
             <a:r>
-              <a:rPr lang="en-US" dirty="0" err="1"/>
+              <a:rPr lang="en-US" dirty="0" err="1">
+                <a:latin typeface="Lexend Light"/>
+              </a:rPr>
               <a:t>ImportError</a:t>
             </a:r>
             <a:r>
-              <a:rPr lang="en-US" dirty="0"/>
+              <a:rPr lang="en-US" dirty="0">
+                <a:latin typeface="Lexend Light"/>
+              </a:rPr>
               <a:t>” indicating that the module could not be found.</a:t>
             </a:r>
-            <a:endParaRPr lang="he-IL" dirty="0"/>
+            <a:endParaRPr lang="he-IL" dirty="0">
+              <a:latin typeface="Lexend Light"/>
+            </a:endParaRPr>
           </a:p>
         </p:txBody>
       </p:sp>
@@ -20270,6 +21565,20 @@
 <file path=ppt/slides/slide3.xml><?xml version="1.0" encoding="utf-8"?>
 <p:sld xmlns:a="http://schemas.openxmlformats.org/drawingml/2006/main" xmlns:r="http://schemas.openxmlformats.org/officeDocument/2006/relationships" xmlns:p="http://schemas.openxmlformats.org/presentationml/2006/main">
   <p:cSld>
+    <p:bg>
+      <p:bgPr>
+        <a:blipFill dpi="0" rotWithShape="1">
+          <a:blip r:embed="rId3">
+            <a:lum/>
+          </a:blip>
+          <a:srcRect/>
+          <a:stretch>
+            <a:fillRect/>
+          </a:stretch>
+        </a:blipFill>
+        <a:effectLst/>
+      </p:bgPr>
+    </p:bg>
     <p:spTree>
       <p:nvGrpSpPr>
         <p:cNvPr id="1" name=""/>
@@ -20300,10 +21609,20 @@
           <a:lstStyle/>
           <a:p>
             <a:r>
-              <a:rPr lang="en-US" dirty="0"/>
+              <a:rPr lang="en-US" b="1" dirty="0">
+                <a:solidFill>
+                  <a:srgbClr val="0071F6"/>
+                </a:solidFill>
+                <a:latin typeface="Lexend" panose="020B0604020202020204"/>
+              </a:rPr>
               <a:t>What is  a Function?	</a:t>
             </a:r>
-            <a:endParaRPr lang="he-IL" dirty="0"/>
+            <a:endParaRPr lang="he-IL" b="1" dirty="0">
+              <a:solidFill>
+                <a:srgbClr val="0071F6"/>
+              </a:solidFill>
+              <a:latin typeface="Lexend" panose="020B0604020202020204"/>
+            </a:endParaRPr>
           </a:p>
         </p:txBody>
       </p:sp>
@@ -20325,72 +21644,97 @@
           <a:lstStyle/>
           <a:p>
             <a:r>
-              <a:rPr lang="en-US" dirty="0"/>
+              <a:rPr lang="en-US" dirty="0">
+                <a:latin typeface="Lexend Light"/>
+              </a:rPr>
               <a:t>Function is a small sub program that perform a single  task</a:t>
             </a:r>
           </a:p>
           <a:p>
             <a:r>
-              <a:rPr lang="en-US" dirty="0"/>
+              <a:rPr lang="en-US" dirty="0">
+                <a:latin typeface="Lexend Light"/>
+              </a:rPr>
               <a:t>Functions provide better modularity and high code reuse</a:t>
             </a:r>
           </a:p>
           <a:p>
             <a:r>
-              <a:rPr lang="en-US" dirty="0"/>
+              <a:rPr lang="en-US" dirty="0">
+                <a:latin typeface="Lexend Light"/>
+              </a:rPr>
               <a:t>Python has many build-in functions but user can define his own function</a:t>
             </a:r>
           </a:p>
           <a:p>
             <a:r>
-              <a:rPr lang="en-US" dirty="0"/>
+              <a:rPr lang="en-US" dirty="0">
+                <a:latin typeface="Lexend Light"/>
+              </a:rPr>
               <a:t>Function definition starts with </a:t>
             </a:r>
             <a:r>
-              <a:rPr lang="en-US" i="1" dirty="0"/>
+              <a:rPr lang="en-US" i="1" dirty="0">
+                <a:latin typeface="Lexend Light"/>
+              </a:rPr>
               <a:t>def</a:t>
             </a:r>
             <a:r>
-              <a:rPr lang="en-US" dirty="0"/>
+              <a:rPr lang="en-US" dirty="0">
+                <a:latin typeface="Lexend Light"/>
+              </a:rPr>
               <a:t> keyword, function name and then list of parameters in () parentheses, </a:t>
             </a:r>
             <a:r>
-              <a:rPr lang="en-US" b="1" dirty="0"/>
+              <a:rPr lang="en-US" b="1" dirty="0">
+                <a:latin typeface="Lexend Light"/>
+              </a:rPr>
               <a:t>:</a:t>
             </a:r>
             <a:r>
-              <a:rPr lang="en-US" dirty="0"/>
+              <a:rPr lang="en-US" dirty="0">
+                <a:latin typeface="Lexend Light"/>
+              </a:rPr>
               <a:t> at the end</a:t>
             </a:r>
           </a:p>
           <a:p>
             <a:r>
-              <a:rPr lang="en-US" dirty="0"/>
+              <a:rPr lang="en-US" dirty="0">
+                <a:latin typeface="Lexend Light"/>
+              </a:rPr>
               <a:t>Functions in python can use return statement.</a:t>
             </a:r>
           </a:p>
           <a:p>
             <a:pPr lvl="1"/>
             <a:r>
-              <a:rPr lang="en-US" dirty="0"/>
+              <a:rPr lang="en-US" dirty="0">
+                <a:latin typeface="Lexend Light"/>
+              </a:rPr>
               <a:t>return can come with expression, the one that we want to return</a:t>
             </a:r>
           </a:p>
           <a:p>
             <a:pPr lvl="1"/>
             <a:r>
-              <a:rPr lang="en-US" dirty="0"/>
+              <a:rPr lang="en-US" dirty="0">
+                <a:latin typeface="Lexend Light"/>
+              </a:rPr>
               <a:t>return can be empty</a:t>
             </a:r>
           </a:p>
           <a:p>
             <a:r>
-              <a:rPr lang="en-US" dirty="0"/>
+              <a:rPr lang="en-US" dirty="0">
+                <a:latin typeface="Lexend Light"/>
+              </a:rPr>
               <a:t>return exits the function.</a:t>
             </a:r>
           </a:p>
           <a:p>
             <a:endParaRPr lang="en-US" dirty="0">
+              <a:latin typeface="Lexend Light"/>
               <a:cs typeface="Calibri"/>
             </a:endParaRPr>
           </a:p>
@@ -20412,6 +21756,20 @@
 <file path=ppt/slides/slide30.xml><?xml version="1.0" encoding="utf-8"?>
 <p:sld xmlns:a="http://schemas.openxmlformats.org/drawingml/2006/main" xmlns:r="http://schemas.openxmlformats.org/officeDocument/2006/relationships" xmlns:p="http://schemas.openxmlformats.org/presentationml/2006/main">
   <p:cSld>
+    <p:bg>
+      <p:bgPr>
+        <a:blipFill dpi="0" rotWithShape="1">
+          <a:blip r:embed="rId3">
+            <a:lum/>
+          </a:blip>
+          <a:srcRect/>
+          <a:stretch>
+            <a:fillRect/>
+          </a:stretch>
+        </a:blipFill>
+        <a:effectLst/>
+      </p:bgPr>
+    </p:bg>
     <p:spTree>
       <p:nvGrpSpPr>
         <p:cNvPr id="1" name=""/>
@@ -20444,10 +21802,20 @@
           <a:lstStyle/>
           <a:p>
             <a:r>
-              <a:rPr lang="en-US" dirty="0"/>
+              <a:rPr lang="en-US" b="1" dirty="0">
+                <a:solidFill>
+                  <a:srgbClr val="0071F6"/>
+                </a:solidFill>
+                <a:latin typeface="Lexend" panose="020B0604020202020204"/>
+              </a:rPr>
               <a:t>Python packages</a:t>
             </a:r>
-            <a:endParaRPr lang="he-IL" dirty="0"/>
+            <a:endParaRPr lang="he-IL" b="1" dirty="0">
+              <a:solidFill>
+                <a:srgbClr val="0071F6"/>
+              </a:solidFill>
+              <a:latin typeface="Lexend" panose="020B0604020202020204"/>
+            </a:endParaRPr>
           </a:p>
         </p:txBody>
       </p:sp>
@@ -20469,39 +21837,57 @@
           <a:lstStyle/>
           <a:p>
             <a:r>
-              <a:rPr lang="en-US" sz="2400" dirty="0"/>
+              <a:rPr lang="en-US" sz="2400" dirty="0">
+                <a:latin typeface="Lexend Light"/>
+              </a:rPr>
               <a:t>To help organize modules and provide a naming hierarchy, python has a concept of packages</a:t>
             </a:r>
           </a:p>
           <a:p>
-            <a:endParaRPr lang="en-US" sz="2400" dirty="0"/>
-          </a:p>
-          <a:p>
-            <a:r>
-              <a:rPr lang="en-US" sz="2400" dirty="0"/>
+            <a:endParaRPr lang="en-US" sz="2400" dirty="0">
+              <a:latin typeface="Lexend Light"/>
+            </a:endParaRPr>
+          </a:p>
+          <a:p>
+            <a:r>
+              <a:rPr lang="en-US" sz="2400" dirty="0">
+                <a:latin typeface="Lexend Light"/>
+              </a:rPr>
               <a:t>The __init__.py files are required to make Python treat the directories as package</a:t>
             </a:r>
           </a:p>
           <a:p>
-            <a:endParaRPr lang="en-US" sz="2400" dirty="0"/>
-          </a:p>
-          <a:p>
-            <a:r>
-              <a:rPr lang="en-US" sz="2400" dirty="0"/>
+            <a:endParaRPr lang="en-US" sz="2400" dirty="0">
+              <a:latin typeface="Lexend Light"/>
+            </a:endParaRPr>
+          </a:p>
+          <a:p>
+            <a:r>
+              <a:rPr lang="en-US" sz="2400" dirty="0">
+                <a:latin typeface="Lexend Light"/>
+              </a:rPr>
               <a:t>Access to modules inside a package through the full name: </a:t>
             </a:r>
             <a:r>
-              <a:rPr lang="en-US" sz="2400" i="1" dirty="0" err="1"/>
+              <a:rPr lang="en-US" sz="2400" i="1" dirty="0" err="1">
+                <a:latin typeface="Lexend Light"/>
+              </a:rPr>
               <a:t>package_name.module_name</a:t>
             </a:r>
-            <a:endParaRPr lang="en-US" sz="2400" i="1" dirty="0"/>
-          </a:p>
-          <a:p>
-            <a:endParaRPr lang="en-US" sz="2400" i="1" dirty="0"/>
-          </a:p>
-          <a:p>
-            <a:r>
-              <a:rPr lang="en-US" sz="2400" dirty="0"/>
+            <a:endParaRPr lang="en-US" sz="2400" i="1" dirty="0">
+              <a:latin typeface="Lexend Light"/>
+            </a:endParaRPr>
+          </a:p>
+          <a:p>
+            <a:endParaRPr lang="en-US" sz="2400" i="1" dirty="0">
+              <a:latin typeface="Lexend Light"/>
+            </a:endParaRPr>
+          </a:p>
+          <a:p>
+            <a:r>
+              <a:rPr lang="en-US" sz="2400" dirty="0">
+                <a:latin typeface="Lexend Light"/>
+              </a:rPr>
               <a:t>Packages can contains sub-packages </a:t>
             </a:r>
           </a:p>
@@ -20523,6 +21909,20 @@
 <file path=ppt/slides/slide31.xml><?xml version="1.0" encoding="utf-8"?>
 <p:sld xmlns:a="http://schemas.openxmlformats.org/drawingml/2006/main" xmlns:r="http://schemas.openxmlformats.org/officeDocument/2006/relationships" xmlns:p="http://schemas.openxmlformats.org/presentationml/2006/main">
   <p:cSld>
+    <p:bg>
+      <p:bgPr>
+        <a:blipFill dpi="0" rotWithShape="1">
+          <a:blip r:embed="rId2">
+            <a:lum/>
+          </a:blip>
+          <a:srcRect/>
+          <a:stretch>
+            <a:fillRect/>
+          </a:stretch>
+        </a:blipFill>
+        <a:effectLst/>
+      </p:bgPr>
+    </p:bg>
     <p:spTree>
       <p:nvGrpSpPr>
         <p:cNvPr id="1" name=""/>
@@ -20553,10 +21953,14 @@
           <a:lstStyle/>
           <a:p>
             <a:r>
-              <a:rPr lang="en-US" dirty="0"/>
+              <a:rPr lang="en-US" b="1" dirty="0">
+                <a:latin typeface="Lexend Light"/>
+              </a:rPr>
               <a:t>Lab 01-08</a:t>
             </a:r>
-            <a:endParaRPr lang="he-IL" dirty="0"/>
+            <a:endParaRPr lang="he-IL" b="1" dirty="0">
+              <a:latin typeface="Lexend Light"/>
+            </a:endParaRPr>
           </a:p>
         </p:txBody>
       </p:sp>
@@ -20576,6 +21980,20 @@
 <file path=ppt/slides/slide32.xml><?xml version="1.0" encoding="utf-8"?>
 <p:sld xmlns:a="http://schemas.openxmlformats.org/drawingml/2006/main" xmlns:r="http://schemas.openxmlformats.org/officeDocument/2006/relationships" xmlns:p="http://schemas.openxmlformats.org/presentationml/2006/main">
   <p:cSld>
+    <p:bg>
+      <p:bgPr>
+        <a:blipFill dpi="0" rotWithShape="1">
+          <a:blip r:embed="rId2">
+            <a:lum/>
+          </a:blip>
+          <a:srcRect/>
+          <a:stretch>
+            <a:fillRect/>
+          </a:stretch>
+        </a:blipFill>
+        <a:effectLst/>
+      </p:bgPr>
+    </p:bg>
     <p:spTree>
       <p:nvGrpSpPr>
         <p:cNvPr id="1" name=""/>
@@ -20606,6 +22024,20 @@
 <file path=ppt/slides/slide4.xml><?xml version="1.0" encoding="utf-8"?>
 <p:sld xmlns:a="http://schemas.openxmlformats.org/drawingml/2006/main" xmlns:r="http://schemas.openxmlformats.org/officeDocument/2006/relationships" xmlns:p="http://schemas.openxmlformats.org/presentationml/2006/main">
   <p:cSld>
+    <p:bg>
+      <p:bgPr>
+        <a:blipFill dpi="0" rotWithShape="1">
+          <a:blip r:embed="rId3">
+            <a:lum/>
+          </a:blip>
+          <a:srcRect/>
+          <a:stretch>
+            <a:fillRect/>
+          </a:stretch>
+        </a:blipFill>
+        <a:effectLst/>
+      </p:bgPr>
+    </p:bg>
     <p:spTree>
       <p:nvGrpSpPr>
         <p:cNvPr id="1" name=""/>
@@ -20636,10 +22068,19 @@
           <a:lstStyle/>
           <a:p>
             <a:r>
-              <a:rPr lang="en-US" dirty="0"/>
+              <a:rPr lang="en-US" b="1" dirty="0">
+                <a:solidFill>
+                  <a:srgbClr val="0071F6"/>
+                </a:solidFill>
+                <a:latin typeface="Lexend" panose="020B0604020202020204"/>
+              </a:rPr>
               <a:t>Functions documentation strings</a:t>
             </a:r>
-            <a:endParaRPr lang="en-US" dirty="0">
+            <a:endParaRPr lang="en-US" b="1" dirty="0">
+              <a:solidFill>
+                <a:srgbClr val="0071F6"/>
+              </a:solidFill>
+              <a:latin typeface="Lexend" panose="020B0604020202020204"/>
               <a:cs typeface="Calibri Light"/>
             </a:endParaRPr>
           </a:p>
@@ -20663,70 +22104,98 @@
           <a:lstStyle/>
           <a:p>
             <a:r>
-              <a:rPr lang="en-US" sz="2000" dirty="0"/>
+              <a:rPr lang="en-US" sz="2000" dirty="0">
+                <a:latin typeface="Lexend Light"/>
+              </a:rPr>
               <a:t>First function statement can be the function documentation called </a:t>
             </a:r>
             <a:r>
-              <a:rPr lang="en-US" sz="2000" i="1" dirty="0"/>
+              <a:rPr lang="en-US" sz="2000" i="1" dirty="0">
+                <a:latin typeface="Lexend Light"/>
+              </a:rPr>
               <a:t>docstring. </a:t>
             </a:r>
           </a:p>
           <a:p>
-            <a:endParaRPr lang="en-US" sz="2000" i="1" dirty="0"/>
-          </a:p>
-          <a:p>
-            <a:r>
-              <a:rPr lang="en-US" sz="2000" dirty="0"/>
+            <a:endParaRPr lang="en-US" sz="2000" i="1" dirty="0">
+              <a:latin typeface="Lexend Light"/>
+            </a:endParaRPr>
+          </a:p>
+          <a:p>
+            <a:r>
+              <a:rPr lang="en-US" sz="2000" dirty="0">
+                <a:latin typeface="Lexend Light"/>
+              </a:rPr>
               <a:t>Python documentation string is used like a comment and provide a convenient way to access this documentation even in run time</a:t>
             </a:r>
           </a:p>
           <a:p>
-            <a:endParaRPr lang="en-US" sz="2000" dirty="0"/>
-          </a:p>
-          <a:p>
-            <a:r>
-              <a:rPr lang="en-US" sz="2000" dirty="0"/>
+            <a:endParaRPr lang="en-US" sz="2000" dirty="0">
+              <a:latin typeface="Lexend Light"/>
+            </a:endParaRPr>
+          </a:p>
+          <a:p>
+            <a:r>
+              <a:rPr lang="en-US" sz="2000" dirty="0">
+                <a:latin typeface="Lexend Light"/>
+              </a:rPr>
               <a:t>Python docstrings can be placed in functions, classes, modules</a:t>
             </a:r>
           </a:p>
           <a:p>
-            <a:endParaRPr lang="en-US" sz="2000" dirty="0"/>
-          </a:p>
-          <a:p>
-            <a:r>
-              <a:rPr lang="en-US" sz="2000" dirty="0"/>
+            <a:endParaRPr lang="en-US" sz="2000" dirty="0">
+              <a:latin typeface="Lexend Light"/>
+            </a:endParaRPr>
+          </a:p>
+          <a:p>
+            <a:r>
+              <a:rPr lang="en-US" sz="2000" dirty="0">
+                <a:latin typeface="Lexend Light"/>
+              </a:rPr>
               <a:t>In python docstring can be accessed with </a:t>
             </a:r>
             <a:r>
-              <a:rPr lang="en-US" sz="2000" i="1" dirty="0"/>
+              <a:rPr lang="en-US" sz="2000" i="1" dirty="0">
+                <a:latin typeface="Lexend Light"/>
+              </a:rPr>
               <a:t>help </a:t>
             </a:r>
             <a:r>
-              <a:rPr lang="en-US" sz="2000" dirty="0"/>
+              <a:rPr lang="en-US" sz="2000" dirty="0">
+                <a:latin typeface="Lexend Light"/>
+              </a:rPr>
               <a:t>function or </a:t>
             </a:r>
             <a:r>
-              <a:rPr lang="en-US" sz="2000" i="1" dirty="0" err="1"/>
+              <a:rPr lang="en-US" sz="2000" i="1" dirty="0" err="1">
+                <a:latin typeface="Lexend Light"/>
+              </a:rPr>
               <a:t>obj.__doc</a:t>
             </a:r>
             <a:r>
-              <a:rPr lang="en-US" sz="2000" i="1" dirty="0"/>
+              <a:rPr lang="en-US" sz="2000" i="1" dirty="0">
+                <a:latin typeface="Lexend Light"/>
+              </a:rPr>
               <a:t>__</a:t>
             </a:r>
           </a:p>
           <a:p>
-            <a:endParaRPr lang="en-US" sz="2000" i="1" dirty="0"/>
+            <a:endParaRPr lang="en-US" sz="2000" i="1" dirty="0">
+              <a:latin typeface="Lexend Light"/>
+            </a:endParaRPr>
           </a:p>
           <a:p>
             <a:pPr marL="0" indent="0">
               <a:buNone/>
             </a:pPr>
             <a:endParaRPr lang="en-US" sz="2600" dirty="0">
+              <a:latin typeface="Lexend Light"/>
               <a:cs typeface="Calibri"/>
             </a:endParaRPr>
           </a:p>
           <a:p>
             <a:endParaRPr lang="en-US" dirty="0">
+              <a:latin typeface="Lexend Light"/>
               <a:cs typeface="Calibri"/>
             </a:endParaRPr>
           </a:p>
@@ -21033,9 +22502,15 @@
   <p:cSld>
     <p:bg>
       <p:bgPr>
-        <a:solidFill>
-          <a:schemeClr val="bg1"/>
-        </a:solidFill>
+        <a:blipFill dpi="0" rotWithShape="1">
+          <a:blip r:embed="rId2">
+            <a:lum/>
+          </a:blip>
+          <a:srcRect/>
+          <a:stretch>
+            <a:fillRect/>
+          </a:stretch>
+        </a:blipFill>
         <a:effectLst/>
       </p:bgPr>
     </p:bg>
@@ -21076,7 +22551,12 @@
           <a:lstStyle/>
           <a:p>
             <a:r>
-              <a:rPr lang="en-US" dirty="0"/>
+              <a:rPr lang="en-US" b="1" dirty="0">
+                <a:solidFill>
+                  <a:srgbClr val="0071F6"/>
+                </a:solidFill>
+                <a:latin typeface="Lexend" panose="020B0604020202020204"/>
+              </a:rPr>
               <a:t>Function Definition</a:t>
             </a:r>
           </a:p>
@@ -21155,15 +22635,21 @@
               <a:buNone/>
             </a:pPr>
             <a:r>
-              <a:rPr lang="en-US" dirty="0"/>
+              <a:rPr lang="en-US" dirty="0">
+                <a:latin typeface="Lexend Light"/>
+              </a:rPr>
               <a:t>def </a:t>
             </a:r>
             <a:r>
-              <a:rPr lang="en-US" dirty="0" err="1"/>
+              <a:rPr lang="en-US" dirty="0" err="1">
+                <a:latin typeface="Lexend Light"/>
+              </a:rPr>
               <a:t>func_name</a:t>
             </a:r>
             <a:r>
-              <a:rPr lang="en-US" dirty="0"/>
+              <a:rPr lang="en-US" dirty="0">
+                <a:latin typeface="Lexend Light"/>
+              </a:rPr>
               <a:t>(parameters):</a:t>
             </a:r>
           </a:p>
@@ -21172,7 +22658,9 @@
               <a:buNone/>
             </a:pPr>
             <a:r>
-              <a:rPr lang="en-US" dirty="0"/>
+              <a:rPr lang="en-US" dirty="0">
+                <a:latin typeface="Lexend Light"/>
+              </a:rPr>
               <a:t>	"docstring"</a:t>
             </a:r>
           </a:p>
@@ -21181,7 +22669,9 @@
               <a:buNone/>
             </a:pPr>
             <a:r>
-              <a:rPr lang="en-US" dirty="0"/>
+              <a:rPr lang="en-US" dirty="0">
+                <a:latin typeface="Lexend Light"/>
+              </a:rPr>
               <a:t>	command</a:t>
             </a:r>
           </a:p>
@@ -21190,11 +22680,15 @@
               <a:buNone/>
             </a:pPr>
             <a:r>
-              <a:rPr lang="en-US" dirty="0"/>
+              <a:rPr lang="en-US" dirty="0">
+                <a:latin typeface="Lexend Light"/>
+              </a:rPr>
               <a:t>	</a:t>
             </a:r>
             <a:r>
-              <a:rPr lang="en-US" sz="1050" b="1" dirty="0"/>
+              <a:rPr lang="en-US" sz="1050" b="1" dirty="0">
+                <a:latin typeface="Lexend Light"/>
+              </a:rPr>
               <a:t>.</a:t>
             </a:r>
           </a:p>
@@ -21203,7 +22697,9 @@
               <a:buNone/>
             </a:pPr>
             <a:r>
-              <a:rPr lang="en-US" sz="1050" b="1" dirty="0"/>
+              <a:rPr lang="en-US" sz="1050" b="1" dirty="0">
+                <a:latin typeface="Lexend Light"/>
+              </a:rPr>
               <a:t>	.</a:t>
             </a:r>
           </a:p>
@@ -21212,7 +22708,9 @@
               <a:buNone/>
             </a:pPr>
             <a:r>
-              <a:rPr lang="en-US" dirty="0"/>
+              <a:rPr lang="en-US" dirty="0">
+                <a:latin typeface="Lexend Light"/>
+              </a:rPr>
               <a:t>	command</a:t>
             </a:r>
           </a:p>
@@ -21221,7 +22719,9 @@
               <a:buNone/>
             </a:pPr>
             <a:r>
-              <a:rPr lang="en-US" dirty="0"/>
+              <a:rPr lang="en-US" dirty="0">
+                <a:latin typeface="Lexend Light"/>
+              </a:rPr>
               <a:t>	[return expr]</a:t>
             </a:r>
           </a:p>
@@ -21229,14 +22729,18 @@
             <a:pPr marL="0" indent="0">
               <a:buNone/>
             </a:pPr>
-            <a:endParaRPr lang="en-US" dirty="0"/>
+            <a:endParaRPr lang="en-US" dirty="0">
+              <a:latin typeface="Lexend Light"/>
+            </a:endParaRPr>
           </a:p>
           <a:p>
             <a:pPr marL="0" indent="0">
               <a:buNone/>
             </a:pPr>
             <a:r>
-              <a:rPr lang="en-US" dirty="0"/>
+              <a:rPr lang="en-US" dirty="0">
+                <a:latin typeface="Lexend Light"/>
+              </a:rPr>
               <a:t>For example:</a:t>
             </a:r>
           </a:p>
@@ -21244,10 +22748,14 @@
             <a:pPr marL="0" indent="0">
               <a:buNone/>
             </a:pPr>
-            <a:endParaRPr lang="en-US" sz="800" dirty="0"/>
-          </a:p>
-          <a:p>
-            <a:endParaRPr lang="en-US" dirty="0"/>
+            <a:endParaRPr lang="en-US" sz="800" dirty="0">
+              <a:latin typeface="Lexend Light"/>
+            </a:endParaRPr>
+          </a:p>
+          <a:p>
+            <a:endParaRPr lang="en-US" dirty="0">
+              <a:latin typeface="Lexend Light"/>
+            </a:endParaRPr>
           </a:p>
         </p:txBody>
       </p:sp>
@@ -21965,9 +23473,15 @@
   <p:cSld>
     <p:bg>
       <p:bgPr>
-        <a:solidFill>
-          <a:schemeClr val="bg1"/>
-        </a:solidFill>
+        <a:blipFill dpi="0" rotWithShape="1">
+          <a:blip r:embed="rId2">
+            <a:lum/>
+          </a:blip>
+          <a:srcRect/>
+          <a:stretch>
+            <a:fillRect/>
+          </a:stretch>
+        </a:blipFill>
         <a:effectLst/>
       </p:bgPr>
     </p:bg>
@@ -22014,10 +23528,20 @@
           <a:lstStyle/>
           <a:p>
             <a:r>
-              <a:rPr lang="en-US" dirty="0"/>
+              <a:rPr lang="en-US" b="1" dirty="0">
+                <a:solidFill>
+                  <a:srgbClr val="0071F6"/>
+                </a:solidFill>
+                <a:latin typeface="Lexend" panose="020B0604020202020204"/>
+              </a:rPr>
               <a:t>Function overloading</a:t>
             </a:r>
-            <a:endParaRPr lang="he-IL" dirty="0"/>
+            <a:endParaRPr lang="he-IL" b="1" dirty="0">
+              <a:solidFill>
+                <a:srgbClr val="0071F6"/>
+              </a:solidFill>
+              <a:latin typeface="Lexend" panose="020B0604020202020204"/>
+            </a:endParaRPr>
           </a:p>
         </p:txBody>
       </p:sp>
@@ -22050,33 +23574,47 @@
           <a:lstStyle/>
           <a:p>
             <a:r>
-              <a:rPr lang="en-US" sz="3200" dirty="0"/>
+              <a:rPr lang="en-US" sz="3200" dirty="0">
+                <a:latin typeface="Lexend Light"/>
+              </a:rPr>
               <a:t>Python does not support function overloading</a:t>
             </a:r>
           </a:p>
           <a:p>
-            <a:endParaRPr lang="en-US" sz="3200" dirty="0"/>
-          </a:p>
-          <a:p>
-            <a:r>
-              <a:rPr lang="en-US" sz="3200" dirty="0"/>
+            <a:endParaRPr lang="en-US" sz="3200" dirty="0">
+              <a:latin typeface="Lexend Light"/>
+            </a:endParaRPr>
+          </a:p>
+          <a:p>
+            <a:r>
+              <a:rPr lang="en-US" sz="3200" dirty="0">
+                <a:latin typeface="Lexend Light"/>
+              </a:rPr>
               <a:t>When function with the same name defined more than once, they are treated as function redefinition and last one wins </a:t>
             </a:r>
           </a:p>
           <a:p>
-            <a:endParaRPr lang="en-US" sz="3200" dirty="0"/>
-          </a:p>
-          <a:p>
-            <a:r>
-              <a:rPr lang="en-US" sz="3200" dirty="0"/>
+            <a:endParaRPr lang="en-US" sz="3200" dirty="0">
+              <a:latin typeface="Lexend Light"/>
+            </a:endParaRPr>
+          </a:p>
+          <a:p>
+            <a:r>
+              <a:rPr lang="en-US" sz="3200" dirty="0">
+                <a:latin typeface="Lexend Light"/>
+              </a:rPr>
               <a:t>Python has many different ways to overcome this obstacle, like default arguments, variable-length parameters, </a:t>
             </a:r>
             <a:r>
-              <a:rPr lang="en-US" sz="3200" dirty="0" err="1"/>
+              <a:rPr lang="en-US" sz="3200" dirty="0" err="1">
+                <a:latin typeface="Lexend Light"/>
+              </a:rPr>
               <a:t>etc</a:t>
             </a:r>
             <a:r>
-              <a:rPr lang="en-US" sz="3200" dirty="0"/>
+              <a:rPr lang="en-US" sz="3200" dirty="0">
+                <a:latin typeface="Lexend Light"/>
+              </a:rPr>
               <a:t> (will be discussed later)</a:t>
             </a:r>
           </a:p>
@@ -22098,6 +23636,20 @@
 <file path=ppt/slides/slide7.xml><?xml version="1.0" encoding="utf-8"?>
 <p:sld xmlns:a="http://schemas.openxmlformats.org/drawingml/2006/main" xmlns:r="http://schemas.openxmlformats.org/officeDocument/2006/relationships" xmlns:p="http://schemas.openxmlformats.org/presentationml/2006/main">
   <p:cSld>
+    <p:bg>
+      <p:bgPr>
+        <a:blipFill dpi="0" rotWithShape="1">
+          <a:blip r:embed="rId3">
+            <a:lum/>
+          </a:blip>
+          <a:srcRect/>
+          <a:stretch>
+            <a:fillRect/>
+          </a:stretch>
+        </a:blipFill>
+        <a:effectLst/>
+      </p:bgPr>
+    </p:bg>
     <p:spTree>
       <p:nvGrpSpPr>
         <p:cNvPr id="1" name=""/>
@@ -22130,7 +23682,12 @@
           <a:lstStyle/>
           <a:p>
             <a:r>
-              <a:rPr lang="en-US" dirty="0"/>
+              <a:rPr lang="en-US" b="1" dirty="0">
+                <a:solidFill>
+                  <a:srgbClr val="0071F6"/>
+                </a:solidFill>
+                <a:latin typeface="Lexend" panose="020B0604020202020204"/>
+              </a:rPr>
               <a:t>Function Arguments</a:t>
             </a:r>
           </a:p>
@@ -22152,27 +23709,35 @@
           <a:lstStyle/>
           <a:p>
             <a:r>
-              <a:rPr lang="en-US" sz="3100" dirty="0"/>
+              <a:rPr lang="en-US" sz="3100" dirty="0">
+                <a:latin typeface="Lexend Light"/>
+              </a:rPr>
               <a:t>Required arguments:</a:t>
             </a:r>
           </a:p>
           <a:p>
             <a:pPr lvl="1"/>
             <a:r>
-              <a:rPr lang="en-US" dirty="0"/>
+              <a:rPr lang="en-US" dirty="0">
+                <a:latin typeface="Lexend Light"/>
+              </a:rPr>
               <a:t>Required arguments must be passed to a function in correct order and exact amount.</a:t>
             </a:r>
           </a:p>
           <a:p>
             <a:pPr lvl="1"/>
-            <a:endParaRPr lang="en-US" dirty="0"/>
+            <a:endParaRPr lang="en-US" dirty="0">
+              <a:latin typeface="Lexend Light"/>
+            </a:endParaRPr>
           </a:p>
           <a:p>
             <a:pPr marL="0" indent="0">
               <a:buNone/>
             </a:pPr>
             <a:r>
-              <a:rPr lang="en-US" sz="2600" dirty="0"/>
+              <a:rPr lang="en-US" sz="2600" dirty="0">
+                <a:latin typeface="Lexend Light"/>
+              </a:rPr>
               <a:t>For example:</a:t>
             </a:r>
           </a:p>
@@ -22180,7 +23745,9 @@
             <a:pPr marL="0" indent="0">
               <a:buNone/>
             </a:pPr>
-            <a:endParaRPr lang="en-US" dirty="0"/>
+            <a:endParaRPr lang="en-US" dirty="0">
+              <a:latin typeface="Lexend Light"/>
+            </a:endParaRPr>
           </a:p>
         </p:txBody>
       </p:sp>
@@ -22650,6 +24217,20 @@
 <file path=ppt/slides/slide8.xml><?xml version="1.0" encoding="utf-8"?>
 <p:sld xmlns:a="http://schemas.openxmlformats.org/drawingml/2006/main" xmlns:r="http://schemas.openxmlformats.org/officeDocument/2006/relationships" xmlns:p="http://schemas.openxmlformats.org/presentationml/2006/main">
   <p:cSld>
+    <p:bg>
+      <p:bgPr>
+        <a:blipFill dpi="0" rotWithShape="1">
+          <a:blip r:embed="rId3">
+            <a:lum/>
+          </a:blip>
+          <a:srcRect/>
+          <a:stretch>
+            <a:fillRect/>
+          </a:stretch>
+        </a:blipFill>
+        <a:effectLst/>
+      </p:bgPr>
+    </p:bg>
     <p:spTree>
       <p:nvGrpSpPr>
         <p:cNvPr id="1" name=""/>
@@ -22682,10 +24263,20 @@
           <a:lstStyle/>
           <a:p>
             <a:r>
-              <a:rPr lang="en-US" dirty="0"/>
+              <a:rPr lang="en-US" b="1" dirty="0">
+                <a:solidFill>
+                  <a:srgbClr val="0071F6"/>
+                </a:solidFill>
+                <a:latin typeface="Lexend" panose="020B0604020202020204"/>
+              </a:rPr>
               <a:t>Function Arguments – cont’d</a:t>
             </a:r>
-            <a:endParaRPr lang="he-IL" dirty="0"/>
+            <a:endParaRPr lang="he-IL" b="1" dirty="0">
+              <a:solidFill>
+                <a:srgbClr val="0071F6"/>
+              </a:solidFill>
+              <a:latin typeface="Lexend" panose="020B0604020202020204"/>
+            </a:endParaRPr>
           </a:p>
         </p:txBody>
       </p:sp>
@@ -22707,21 +24298,27 @@
           <a:lstStyle/>
           <a:p>
             <a:r>
-              <a:rPr lang="en-US" sz="1600" dirty="0"/>
+              <a:rPr lang="en-US" sz="1600" dirty="0">
+                <a:latin typeface="Lexend Light"/>
+              </a:rPr>
               <a:t>Keyword arguments:</a:t>
             </a:r>
           </a:p>
           <a:p>
             <a:pPr lvl="1"/>
             <a:r>
-              <a:rPr lang="en-US" sz="1600" dirty="0"/>
+              <a:rPr lang="en-US" sz="1600" dirty="0">
+                <a:latin typeface="Lexend Light"/>
+              </a:rPr>
               <a:t>Arguments can be pass by keyword (name). We can pass arguments in any order when passing them by names.</a:t>
             </a:r>
           </a:p>
           <a:p>
             <a:pPr lvl="1"/>
             <a:r>
-              <a:rPr lang="en-US" sz="1600" dirty="0"/>
+              <a:rPr lang="en-US" sz="1600" dirty="0">
+                <a:latin typeface="Lexend Light"/>
+              </a:rPr>
               <a:t>Non-keyword arguments are allowed after keyword ones</a:t>
             </a:r>
           </a:p>
@@ -22730,7 +24327,9 @@
               <a:buNone/>
             </a:pPr>
             <a:r>
-              <a:rPr lang="en-US" sz="1600" dirty="0"/>
+              <a:rPr lang="en-US" sz="1600" dirty="0">
+                <a:latin typeface="Lexend Light"/>
+              </a:rPr>
               <a:t>Example 1:</a:t>
             </a:r>
           </a:p>
@@ -22738,38 +24337,50 @@
             <a:pPr marL="0" indent="0">
               <a:buNone/>
             </a:pPr>
-            <a:endParaRPr lang="en-US" sz="1600" dirty="0"/>
+            <a:endParaRPr lang="en-US" sz="1600" dirty="0">
+              <a:latin typeface="Lexend Light"/>
+            </a:endParaRPr>
           </a:p>
           <a:p>
             <a:pPr marL="0" indent="0">
               <a:buNone/>
             </a:pPr>
-            <a:endParaRPr lang="en-US" sz="1600" dirty="0"/>
+            <a:endParaRPr lang="en-US" sz="1600" dirty="0">
+              <a:latin typeface="Lexend Light"/>
+            </a:endParaRPr>
           </a:p>
           <a:p>
             <a:pPr marL="0" indent="0">
               <a:buNone/>
             </a:pPr>
-            <a:endParaRPr lang="en-US" sz="1600" dirty="0"/>
+            <a:endParaRPr lang="en-US" sz="1600" dirty="0">
+              <a:latin typeface="Lexend Light"/>
+            </a:endParaRPr>
           </a:p>
           <a:p>
             <a:pPr marL="0" indent="0">
               <a:buNone/>
             </a:pPr>
-            <a:endParaRPr lang="en-US" sz="1600" dirty="0"/>
+            <a:endParaRPr lang="en-US" sz="1600" dirty="0">
+              <a:latin typeface="Lexend Light"/>
+            </a:endParaRPr>
           </a:p>
           <a:p>
             <a:pPr marL="0" indent="0">
               <a:buNone/>
             </a:pPr>
-            <a:endParaRPr lang="en-US" sz="1600" dirty="0"/>
+            <a:endParaRPr lang="en-US" sz="1600" dirty="0">
+              <a:latin typeface="Lexend Light"/>
+            </a:endParaRPr>
           </a:p>
           <a:p>
             <a:pPr marL="0" indent="0">
               <a:buNone/>
             </a:pPr>
             <a:r>
-              <a:rPr lang="en-US" sz="1600" dirty="0"/>
+              <a:rPr lang="en-US" sz="1600" dirty="0">
+                <a:latin typeface="Lexend Light"/>
+              </a:rPr>
               <a:t>Example 2:</a:t>
             </a:r>
           </a:p>
@@ -22777,7 +24388,9 @@
             <a:pPr marL="0" indent="0">
               <a:buNone/>
             </a:pPr>
-            <a:endParaRPr lang="en-US" dirty="0"/>
+            <a:endParaRPr lang="en-US" dirty="0">
+              <a:latin typeface="Lexend Light"/>
+            </a:endParaRPr>
           </a:p>
         </p:txBody>
       </p:sp>
@@ -24006,6 +25619,20 @@
 <file path=ppt/slides/slide9.xml><?xml version="1.0" encoding="utf-8"?>
 <p:sld xmlns:a="http://schemas.openxmlformats.org/drawingml/2006/main" xmlns:r="http://schemas.openxmlformats.org/officeDocument/2006/relationships" xmlns:p="http://schemas.openxmlformats.org/presentationml/2006/main">
   <p:cSld>
+    <p:bg>
+      <p:bgPr>
+        <a:blipFill dpi="0" rotWithShape="1">
+          <a:blip r:embed="rId3">
+            <a:lum/>
+          </a:blip>
+          <a:srcRect/>
+          <a:stretch>
+            <a:fillRect/>
+          </a:stretch>
+        </a:blipFill>
+        <a:effectLst/>
+      </p:bgPr>
+    </p:bg>
     <p:spTree>
       <p:nvGrpSpPr>
         <p:cNvPr id="1" name=""/>
@@ -24038,10 +25665,20 @@
           <a:lstStyle/>
           <a:p>
             <a:r>
-              <a:rPr lang="en-US" dirty="0"/>
+              <a:rPr lang="en-US" b="1" dirty="0">
+                <a:solidFill>
+                  <a:srgbClr val="0071F6"/>
+                </a:solidFill>
+                <a:latin typeface="Lexend" panose="020B0604020202020204"/>
+              </a:rPr>
               <a:t>Function Arguments – cont’d</a:t>
             </a:r>
-            <a:endParaRPr lang="he-IL" dirty="0"/>
+            <a:endParaRPr lang="he-IL" b="1" dirty="0">
+              <a:solidFill>
+                <a:srgbClr val="0071F6"/>
+              </a:solidFill>
+              <a:latin typeface="Lexend" panose="020B0604020202020204"/>
+            </a:endParaRPr>
           </a:p>
         </p:txBody>
       </p:sp>
@@ -24063,25 +25700,33 @@
           <a:lstStyle/>
           <a:p>
             <a:r>
-              <a:rPr lang="en-US" sz="2600" dirty="0"/>
+              <a:rPr lang="en-US" sz="2600" dirty="0">
+                <a:latin typeface="Lexend Light"/>
+              </a:rPr>
               <a:t>Default Arguments</a:t>
             </a:r>
             <a:r>
-              <a:rPr lang="en-US" dirty="0"/>
+              <a:rPr lang="en-US" dirty="0">
+                <a:latin typeface="Lexend Light"/>
+              </a:rPr>
               <a:t>:</a:t>
             </a:r>
           </a:p>
           <a:p>
             <a:pPr lvl="1"/>
             <a:r>
-              <a:rPr lang="en-US" dirty="0"/>
+              <a:rPr lang="en-US" dirty="0">
+                <a:latin typeface="Lexend Light"/>
+              </a:rPr>
               <a:t>A default argument is an argument that defines a default value. The argument holds this default value, unless other value is passed</a:t>
             </a:r>
           </a:p>
           <a:p>
             <a:pPr lvl="1"/>
             <a:r>
-              <a:rPr lang="en-US" dirty="0"/>
+              <a:rPr lang="en-US" dirty="0">
+                <a:latin typeface="Lexend Light"/>
+              </a:rPr>
               <a:t>If function have both default and formal arguments, formal arguments must be defined first.</a:t>
             </a:r>
           </a:p>
